--- a/LicensePlatePresentation.pptx
+++ b/LicensePlatePresentation.pptx
@@ -5,10 +5,10 @@
     <p:sldMasterId id="2147483723" r:id="rId1"/>
   </p:sldMasterIdLst>
   <p:notesMasterIdLst>
-    <p:notesMasterId r:id="rId12"/>
+    <p:notesMasterId r:id="rId13"/>
   </p:notesMasterIdLst>
   <p:handoutMasterIdLst>
-    <p:handoutMasterId r:id="rId13"/>
+    <p:handoutMasterId r:id="rId14"/>
   </p:handoutMasterIdLst>
   <p:sldIdLst>
     <p:sldId id="256" r:id="rId2"/>
@@ -16,11 +16,12 @@
     <p:sldId id="258" r:id="rId4"/>
     <p:sldId id="259" r:id="rId5"/>
     <p:sldId id="260" r:id="rId6"/>
-    <p:sldId id="261" r:id="rId7"/>
-    <p:sldId id="262" r:id="rId8"/>
-    <p:sldId id="263" r:id="rId9"/>
-    <p:sldId id="264" r:id="rId10"/>
-    <p:sldId id="265" r:id="rId11"/>
+    <p:sldId id="266" r:id="rId7"/>
+    <p:sldId id="261" r:id="rId8"/>
+    <p:sldId id="262" r:id="rId9"/>
+    <p:sldId id="263" r:id="rId10"/>
+    <p:sldId id="264" r:id="rId11"/>
+    <p:sldId id="265" r:id="rId12"/>
   </p:sldIdLst>
   <p:sldSz cx="12192000" cy="6858000"/>
   <p:notesSz cx="6858000" cy="9144000"/>
@@ -119,6 +120,11 @@
       </a:defRPr>
     </a:lvl9pPr>
   </p:defaultTextStyle>
+  <p:extLst>
+    <p:ext uri="{EFAFB233-063F-42B5-8137-9DF3F51BA10A}">
+      <p15:sldGuideLst xmlns:p15="http://schemas.microsoft.com/office/powerpoint/2012/main"/>
+    </p:ext>
+  </p:extLst>
 </p:presentation>
 </file>
 
@@ -216,7 +222,7 @@
           <a:p>
             <a:fld id="{CEEDB92F-C780-4C0F-9DD6-6A35132BF95E}" type="datetimeFigureOut">
               <a:rPr lang="it-IT" smtClean="0"/>
-              <a:t>16/07/2025</a:t>
+              <a:t>17/07/2025</a:t>
             </a:fld>
             <a:endParaRPr lang="it-IT"/>
           </a:p>
@@ -393,7 +399,7 @@
           <a:p>
             <a:fld id="{B77E1B1B-E97F-4732-BDA1-07ADC26B5C39}" type="datetimeFigureOut">
               <a:rPr lang="it-IT" smtClean="0"/>
-              <a:t>16/07/2025</a:t>
+              <a:t>17/07/2025</a:t>
             </a:fld>
             <a:endParaRPr lang="it-IT"/>
           </a:p>
@@ -1405,7 +1411,7 @@
           <a:p>
             <a:fld id="{4501F631-491C-4FA4-B535-1CFB1A297EE0}" type="datetimeFigureOut">
               <a:rPr lang="it-IT" smtClean="0"/>
-              <a:t>16/07/2025</a:t>
+              <a:t>17/07/2025</a:t>
             </a:fld>
             <a:endParaRPr lang="it-IT"/>
           </a:p>
@@ -1656,7 +1662,7 @@
           <a:p>
             <a:fld id="{4501F631-491C-4FA4-B535-1CFB1A297EE0}" type="datetimeFigureOut">
               <a:rPr lang="it-IT" smtClean="0"/>
-              <a:t>16/07/2025</a:t>
+              <a:t>17/07/2025</a:t>
             </a:fld>
             <a:endParaRPr lang="it-IT"/>
           </a:p>
@@ -1970,7 +1976,7 @@
           <a:p>
             <a:fld id="{4501F631-491C-4FA4-B535-1CFB1A297EE0}" type="datetimeFigureOut">
               <a:rPr lang="it-IT" smtClean="0"/>
-              <a:t>16/07/2025</a:t>
+              <a:t>17/07/2025</a:t>
             </a:fld>
             <a:endParaRPr lang="it-IT"/>
           </a:p>
@@ -2303,7 +2309,7 @@
           <a:p>
             <a:fld id="{4501F631-491C-4FA4-B535-1CFB1A297EE0}" type="datetimeFigureOut">
               <a:rPr lang="it-IT" smtClean="0"/>
-              <a:t>16/07/2025</a:t>
+              <a:t>17/07/2025</a:t>
             </a:fld>
             <a:endParaRPr lang="it-IT"/>
           </a:p>
@@ -2617,7 +2623,7 @@
           <a:p>
             <a:fld id="{4501F631-491C-4FA4-B535-1CFB1A297EE0}" type="datetimeFigureOut">
               <a:rPr lang="it-IT" smtClean="0"/>
-              <a:t>16/07/2025</a:t>
+              <a:t>17/07/2025</a:t>
             </a:fld>
             <a:endParaRPr lang="it-IT"/>
           </a:p>
@@ -3010,7 +3016,7 @@
           <a:p>
             <a:fld id="{4501F631-491C-4FA4-B535-1CFB1A297EE0}" type="datetimeFigureOut">
               <a:rPr lang="it-IT" smtClean="0"/>
-              <a:t>16/07/2025</a:t>
+              <a:t>17/07/2025</a:t>
             </a:fld>
             <a:endParaRPr lang="it-IT"/>
           </a:p>
@@ -3180,7 +3186,7 @@
           <a:p>
             <a:fld id="{4501F631-491C-4FA4-B535-1CFB1A297EE0}" type="datetimeFigureOut">
               <a:rPr lang="it-IT" smtClean="0"/>
-              <a:t>16/07/2025</a:t>
+              <a:t>17/07/2025</a:t>
             </a:fld>
             <a:endParaRPr lang="it-IT"/>
           </a:p>
@@ -3360,7 +3366,7 @@
           <a:p>
             <a:fld id="{4501F631-491C-4FA4-B535-1CFB1A297EE0}" type="datetimeFigureOut">
               <a:rPr lang="it-IT" smtClean="0"/>
-              <a:t>16/07/2025</a:t>
+              <a:t>17/07/2025</a:t>
             </a:fld>
             <a:endParaRPr lang="it-IT"/>
           </a:p>
@@ -3530,7 +3536,7 @@
           <a:p>
             <a:fld id="{4501F631-491C-4FA4-B535-1CFB1A297EE0}" type="datetimeFigureOut">
               <a:rPr lang="it-IT" smtClean="0"/>
-              <a:t>16/07/2025</a:t>
+              <a:t>17/07/2025</a:t>
             </a:fld>
             <a:endParaRPr lang="it-IT"/>
           </a:p>
@@ -3777,7 +3783,7 @@
           <a:p>
             <a:fld id="{4501F631-491C-4FA4-B535-1CFB1A297EE0}" type="datetimeFigureOut">
               <a:rPr lang="it-IT" smtClean="0"/>
-              <a:t>16/07/2025</a:t>
+              <a:t>17/07/2025</a:t>
             </a:fld>
             <a:endParaRPr lang="it-IT"/>
           </a:p>
@@ -4009,7 +4015,7 @@
           <a:p>
             <a:fld id="{4501F631-491C-4FA4-B535-1CFB1A297EE0}" type="datetimeFigureOut">
               <a:rPr lang="it-IT" smtClean="0"/>
-              <a:t>16/07/2025</a:t>
+              <a:t>17/07/2025</a:t>
             </a:fld>
             <a:endParaRPr lang="it-IT"/>
           </a:p>
@@ -4383,7 +4389,7 @@
           <a:p>
             <a:fld id="{4501F631-491C-4FA4-B535-1CFB1A297EE0}" type="datetimeFigureOut">
               <a:rPr lang="it-IT" smtClean="0"/>
-              <a:t>16/07/2025</a:t>
+              <a:t>17/07/2025</a:t>
             </a:fld>
             <a:endParaRPr lang="it-IT"/>
           </a:p>
@@ -4506,7 +4512,7 @@
           <a:p>
             <a:fld id="{4501F631-491C-4FA4-B535-1CFB1A297EE0}" type="datetimeFigureOut">
               <a:rPr lang="it-IT" smtClean="0"/>
-              <a:t>16/07/2025</a:t>
+              <a:t>17/07/2025</a:t>
             </a:fld>
             <a:endParaRPr lang="it-IT"/>
           </a:p>
@@ -4601,7 +4607,7 @@
           <a:p>
             <a:fld id="{4501F631-491C-4FA4-B535-1CFB1A297EE0}" type="datetimeFigureOut">
               <a:rPr lang="it-IT" smtClean="0"/>
-              <a:t>16/07/2025</a:t>
+              <a:t>17/07/2025</a:t>
             </a:fld>
             <a:endParaRPr lang="it-IT"/>
           </a:p>
@@ -4856,7 +4862,7 @@
           <a:p>
             <a:fld id="{4501F631-491C-4FA4-B535-1CFB1A297EE0}" type="datetimeFigureOut">
               <a:rPr lang="it-IT" smtClean="0"/>
-              <a:t>16/07/2025</a:t>
+              <a:t>17/07/2025</a:t>
             </a:fld>
             <a:endParaRPr lang="it-IT"/>
           </a:p>
@@ -5161,7 +5167,7 @@
           <a:p>
             <a:fld id="{4501F631-491C-4FA4-B535-1CFB1A297EE0}" type="datetimeFigureOut">
               <a:rPr lang="it-IT" smtClean="0"/>
-              <a:t>16/07/2025</a:t>
+              <a:t>17/07/2025</a:t>
             </a:fld>
             <a:endParaRPr lang="it-IT"/>
           </a:p>
@@ -5863,7 +5869,7 @@
           <a:p>
             <a:fld id="{4501F631-491C-4FA4-B535-1CFB1A297EE0}" type="datetimeFigureOut">
               <a:rPr lang="it-IT" smtClean="0"/>
-              <a:t>16/07/2025</a:t>
+              <a:t>17/07/2025</a:t>
             </a:fld>
             <a:endParaRPr lang="it-IT"/>
           </a:p>
@@ -6494,8 +6500,8 @@
         </p:nvSpPr>
         <p:spPr>
           <a:xfrm>
-            <a:off x="5380563" y="1678665"/>
-            <a:ext cx="3887839" cy="2372168"/>
+            <a:off x="5114335" y="1678665"/>
+            <a:ext cx="4154068" cy="2372168"/>
           </a:xfrm>
         </p:spPr>
         <p:txBody>
@@ -6523,7 +6529,7 @@
             </a:r>
             <a:r>
               <a:rPr lang="it-IT" sz="3400" dirty="0" err="1"/>
-              <a:t>Recostruction</a:t>
+              <a:t>Reconstruction</a:t>
             </a:r>
             <a:r>
               <a:rPr lang="it-IT" sz="3400" dirty="0"/>
@@ -6581,7 +6587,7 @@
             </a:br>
             <a:r>
               <a:rPr lang="it-IT" sz="1400" dirty="0"/>
-              <a:t>Sapienza, A.Y. 2024/2025</a:t>
+              <a:t>La Sapienza, A.Y. 2024/2025</a:t>
             </a:r>
             <a:br>
               <a:rPr lang="it-IT" sz="1400" dirty="0"/>
@@ -6635,6 +6641,90 @@
           <p:cNvPr id="2" name="Titolo 1">
             <a:extLst>
               <a:ext uri="{FF2B5EF4-FFF2-40B4-BE49-F238E27FC236}">
+                <a16:creationId xmlns:a16="http://schemas.microsoft.com/office/drawing/2014/main" id="{1E2AAD67-B365-86A2-6024-1EB78F335272}"/>
+              </a:ext>
+            </a:extLst>
+          </p:cNvPr>
+          <p:cNvSpPr>
+            <a:spLocks noGrp="1"/>
+          </p:cNvSpPr>
+          <p:nvPr>
+            <p:ph type="title"/>
+          </p:nvPr>
+        </p:nvSpPr>
+        <p:spPr/>
+        <p:txBody>
+          <a:bodyPr/>
+          <a:lstStyle/>
+          <a:p>
+            <a:r>
+              <a:rPr lang="it-IT" dirty="0" err="1"/>
+              <a:t>Conclusions</a:t>
+            </a:r>
+            <a:endParaRPr lang="it-IT" dirty="0"/>
+          </a:p>
+        </p:txBody>
+      </p:sp>
+      <p:sp>
+        <p:nvSpPr>
+          <p:cNvPr id="3" name="Segnaposto contenuto 2">
+            <a:extLst>
+              <a:ext uri="{FF2B5EF4-FFF2-40B4-BE49-F238E27FC236}">
+                <a16:creationId xmlns:a16="http://schemas.microsoft.com/office/drawing/2014/main" id="{BEF74486-D897-28BC-CB58-3DAB37F08065}"/>
+              </a:ext>
+            </a:extLst>
+          </p:cNvPr>
+          <p:cNvSpPr>
+            <a:spLocks noGrp="1"/>
+          </p:cNvSpPr>
+          <p:nvPr>
+            <p:ph idx="1"/>
+          </p:nvPr>
+        </p:nvSpPr>
+        <p:spPr/>
+        <p:txBody>
+          <a:bodyPr/>
+          <a:lstStyle/>
+          <a:p>
+            <a:endParaRPr lang="it-IT"/>
+          </a:p>
+        </p:txBody>
+      </p:sp>
+    </p:spTree>
+    <p:extLst>
+      <p:ext uri="{BB962C8B-B14F-4D97-AF65-F5344CB8AC3E}">
+        <p14:creationId xmlns:p14="http://schemas.microsoft.com/office/powerpoint/2010/main" val="3884209195"/>
+      </p:ext>
+    </p:extLst>
+  </p:cSld>
+  <p:clrMapOvr>
+    <a:masterClrMapping/>
+  </p:clrMapOvr>
+</p:sld>
+</file>
+
+<file path=ppt/slides/slide11.xml><?xml version="1.0" encoding="utf-8"?>
+<p:sld xmlns:a="http://schemas.openxmlformats.org/drawingml/2006/main" xmlns:r="http://schemas.openxmlformats.org/officeDocument/2006/relationships" xmlns:p="http://schemas.openxmlformats.org/presentationml/2006/main">
+  <p:cSld>
+    <p:spTree>
+      <p:nvGrpSpPr>
+        <p:cNvPr id="1" name=""/>
+        <p:cNvGrpSpPr/>
+        <p:nvPr/>
+      </p:nvGrpSpPr>
+      <p:grpSpPr>
+        <a:xfrm>
+          <a:off x="0" y="0"/>
+          <a:ext cx="0" cy="0"/>
+          <a:chOff x="0" y="0"/>
+          <a:chExt cx="0" cy="0"/>
+        </a:xfrm>
+      </p:grpSpPr>
+      <p:sp>
+        <p:nvSpPr>
+          <p:cNvPr id="2" name="Titolo 1">
+            <a:extLst>
+              <a:ext uri="{FF2B5EF4-FFF2-40B4-BE49-F238E27FC236}">
                 <a16:creationId xmlns:a16="http://schemas.microsoft.com/office/drawing/2014/main" id="{A11E917B-5DC4-833A-68C6-DFE9D2425EB8}"/>
               </a:ext>
             </a:extLst>
@@ -6680,6 +6770,10 @@
           <a:bodyPr/>
           <a:lstStyle/>
           <a:p>
+            <a:pPr>
+              <a:buFont typeface="+mj-lt"/>
+              <a:buAutoNum type="arabicPeriod"/>
+            </a:pPr>
             <a:r>
               <a:rPr lang="en-US" dirty="0"/>
               <a:t>Tao, L.; Hong, S.; Lin, Y.; Chen, Y.; He, P.; Tie, Z. A Real-Time License Plate Detection and Recognition Model in Unconstrained Scenarios. </a:t>
@@ -6690,15 +6784,7 @@
             </a:r>
             <a:r>
               <a:rPr lang="en-US" dirty="0"/>
-              <a:t> </a:t>
-            </a:r>
-            <a:r>
-              <a:rPr lang="en-US" b="1" dirty="0"/>
-              <a:t>2024</a:t>
-            </a:r>
-            <a:r>
-              <a:rPr lang="en-US" dirty="0"/>
-              <a:t>, </a:t>
+              <a:t> 2024, </a:t>
             </a:r>
             <a:r>
               <a:rPr lang="en-US" i="1" dirty="0"/>
@@ -6706,7 +6792,134 @@
             </a:r>
             <a:r>
               <a:rPr lang="en-US" dirty="0"/>
-              <a:t>, 2791. https://doi.org/10.3390/s24092791</a:t>
+              <a:t>, 2791. </a:t>
+            </a:r>
+            <a:r>
+              <a:rPr lang="en-US" dirty="0">
+                <a:hlinkClick r:id="rId2"/>
+              </a:rPr>
+              <a:t>https://doi.org/10.3390/s24092791</a:t>
+            </a:r>
+            <a:endParaRPr lang="en-US" dirty="0"/>
+          </a:p>
+          <a:p>
+            <a:pPr>
+              <a:buFont typeface="+mj-lt"/>
+              <a:buAutoNum type="arabicPeriod"/>
+            </a:pPr>
+            <a:r>
+              <a:rPr lang="it-IT" dirty="0">
+                <a:hlinkClick r:id="rId3"/>
+              </a:rPr>
+              <a:t>https://github.com/ultralytics/yolov5</a:t>
+            </a:r>
+            <a:endParaRPr lang="it-IT" dirty="0"/>
+          </a:p>
+          <a:p>
+            <a:pPr>
+              <a:buFont typeface="+mj-lt"/>
+              <a:buAutoNum type="arabicPeriod"/>
+            </a:pPr>
+            <a:r>
+              <a:rPr lang="it-IT" i="1" dirty="0" err="1"/>
+              <a:t>Zhenbo</a:t>
+            </a:r>
+            <a:r>
+              <a:rPr lang="it-IT" i="1" dirty="0"/>
+              <a:t> </a:t>
+            </a:r>
+            <a:r>
+              <a:rPr lang="it-IT" i="1" dirty="0" err="1"/>
+              <a:t>Xu</a:t>
+            </a:r>
+            <a:r>
+              <a:rPr lang="it-IT" i="1" dirty="0"/>
+              <a:t>, Wei Yang, </a:t>
+            </a:r>
+            <a:r>
+              <a:rPr lang="it-IT" i="1" dirty="0" err="1"/>
+              <a:t>Ajin</a:t>
+            </a:r>
+            <a:r>
+              <a:rPr lang="it-IT" i="1" dirty="0"/>
+              <a:t> </a:t>
+            </a:r>
+            <a:r>
+              <a:rPr lang="it-IT" i="1" dirty="0" err="1"/>
+              <a:t>Meng</a:t>
+            </a:r>
+            <a:r>
+              <a:rPr lang="it-IT" i="1" dirty="0"/>
+              <a:t>, </a:t>
+            </a:r>
+            <a:r>
+              <a:rPr lang="it-IT" i="1" dirty="0" err="1"/>
+              <a:t>Nanxue</a:t>
+            </a:r>
+            <a:r>
+              <a:rPr lang="it-IT" i="1" dirty="0"/>
+              <a:t> Lu, </a:t>
+            </a:r>
+            <a:r>
+              <a:rPr lang="it-IT" i="1" dirty="0" err="1"/>
+              <a:t>Huan</a:t>
+            </a:r>
+            <a:r>
+              <a:rPr lang="it-IT" i="1" dirty="0"/>
+              <a:t> Huang, Changchun Ying, </a:t>
+            </a:r>
+            <a:r>
+              <a:rPr lang="it-IT" i="1" dirty="0" err="1"/>
+              <a:t>Liusheng</a:t>
+            </a:r>
+            <a:r>
+              <a:rPr lang="it-IT" i="1" dirty="0"/>
+              <a:t> Huang</a:t>
+            </a:r>
+            <a:r>
+              <a:rPr lang="it-IT" dirty="0"/>
+              <a:t>; </a:t>
+            </a:r>
+            <a:r>
+              <a:rPr lang="it-IT" dirty="0" err="1"/>
+              <a:t>Proceedings</a:t>
+            </a:r>
+            <a:r>
+              <a:rPr lang="it-IT" dirty="0"/>
+              <a:t> of the </a:t>
+            </a:r>
+            <a:r>
+              <a:rPr lang="it-IT" dirty="0" err="1"/>
+              <a:t>European</a:t>
+            </a:r>
+            <a:r>
+              <a:rPr lang="it-IT" dirty="0"/>
+              <a:t> Conference on Computer Vision (ECCV), 2018, pp. 255-271</a:t>
+            </a:r>
+          </a:p>
+          <a:p>
+            <a:pPr>
+              <a:buFont typeface="+mj-lt"/>
+              <a:buAutoNum type="arabicPeriod"/>
+            </a:pPr>
+            <a:r>
+              <a:rPr lang="it-IT" dirty="0">
+                <a:hlinkClick r:id="rId4"/>
+              </a:rPr>
+              <a:t>https://huggingface.co/keremberke/yolov5m-license-plate</a:t>
+            </a:r>
+            <a:endParaRPr lang="it-IT" dirty="0"/>
+          </a:p>
+          <a:p>
+            <a:pPr>
+              <a:buFont typeface="+mj-lt"/>
+              <a:buAutoNum type="arabicPeriod"/>
+            </a:pPr>
+            <a:r>
+              <a:rPr lang="it-IT" dirty="0">
+                <a:hlinkClick r:id="rId5"/>
+              </a:rPr>
+              <a:t>https://github.com/PaddlePaddle/PaddleOCR</a:t>
             </a:r>
             <a:endParaRPr lang="it-IT" dirty="0"/>
           </a:p>
@@ -6804,8 +7017,8 @@
         </p:nvSpPr>
         <p:spPr>
           <a:xfrm>
-            <a:off x="1333502" y="2160590"/>
-            <a:ext cx="8596668" cy="3048338"/>
+            <a:off x="1333502" y="2160589"/>
+            <a:ext cx="8596668" cy="3830307"/>
           </a:xfrm>
         </p:spPr>
         <p:txBody>
@@ -6820,58 +7033,99 @@
             </a:r>
             <a:r>
               <a:rPr lang="it-IT" dirty="0"/>
-              <a:t> </a:t>
-            </a:r>
-            <a:r>
-              <a:rPr lang="it-IT" dirty="0" err="1"/>
-              <a:t>statement</a:t>
+              <a:t> Statement</a:t>
+            </a:r>
+          </a:p>
+          <a:p>
+            <a:r>
+              <a:rPr lang="it-IT" dirty="0"/>
+              <a:t>State of the Art</a:t>
+            </a:r>
+          </a:p>
+          <a:p>
+            <a:r>
+              <a:rPr lang="it-IT" dirty="0" err="1"/>
+              <a:t>Proposed</a:t>
+            </a:r>
+            <a:r>
+              <a:rPr lang="it-IT" dirty="0"/>
+              <a:t> Method</a:t>
+            </a:r>
+          </a:p>
+          <a:p>
+            <a:r>
+              <a:rPr lang="it-IT" dirty="0"/>
+              <a:t>Dataset</a:t>
+            </a:r>
+          </a:p>
+          <a:p>
+            <a:r>
+              <a:rPr lang="it-IT" dirty="0" err="1"/>
+              <a:t>Experimental</a:t>
+            </a:r>
+            <a:r>
+              <a:rPr lang="it-IT" dirty="0"/>
+              <a:t> Setup</a:t>
+            </a:r>
+          </a:p>
+          <a:p>
+            <a:r>
+              <a:rPr lang="it-IT" dirty="0"/>
+              <a:t>Model Evaluation</a:t>
+            </a:r>
+          </a:p>
+          <a:p>
+            <a:r>
+              <a:rPr lang="it-IT" dirty="0" err="1"/>
+              <a:t>Conlusions</a:t>
             </a:r>
             <a:endParaRPr lang="it-IT" dirty="0"/>
           </a:p>
           <a:p>
             <a:r>
-              <a:rPr lang="it-IT" dirty="0"/>
-              <a:t>State of the Art</a:t>
-            </a:r>
-          </a:p>
-          <a:p>
-            <a:r>
-              <a:rPr lang="it-IT" dirty="0" err="1"/>
-              <a:t>Proposed</a:t>
-            </a:r>
-            <a:r>
-              <a:rPr lang="it-IT" dirty="0"/>
-              <a:t> Method</a:t>
-            </a:r>
-          </a:p>
-          <a:p>
-            <a:r>
-              <a:rPr lang="it-IT" dirty="0"/>
-              <a:t>Dataset</a:t>
-            </a:r>
-          </a:p>
-          <a:p>
-            <a:r>
-              <a:rPr lang="it-IT" dirty="0" err="1"/>
-              <a:t>Experimental</a:t>
-            </a:r>
-            <a:r>
-              <a:rPr lang="it-IT" dirty="0"/>
-              <a:t> Setup</a:t>
-            </a:r>
-          </a:p>
-          <a:p>
-            <a:r>
-              <a:rPr lang="it-IT" dirty="0"/>
-              <a:t>Model Evaluation</a:t>
-            </a:r>
-          </a:p>
-          <a:p>
-            <a:r>
-              <a:rPr lang="it-IT" dirty="0" err="1"/>
-              <a:t>Conlusions</a:t>
+              <a:rPr lang="it-IT" dirty="0" err="1"/>
+              <a:t>References</a:t>
             </a:r>
             <a:endParaRPr lang="it-IT" dirty="0"/>
+          </a:p>
+        </p:txBody>
+      </p:sp>
+      <p:sp>
+        <p:nvSpPr>
+          <p:cNvPr id="3" name="CasellaDiTesto 2">
+            <a:extLst>
+              <a:ext uri="{FF2B5EF4-FFF2-40B4-BE49-F238E27FC236}">
+                <a16:creationId xmlns:a16="http://schemas.microsoft.com/office/drawing/2014/main" id="{FBBD6CDB-EAC0-6DB8-AFF5-4BAC274A6F90}"/>
+              </a:ext>
+            </a:extLst>
+          </p:cNvPr>
+          <p:cNvSpPr txBox="1"/>
+          <p:nvPr/>
+        </p:nvSpPr>
+        <p:spPr>
+          <a:xfrm>
+            <a:off x="3661801" y="1491497"/>
+            <a:ext cx="6167470" cy="369332"/>
+          </a:xfrm>
+          <a:prstGeom prst="rect">
+            <a:avLst/>
+          </a:prstGeom>
+          <a:noFill/>
+        </p:spPr>
+        <p:txBody>
+          <a:bodyPr wrap="square" rtlCol="0">
+            <a:spAutoFit/>
+          </a:bodyPr>
+          <a:lstStyle/>
+          <a:p>
+            <a:r>
+              <a:rPr lang="it-IT" dirty="0">
+                <a:solidFill>
+                  <a:srgbClr val="FF0000"/>
+                </a:solidFill>
+              </a:rPr>
+              <a:t>AGGIUNGERE NUMERO DI DIAPOSITIVE!!!!</a:t>
+            </a:r>
           </a:p>
         </p:txBody>
       </p:sp>
@@ -6958,7 +7212,100 @@
           <a:bodyPr/>
           <a:lstStyle/>
           <a:p>
-            <a:endParaRPr lang="it-IT" u="sng" dirty="0"/>
+            <a:pPr marL="0" indent="0">
+              <a:buNone/>
+            </a:pPr>
+            <a:r>
+              <a:rPr lang="it-IT" dirty="0" err="1"/>
+              <a:t>Detecting</a:t>
+            </a:r>
+            <a:r>
+              <a:rPr lang="it-IT" dirty="0"/>
+              <a:t> and </a:t>
+            </a:r>
+            <a:r>
+              <a:rPr lang="it-IT" dirty="0" err="1"/>
+              <a:t>recognizing</a:t>
+            </a:r>
+            <a:r>
+              <a:rPr lang="it-IT" dirty="0"/>
+              <a:t> </a:t>
+            </a:r>
+            <a:r>
+              <a:rPr lang="it-IT" dirty="0" err="1"/>
+              <a:t>license</a:t>
+            </a:r>
+            <a:r>
+              <a:rPr lang="it-IT" dirty="0"/>
+              <a:t> </a:t>
+            </a:r>
+            <a:r>
+              <a:rPr lang="it-IT" dirty="0" err="1"/>
+              <a:t>plates</a:t>
+            </a:r>
+            <a:r>
+              <a:rPr lang="it-IT" dirty="0"/>
+              <a:t> </a:t>
+            </a:r>
+            <a:r>
+              <a:rPr lang="it-IT" dirty="0" err="1"/>
+              <a:t>is</a:t>
+            </a:r>
+            <a:r>
+              <a:rPr lang="it-IT" dirty="0"/>
+              <a:t> a </a:t>
+            </a:r>
+            <a:r>
+              <a:rPr lang="it-IT" dirty="0" err="1"/>
+              <a:t>crucial</a:t>
+            </a:r>
+            <a:r>
+              <a:rPr lang="it-IT" dirty="0"/>
+              <a:t> task in computer vision.</a:t>
+            </a:r>
+          </a:p>
+          <a:p>
+            <a:pPr marL="0" indent="0">
+              <a:buNone/>
+            </a:pPr>
+            <a:endParaRPr lang="it-IT" dirty="0"/>
+          </a:p>
+          <a:p>
+            <a:pPr marL="0" indent="0">
+              <a:buNone/>
+            </a:pPr>
+            <a:r>
+              <a:rPr lang="en-US" dirty="0"/>
+              <a:t>It involves two key computer vision steps:</a:t>
+            </a:r>
+          </a:p>
+          <a:p>
+            <a:r>
+              <a:rPr lang="en-US" dirty="0"/>
+              <a:t>locating license plates within images (detection) and</a:t>
+            </a:r>
+          </a:p>
+          <a:p>
+            <a:r>
+              <a:rPr lang="en-US" dirty="0"/>
+              <a:t>extracting the alphanumeric characters from them (recognition).</a:t>
+            </a:r>
+          </a:p>
+          <a:p>
+            <a:pPr marL="0" indent="0">
+              <a:buNone/>
+            </a:pPr>
+            <a:endParaRPr lang="en-US" dirty="0"/>
+          </a:p>
+          <a:p>
+            <a:pPr marL="0" indent="0">
+              <a:buNone/>
+            </a:pPr>
+            <a:r>
+              <a:rPr lang="en-US" dirty="0"/>
+              <a:t>This task is widely used in intelligent transportation systems, such as automated toll collection, traffic law enforcement, and vehicle tracking.</a:t>
+            </a:r>
+            <a:endParaRPr lang="it-IT" dirty="0"/>
           </a:p>
         </p:txBody>
       </p:sp>
@@ -7041,7 +7388,534 @@
           <a:bodyPr/>
           <a:lstStyle/>
           <a:p>
-            <a:endParaRPr lang="it-IT"/>
+            <a:pPr marL="0" indent="0">
+              <a:buNone/>
+            </a:pPr>
+            <a:r>
+              <a:rPr lang="it-IT" dirty="0"/>
+              <a:t>The state of the art </a:t>
+            </a:r>
+            <a:r>
+              <a:rPr lang="it-IT" dirty="0" err="1"/>
+              <a:t>approach</a:t>
+            </a:r>
+            <a:r>
+              <a:rPr lang="it-IT" dirty="0"/>
+              <a:t> </a:t>
+            </a:r>
+            <a:r>
+              <a:rPr lang="it-IT" dirty="0" err="1"/>
+              <a:t>we’ve</a:t>
+            </a:r>
+            <a:r>
+              <a:rPr lang="it-IT" dirty="0"/>
+              <a:t> </a:t>
+            </a:r>
+            <a:r>
+              <a:rPr lang="it-IT" dirty="0" err="1"/>
+              <a:t>looked</a:t>
+            </a:r>
+            <a:r>
+              <a:rPr lang="it-IT" dirty="0"/>
+              <a:t> </a:t>
+            </a:r>
+            <a:r>
+              <a:rPr lang="it-IT" dirty="0" err="1"/>
+              <a:t>at</a:t>
+            </a:r>
+            <a:r>
+              <a:rPr lang="it-IT" dirty="0"/>
+              <a:t> </a:t>
+            </a:r>
+            <a:r>
+              <a:rPr lang="it-IT" dirty="0" err="1"/>
+              <a:t>consists</a:t>
+            </a:r>
+            <a:r>
+              <a:rPr lang="it-IT" dirty="0"/>
+              <a:t> in a YOLOv5-PDLPR model </a:t>
+            </a:r>
+            <a:r>
+              <a:rPr lang="it-IT" dirty="0" err="1"/>
+              <a:t>which</a:t>
+            </a:r>
+            <a:r>
+              <a:rPr lang="it-IT" dirty="0"/>
+              <a:t> </a:t>
+            </a:r>
+            <a:r>
+              <a:rPr lang="it-IT" dirty="0" err="1"/>
+              <a:t>employs</a:t>
+            </a:r>
+            <a:r>
+              <a:rPr lang="it-IT" dirty="0"/>
+              <a:t> the YOLOv5 </a:t>
+            </a:r>
+            <a:r>
+              <a:rPr lang="it-IT" dirty="0" err="1"/>
+              <a:t>detection</a:t>
+            </a:r>
+            <a:r>
+              <a:rPr lang="it-IT" dirty="0"/>
+              <a:t> </a:t>
+            </a:r>
+            <a:r>
+              <a:rPr lang="it-IT" dirty="0" err="1"/>
+              <a:t>algorithm</a:t>
+            </a:r>
+            <a:r>
+              <a:rPr lang="it-IT" dirty="0"/>
+              <a:t> and a PDLPR </a:t>
+            </a:r>
+            <a:r>
+              <a:rPr lang="it-IT" dirty="0" err="1"/>
+              <a:t>algorithm</a:t>
+            </a:r>
+            <a:r>
+              <a:rPr lang="it-IT" dirty="0"/>
+              <a:t> for the </a:t>
+            </a:r>
+            <a:r>
+              <a:rPr lang="it-IT" dirty="0" err="1"/>
+              <a:t>recognition</a:t>
+            </a:r>
+            <a:r>
+              <a:rPr lang="it-IT" dirty="0"/>
+              <a:t> part.</a:t>
+            </a:r>
+          </a:p>
+          <a:p>
+            <a:pPr marL="0" indent="0">
+              <a:buNone/>
+            </a:pPr>
+            <a:endParaRPr lang="it-IT" dirty="0"/>
+          </a:p>
+        </p:txBody>
+      </p:sp>
+      <p:pic>
+        <p:nvPicPr>
+          <p:cNvPr id="5" name="Immagine 4">
+            <a:extLst>
+              <a:ext uri="{FF2B5EF4-FFF2-40B4-BE49-F238E27FC236}">
+                <a16:creationId xmlns:a16="http://schemas.microsoft.com/office/drawing/2014/main" id="{A8F8EFAC-7345-F308-59FF-C6ED238782EB}"/>
+              </a:ext>
+            </a:extLst>
+          </p:cNvPr>
+          <p:cNvPicPr>
+            <a:picLocks noChangeAspect="1"/>
+          </p:cNvPicPr>
+          <p:nvPr/>
+        </p:nvPicPr>
+        <p:blipFill>
+          <a:blip r:embed="rId2"/>
+          <a:stretch>
+            <a:fillRect/>
+          </a:stretch>
+        </p:blipFill>
+        <p:spPr>
+          <a:xfrm>
+            <a:off x="759316" y="3189400"/>
+            <a:ext cx="8334236" cy="1644736"/>
+          </a:xfrm>
+          <a:prstGeom prst="rect">
+            <a:avLst/>
+          </a:prstGeom>
+        </p:spPr>
+      </p:pic>
+      <p:sp>
+        <p:nvSpPr>
+          <p:cNvPr id="8" name="Segnaposto contenuto 2">
+            <a:extLst>
+              <a:ext uri="{FF2B5EF4-FFF2-40B4-BE49-F238E27FC236}">
+                <a16:creationId xmlns:a16="http://schemas.microsoft.com/office/drawing/2014/main" id="{04510266-274E-A155-0E25-7498DB0ED9BE}"/>
+              </a:ext>
+            </a:extLst>
+          </p:cNvPr>
+          <p:cNvSpPr txBox="1">
+            <a:spLocks/>
+          </p:cNvSpPr>
+          <p:nvPr/>
+        </p:nvSpPr>
+        <p:spPr>
+          <a:xfrm>
+            <a:off x="677334" y="4949231"/>
+            <a:ext cx="8596668" cy="977035"/>
+          </a:xfrm>
+          <a:prstGeom prst="rect">
+            <a:avLst/>
+          </a:prstGeom>
+        </p:spPr>
+        <p:txBody>
+          <a:bodyPr vert="horz" lIns="91440" tIns="45720" rIns="91440" bIns="45720" rtlCol="0">
+            <a:normAutofit/>
+          </a:bodyPr>
+          <a:lstStyle>
+            <a:lvl1pPr marL="342900" indent="-342900" algn="l" defTabSz="457200" rtl="0" eaLnBrk="1" latinLnBrk="0" hangingPunct="1">
+              <a:spcBef>
+                <a:spcPts val="1000"/>
+              </a:spcBef>
+              <a:spcAft>
+                <a:spcPts val="0"/>
+              </a:spcAft>
+              <a:buClr>
+                <a:schemeClr val="accent1"/>
+              </a:buClr>
+              <a:buSzPct val="80000"/>
+              <a:buFont typeface="Wingdings 3" charset="2"/>
+              <a:buChar char=""/>
+              <a:defRPr sz="1800" kern="1200">
+                <a:solidFill>
+                  <a:schemeClr val="tx1">
+                    <a:lumMod val="75000"/>
+                    <a:lumOff val="25000"/>
+                  </a:schemeClr>
+                </a:solidFill>
+                <a:latin typeface="+mn-lt"/>
+                <a:ea typeface="+mn-ea"/>
+                <a:cs typeface="+mn-cs"/>
+              </a:defRPr>
+            </a:lvl1pPr>
+            <a:lvl2pPr marL="742950" indent="-285750" algn="l" defTabSz="457200" rtl="0" eaLnBrk="1" latinLnBrk="0" hangingPunct="1">
+              <a:spcBef>
+                <a:spcPts val="1000"/>
+              </a:spcBef>
+              <a:spcAft>
+                <a:spcPts val="0"/>
+              </a:spcAft>
+              <a:buClr>
+                <a:schemeClr val="accent1"/>
+              </a:buClr>
+              <a:buSzPct val="80000"/>
+              <a:buFont typeface="Wingdings 3" charset="2"/>
+              <a:buChar char=""/>
+              <a:defRPr sz="1600" kern="1200">
+                <a:solidFill>
+                  <a:schemeClr val="tx1">
+                    <a:lumMod val="75000"/>
+                    <a:lumOff val="25000"/>
+                  </a:schemeClr>
+                </a:solidFill>
+                <a:latin typeface="+mn-lt"/>
+                <a:ea typeface="+mn-ea"/>
+                <a:cs typeface="+mn-cs"/>
+              </a:defRPr>
+            </a:lvl2pPr>
+            <a:lvl3pPr marL="1143000" indent="-228600" algn="l" defTabSz="457200" rtl="0" eaLnBrk="1" latinLnBrk="0" hangingPunct="1">
+              <a:spcBef>
+                <a:spcPts val="1000"/>
+              </a:spcBef>
+              <a:spcAft>
+                <a:spcPts val="0"/>
+              </a:spcAft>
+              <a:buClr>
+                <a:schemeClr val="accent1"/>
+              </a:buClr>
+              <a:buSzPct val="80000"/>
+              <a:buFont typeface="Wingdings 3" charset="2"/>
+              <a:buChar char=""/>
+              <a:defRPr sz="1400" kern="1200">
+                <a:solidFill>
+                  <a:schemeClr val="tx1">
+                    <a:lumMod val="75000"/>
+                    <a:lumOff val="25000"/>
+                  </a:schemeClr>
+                </a:solidFill>
+                <a:latin typeface="+mn-lt"/>
+                <a:ea typeface="+mn-ea"/>
+                <a:cs typeface="+mn-cs"/>
+              </a:defRPr>
+            </a:lvl3pPr>
+            <a:lvl4pPr marL="1600200" indent="-228600" algn="l" defTabSz="457200" rtl="0" eaLnBrk="1" latinLnBrk="0" hangingPunct="1">
+              <a:spcBef>
+                <a:spcPts val="1000"/>
+              </a:spcBef>
+              <a:spcAft>
+                <a:spcPts val="0"/>
+              </a:spcAft>
+              <a:buClr>
+                <a:schemeClr val="accent1"/>
+              </a:buClr>
+              <a:buSzPct val="80000"/>
+              <a:buFont typeface="Wingdings 3" charset="2"/>
+              <a:buChar char=""/>
+              <a:defRPr sz="1200" kern="1200">
+                <a:solidFill>
+                  <a:schemeClr val="tx1">
+                    <a:lumMod val="75000"/>
+                    <a:lumOff val="25000"/>
+                  </a:schemeClr>
+                </a:solidFill>
+                <a:latin typeface="+mn-lt"/>
+                <a:ea typeface="+mn-ea"/>
+                <a:cs typeface="+mn-cs"/>
+              </a:defRPr>
+            </a:lvl4pPr>
+            <a:lvl5pPr marL="2057400" indent="-228600" algn="l" defTabSz="457200" rtl="0" eaLnBrk="1" latinLnBrk="0" hangingPunct="1">
+              <a:spcBef>
+                <a:spcPts val="1000"/>
+              </a:spcBef>
+              <a:spcAft>
+                <a:spcPts val="0"/>
+              </a:spcAft>
+              <a:buClr>
+                <a:schemeClr val="accent1"/>
+              </a:buClr>
+              <a:buSzPct val="80000"/>
+              <a:buFont typeface="Wingdings 3" charset="2"/>
+              <a:buChar char=""/>
+              <a:defRPr sz="1200" kern="1200">
+                <a:solidFill>
+                  <a:schemeClr val="tx1">
+                    <a:lumMod val="75000"/>
+                    <a:lumOff val="25000"/>
+                  </a:schemeClr>
+                </a:solidFill>
+                <a:latin typeface="+mn-lt"/>
+                <a:ea typeface="+mn-ea"/>
+                <a:cs typeface="+mn-cs"/>
+              </a:defRPr>
+            </a:lvl5pPr>
+            <a:lvl6pPr marL="2514600" indent="-228600" algn="l" defTabSz="457200" rtl="0" eaLnBrk="1" latinLnBrk="0" hangingPunct="1">
+              <a:spcBef>
+                <a:spcPts val="1000"/>
+              </a:spcBef>
+              <a:spcAft>
+                <a:spcPts val="0"/>
+              </a:spcAft>
+              <a:buClr>
+                <a:schemeClr val="accent1"/>
+              </a:buClr>
+              <a:buSzPct val="80000"/>
+              <a:buFont typeface="Wingdings 3" charset="2"/>
+              <a:buChar char=""/>
+              <a:defRPr sz="1200" kern="1200">
+                <a:solidFill>
+                  <a:schemeClr val="tx1">
+                    <a:lumMod val="75000"/>
+                    <a:lumOff val="25000"/>
+                  </a:schemeClr>
+                </a:solidFill>
+                <a:latin typeface="+mn-lt"/>
+                <a:ea typeface="+mn-ea"/>
+                <a:cs typeface="+mn-cs"/>
+              </a:defRPr>
+            </a:lvl6pPr>
+            <a:lvl7pPr marL="2971800" indent="-228600" algn="l" defTabSz="457200" rtl="0" eaLnBrk="1" latinLnBrk="0" hangingPunct="1">
+              <a:spcBef>
+                <a:spcPts val="1000"/>
+              </a:spcBef>
+              <a:spcAft>
+                <a:spcPts val="0"/>
+              </a:spcAft>
+              <a:buClr>
+                <a:schemeClr val="accent1"/>
+              </a:buClr>
+              <a:buSzPct val="80000"/>
+              <a:buFont typeface="Wingdings 3" charset="2"/>
+              <a:buChar char=""/>
+              <a:defRPr sz="1200" kern="1200">
+                <a:solidFill>
+                  <a:schemeClr val="tx1">
+                    <a:lumMod val="75000"/>
+                    <a:lumOff val="25000"/>
+                  </a:schemeClr>
+                </a:solidFill>
+                <a:latin typeface="+mn-lt"/>
+                <a:ea typeface="+mn-ea"/>
+                <a:cs typeface="+mn-cs"/>
+              </a:defRPr>
+            </a:lvl7pPr>
+            <a:lvl8pPr marL="3429000" indent="-228600" algn="l" defTabSz="457200" rtl="0" eaLnBrk="1" latinLnBrk="0" hangingPunct="1">
+              <a:spcBef>
+                <a:spcPts val="1000"/>
+              </a:spcBef>
+              <a:spcAft>
+                <a:spcPts val="0"/>
+              </a:spcAft>
+              <a:buClr>
+                <a:schemeClr val="accent1"/>
+              </a:buClr>
+              <a:buSzPct val="80000"/>
+              <a:buFont typeface="Wingdings 3" charset="2"/>
+              <a:buChar char=""/>
+              <a:defRPr sz="1200" kern="1200">
+                <a:solidFill>
+                  <a:schemeClr val="tx1">
+                    <a:lumMod val="75000"/>
+                    <a:lumOff val="25000"/>
+                  </a:schemeClr>
+                </a:solidFill>
+                <a:latin typeface="+mn-lt"/>
+                <a:ea typeface="+mn-ea"/>
+                <a:cs typeface="+mn-cs"/>
+              </a:defRPr>
+            </a:lvl8pPr>
+            <a:lvl9pPr marL="3886200" indent="-228600" algn="l" defTabSz="457200" rtl="0" eaLnBrk="1" latinLnBrk="0" hangingPunct="1">
+              <a:spcBef>
+                <a:spcPts val="1000"/>
+              </a:spcBef>
+              <a:spcAft>
+                <a:spcPts val="0"/>
+              </a:spcAft>
+              <a:buClr>
+                <a:schemeClr val="accent1"/>
+              </a:buClr>
+              <a:buSzPct val="80000"/>
+              <a:buFont typeface="Wingdings 3" charset="2"/>
+              <a:buChar char=""/>
+              <a:defRPr sz="1200" kern="1200">
+                <a:solidFill>
+                  <a:schemeClr val="tx1">
+                    <a:lumMod val="75000"/>
+                    <a:lumOff val="25000"/>
+                  </a:schemeClr>
+                </a:solidFill>
+                <a:latin typeface="+mn-lt"/>
+                <a:ea typeface="+mn-ea"/>
+                <a:cs typeface="+mn-cs"/>
+              </a:defRPr>
+            </a:lvl9pPr>
+          </a:lstStyle>
+          <a:p>
+            <a:pPr marL="0" indent="0">
+              <a:buNone/>
+            </a:pPr>
+            <a:r>
+              <a:rPr lang="it-IT" dirty="0"/>
+              <a:t>The PDLPR </a:t>
+            </a:r>
+            <a:r>
+              <a:rPr lang="it-IT" dirty="0" err="1"/>
+              <a:t>algorithm</a:t>
+            </a:r>
+            <a:r>
+              <a:rPr lang="it-IT" dirty="0"/>
+              <a:t> </a:t>
+            </a:r>
+            <a:r>
+              <a:rPr lang="it-IT" dirty="0" err="1"/>
+              <a:t>is</a:t>
+            </a:r>
+            <a:r>
+              <a:rPr lang="it-IT" dirty="0"/>
+              <a:t> </a:t>
+            </a:r>
+            <a:r>
+              <a:rPr lang="it-IT" dirty="0" err="1"/>
+              <a:t>described</a:t>
+            </a:r>
+            <a:r>
+              <a:rPr lang="it-IT" dirty="0"/>
+              <a:t> and </a:t>
+            </a:r>
+            <a:r>
+              <a:rPr lang="it-IT" dirty="0" err="1"/>
+              <a:t>proposed</a:t>
+            </a:r>
+            <a:r>
+              <a:rPr lang="it-IT" dirty="0"/>
+              <a:t> in the </a:t>
+            </a:r>
+            <a:r>
+              <a:rPr lang="it-IT" dirty="0" err="1"/>
+              <a:t>reference</a:t>
+            </a:r>
+            <a:r>
+              <a:rPr lang="it-IT" dirty="0"/>
+              <a:t> paper [1] for the project and </a:t>
+            </a:r>
+            <a:r>
+              <a:rPr lang="it-IT" dirty="0" err="1"/>
+              <a:t>is</a:t>
+            </a:r>
+            <a:r>
+              <a:rPr lang="it-IT" dirty="0"/>
+              <a:t> </a:t>
+            </a:r>
+            <a:r>
+              <a:rPr lang="it-IT" dirty="0" err="1"/>
+              <a:t>responsible</a:t>
+            </a:r>
+            <a:r>
+              <a:rPr lang="it-IT" dirty="0"/>
+              <a:t> for </a:t>
+            </a:r>
+            <a:r>
+              <a:rPr lang="it-IT" dirty="0" err="1"/>
+              <a:t>recognizing</a:t>
+            </a:r>
+            <a:r>
+              <a:rPr lang="it-IT" dirty="0"/>
+              <a:t> the </a:t>
+            </a:r>
+            <a:r>
+              <a:rPr lang="it-IT" dirty="0" err="1"/>
+              <a:t>characters</a:t>
+            </a:r>
+            <a:r>
+              <a:rPr lang="it-IT" dirty="0"/>
+              <a:t> in the </a:t>
+            </a:r>
+            <a:r>
+              <a:rPr lang="it-IT" dirty="0" err="1"/>
+              <a:t>cropped</a:t>
+            </a:r>
+            <a:r>
+              <a:rPr lang="it-IT" dirty="0"/>
+              <a:t> </a:t>
+            </a:r>
+            <a:r>
+              <a:rPr lang="it-IT" dirty="0" err="1"/>
+              <a:t>license</a:t>
+            </a:r>
+            <a:r>
+              <a:rPr lang="it-IT" dirty="0"/>
+              <a:t> </a:t>
+            </a:r>
+            <a:r>
+              <a:rPr lang="it-IT" dirty="0" err="1"/>
+              <a:t>plate</a:t>
+            </a:r>
+            <a:r>
+              <a:rPr lang="it-IT" dirty="0"/>
+              <a:t> images.</a:t>
+            </a:r>
+          </a:p>
+          <a:p>
+            <a:pPr marL="0" indent="0">
+              <a:buFont typeface="Wingdings 3" charset="2"/>
+              <a:buNone/>
+            </a:pPr>
+            <a:endParaRPr lang="it-IT" dirty="0"/>
+          </a:p>
+        </p:txBody>
+      </p:sp>
+      <p:sp>
+        <p:nvSpPr>
+          <p:cNvPr id="9" name="Segnaposto piè di pagina 8">
+            <a:extLst>
+              <a:ext uri="{FF2B5EF4-FFF2-40B4-BE49-F238E27FC236}">
+                <a16:creationId xmlns:a16="http://schemas.microsoft.com/office/drawing/2014/main" id="{7FA90463-8C3E-54C7-F9FC-D133512C88C9}"/>
+              </a:ext>
+            </a:extLst>
+          </p:cNvPr>
+          <p:cNvSpPr>
+            <a:spLocks noGrp="1"/>
+          </p:cNvSpPr>
+          <p:nvPr>
+            <p:ph type="ftr" sz="quarter" idx="11"/>
+          </p:nvPr>
+        </p:nvSpPr>
+        <p:spPr/>
+        <p:txBody>
+          <a:bodyPr/>
+          <a:lstStyle/>
+          <a:p>
+            <a:r>
+              <a:rPr lang="en-US" dirty="0"/>
+              <a:t>[1] Tao, L.; Hong, S.; Lin, Y.; Chen, Y.; He, P.; Tie, Z. A Real-Time License Plate Detection and Recognition Model in Unconstrained Scenarios. Sensors 2024, 24, 2791. https://doi.org/10.3390/s24092791</a:t>
+            </a:r>
+            <a:endParaRPr lang="it-IT" dirty="0"/>
           </a:p>
         </p:txBody>
       </p:sp>
@@ -7091,7 +7965,12 @@
             <p:ph type="title"/>
           </p:nvPr>
         </p:nvSpPr>
-        <p:spPr/>
+        <p:spPr>
+          <a:xfrm>
+            <a:off x="677334" y="609600"/>
+            <a:ext cx="8596668" cy="1118301"/>
+          </a:xfrm>
+        </p:spPr>
         <p:txBody>
           <a:bodyPr/>
           <a:lstStyle/>
@@ -7123,12 +8002,548 @@
             <p:ph idx="1"/>
           </p:nvPr>
         </p:nvSpPr>
-        <p:spPr/>
+        <p:spPr>
+          <a:xfrm>
+            <a:off x="677334" y="2160590"/>
+            <a:ext cx="8596668" cy="1396112"/>
+          </a:xfrm>
+        </p:spPr>
         <p:txBody>
           <a:bodyPr/>
           <a:lstStyle/>
           <a:p>
-            <a:endParaRPr lang="it-IT"/>
+            <a:pPr marL="0" indent="0">
+              <a:buNone/>
+            </a:pPr>
+            <a:r>
+              <a:rPr lang="it-IT" dirty="0" err="1"/>
+              <a:t>We</a:t>
+            </a:r>
+            <a:r>
+              <a:rPr lang="it-IT" dirty="0"/>
+              <a:t> propose a baseline model </a:t>
+            </a:r>
+            <a:r>
+              <a:rPr lang="it-IT" dirty="0" err="1"/>
+              <a:t>composed</a:t>
+            </a:r>
+            <a:r>
+              <a:rPr lang="it-IT" dirty="0"/>
+              <a:t> of:</a:t>
+            </a:r>
+          </a:p>
+          <a:p>
+            <a:r>
+              <a:rPr lang="it-IT" dirty="0"/>
+              <a:t>the YOLOv5 model [2], </a:t>
+            </a:r>
+            <a:r>
+              <a:rPr lang="it-IT" dirty="0" err="1"/>
+              <a:t>trained</a:t>
+            </a:r>
+            <a:r>
+              <a:rPr lang="it-IT" dirty="0"/>
+              <a:t> by </a:t>
+            </a:r>
+            <a:r>
+              <a:rPr lang="it-IT" dirty="0" err="1"/>
+              <a:t>us</a:t>
+            </a:r>
+            <a:r>
+              <a:rPr lang="it-IT" dirty="0"/>
+              <a:t>, for </a:t>
+            </a:r>
+            <a:r>
+              <a:rPr lang="it-IT" dirty="0" err="1"/>
+              <a:t>detection</a:t>
+            </a:r>
+            <a:endParaRPr lang="it-IT" dirty="0"/>
+          </a:p>
+          <a:p>
+            <a:r>
+              <a:rPr lang="it-IT" dirty="0"/>
+              <a:t>a multi-head CNN, </a:t>
+            </a:r>
+            <a:r>
+              <a:rPr lang="it-IT" dirty="0" err="1"/>
+              <a:t>also</a:t>
+            </a:r>
+            <a:r>
+              <a:rPr lang="it-IT" dirty="0"/>
+              <a:t> </a:t>
+            </a:r>
+            <a:r>
+              <a:rPr lang="it-IT" dirty="0" err="1"/>
+              <a:t>trained</a:t>
+            </a:r>
+            <a:r>
+              <a:rPr lang="it-IT" dirty="0"/>
+              <a:t> by </a:t>
+            </a:r>
+            <a:r>
+              <a:rPr lang="it-IT" dirty="0" err="1"/>
+              <a:t>us</a:t>
+            </a:r>
+            <a:r>
+              <a:rPr lang="it-IT" dirty="0"/>
+              <a:t>, for </a:t>
+            </a:r>
+            <a:r>
+              <a:rPr lang="it-IT" dirty="0" err="1"/>
+              <a:t>recognition</a:t>
+            </a:r>
+            <a:endParaRPr lang="it-IT" dirty="0"/>
+          </a:p>
+          <a:p>
+            <a:endParaRPr lang="it-IT" dirty="0"/>
+          </a:p>
+          <a:p>
+            <a:pPr marL="0" indent="0">
+              <a:buNone/>
+            </a:pPr>
+            <a:endParaRPr lang="it-IT" dirty="0"/>
+          </a:p>
+          <a:p>
+            <a:pPr marL="0" indent="0">
+              <a:buNone/>
+            </a:pPr>
+            <a:endParaRPr lang="it-IT" dirty="0"/>
+          </a:p>
+        </p:txBody>
+      </p:sp>
+      <p:sp>
+        <p:nvSpPr>
+          <p:cNvPr id="4" name="Segnaposto contenuto 2">
+            <a:extLst>
+              <a:ext uri="{FF2B5EF4-FFF2-40B4-BE49-F238E27FC236}">
+                <a16:creationId xmlns:a16="http://schemas.microsoft.com/office/drawing/2014/main" id="{6FB38B89-EFDE-8EC6-FC4D-FEB0CE1DC833}"/>
+              </a:ext>
+            </a:extLst>
+          </p:cNvPr>
+          <p:cNvSpPr txBox="1">
+            <a:spLocks/>
+          </p:cNvSpPr>
+          <p:nvPr/>
+        </p:nvSpPr>
+        <p:spPr>
+          <a:xfrm>
+            <a:off x="677334" y="5102419"/>
+            <a:ext cx="8596668" cy="749741"/>
+          </a:xfrm>
+          <a:prstGeom prst="rect">
+            <a:avLst/>
+          </a:prstGeom>
+        </p:spPr>
+        <p:txBody>
+          <a:bodyPr vert="horz" lIns="91440" tIns="45720" rIns="91440" bIns="45720" rtlCol="0">
+            <a:normAutofit/>
+          </a:bodyPr>
+          <a:lstStyle>
+            <a:lvl1pPr marL="342900" indent="-342900" algn="l" defTabSz="457200" rtl="0" eaLnBrk="1" latinLnBrk="0" hangingPunct="1">
+              <a:spcBef>
+                <a:spcPts val="1000"/>
+              </a:spcBef>
+              <a:spcAft>
+                <a:spcPts val="0"/>
+              </a:spcAft>
+              <a:buClr>
+                <a:schemeClr val="accent1"/>
+              </a:buClr>
+              <a:buSzPct val="80000"/>
+              <a:buFont typeface="Wingdings 3" charset="2"/>
+              <a:buChar char=""/>
+              <a:defRPr sz="1800" kern="1200">
+                <a:solidFill>
+                  <a:schemeClr val="tx1">
+                    <a:lumMod val="75000"/>
+                    <a:lumOff val="25000"/>
+                  </a:schemeClr>
+                </a:solidFill>
+                <a:latin typeface="+mn-lt"/>
+                <a:ea typeface="+mn-ea"/>
+                <a:cs typeface="+mn-cs"/>
+              </a:defRPr>
+            </a:lvl1pPr>
+            <a:lvl2pPr marL="742950" indent="-285750" algn="l" defTabSz="457200" rtl="0" eaLnBrk="1" latinLnBrk="0" hangingPunct="1">
+              <a:spcBef>
+                <a:spcPts val="1000"/>
+              </a:spcBef>
+              <a:spcAft>
+                <a:spcPts val="0"/>
+              </a:spcAft>
+              <a:buClr>
+                <a:schemeClr val="accent1"/>
+              </a:buClr>
+              <a:buSzPct val="80000"/>
+              <a:buFont typeface="Wingdings 3" charset="2"/>
+              <a:buChar char=""/>
+              <a:defRPr sz="1600" kern="1200">
+                <a:solidFill>
+                  <a:schemeClr val="tx1">
+                    <a:lumMod val="75000"/>
+                    <a:lumOff val="25000"/>
+                  </a:schemeClr>
+                </a:solidFill>
+                <a:latin typeface="+mn-lt"/>
+                <a:ea typeface="+mn-ea"/>
+                <a:cs typeface="+mn-cs"/>
+              </a:defRPr>
+            </a:lvl2pPr>
+            <a:lvl3pPr marL="1143000" indent="-228600" algn="l" defTabSz="457200" rtl="0" eaLnBrk="1" latinLnBrk="0" hangingPunct="1">
+              <a:spcBef>
+                <a:spcPts val="1000"/>
+              </a:spcBef>
+              <a:spcAft>
+                <a:spcPts val="0"/>
+              </a:spcAft>
+              <a:buClr>
+                <a:schemeClr val="accent1"/>
+              </a:buClr>
+              <a:buSzPct val="80000"/>
+              <a:buFont typeface="Wingdings 3" charset="2"/>
+              <a:buChar char=""/>
+              <a:defRPr sz="1400" kern="1200">
+                <a:solidFill>
+                  <a:schemeClr val="tx1">
+                    <a:lumMod val="75000"/>
+                    <a:lumOff val="25000"/>
+                  </a:schemeClr>
+                </a:solidFill>
+                <a:latin typeface="+mn-lt"/>
+                <a:ea typeface="+mn-ea"/>
+                <a:cs typeface="+mn-cs"/>
+              </a:defRPr>
+            </a:lvl3pPr>
+            <a:lvl4pPr marL="1600200" indent="-228600" algn="l" defTabSz="457200" rtl="0" eaLnBrk="1" latinLnBrk="0" hangingPunct="1">
+              <a:spcBef>
+                <a:spcPts val="1000"/>
+              </a:spcBef>
+              <a:spcAft>
+                <a:spcPts val="0"/>
+              </a:spcAft>
+              <a:buClr>
+                <a:schemeClr val="accent1"/>
+              </a:buClr>
+              <a:buSzPct val="80000"/>
+              <a:buFont typeface="Wingdings 3" charset="2"/>
+              <a:buChar char=""/>
+              <a:defRPr sz="1200" kern="1200">
+                <a:solidFill>
+                  <a:schemeClr val="tx1">
+                    <a:lumMod val="75000"/>
+                    <a:lumOff val="25000"/>
+                  </a:schemeClr>
+                </a:solidFill>
+                <a:latin typeface="+mn-lt"/>
+                <a:ea typeface="+mn-ea"/>
+                <a:cs typeface="+mn-cs"/>
+              </a:defRPr>
+            </a:lvl4pPr>
+            <a:lvl5pPr marL="2057400" indent="-228600" algn="l" defTabSz="457200" rtl="0" eaLnBrk="1" latinLnBrk="0" hangingPunct="1">
+              <a:spcBef>
+                <a:spcPts val="1000"/>
+              </a:spcBef>
+              <a:spcAft>
+                <a:spcPts val="0"/>
+              </a:spcAft>
+              <a:buClr>
+                <a:schemeClr val="accent1"/>
+              </a:buClr>
+              <a:buSzPct val="80000"/>
+              <a:buFont typeface="Wingdings 3" charset="2"/>
+              <a:buChar char=""/>
+              <a:defRPr sz="1200" kern="1200">
+                <a:solidFill>
+                  <a:schemeClr val="tx1">
+                    <a:lumMod val="75000"/>
+                    <a:lumOff val="25000"/>
+                  </a:schemeClr>
+                </a:solidFill>
+                <a:latin typeface="+mn-lt"/>
+                <a:ea typeface="+mn-ea"/>
+                <a:cs typeface="+mn-cs"/>
+              </a:defRPr>
+            </a:lvl5pPr>
+            <a:lvl6pPr marL="2514600" indent="-228600" algn="l" defTabSz="457200" rtl="0" eaLnBrk="1" latinLnBrk="0" hangingPunct="1">
+              <a:spcBef>
+                <a:spcPts val="1000"/>
+              </a:spcBef>
+              <a:spcAft>
+                <a:spcPts val="0"/>
+              </a:spcAft>
+              <a:buClr>
+                <a:schemeClr val="accent1"/>
+              </a:buClr>
+              <a:buSzPct val="80000"/>
+              <a:buFont typeface="Wingdings 3" charset="2"/>
+              <a:buChar char=""/>
+              <a:defRPr sz="1200" kern="1200">
+                <a:solidFill>
+                  <a:schemeClr val="tx1">
+                    <a:lumMod val="75000"/>
+                    <a:lumOff val="25000"/>
+                  </a:schemeClr>
+                </a:solidFill>
+                <a:latin typeface="+mn-lt"/>
+                <a:ea typeface="+mn-ea"/>
+                <a:cs typeface="+mn-cs"/>
+              </a:defRPr>
+            </a:lvl6pPr>
+            <a:lvl7pPr marL="2971800" indent="-228600" algn="l" defTabSz="457200" rtl="0" eaLnBrk="1" latinLnBrk="0" hangingPunct="1">
+              <a:spcBef>
+                <a:spcPts val="1000"/>
+              </a:spcBef>
+              <a:spcAft>
+                <a:spcPts val="0"/>
+              </a:spcAft>
+              <a:buClr>
+                <a:schemeClr val="accent1"/>
+              </a:buClr>
+              <a:buSzPct val="80000"/>
+              <a:buFont typeface="Wingdings 3" charset="2"/>
+              <a:buChar char=""/>
+              <a:defRPr sz="1200" kern="1200">
+                <a:solidFill>
+                  <a:schemeClr val="tx1">
+                    <a:lumMod val="75000"/>
+                    <a:lumOff val="25000"/>
+                  </a:schemeClr>
+                </a:solidFill>
+                <a:latin typeface="+mn-lt"/>
+                <a:ea typeface="+mn-ea"/>
+                <a:cs typeface="+mn-cs"/>
+              </a:defRPr>
+            </a:lvl7pPr>
+            <a:lvl8pPr marL="3429000" indent="-228600" algn="l" defTabSz="457200" rtl="0" eaLnBrk="1" latinLnBrk="0" hangingPunct="1">
+              <a:spcBef>
+                <a:spcPts val="1000"/>
+              </a:spcBef>
+              <a:spcAft>
+                <a:spcPts val="0"/>
+              </a:spcAft>
+              <a:buClr>
+                <a:schemeClr val="accent1"/>
+              </a:buClr>
+              <a:buSzPct val="80000"/>
+              <a:buFont typeface="Wingdings 3" charset="2"/>
+              <a:buChar char=""/>
+              <a:defRPr sz="1200" kern="1200">
+                <a:solidFill>
+                  <a:schemeClr val="tx1">
+                    <a:lumMod val="75000"/>
+                    <a:lumOff val="25000"/>
+                  </a:schemeClr>
+                </a:solidFill>
+                <a:latin typeface="+mn-lt"/>
+                <a:ea typeface="+mn-ea"/>
+                <a:cs typeface="+mn-cs"/>
+              </a:defRPr>
+            </a:lvl8pPr>
+            <a:lvl9pPr marL="3886200" indent="-228600" algn="l" defTabSz="457200" rtl="0" eaLnBrk="1" latinLnBrk="0" hangingPunct="1">
+              <a:spcBef>
+                <a:spcPts val="1000"/>
+              </a:spcBef>
+              <a:spcAft>
+                <a:spcPts val="0"/>
+              </a:spcAft>
+              <a:buClr>
+                <a:schemeClr val="accent1"/>
+              </a:buClr>
+              <a:buSzPct val="80000"/>
+              <a:buFont typeface="Wingdings 3" charset="2"/>
+              <a:buChar char=""/>
+              <a:defRPr sz="1200" kern="1200">
+                <a:solidFill>
+                  <a:schemeClr val="tx1">
+                    <a:lumMod val="75000"/>
+                    <a:lumOff val="25000"/>
+                  </a:schemeClr>
+                </a:solidFill>
+                <a:latin typeface="+mn-lt"/>
+                <a:ea typeface="+mn-ea"/>
+                <a:cs typeface="+mn-cs"/>
+              </a:defRPr>
+            </a:lvl9pPr>
+          </a:lstStyle>
+          <a:p>
+            <a:pPr marL="0" indent="0">
+              <a:buNone/>
+            </a:pPr>
+            <a:r>
+              <a:rPr lang="it-IT" dirty="0"/>
+              <a:t>The YOLOv5 model </a:t>
+            </a:r>
+            <a:r>
+              <a:rPr lang="it-IT" dirty="0" err="1"/>
+              <a:t>detects</a:t>
+            </a:r>
+            <a:r>
+              <a:rPr lang="it-IT" dirty="0"/>
+              <a:t> the </a:t>
+            </a:r>
+            <a:r>
+              <a:rPr lang="it-IT" dirty="0" err="1"/>
+              <a:t>bounding</a:t>
+            </a:r>
+            <a:r>
+              <a:rPr lang="it-IT" dirty="0"/>
+              <a:t> boxes for the </a:t>
+            </a:r>
+            <a:r>
+              <a:rPr lang="it-IT" dirty="0" err="1"/>
+              <a:t>license</a:t>
+            </a:r>
+            <a:r>
+              <a:rPr lang="it-IT" dirty="0"/>
+              <a:t> </a:t>
+            </a:r>
+            <a:r>
+              <a:rPr lang="it-IT" dirty="0" err="1"/>
+              <a:t>plates</a:t>
+            </a:r>
+            <a:r>
+              <a:rPr lang="it-IT" dirty="0"/>
+              <a:t> and </a:t>
+            </a:r>
+            <a:r>
+              <a:rPr lang="it-IT" dirty="0" err="1"/>
+              <a:t>classifies</a:t>
+            </a:r>
+            <a:r>
+              <a:rPr lang="it-IT" dirty="0"/>
+              <a:t> </a:t>
+            </a:r>
+            <a:r>
+              <a:rPr lang="it-IT" dirty="0" err="1"/>
+              <a:t>them</a:t>
+            </a:r>
+            <a:r>
+              <a:rPr lang="it-IT" dirty="0"/>
+              <a:t> </a:t>
+            </a:r>
+            <a:r>
+              <a:rPr lang="it-IT" dirty="0" err="1"/>
+              <a:t>as</a:t>
+            </a:r>
+            <a:r>
+              <a:rPr lang="it-IT" dirty="0"/>
+              <a:t> </a:t>
+            </a:r>
+            <a:r>
+              <a:rPr lang="it-IT" dirty="0" err="1"/>
+              <a:t>such</a:t>
+            </a:r>
+            <a:r>
+              <a:rPr lang="it-IT" dirty="0"/>
+              <a:t>.</a:t>
+            </a:r>
+          </a:p>
+        </p:txBody>
+      </p:sp>
+      <p:pic>
+        <p:nvPicPr>
+          <p:cNvPr id="13" name="Immagine 12" descr="Immagine che contiene testo, automobile, veicolo&#10;&#10;Il contenuto generato dall'IA potrebbe non essere corretto.">
+            <a:extLst>
+              <a:ext uri="{FF2B5EF4-FFF2-40B4-BE49-F238E27FC236}">
+                <a16:creationId xmlns:a16="http://schemas.microsoft.com/office/drawing/2014/main" id="{2D28BE18-5571-3632-3E5A-86DF18484F15}"/>
+              </a:ext>
+            </a:extLst>
+          </p:cNvPr>
+          <p:cNvPicPr>
+            <a:picLocks noChangeAspect="1"/>
+          </p:cNvPicPr>
+          <p:nvPr/>
+        </p:nvPicPr>
+        <p:blipFill>
+          <a:blip r:embed="rId2">
+            <a:extLst>
+              <a:ext uri="{28A0092B-C50C-407E-A947-70E740481C1C}">
+                <a14:useLocalDpi xmlns:a14="http://schemas.microsoft.com/office/drawing/2010/main" val="0"/>
+              </a:ext>
+            </a:extLst>
+          </a:blip>
+          <a:stretch>
+            <a:fillRect/>
+          </a:stretch>
+        </p:blipFill>
+        <p:spPr>
+          <a:xfrm>
+            <a:off x="359741" y="3556702"/>
+            <a:ext cx="8847321" cy="1409373"/>
+          </a:xfrm>
+          <a:prstGeom prst="rect">
+            <a:avLst/>
+          </a:prstGeom>
+        </p:spPr>
+      </p:pic>
+      <p:pic>
+        <p:nvPicPr>
+          <p:cNvPr id="14" name="Immagine 13" descr="Immagine che contiene testo, automobile, veicolo&#10;&#10;Il contenuto generato dall'IA potrebbe non essere corretto.">
+            <a:extLst>
+              <a:ext uri="{FF2B5EF4-FFF2-40B4-BE49-F238E27FC236}">
+                <a16:creationId xmlns:a16="http://schemas.microsoft.com/office/drawing/2014/main" id="{0E2653ED-CC20-37A9-A039-F126F8F66F53}"/>
+              </a:ext>
+            </a:extLst>
+          </p:cNvPr>
+          <p:cNvPicPr>
+            <a:picLocks noChangeAspect="1"/>
+          </p:cNvPicPr>
+          <p:nvPr/>
+        </p:nvPicPr>
+        <p:blipFill>
+          <a:blip r:embed="rId2">
+            <a:extLst>
+              <a:ext uri="{28A0092B-C50C-407E-A947-70E740481C1C}">
+                <a14:useLocalDpi xmlns:a14="http://schemas.microsoft.com/office/drawing/2010/main" val="0"/>
+              </a:ext>
+            </a:extLst>
+          </a:blip>
+          <a:stretch>
+            <a:fillRect/>
+          </a:stretch>
+        </p:blipFill>
+        <p:spPr>
+          <a:xfrm>
+            <a:off x="426681" y="3556702"/>
+            <a:ext cx="8847321" cy="1409373"/>
+          </a:xfrm>
+          <a:prstGeom prst="rect">
+            <a:avLst/>
+          </a:prstGeom>
+        </p:spPr>
+      </p:pic>
+      <p:sp>
+        <p:nvSpPr>
+          <p:cNvPr id="17" name="Segnaposto piè di pagina 16">
+            <a:extLst>
+              <a:ext uri="{FF2B5EF4-FFF2-40B4-BE49-F238E27FC236}">
+                <a16:creationId xmlns:a16="http://schemas.microsoft.com/office/drawing/2014/main" id="{CD16B49F-CE57-A6F0-4143-B504D90A3F99}"/>
+              </a:ext>
+            </a:extLst>
+          </p:cNvPr>
+          <p:cNvSpPr>
+            <a:spLocks noGrp="1"/>
+          </p:cNvSpPr>
+          <p:nvPr>
+            <p:ph type="ftr" sz="quarter" idx="11"/>
+          </p:nvPr>
+        </p:nvSpPr>
+        <p:spPr/>
+        <p:txBody>
+          <a:bodyPr/>
+          <a:lstStyle/>
+          <a:p>
+            <a:r>
+              <a:rPr lang="it-IT" dirty="0"/>
+              <a:t>[2] </a:t>
+            </a:r>
+            <a:r>
+              <a:rPr lang="it-IT" dirty="0">
+                <a:hlinkClick r:id="rId3"/>
+              </a:rPr>
+              <a:t>https://github.com/ultralytics/yolov5</a:t>
+            </a:r>
+            <a:endParaRPr lang="it-IT" dirty="0"/>
           </a:p>
         </p:txBody>
       </p:sp>
@@ -7167,7 +8582,7 @@
           <p:cNvPr id="2" name="Titolo 1">
             <a:extLst>
               <a:ext uri="{FF2B5EF4-FFF2-40B4-BE49-F238E27FC236}">
-                <a16:creationId xmlns:a16="http://schemas.microsoft.com/office/drawing/2014/main" id="{CF931FDC-5E22-431E-8F3F-DB5C37AA065A}"/>
+                <a16:creationId xmlns:a16="http://schemas.microsoft.com/office/drawing/2014/main" id="{5AB51901-7680-CB33-8D77-59E2A78A1BCB}"/>
               </a:ext>
             </a:extLst>
           </p:cNvPr>
@@ -7184,8 +8599,12 @@
           <a:lstStyle/>
           <a:p>
             <a:r>
-              <a:rPr lang="it-IT" dirty="0"/>
-              <a:t>Dataset</a:t>
+              <a:rPr lang="it-IT" dirty="0" err="1"/>
+              <a:t>Proposed</a:t>
+            </a:r>
+            <a:r>
+              <a:rPr lang="it-IT" dirty="0"/>
+              <a:t> Method</a:t>
             </a:r>
           </a:p>
         </p:txBody>
@@ -7195,7 +8614,7 @@
           <p:cNvPr id="3" name="Segnaposto contenuto 2">
             <a:extLst>
               <a:ext uri="{FF2B5EF4-FFF2-40B4-BE49-F238E27FC236}">
-                <a16:creationId xmlns:a16="http://schemas.microsoft.com/office/drawing/2014/main" id="{A72F9D45-0E56-07AC-D104-7685934CCB41}"/>
+                <a16:creationId xmlns:a16="http://schemas.microsoft.com/office/drawing/2014/main" id="{E0654E6B-E953-0F37-A046-066E9A737BFA}"/>
               </a:ext>
             </a:extLst>
           </p:cNvPr>
@@ -7206,19 +8625,309 @@
             <p:ph idx="1"/>
           </p:nvPr>
         </p:nvSpPr>
-        <p:spPr/>
+        <p:spPr>
+          <a:xfrm>
+            <a:off x="677334" y="2160589"/>
+            <a:ext cx="8596668" cy="2833927"/>
+          </a:xfrm>
+        </p:spPr>
         <p:txBody>
           <a:bodyPr/>
           <a:lstStyle/>
           <a:p>
-            <a:endParaRPr lang="it-IT"/>
+            <a:pPr marL="0" indent="0">
+              <a:buNone/>
+            </a:pPr>
+            <a:r>
+              <a:rPr lang="it-IT" dirty="0"/>
+              <a:t>The </a:t>
+            </a:r>
+            <a:r>
+              <a:rPr lang="it-IT" dirty="0" err="1"/>
+              <a:t>recognition</a:t>
+            </a:r>
+            <a:r>
+              <a:rPr lang="it-IT" dirty="0"/>
+              <a:t> model </a:t>
+            </a:r>
+            <a:r>
+              <a:rPr lang="it-IT" dirty="0" err="1"/>
+              <a:t>was</a:t>
+            </a:r>
+            <a:r>
+              <a:rPr lang="it-IT" dirty="0"/>
+              <a:t> </a:t>
+            </a:r>
+            <a:r>
+              <a:rPr lang="it-IT" dirty="0" err="1"/>
+              <a:t>created</a:t>
+            </a:r>
+            <a:r>
+              <a:rPr lang="it-IT" dirty="0"/>
+              <a:t> by </a:t>
+            </a:r>
+            <a:r>
+              <a:rPr lang="it-IT" dirty="0" err="1"/>
+              <a:t>us</a:t>
+            </a:r>
+            <a:r>
+              <a:rPr lang="it-IT" dirty="0"/>
+              <a:t> and works </a:t>
+            </a:r>
+            <a:r>
+              <a:rPr lang="it-IT" dirty="0" err="1"/>
+              <a:t>as</a:t>
+            </a:r>
+            <a:r>
+              <a:rPr lang="it-IT" dirty="0"/>
+              <a:t> follows.</a:t>
+            </a:r>
+          </a:p>
+          <a:p>
+            <a:pPr>
+              <a:buFont typeface="+mj-lt"/>
+              <a:buAutoNum type="arabicPeriod"/>
+            </a:pPr>
+            <a:r>
+              <a:rPr lang="it-IT" dirty="0" err="1"/>
+              <a:t>It</a:t>
+            </a:r>
+            <a:r>
+              <a:rPr lang="it-IT" dirty="0"/>
+              <a:t> takes an RGB image in input and </a:t>
+            </a:r>
+            <a:r>
+              <a:rPr lang="it-IT" dirty="0" err="1"/>
+              <a:t>crops</a:t>
+            </a:r>
+            <a:r>
+              <a:rPr lang="it-IT" dirty="0"/>
+              <a:t> </a:t>
+            </a:r>
+            <a:r>
+              <a:rPr lang="it-IT" dirty="0" err="1"/>
+              <a:t>it</a:t>
+            </a:r>
+            <a:r>
+              <a:rPr lang="it-IT" dirty="0"/>
+              <a:t> </a:t>
+            </a:r>
+            <a:r>
+              <a:rPr lang="it-IT" dirty="0" err="1"/>
+              <a:t>according</a:t>
+            </a:r>
+            <a:r>
+              <a:rPr lang="it-IT" dirty="0"/>
+              <a:t> to the </a:t>
+            </a:r>
+            <a:r>
+              <a:rPr lang="it-IT" dirty="0" err="1"/>
+              <a:t>bounding</a:t>
+            </a:r>
+            <a:r>
+              <a:rPr lang="it-IT" dirty="0"/>
+              <a:t> box </a:t>
+            </a:r>
+            <a:r>
+              <a:rPr lang="it-IT" dirty="0" err="1"/>
+              <a:t>obtained</a:t>
+            </a:r>
+            <a:r>
+              <a:rPr lang="it-IT" dirty="0"/>
+              <a:t> from </a:t>
+            </a:r>
+            <a:r>
+              <a:rPr lang="it-IT" dirty="0" err="1"/>
+              <a:t>detection</a:t>
+            </a:r>
+            <a:r>
+              <a:rPr lang="it-IT" dirty="0"/>
+              <a:t>.</a:t>
+            </a:r>
+          </a:p>
+          <a:p>
+            <a:pPr>
+              <a:buFont typeface="+mj-lt"/>
+              <a:buAutoNum type="arabicPeriod"/>
+            </a:pPr>
+            <a:r>
+              <a:rPr lang="it-IT" dirty="0"/>
+              <a:t>Features are </a:t>
+            </a:r>
+            <a:r>
+              <a:rPr lang="it-IT" dirty="0" err="1"/>
+              <a:t>extracted</a:t>
+            </a:r>
+            <a:r>
+              <a:rPr lang="it-IT" dirty="0"/>
+              <a:t> from the image by </a:t>
+            </a:r>
+            <a:r>
+              <a:rPr lang="it-IT" dirty="0" err="1"/>
+              <a:t>using</a:t>
+            </a:r>
+            <a:r>
+              <a:rPr lang="it-IT" dirty="0"/>
+              <a:t> </a:t>
+            </a:r>
+            <a:r>
+              <a:rPr lang="it-IT" dirty="0" err="1"/>
+              <a:t>stacked</a:t>
+            </a:r>
+            <a:r>
+              <a:rPr lang="it-IT" dirty="0"/>
+              <a:t> </a:t>
+            </a:r>
+            <a:r>
+              <a:rPr lang="it-IT" dirty="0" err="1"/>
+              <a:t>convolutional</a:t>
+            </a:r>
+            <a:r>
+              <a:rPr lang="it-IT" dirty="0"/>
+              <a:t> </a:t>
+            </a:r>
+            <a:r>
+              <a:rPr lang="it-IT" dirty="0" err="1"/>
+              <a:t>layers</a:t>
+            </a:r>
+            <a:r>
+              <a:rPr lang="it-IT" dirty="0"/>
+              <a:t>, </a:t>
+            </a:r>
+            <a:r>
+              <a:rPr lang="it-IT" dirty="0" err="1"/>
+              <a:t>followed</a:t>
+            </a:r>
+            <a:r>
+              <a:rPr lang="it-IT" dirty="0"/>
+              <a:t> by </a:t>
+            </a:r>
+            <a:r>
+              <a:rPr lang="it-IT" dirty="0" err="1"/>
+              <a:t>ReLU</a:t>
+            </a:r>
+            <a:r>
+              <a:rPr lang="it-IT" dirty="0"/>
+              <a:t> and </a:t>
+            </a:r>
+            <a:r>
+              <a:rPr lang="it-IT" dirty="0" err="1"/>
+              <a:t>MaxPooling</a:t>
+            </a:r>
+            <a:r>
+              <a:rPr lang="it-IT" dirty="0"/>
+              <a:t>.</a:t>
+            </a:r>
+          </a:p>
+          <a:p>
+            <a:pPr>
+              <a:buFont typeface="+mj-lt"/>
+              <a:buAutoNum type="arabicPeriod"/>
+            </a:pPr>
+            <a:r>
+              <a:rPr lang="it-IT" dirty="0"/>
+              <a:t>The feature </a:t>
+            </a:r>
+            <a:r>
+              <a:rPr lang="it-IT" dirty="0" err="1"/>
+              <a:t>map</a:t>
+            </a:r>
+            <a:r>
+              <a:rPr lang="it-IT" dirty="0"/>
+              <a:t> </a:t>
+            </a:r>
+            <a:r>
+              <a:rPr lang="it-IT" dirty="0" err="1"/>
+              <a:t>is</a:t>
+            </a:r>
+            <a:r>
+              <a:rPr lang="it-IT" dirty="0"/>
+              <a:t> </a:t>
+            </a:r>
+            <a:r>
+              <a:rPr lang="it-IT" dirty="0" err="1"/>
+              <a:t>flattened</a:t>
+            </a:r>
+            <a:r>
+              <a:rPr lang="it-IT" dirty="0"/>
+              <a:t> </a:t>
+            </a:r>
+            <a:r>
+              <a:rPr lang="it-IT" dirty="0" err="1"/>
+              <a:t>into</a:t>
+            </a:r>
+            <a:r>
+              <a:rPr lang="it-IT" dirty="0"/>
+              <a:t> a single </a:t>
+            </a:r>
+            <a:r>
+              <a:rPr lang="it-IT" dirty="0" err="1"/>
+              <a:t>vector</a:t>
+            </a:r>
+            <a:r>
+              <a:rPr lang="it-IT" dirty="0"/>
+              <a:t> per image.</a:t>
+            </a:r>
+          </a:p>
+          <a:p>
+            <a:pPr>
+              <a:buFont typeface="+mj-lt"/>
+              <a:buAutoNum type="arabicPeriod"/>
+            </a:pPr>
+            <a:r>
+              <a:rPr lang="it-IT" dirty="0"/>
+              <a:t>7 output heads </a:t>
+            </a:r>
+            <a:r>
+              <a:rPr lang="it-IT" dirty="0" err="1"/>
+              <a:t>predict</a:t>
+            </a:r>
+            <a:r>
+              <a:rPr lang="it-IT" dirty="0"/>
+              <a:t> a part of the </a:t>
+            </a:r>
+            <a:r>
+              <a:rPr lang="it-IT" dirty="0" err="1"/>
+              <a:t>license</a:t>
+            </a:r>
+            <a:r>
+              <a:rPr lang="it-IT" dirty="0"/>
+              <a:t> </a:t>
+            </a:r>
+            <a:r>
+              <a:rPr lang="it-IT" dirty="0" err="1"/>
+              <a:t>plate</a:t>
+            </a:r>
+            <a:r>
+              <a:rPr lang="it-IT" dirty="0"/>
+              <a:t> (province, </a:t>
+            </a:r>
+            <a:r>
+              <a:rPr lang="it-IT" dirty="0" err="1"/>
+              <a:t>letters</a:t>
+            </a:r>
+            <a:r>
+              <a:rPr lang="it-IT" dirty="0"/>
+              <a:t>, </a:t>
+            </a:r>
+            <a:r>
+              <a:rPr lang="it-IT" dirty="0" err="1"/>
+              <a:t>numbers</a:t>
+            </a:r>
+            <a:r>
+              <a:rPr lang="it-IT" dirty="0"/>
+              <a:t>)</a:t>
+            </a:r>
+          </a:p>
+          <a:p>
+            <a:endParaRPr lang="it-IT" dirty="0"/>
           </a:p>
         </p:txBody>
       </p:sp>
     </p:spTree>
     <p:extLst>
       <p:ext uri="{BB962C8B-B14F-4D97-AF65-F5344CB8AC3E}">
-        <p14:creationId xmlns:p14="http://schemas.microsoft.com/office/powerpoint/2010/main" val="407124806"/>
+        <p14:creationId xmlns:p14="http://schemas.microsoft.com/office/powerpoint/2010/main" val="3633975926"/>
       </p:ext>
     </p:extLst>
   </p:cSld>
@@ -7250,7 +8959,7 @@
           <p:cNvPr id="2" name="Titolo 1">
             <a:extLst>
               <a:ext uri="{FF2B5EF4-FFF2-40B4-BE49-F238E27FC236}">
-                <a16:creationId xmlns:a16="http://schemas.microsoft.com/office/drawing/2014/main" id="{9D5A1CCE-98DA-B4C4-AE9C-82A72788BC3E}"/>
+                <a16:creationId xmlns:a16="http://schemas.microsoft.com/office/drawing/2014/main" id="{CF931FDC-5E22-431E-8F3F-DB5C37AA065A}"/>
               </a:ext>
             </a:extLst>
           </p:cNvPr>
@@ -7267,12 +8976,8 @@
           <a:lstStyle/>
           <a:p>
             <a:r>
-              <a:rPr lang="it-IT" dirty="0" err="1"/>
-              <a:t>Experimental</a:t>
-            </a:r>
-            <a:r>
-              <a:rPr lang="it-IT" dirty="0"/>
-              <a:t> Setup</a:t>
+              <a:rPr lang="it-IT" dirty="0"/>
+              <a:t>Dataset</a:t>
             </a:r>
           </a:p>
         </p:txBody>
@@ -7282,7 +8987,7 @@
           <p:cNvPr id="3" name="Segnaposto contenuto 2">
             <a:extLst>
               <a:ext uri="{FF2B5EF4-FFF2-40B4-BE49-F238E27FC236}">
-                <a16:creationId xmlns:a16="http://schemas.microsoft.com/office/drawing/2014/main" id="{3795200A-50E9-D727-8F32-C705194254B8}"/>
+                <a16:creationId xmlns:a16="http://schemas.microsoft.com/office/drawing/2014/main" id="{A72F9D45-0E56-07AC-D104-7685934CCB41}"/>
               </a:ext>
             </a:extLst>
           </p:cNvPr>
@@ -7293,19 +8998,596 @@
             <p:ph idx="1"/>
           </p:nvPr>
         </p:nvSpPr>
-        <p:spPr/>
+        <p:spPr>
+          <a:xfrm>
+            <a:off x="677334" y="2160590"/>
+            <a:ext cx="8596668" cy="797022"/>
+          </a:xfrm>
+        </p:spPr>
         <p:txBody>
           <a:bodyPr/>
           <a:lstStyle/>
           <a:p>
-            <a:endParaRPr lang="it-IT"/>
+            <a:pPr marL="0" indent="0">
+              <a:buNone/>
+            </a:pPr>
+            <a:r>
+              <a:rPr lang="it-IT" dirty="0"/>
+              <a:t>The dataset </a:t>
+            </a:r>
+            <a:r>
+              <a:rPr lang="it-IT" dirty="0" err="1"/>
+              <a:t>we</a:t>
+            </a:r>
+            <a:r>
+              <a:rPr lang="it-IT" dirty="0"/>
+              <a:t> </a:t>
+            </a:r>
+            <a:r>
+              <a:rPr lang="it-IT" dirty="0" err="1"/>
+              <a:t>used</a:t>
+            </a:r>
+            <a:r>
+              <a:rPr lang="it-IT" dirty="0"/>
+              <a:t> for training </a:t>
+            </a:r>
+            <a:r>
+              <a:rPr lang="it-IT" dirty="0" err="1"/>
+              <a:t>is</a:t>
+            </a:r>
+            <a:r>
+              <a:rPr lang="it-IT" dirty="0"/>
+              <a:t> the CCPD2019 dataset [3], </a:t>
+            </a:r>
+            <a:r>
+              <a:rPr lang="it-IT" dirty="0" err="1"/>
+              <a:t>containing</a:t>
+            </a:r>
+            <a:r>
+              <a:rPr lang="it-IT" dirty="0"/>
+              <a:t> a large </a:t>
+            </a:r>
+            <a:r>
+              <a:rPr lang="it-IT" dirty="0" err="1"/>
+              <a:t>quantity</a:t>
+            </a:r>
+            <a:r>
+              <a:rPr lang="it-IT" dirty="0"/>
+              <a:t> of images </a:t>
+            </a:r>
+            <a:r>
+              <a:rPr lang="it-IT" dirty="0" err="1"/>
+              <a:t>depicting</a:t>
+            </a:r>
+            <a:r>
+              <a:rPr lang="it-IT" dirty="0"/>
+              <a:t> </a:t>
+            </a:r>
+            <a:r>
+              <a:rPr lang="it-IT" dirty="0" err="1"/>
+              <a:t>chinese</a:t>
+            </a:r>
+            <a:r>
+              <a:rPr lang="it-IT" dirty="0"/>
+              <a:t> cars with </a:t>
+            </a:r>
+            <a:r>
+              <a:rPr lang="it-IT" dirty="0" err="1"/>
+              <a:t>their</a:t>
+            </a:r>
+            <a:r>
+              <a:rPr lang="it-IT" dirty="0"/>
+              <a:t> </a:t>
+            </a:r>
+            <a:r>
+              <a:rPr lang="it-IT" dirty="0" err="1"/>
+              <a:t>license</a:t>
+            </a:r>
+            <a:r>
+              <a:rPr lang="it-IT" dirty="0"/>
+              <a:t> </a:t>
+            </a:r>
+            <a:r>
+              <a:rPr lang="it-IT" dirty="0" err="1"/>
+              <a:t>plates</a:t>
+            </a:r>
+            <a:r>
+              <a:rPr lang="it-IT" dirty="0"/>
+              <a:t>.</a:t>
+            </a:r>
+          </a:p>
+          <a:p>
+            <a:pPr marL="0" indent="0">
+              <a:buNone/>
+            </a:pPr>
+            <a:endParaRPr lang="it-IT" dirty="0"/>
+          </a:p>
+        </p:txBody>
+      </p:sp>
+      <p:pic>
+        <p:nvPicPr>
+          <p:cNvPr id="5" name="Immagine 4">
+            <a:extLst>
+              <a:ext uri="{FF2B5EF4-FFF2-40B4-BE49-F238E27FC236}">
+                <a16:creationId xmlns:a16="http://schemas.microsoft.com/office/drawing/2014/main" id="{8D7D864E-07FF-0A91-9636-348ABE28742A}"/>
+              </a:ext>
+            </a:extLst>
+          </p:cNvPr>
+          <p:cNvPicPr>
+            <a:picLocks noChangeAspect="1"/>
+          </p:cNvPicPr>
+          <p:nvPr/>
+        </p:nvPicPr>
+        <p:blipFill>
+          <a:blip r:embed="rId2"/>
+          <a:stretch>
+            <a:fillRect/>
+          </a:stretch>
+        </p:blipFill>
+        <p:spPr>
+          <a:xfrm>
+            <a:off x="3192548" y="2957612"/>
+            <a:ext cx="3308216" cy="1990490"/>
+          </a:xfrm>
+          <a:prstGeom prst="rect">
+            <a:avLst/>
+          </a:prstGeom>
+        </p:spPr>
+      </p:pic>
+      <p:sp>
+        <p:nvSpPr>
+          <p:cNvPr id="6" name="Segnaposto contenuto 2">
+            <a:extLst>
+              <a:ext uri="{FF2B5EF4-FFF2-40B4-BE49-F238E27FC236}">
+                <a16:creationId xmlns:a16="http://schemas.microsoft.com/office/drawing/2014/main" id="{EB519C87-D90E-D4BF-CB07-3B6A1ECABB5C}"/>
+              </a:ext>
+            </a:extLst>
+          </p:cNvPr>
+          <p:cNvSpPr txBox="1">
+            <a:spLocks/>
+          </p:cNvSpPr>
+          <p:nvPr/>
+        </p:nvSpPr>
+        <p:spPr>
+          <a:xfrm>
+            <a:off x="677334" y="5137005"/>
+            <a:ext cx="8596668" cy="797022"/>
+          </a:xfrm>
+          <a:prstGeom prst="rect">
+            <a:avLst/>
+          </a:prstGeom>
+        </p:spPr>
+        <p:txBody>
+          <a:bodyPr vert="horz" lIns="91440" tIns="45720" rIns="91440" bIns="45720" rtlCol="0">
+            <a:normAutofit/>
+          </a:bodyPr>
+          <a:lstStyle>
+            <a:lvl1pPr marL="342900" indent="-342900" algn="l" defTabSz="457200" rtl="0" eaLnBrk="1" latinLnBrk="0" hangingPunct="1">
+              <a:spcBef>
+                <a:spcPts val="1000"/>
+              </a:spcBef>
+              <a:spcAft>
+                <a:spcPts val="0"/>
+              </a:spcAft>
+              <a:buClr>
+                <a:schemeClr val="accent1"/>
+              </a:buClr>
+              <a:buSzPct val="80000"/>
+              <a:buFont typeface="Wingdings 3" charset="2"/>
+              <a:buChar char=""/>
+              <a:defRPr sz="1800" kern="1200">
+                <a:solidFill>
+                  <a:schemeClr val="tx1">
+                    <a:lumMod val="75000"/>
+                    <a:lumOff val="25000"/>
+                  </a:schemeClr>
+                </a:solidFill>
+                <a:latin typeface="+mn-lt"/>
+                <a:ea typeface="+mn-ea"/>
+                <a:cs typeface="+mn-cs"/>
+              </a:defRPr>
+            </a:lvl1pPr>
+            <a:lvl2pPr marL="742950" indent="-285750" algn="l" defTabSz="457200" rtl="0" eaLnBrk="1" latinLnBrk="0" hangingPunct="1">
+              <a:spcBef>
+                <a:spcPts val="1000"/>
+              </a:spcBef>
+              <a:spcAft>
+                <a:spcPts val="0"/>
+              </a:spcAft>
+              <a:buClr>
+                <a:schemeClr val="accent1"/>
+              </a:buClr>
+              <a:buSzPct val="80000"/>
+              <a:buFont typeface="Wingdings 3" charset="2"/>
+              <a:buChar char=""/>
+              <a:defRPr sz="1600" kern="1200">
+                <a:solidFill>
+                  <a:schemeClr val="tx1">
+                    <a:lumMod val="75000"/>
+                    <a:lumOff val="25000"/>
+                  </a:schemeClr>
+                </a:solidFill>
+                <a:latin typeface="+mn-lt"/>
+                <a:ea typeface="+mn-ea"/>
+                <a:cs typeface="+mn-cs"/>
+              </a:defRPr>
+            </a:lvl2pPr>
+            <a:lvl3pPr marL="1143000" indent="-228600" algn="l" defTabSz="457200" rtl="0" eaLnBrk="1" latinLnBrk="0" hangingPunct="1">
+              <a:spcBef>
+                <a:spcPts val="1000"/>
+              </a:spcBef>
+              <a:spcAft>
+                <a:spcPts val="0"/>
+              </a:spcAft>
+              <a:buClr>
+                <a:schemeClr val="accent1"/>
+              </a:buClr>
+              <a:buSzPct val="80000"/>
+              <a:buFont typeface="Wingdings 3" charset="2"/>
+              <a:buChar char=""/>
+              <a:defRPr sz="1400" kern="1200">
+                <a:solidFill>
+                  <a:schemeClr val="tx1">
+                    <a:lumMod val="75000"/>
+                    <a:lumOff val="25000"/>
+                  </a:schemeClr>
+                </a:solidFill>
+                <a:latin typeface="+mn-lt"/>
+                <a:ea typeface="+mn-ea"/>
+                <a:cs typeface="+mn-cs"/>
+              </a:defRPr>
+            </a:lvl3pPr>
+            <a:lvl4pPr marL="1600200" indent="-228600" algn="l" defTabSz="457200" rtl="0" eaLnBrk="1" latinLnBrk="0" hangingPunct="1">
+              <a:spcBef>
+                <a:spcPts val="1000"/>
+              </a:spcBef>
+              <a:spcAft>
+                <a:spcPts val="0"/>
+              </a:spcAft>
+              <a:buClr>
+                <a:schemeClr val="accent1"/>
+              </a:buClr>
+              <a:buSzPct val="80000"/>
+              <a:buFont typeface="Wingdings 3" charset="2"/>
+              <a:buChar char=""/>
+              <a:defRPr sz="1200" kern="1200">
+                <a:solidFill>
+                  <a:schemeClr val="tx1">
+                    <a:lumMod val="75000"/>
+                    <a:lumOff val="25000"/>
+                  </a:schemeClr>
+                </a:solidFill>
+                <a:latin typeface="+mn-lt"/>
+                <a:ea typeface="+mn-ea"/>
+                <a:cs typeface="+mn-cs"/>
+              </a:defRPr>
+            </a:lvl4pPr>
+            <a:lvl5pPr marL="2057400" indent="-228600" algn="l" defTabSz="457200" rtl="0" eaLnBrk="1" latinLnBrk="0" hangingPunct="1">
+              <a:spcBef>
+                <a:spcPts val="1000"/>
+              </a:spcBef>
+              <a:spcAft>
+                <a:spcPts val="0"/>
+              </a:spcAft>
+              <a:buClr>
+                <a:schemeClr val="accent1"/>
+              </a:buClr>
+              <a:buSzPct val="80000"/>
+              <a:buFont typeface="Wingdings 3" charset="2"/>
+              <a:buChar char=""/>
+              <a:defRPr sz="1200" kern="1200">
+                <a:solidFill>
+                  <a:schemeClr val="tx1">
+                    <a:lumMod val="75000"/>
+                    <a:lumOff val="25000"/>
+                  </a:schemeClr>
+                </a:solidFill>
+                <a:latin typeface="+mn-lt"/>
+                <a:ea typeface="+mn-ea"/>
+                <a:cs typeface="+mn-cs"/>
+              </a:defRPr>
+            </a:lvl5pPr>
+            <a:lvl6pPr marL="2514600" indent="-228600" algn="l" defTabSz="457200" rtl="0" eaLnBrk="1" latinLnBrk="0" hangingPunct="1">
+              <a:spcBef>
+                <a:spcPts val="1000"/>
+              </a:spcBef>
+              <a:spcAft>
+                <a:spcPts val="0"/>
+              </a:spcAft>
+              <a:buClr>
+                <a:schemeClr val="accent1"/>
+              </a:buClr>
+              <a:buSzPct val="80000"/>
+              <a:buFont typeface="Wingdings 3" charset="2"/>
+              <a:buChar char=""/>
+              <a:defRPr sz="1200" kern="1200">
+                <a:solidFill>
+                  <a:schemeClr val="tx1">
+                    <a:lumMod val="75000"/>
+                    <a:lumOff val="25000"/>
+                  </a:schemeClr>
+                </a:solidFill>
+                <a:latin typeface="+mn-lt"/>
+                <a:ea typeface="+mn-ea"/>
+                <a:cs typeface="+mn-cs"/>
+              </a:defRPr>
+            </a:lvl6pPr>
+            <a:lvl7pPr marL="2971800" indent="-228600" algn="l" defTabSz="457200" rtl="0" eaLnBrk="1" latinLnBrk="0" hangingPunct="1">
+              <a:spcBef>
+                <a:spcPts val="1000"/>
+              </a:spcBef>
+              <a:spcAft>
+                <a:spcPts val="0"/>
+              </a:spcAft>
+              <a:buClr>
+                <a:schemeClr val="accent1"/>
+              </a:buClr>
+              <a:buSzPct val="80000"/>
+              <a:buFont typeface="Wingdings 3" charset="2"/>
+              <a:buChar char=""/>
+              <a:defRPr sz="1200" kern="1200">
+                <a:solidFill>
+                  <a:schemeClr val="tx1">
+                    <a:lumMod val="75000"/>
+                    <a:lumOff val="25000"/>
+                  </a:schemeClr>
+                </a:solidFill>
+                <a:latin typeface="+mn-lt"/>
+                <a:ea typeface="+mn-ea"/>
+                <a:cs typeface="+mn-cs"/>
+              </a:defRPr>
+            </a:lvl7pPr>
+            <a:lvl8pPr marL="3429000" indent="-228600" algn="l" defTabSz="457200" rtl="0" eaLnBrk="1" latinLnBrk="0" hangingPunct="1">
+              <a:spcBef>
+                <a:spcPts val="1000"/>
+              </a:spcBef>
+              <a:spcAft>
+                <a:spcPts val="0"/>
+              </a:spcAft>
+              <a:buClr>
+                <a:schemeClr val="accent1"/>
+              </a:buClr>
+              <a:buSzPct val="80000"/>
+              <a:buFont typeface="Wingdings 3" charset="2"/>
+              <a:buChar char=""/>
+              <a:defRPr sz="1200" kern="1200">
+                <a:solidFill>
+                  <a:schemeClr val="tx1">
+                    <a:lumMod val="75000"/>
+                    <a:lumOff val="25000"/>
+                  </a:schemeClr>
+                </a:solidFill>
+                <a:latin typeface="+mn-lt"/>
+                <a:ea typeface="+mn-ea"/>
+                <a:cs typeface="+mn-cs"/>
+              </a:defRPr>
+            </a:lvl8pPr>
+            <a:lvl9pPr marL="3886200" indent="-228600" algn="l" defTabSz="457200" rtl="0" eaLnBrk="1" latinLnBrk="0" hangingPunct="1">
+              <a:spcBef>
+                <a:spcPts val="1000"/>
+              </a:spcBef>
+              <a:spcAft>
+                <a:spcPts val="0"/>
+              </a:spcAft>
+              <a:buClr>
+                <a:schemeClr val="accent1"/>
+              </a:buClr>
+              <a:buSzPct val="80000"/>
+              <a:buFont typeface="Wingdings 3" charset="2"/>
+              <a:buChar char=""/>
+              <a:defRPr sz="1200" kern="1200">
+                <a:solidFill>
+                  <a:schemeClr val="tx1">
+                    <a:lumMod val="75000"/>
+                    <a:lumOff val="25000"/>
+                  </a:schemeClr>
+                </a:solidFill>
+                <a:latin typeface="+mn-lt"/>
+                <a:ea typeface="+mn-ea"/>
+                <a:cs typeface="+mn-cs"/>
+              </a:defRPr>
+            </a:lvl9pPr>
+          </a:lstStyle>
+          <a:p>
+            <a:pPr marL="0" indent="0">
+              <a:buFont typeface="Wingdings 3" charset="2"/>
+              <a:buNone/>
+            </a:pPr>
+            <a:r>
+              <a:rPr lang="it-IT" dirty="0" err="1"/>
+              <a:t>Specifically</a:t>
+            </a:r>
+            <a:r>
+              <a:rPr lang="it-IT" dirty="0"/>
+              <a:t>, </a:t>
+            </a:r>
+            <a:r>
+              <a:rPr lang="it-IT" dirty="0" err="1"/>
+              <a:t>we</a:t>
+            </a:r>
+            <a:r>
+              <a:rPr lang="it-IT" dirty="0"/>
+              <a:t> </a:t>
+            </a:r>
+            <a:r>
+              <a:rPr lang="it-IT" dirty="0" err="1"/>
+              <a:t>used</a:t>
+            </a:r>
+            <a:r>
+              <a:rPr lang="it-IT" dirty="0"/>
+              <a:t> the «CCPD-Base» subset, </a:t>
+            </a:r>
+            <a:r>
+              <a:rPr lang="it-IT" dirty="0" err="1"/>
+              <a:t>containing</a:t>
+            </a:r>
+            <a:r>
+              <a:rPr lang="it-IT" dirty="0"/>
+              <a:t> 200000 images, from </a:t>
+            </a:r>
+            <a:r>
+              <a:rPr lang="it-IT" dirty="0" err="1"/>
+              <a:t>which</a:t>
+            </a:r>
+            <a:r>
+              <a:rPr lang="it-IT" dirty="0"/>
+              <a:t> </a:t>
+            </a:r>
+            <a:r>
+              <a:rPr lang="it-IT" dirty="0" err="1"/>
+              <a:t>we</a:t>
+            </a:r>
+            <a:r>
+              <a:rPr lang="it-IT" dirty="0"/>
+              <a:t> </a:t>
+            </a:r>
+            <a:r>
+              <a:rPr lang="it-IT" dirty="0" err="1"/>
+              <a:t>further</a:t>
+            </a:r>
+            <a:r>
+              <a:rPr lang="it-IT" dirty="0"/>
+              <a:t> </a:t>
+            </a:r>
+            <a:r>
+              <a:rPr lang="it-IT" dirty="0" err="1"/>
+              <a:t>took</a:t>
+            </a:r>
+            <a:r>
+              <a:rPr lang="it-IT" dirty="0"/>
+              <a:t> </a:t>
+            </a:r>
+            <a:r>
+              <a:rPr lang="it-IT" dirty="0" err="1"/>
+              <a:t>other</a:t>
+            </a:r>
+            <a:r>
+              <a:rPr lang="it-IT" dirty="0"/>
+              <a:t> </a:t>
+            </a:r>
+            <a:r>
+              <a:rPr lang="it-IT" dirty="0" err="1"/>
+              <a:t>samller</a:t>
+            </a:r>
+            <a:r>
+              <a:rPr lang="it-IT" dirty="0"/>
+              <a:t> </a:t>
+            </a:r>
+            <a:r>
+              <a:rPr lang="it-IT" dirty="0" err="1"/>
+              <a:t>subsamples</a:t>
+            </a:r>
+            <a:r>
+              <a:rPr lang="it-IT" dirty="0"/>
+              <a:t>.</a:t>
+            </a:r>
+          </a:p>
+        </p:txBody>
+      </p:sp>
+      <p:sp>
+        <p:nvSpPr>
+          <p:cNvPr id="7" name="Segnaposto piè di pagina 6">
+            <a:extLst>
+              <a:ext uri="{FF2B5EF4-FFF2-40B4-BE49-F238E27FC236}">
+                <a16:creationId xmlns:a16="http://schemas.microsoft.com/office/drawing/2014/main" id="{2354732E-3A35-144B-AC7E-76FDD31CDB87}"/>
+              </a:ext>
+            </a:extLst>
+          </p:cNvPr>
+          <p:cNvSpPr>
+            <a:spLocks noGrp="1"/>
+          </p:cNvSpPr>
+          <p:nvPr>
+            <p:ph type="ftr" sz="quarter" idx="11"/>
+          </p:nvPr>
+        </p:nvSpPr>
+        <p:spPr/>
+        <p:txBody>
+          <a:bodyPr/>
+          <a:lstStyle/>
+          <a:p>
+            <a:r>
+              <a:rPr lang="it-IT" dirty="0"/>
+              <a:t>[3] </a:t>
+            </a:r>
+            <a:r>
+              <a:rPr lang="it-IT" dirty="0" err="1"/>
+              <a:t>Zhenbo</a:t>
+            </a:r>
+            <a:r>
+              <a:rPr lang="it-IT" dirty="0"/>
+              <a:t> </a:t>
+            </a:r>
+            <a:r>
+              <a:rPr lang="it-IT" dirty="0" err="1"/>
+              <a:t>Xu</a:t>
+            </a:r>
+            <a:r>
+              <a:rPr lang="it-IT" dirty="0"/>
+              <a:t>, Wei Yang, </a:t>
+            </a:r>
+            <a:r>
+              <a:rPr lang="it-IT" dirty="0" err="1"/>
+              <a:t>Ajin</a:t>
+            </a:r>
+            <a:r>
+              <a:rPr lang="it-IT" dirty="0"/>
+              <a:t> </a:t>
+            </a:r>
+            <a:r>
+              <a:rPr lang="it-IT" dirty="0" err="1"/>
+              <a:t>Meng</a:t>
+            </a:r>
+            <a:r>
+              <a:rPr lang="it-IT" dirty="0"/>
+              <a:t>, </a:t>
+            </a:r>
+            <a:r>
+              <a:rPr lang="it-IT" dirty="0" err="1"/>
+              <a:t>Nanxue</a:t>
+            </a:r>
+            <a:r>
+              <a:rPr lang="it-IT" dirty="0"/>
+              <a:t> Lu, </a:t>
+            </a:r>
+            <a:r>
+              <a:rPr lang="it-IT" dirty="0" err="1"/>
+              <a:t>Huan</a:t>
+            </a:r>
+            <a:r>
+              <a:rPr lang="it-IT" dirty="0"/>
+              <a:t> Huang, Changchun Ying, </a:t>
+            </a:r>
+            <a:r>
+              <a:rPr lang="it-IT" dirty="0" err="1"/>
+              <a:t>Liusheng</a:t>
+            </a:r>
+            <a:r>
+              <a:rPr lang="it-IT" dirty="0"/>
+              <a:t> Huang; </a:t>
+            </a:r>
+            <a:r>
+              <a:rPr lang="it-IT" dirty="0" err="1"/>
+              <a:t>Proceedings</a:t>
+            </a:r>
+            <a:r>
+              <a:rPr lang="it-IT" dirty="0"/>
+              <a:t> of the </a:t>
+            </a:r>
+            <a:r>
+              <a:rPr lang="it-IT" dirty="0" err="1"/>
+              <a:t>European</a:t>
+            </a:r>
+            <a:r>
+              <a:rPr lang="it-IT" dirty="0"/>
+              <a:t> Conference on Computer Vision (ECCV), 2018, pp. 255-271</a:t>
+            </a:r>
           </a:p>
         </p:txBody>
       </p:sp>
     </p:spTree>
     <p:extLst>
       <p:ext uri="{BB962C8B-B14F-4D97-AF65-F5344CB8AC3E}">
-        <p14:creationId xmlns:p14="http://schemas.microsoft.com/office/powerpoint/2010/main" val="1759698854"/>
+        <p14:creationId xmlns:p14="http://schemas.microsoft.com/office/powerpoint/2010/main" val="407124806"/>
       </p:ext>
     </p:extLst>
   </p:cSld>
@@ -7337,7 +9619,7 @@
           <p:cNvPr id="2" name="Titolo 1">
             <a:extLst>
               <a:ext uri="{FF2B5EF4-FFF2-40B4-BE49-F238E27FC236}">
-                <a16:creationId xmlns:a16="http://schemas.microsoft.com/office/drawing/2014/main" id="{26915EEB-E428-79D2-A881-4251C5796245}"/>
+                <a16:creationId xmlns:a16="http://schemas.microsoft.com/office/drawing/2014/main" id="{9D5A1CCE-98DA-B4C4-AE9C-82A72788BC3E}"/>
               </a:ext>
             </a:extLst>
           </p:cNvPr>
@@ -7354,8 +9636,12 @@
           <a:lstStyle/>
           <a:p>
             <a:r>
-              <a:rPr lang="it-IT" dirty="0"/>
-              <a:t>Model Evaluation</a:t>
+              <a:rPr lang="it-IT" dirty="0" err="1"/>
+              <a:t>Experimental</a:t>
+            </a:r>
+            <a:r>
+              <a:rPr lang="it-IT" dirty="0"/>
+              <a:t> Setup</a:t>
             </a:r>
           </a:p>
         </p:txBody>
@@ -7365,7 +9651,7 @@
           <p:cNvPr id="3" name="Segnaposto contenuto 2">
             <a:extLst>
               <a:ext uri="{FF2B5EF4-FFF2-40B4-BE49-F238E27FC236}">
-                <a16:creationId xmlns:a16="http://schemas.microsoft.com/office/drawing/2014/main" id="{24366465-4BC4-09D8-90A0-9ED9A4F7EEF0}"/>
+                <a16:creationId xmlns:a16="http://schemas.microsoft.com/office/drawing/2014/main" id="{3795200A-50E9-D727-8F32-C705194254B8}"/>
               </a:ext>
             </a:extLst>
           </p:cNvPr>
@@ -7381,14 +9667,285 @@
           <a:bodyPr/>
           <a:lstStyle/>
           <a:p>
-            <a:endParaRPr lang="it-IT"/>
+            <a:pPr marL="0" indent="0">
+              <a:buNone/>
+            </a:pPr>
+            <a:r>
+              <a:rPr lang="it-IT" dirty="0" err="1"/>
+              <a:t>We’ve</a:t>
+            </a:r>
+            <a:r>
+              <a:rPr lang="it-IT" dirty="0"/>
+              <a:t> </a:t>
+            </a:r>
+            <a:r>
+              <a:rPr lang="it-IT" dirty="0" err="1"/>
+              <a:t>developed</a:t>
+            </a:r>
+            <a:r>
+              <a:rPr lang="it-IT" dirty="0"/>
+              <a:t> </a:t>
+            </a:r>
+            <a:r>
+              <a:rPr lang="it-IT" dirty="0" err="1"/>
+              <a:t>our</a:t>
+            </a:r>
+            <a:r>
+              <a:rPr lang="it-IT" dirty="0"/>
+              <a:t> code in a </a:t>
+            </a:r>
+            <a:r>
+              <a:rPr lang="it-IT" dirty="0" err="1"/>
+              <a:t>Colab</a:t>
+            </a:r>
+            <a:r>
+              <a:rPr lang="it-IT" dirty="0"/>
+              <a:t> notebook </a:t>
+            </a:r>
+            <a:r>
+              <a:rPr lang="it-IT" dirty="0" err="1"/>
+              <a:t>containing</a:t>
+            </a:r>
+            <a:r>
+              <a:rPr lang="it-IT" dirty="0"/>
+              <a:t>:</a:t>
+            </a:r>
+          </a:p>
+          <a:p>
+            <a:r>
+              <a:rPr lang="it-IT" dirty="0"/>
+              <a:t>download and </a:t>
+            </a:r>
+            <a:r>
+              <a:rPr lang="it-IT" dirty="0" err="1"/>
+              <a:t>decompression</a:t>
+            </a:r>
+            <a:r>
+              <a:rPr lang="it-IT" dirty="0"/>
+              <a:t> of the dataset</a:t>
+            </a:r>
+          </a:p>
+          <a:p>
+            <a:r>
+              <a:rPr lang="it-IT" dirty="0" err="1"/>
+              <a:t>implementation</a:t>
+            </a:r>
+            <a:r>
+              <a:rPr lang="it-IT" dirty="0"/>
+              <a:t>, training and </a:t>
+            </a:r>
+            <a:r>
+              <a:rPr lang="it-IT" dirty="0" err="1"/>
+              <a:t>evaluation</a:t>
+            </a:r>
+            <a:r>
+              <a:rPr lang="it-IT" dirty="0"/>
+              <a:t> of the models for </a:t>
+            </a:r>
+            <a:r>
+              <a:rPr lang="it-IT" dirty="0" err="1"/>
+              <a:t>detection</a:t>
+            </a:r>
+            <a:r>
+              <a:rPr lang="it-IT" dirty="0"/>
+              <a:t> and </a:t>
+            </a:r>
+            <a:r>
+              <a:rPr lang="it-IT" dirty="0" err="1"/>
+              <a:t>recognition</a:t>
+            </a:r>
+            <a:endParaRPr lang="it-IT" dirty="0"/>
+          </a:p>
+          <a:p>
+            <a:r>
+              <a:rPr lang="it-IT" dirty="0" err="1"/>
+              <a:t>evaluation</a:t>
+            </a:r>
+            <a:r>
+              <a:rPr lang="it-IT" dirty="0"/>
+              <a:t> of the full pipeline</a:t>
+            </a:r>
+          </a:p>
+          <a:p>
+            <a:r>
+              <a:rPr lang="it-IT" dirty="0" err="1"/>
+              <a:t>implementation</a:t>
+            </a:r>
+            <a:r>
+              <a:rPr lang="it-IT" dirty="0"/>
+              <a:t> and </a:t>
+            </a:r>
+            <a:r>
+              <a:rPr lang="it-IT" dirty="0" err="1"/>
+              <a:t>evaluation</a:t>
+            </a:r>
+            <a:r>
+              <a:rPr lang="it-IT" dirty="0"/>
+              <a:t> of a </a:t>
+            </a:r>
+            <a:r>
+              <a:rPr lang="it-IT" dirty="0" err="1"/>
+              <a:t>pretrained</a:t>
+            </a:r>
+            <a:r>
+              <a:rPr lang="it-IT" dirty="0"/>
+              <a:t> model </a:t>
+            </a:r>
+            <a:r>
+              <a:rPr lang="it-IT" dirty="0" err="1"/>
+              <a:t>representing</a:t>
+            </a:r>
+            <a:r>
+              <a:rPr lang="it-IT" dirty="0"/>
+              <a:t> the state of the art </a:t>
+            </a:r>
+            <a:r>
+              <a:rPr lang="it-IT" dirty="0" err="1"/>
+              <a:t>approach</a:t>
+            </a:r>
+            <a:endParaRPr lang="it-IT" dirty="0"/>
+          </a:p>
+          <a:p>
+            <a:pPr marL="0" indent="0">
+              <a:buNone/>
+            </a:pPr>
+            <a:endParaRPr lang="it-IT" dirty="0"/>
+          </a:p>
+          <a:p>
+            <a:pPr marL="0" indent="0">
+              <a:buNone/>
+            </a:pPr>
+            <a:r>
+              <a:rPr lang="it-IT" dirty="0"/>
+              <a:t>For the state of the art </a:t>
+            </a:r>
+            <a:r>
+              <a:rPr lang="it-IT" dirty="0" err="1"/>
+              <a:t>implementation</a:t>
+            </a:r>
+            <a:r>
+              <a:rPr lang="it-IT" dirty="0"/>
+              <a:t> </a:t>
+            </a:r>
+            <a:r>
+              <a:rPr lang="it-IT" dirty="0" err="1"/>
+              <a:t>we</a:t>
+            </a:r>
+            <a:r>
+              <a:rPr lang="it-IT" dirty="0"/>
+              <a:t> </a:t>
+            </a:r>
+            <a:r>
+              <a:rPr lang="it-IT" dirty="0" err="1"/>
+              <a:t>used</a:t>
+            </a:r>
+            <a:r>
+              <a:rPr lang="it-IT" dirty="0"/>
+              <a:t> a YOLOv5 model [4] </a:t>
+            </a:r>
+            <a:r>
+              <a:rPr lang="it-IT" dirty="0" err="1"/>
+              <a:t>pretrained</a:t>
+            </a:r>
+            <a:r>
+              <a:rPr lang="it-IT" dirty="0"/>
+              <a:t> on </a:t>
+            </a:r>
+            <a:r>
+              <a:rPr lang="it-IT" dirty="0" err="1"/>
+              <a:t>license</a:t>
+            </a:r>
+            <a:r>
+              <a:rPr lang="it-IT" dirty="0"/>
+              <a:t> </a:t>
+            </a:r>
+            <a:r>
+              <a:rPr lang="it-IT" dirty="0" err="1"/>
+              <a:t>plates</a:t>
+            </a:r>
+            <a:r>
+              <a:rPr lang="it-IT" dirty="0"/>
+              <a:t> for </a:t>
+            </a:r>
+            <a:r>
+              <a:rPr lang="it-IT" dirty="0" err="1"/>
+              <a:t>detection</a:t>
+            </a:r>
+            <a:r>
+              <a:rPr lang="it-IT" dirty="0"/>
+              <a:t> and the </a:t>
+            </a:r>
+            <a:r>
+              <a:rPr lang="it-IT" dirty="0" err="1"/>
+              <a:t>PaddleOCR</a:t>
+            </a:r>
+            <a:r>
+              <a:rPr lang="it-IT" dirty="0"/>
+              <a:t> model [5] for </a:t>
+            </a:r>
+            <a:r>
+              <a:rPr lang="it-IT" dirty="0" err="1"/>
+              <a:t>recognition</a:t>
+            </a:r>
+            <a:r>
+              <a:rPr lang="it-IT" dirty="0"/>
+              <a:t>.</a:t>
+            </a:r>
+          </a:p>
+        </p:txBody>
+      </p:sp>
+      <p:sp>
+        <p:nvSpPr>
+          <p:cNvPr id="4" name="Segnaposto piè di pagina 3">
+            <a:extLst>
+              <a:ext uri="{FF2B5EF4-FFF2-40B4-BE49-F238E27FC236}">
+                <a16:creationId xmlns:a16="http://schemas.microsoft.com/office/drawing/2014/main" id="{78A60742-C689-6812-5A19-2CE70E49611B}"/>
+              </a:ext>
+            </a:extLst>
+          </p:cNvPr>
+          <p:cNvSpPr>
+            <a:spLocks noGrp="1"/>
+          </p:cNvSpPr>
+          <p:nvPr>
+            <p:ph type="ftr" sz="quarter" idx="11"/>
+          </p:nvPr>
+        </p:nvSpPr>
+        <p:spPr/>
+        <p:txBody>
+          <a:bodyPr/>
+          <a:lstStyle/>
+          <a:p>
+            <a:r>
+              <a:rPr lang="it-IT" dirty="0"/>
+              <a:t>[4] </a:t>
+            </a:r>
+            <a:r>
+              <a:rPr lang="it-IT" dirty="0">
+                <a:hlinkClick r:id="rId2"/>
+              </a:rPr>
+              <a:t>https://huggingface.co/keremberke/yolov5m-license-plate</a:t>
+            </a:r>
+            <a:endParaRPr lang="it-IT" dirty="0"/>
+          </a:p>
+          <a:p>
+            <a:r>
+              <a:rPr lang="it-IT" dirty="0"/>
+              <a:t>[5] </a:t>
+            </a:r>
+            <a:r>
+              <a:rPr lang="it-IT" dirty="0">
+                <a:hlinkClick r:id="rId3"/>
+              </a:rPr>
+              <a:t>https://github.com/PaddlePaddle/PaddleOCR</a:t>
+            </a:r>
+            <a:endParaRPr lang="it-IT" dirty="0"/>
           </a:p>
         </p:txBody>
       </p:sp>
     </p:spTree>
     <p:extLst>
       <p:ext uri="{BB962C8B-B14F-4D97-AF65-F5344CB8AC3E}">
-        <p14:creationId xmlns:p14="http://schemas.microsoft.com/office/powerpoint/2010/main" val="1166827902"/>
+        <p14:creationId xmlns:p14="http://schemas.microsoft.com/office/powerpoint/2010/main" val="1759698854"/>
       </p:ext>
     </p:extLst>
   </p:cSld>
@@ -7420,7 +9977,7 @@
           <p:cNvPr id="2" name="Titolo 1">
             <a:extLst>
               <a:ext uri="{FF2B5EF4-FFF2-40B4-BE49-F238E27FC236}">
-                <a16:creationId xmlns:a16="http://schemas.microsoft.com/office/drawing/2014/main" id="{1E2AAD67-B365-86A2-6024-1EB78F335272}"/>
+                <a16:creationId xmlns:a16="http://schemas.microsoft.com/office/drawing/2014/main" id="{26915EEB-E428-79D2-A881-4251C5796245}"/>
               </a:ext>
             </a:extLst>
           </p:cNvPr>
@@ -7437,10 +9994,9 @@
           <a:lstStyle/>
           <a:p>
             <a:r>
-              <a:rPr lang="it-IT" dirty="0" err="1"/>
-              <a:t>Conclusions</a:t>
-            </a:r>
-            <a:endParaRPr lang="it-IT" dirty="0"/>
+              <a:rPr lang="it-IT" dirty="0"/>
+              <a:t>Model Evaluation</a:t>
+            </a:r>
           </a:p>
         </p:txBody>
       </p:sp>
@@ -7449,7 +10005,7 @@
           <p:cNvPr id="3" name="Segnaposto contenuto 2">
             <a:extLst>
               <a:ext uri="{FF2B5EF4-FFF2-40B4-BE49-F238E27FC236}">
-                <a16:creationId xmlns:a16="http://schemas.microsoft.com/office/drawing/2014/main" id="{BEF74486-D897-28BC-CB58-3DAB37F08065}"/>
+                <a16:creationId xmlns:a16="http://schemas.microsoft.com/office/drawing/2014/main" id="{24366465-4BC4-09D8-90A0-9ED9A4F7EEF0}"/>
               </a:ext>
             </a:extLst>
           </p:cNvPr>
@@ -7465,14 +10021,14 @@
           <a:bodyPr/>
           <a:lstStyle/>
           <a:p>
-            <a:endParaRPr lang="it-IT"/>
+            <a:endParaRPr lang="it-IT" dirty="0"/>
           </a:p>
         </p:txBody>
       </p:sp>
     </p:spTree>
     <p:extLst>
       <p:ext uri="{BB962C8B-B14F-4D97-AF65-F5344CB8AC3E}">
-        <p14:creationId xmlns:p14="http://schemas.microsoft.com/office/powerpoint/2010/main" val="3884209195"/>
+        <p14:creationId xmlns:p14="http://schemas.microsoft.com/office/powerpoint/2010/main" val="1166827902"/>
       </p:ext>
     </p:extLst>
   </p:cSld>

--- a/LicensePlatePresentation.pptx
+++ b/LicensePlatePresentation.pptx
@@ -5,10 +5,10 @@
     <p:sldMasterId id="2147483723" r:id="rId1"/>
   </p:sldMasterIdLst>
   <p:notesMasterIdLst>
-    <p:notesMasterId r:id="rId13"/>
+    <p:notesMasterId r:id="rId19"/>
   </p:notesMasterIdLst>
   <p:handoutMasterIdLst>
-    <p:handoutMasterId r:id="rId14"/>
+    <p:handoutMasterId r:id="rId20"/>
   </p:handoutMasterIdLst>
   <p:sldIdLst>
     <p:sldId id="256" r:id="rId2"/>
@@ -20,8 +20,14 @@
     <p:sldId id="261" r:id="rId8"/>
     <p:sldId id="262" r:id="rId9"/>
     <p:sldId id="263" r:id="rId10"/>
-    <p:sldId id="264" r:id="rId11"/>
-    <p:sldId id="265" r:id="rId12"/>
+    <p:sldId id="268" r:id="rId11"/>
+    <p:sldId id="267" r:id="rId12"/>
+    <p:sldId id="269" r:id="rId13"/>
+    <p:sldId id="270" r:id="rId14"/>
+    <p:sldId id="271" r:id="rId15"/>
+    <p:sldId id="264" r:id="rId16"/>
+    <p:sldId id="272" r:id="rId17"/>
+    <p:sldId id="265" r:id="rId18"/>
   </p:sldIdLst>
   <p:sldSz cx="12192000" cy="6858000"/>
   <p:notesSz cx="6858000" cy="9144000"/>
@@ -222,7 +228,7 @@
           <a:p>
             <a:fld id="{CEEDB92F-C780-4C0F-9DD6-6A35132BF95E}" type="datetimeFigureOut">
               <a:rPr lang="it-IT" smtClean="0"/>
-              <a:t>17/07/2025</a:t>
+              <a:t>18/07/25</a:t>
             </a:fld>
             <a:endParaRPr lang="it-IT"/>
           </a:p>
@@ -399,7 +405,7 @@
           <a:p>
             <a:fld id="{B77E1B1B-E97F-4732-BDA1-07ADC26B5C39}" type="datetimeFigureOut">
               <a:rPr lang="it-IT" smtClean="0"/>
-              <a:t>17/07/2025</a:t>
+              <a:t>18/07/25</a:t>
             </a:fld>
             <a:endParaRPr lang="it-IT"/>
           </a:p>
@@ -664,6 +670,414 @@
     </a:lvl9pPr>
   </p:notesStyle>
 </p:notesMaster>
+</file>
+
+<file path=ppt/notesSlides/notesSlide1.xml><?xml version="1.0" encoding="utf-8"?>
+<p:notes xmlns:a="http://schemas.openxmlformats.org/drawingml/2006/main" xmlns:r="http://schemas.openxmlformats.org/officeDocument/2006/relationships" xmlns:p="http://schemas.openxmlformats.org/presentationml/2006/main">
+  <p:cSld>
+    <p:spTree>
+      <p:nvGrpSpPr>
+        <p:cNvPr id="1" name=""/>
+        <p:cNvGrpSpPr/>
+        <p:nvPr/>
+      </p:nvGrpSpPr>
+      <p:grpSpPr>
+        <a:xfrm>
+          <a:off x="0" y="0"/>
+          <a:ext cx="0" cy="0"/>
+          <a:chOff x="0" y="0"/>
+          <a:chExt cx="0" cy="0"/>
+        </a:xfrm>
+      </p:grpSpPr>
+      <p:sp>
+        <p:nvSpPr>
+          <p:cNvPr id="2" name="Segnaposto immagine diapositiva 1"/>
+          <p:cNvSpPr>
+            <a:spLocks noGrp="1" noRot="1" noChangeAspect="1"/>
+          </p:cNvSpPr>
+          <p:nvPr>
+            <p:ph type="sldImg"/>
+          </p:nvPr>
+        </p:nvSpPr>
+        <p:spPr/>
+      </p:sp>
+      <p:sp>
+        <p:nvSpPr>
+          <p:cNvPr id="3" name="Segnaposto note 2"/>
+          <p:cNvSpPr>
+            <a:spLocks noGrp="1"/>
+          </p:cNvSpPr>
+          <p:nvPr>
+            <p:ph type="body" idx="1"/>
+          </p:nvPr>
+        </p:nvSpPr>
+        <p:spPr/>
+        <p:txBody>
+          <a:bodyPr/>
+          <a:lstStyle/>
+          <a:p>
+            <a:endParaRPr lang="en-US" dirty="0"/>
+          </a:p>
+        </p:txBody>
+      </p:sp>
+      <p:sp>
+        <p:nvSpPr>
+          <p:cNvPr id="4" name="Segnaposto numero diapositiva 3"/>
+          <p:cNvSpPr>
+            <a:spLocks noGrp="1"/>
+          </p:cNvSpPr>
+          <p:nvPr>
+            <p:ph type="sldNum" sz="quarter" idx="5"/>
+          </p:nvPr>
+        </p:nvSpPr>
+        <p:spPr/>
+        <p:txBody>
+          <a:bodyPr/>
+          <a:lstStyle/>
+          <a:p>
+            <a:fld id="{CDF59EFB-1334-4D27-AB1B-4993812541CF}" type="slidenum">
+              <a:rPr lang="it-IT" smtClean="0"/>
+              <a:t>11</a:t>
+            </a:fld>
+            <a:endParaRPr lang="it-IT"/>
+          </a:p>
+        </p:txBody>
+      </p:sp>
+    </p:spTree>
+    <p:extLst>
+      <p:ext uri="{BB962C8B-B14F-4D97-AF65-F5344CB8AC3E}">
+        <p14:creationId xmlns:p14="http://schemas.microsoft.com/office/powerpoint/2010/main" val="3986146800"/>
+      </p:ext>
+    </p:extLst>
+  </p:cSld>
+  <p:clrMapOvr>
+    <a:masterClrMapping/>
+  </p:clrMapOvr>
+</p:notes>
+</file>
+
+<file path=ppt/notesSlides/notesSlide2.xml><?xml version="1.0" encoding="utf-8"?>
+<p:notes xmlns:a="http://schemas.openxmlformats.org/drawingml/2006/main" xmlns:r="http://schemas.openxmlformats.org/officeDocument/2006/relationships" xmlns:p="http://schemas.openxmlformats.org/presentationml/2006/main">
+  <p:cSld>
+    <p:spTree>
+      <p:nvGrpSpPr>
+        <p:cNvPr id="1" name="">
+          <a:extLst>
+            <a:ext uri="{FF2B5EF4-FFF2-40B4-BE49-F238E27FC236}">
+              <a16:creationId xmlns:a16="http://schemas.microsoft.com/office/drawing/2014/main" id="{0867ECF5-AE57-BFB2-37E6-B894FDFDACE3}"/>
+            </a:ext>
+          </a:extLst>
+        </p:cNvPr>
+        <p:cNvGrpSpPr/>
+        <p:nvPr/>
+      </p:nvGrpSpPr>
+      <p:grpSpPr>
+        <a:xfrm>
+          <a:off x="0" y="0"/>
+          <a:ext cx="0" cy="0"/>
+          <a:chOff x="0" y="0"/>
+          <a:chExt cx="0" cy="0"/>
+        </a:xfrm>
+      </p:grpSpPr>
+      <p:sp>
+        <p:nvSpPr>
+          <p:cNvPr id="2" name="Segnaposto immagine diapositiva 1">
+            <a:extLst>
+              <a:ext uri="{FF2B5EF4-FFF2-40B4-BE49-F238E27FC236}">
+                <a16:creationId xmlns:a16="http://schemas.microsoft.com/office/drawing/2014/main" id="{C08A3411-6FCC-709F-D3EA-CCD309746AAE}"/>
+              </a:ext>
+            </a:extLst>
+          </p:cNvPr>
+          <p:cNvSpPr>
+            <a:spLocks noGrp="1" noRot="1" noChangeAspect="1"/>
+          </p:cNvSpPr>
+          <p:nvPr>
+            <p:ph type="sldImg"/>
+          </p:nvPr>
+        </p:nvSpPr>
+        <p:spPr/>
+      </p:sp>
+      <p:sp>
+        <p:nvSpPr>
+          <p:cNvPr id="3" name="Segnaposto note 2">
+            <a:extLst>
+              <a:ext uri="{FF2B5EF4-FFF2-40B4-BE49-F238E27FC236}">
+                <a16:creationId xmlns:a16="http://schemas.microsoft.com/office/drawing/2014/main" id="{533EC207-F95B-2996-00FA-298EBEE76EBB}"/>
+              </a:ext>
+            </a:extLst>
+          </p:cNvPr>
+          <p:cNvSpPr>
+            <a:spLocks noGrp="1"/>
+          </p:cNvSpPr>
+          <p:nvPr>
+            <p:ph type="body" idx="1"/>
+          </p:nvPr>
+        </p:nvSpPr>
+        <p:spPr/>
+        <p:txBody>
+          <a:bodyPr/>
+          <a:lstStyle/>
+          <a:p>
+            <a:endParaRPr lang="en-US" dirty="0"/>
+          </a:p>
+        </p:txBody>
+      </p:sp>
+      <p:sp>
+        <p:nvSpPr>
+          <p:cNvPr id="4" name="Segnaposto numero diapositiva 3">
+            <a:extLst>
+              <a:ext uri="{FF2B5EF4-FFF2-40B4-BE49-F238E27FC236}">
+                <a16:creationId xmlns:a16="http://schemas.microsoft.com/office/drawing/2014/main" id="{0AC3CEC0-EBB8-236D-1017-6DED72E4971E}"/>
+              </a:ext>
+            </a:extLst>
+          </p:cNvPr>
+          <p:cNvSpPr>
+            <a:spLocks noGrp="1"/>
+          </p:cNvSpPr>
+          <p:nvPr>
+            <p:ph type="sldNum" sz="quarter" idx="5"/>
+          </p:nvPr>
+        </p:nvSpPr>
+        <p:spPr/>
+        <p:txBody>
+          <a:bodyPr/>
+          <a:lstStyle/>
+          <a:p>
+            <a:fld id="{CDF59EFB-1334-4D27-AB1B-4993812541CF}" type="slidenum">
+              <a:rPr lang="it-IT" smtClean="0"/>
+              <a:t>12</a:t>
+            </a:fld>
+            <a:endParaRPr lang="it-IT"/>
+          </a:p>
+        </p:txBody>
+      </p:sp>
+    </p:spTree>
+    <p:extLst>
+      <p:ext uri="{BB962C8B-B14F-4D97-AF65-F5344CB8AC3E}">
+        <p14:creationId xmlns:p14="http://schemas.microsoft.com/office/powerpoint/2010/main" val="1647381869"/>
+      </p:ext>
+    </p:extLst>
+  </p:cSld>
+  <p:clrMapOvr>
+    <a:masterClrMapping/>
+  </p:clrMapOvr>
+</p:notes>
+</file>
+
+<file path=ppt/notesSlides/notesSlide3.xml><?xml version="1.0" encoding="utf-8"?>
+<p:notes xmlns:a="http://schemas.openxmlformats.org/drawingml/2006/main" xmlns:r="http://schemas.openxmlformats.org/officeDocument/2006/relationships" xmlns:p="http://schemas.openxmlformats.org/presentationml/2006/main">
+  <p:cSld>
+    <p:spTree>
+      <p:nvGrpSpPr>
+        <p:cNvPr id="1" name="">
+          <a:extLst>
+            <a:ext uri="{FF2B5EF4-FFF2-40B4-BE49-F238E27FC236}">
+              <a16:creationId xmlns:a16="http://schemas.microsoft.com/office/drawing/2014/main" id="{6FDD8258-EB0A-46E1-5A3D-1E91AD716BCB}"/>
+            </a:ext>
+          </a:extLst>
+        </p:cNvPr>
+        <p:cNvGrpSpPr/>
+        <p:nvPr/>
+      </p:nvGrpSpPr>
+      <p:grpSpPr>
+        <a:xfrm>
+          <a:off x="0" y="0"/>
+          <a:ext cx="0" cy="0"/>
+          <a:chOff x="0" y="0"/>
+          <a:chExt cx="0" cy="0"/>
+        </a:xfrm>
+      </p:grpSpPr>
+      <p:sp>
+        <p:nvSpPr>
+          <p:cNvPr id="2" name="Segnaposto immagine diapositiva 1">
+            <a:extLst>
+              <a:ext uri="{FF2B5EF4-FFF2-40B4-BE49-F238E27FC236}">
+                <a16:creationId xmlns:a16="http://schemas.microsoft.com/office/drawing/2014/main" id="{E16E620C-4689-8AD1-4F28-A87AD26B0859}"/>
+              </a:ext>
+            </a:extLst>
+          </p:cNvPr>
+          <p:cNvSpPr>
+            <a:spLocks noGrp="1" noRot="1" noChangeAspect="1"/>
+          </p:cNvSpPr>
+          <p:nvPr>
+            <p:ph type="sldImg"/>
+          </p:nvPr>
+        </p:nvSpPr>
+        <p:spPr/>
+      </p:sp>
+      <p:sp>
+        <p:nvSpPr>
+          <p:cNvPr id="3" name="Segnaposto note 2">
+            <a:extLst>
+              <a:ext uri="{FF2B5EF4-FFF2-40B4-BE49-F238E27FC236}">
+                <a16:creationId xmlns:a16="http://schemas.microsoft.com/office/drawing/2014/main" id="{14DBADF4-A373-EB49-5654-0FF1D37B1140}"/>
+              </a:ext>
+            </a:extLst>
+          </p:cNvPr>
+          <p:cNvSpPr>
+            <a:spLocks noGrp="1"/>
+          </p:cNvSpPr>
+          <p:nvPr>
+            <p:ph type="body" idx="1"/>
+          </p:nvPr>
+        </p:nvSpPr>
+        <p:spPr/>
+        <p:txBody>
+          <a:bodyPr/>
+          <a:lstStyle/>
+          <a:p>
+            <a:endParaRPr lang="en-US" dirty="0"/>
+          </a:p>
+        </p:txBody>
+      </p:sp>
+      <p:sp>
+        <p:nvSpPr>
+          <p:cNvPr id="4" name="Segnaposto numero diapositiva 3">
+            <a:extLst>
+              <a:ext uri="{FF2B5EF4-FFF2-40B4-BE49-F238E27FC236}">
+                <a16:creationId xmlns:a16="http://schemas.microsoft.com/office/drawing/2014/main" id="{17DABED9-24C4-9804-B690-41F0CA6D831D}"/>
+              </a:ext>
+            </a:extLst>
+          </p:cNvPr>
+          <p:cNvSpPr>
+            <a:spLocks noGrp="1"/>
+          </p:cNvSpPr>
+          <p:nvPr>
+            <p:ph type="sldNum" sz="quarter" idx="5"/>
+          </p:nvPr>
+        </p:nvSpPr>
+        <p:spPr/>
+        <p:txBody>
+          <a:bodyPr/>
+          <a:lstStyle/>
+          <a:p>
+            <a:fld id="{CDF59EFB-1334-4D27-AB1B-4993812541CF}" type="slidenum">
+              <a:rPr lang="it-IT" smtClean="0"/>
+              <a:t>13</a:t>
+            </a:fld>
+            <a:endParaRPr lang="it-IT"/>
+          </a:p>
+        </p:txBody>
+      </p:sp>
+    </p:spTree>
+    <p:extLst>
+      <p:ext uri="{BB962C8B-B14F-4D97-AF65-F5344CB8AC3E}">
+        <p14:creationId xmlns:p14="http://schemas.microsoft.com/office/powerpoint/2010/main" val="2366109772"/>
+      </p:ext>
+    </p:extLst>
+  </p:cSld>
+  <p:clrMapOvr>
+    <a:masterClrMapping/>
+  </p:clrMapOvr>
+</p:notes>
+</file>
+
+<file path=ppt/notesSlides/notesSlide4.xml><?xml version="1.0" encoding="utf-8"?>
+<p:notes xmlns:a="http://schemas.openxmlformats.org/drawingml/2006/main" xmlns:r="http://schemas.openxmlformats.org/officeDocument/2006/relationships" xmlns:p="http://schemas.openxmlformats.org/presentationml/2006/main">
+  <p:cSld>
+    <p:spTree>
+      <p:nvGrpSpPr>
+        <p:cNvPr id="1" name="">
+          <a:extLst>
+            <a:ext uri="{FF2B5EF4-FFF2-40B4-BE49-F238E27FC236}">
+              <a16:creationId xmlns:a16="http://schemas.microsoft.com/office/drawing/2014/main" id="{296039C2-4CEF-3571-E931-E15ADF33D54C}"/>
+            </a:ext>
+          </a:extLst>
+        </p:cNvPr>
+        <p:cNvGrpSpPr/>
+        <p:nvPr/>
+      </p:nvGrpSpPr>
+      <p:grpSpPr>
+        <a:xfrm>
+          <a:off x="0" y="0"/>
+          <a:ext cx="0" cy="0"/>
+          <a:chOff x="0" y="0"/>
+          <a:chExt cx="0" cy="0"/>
+        </a:xfrm>
+      </p:grpSpPr>
+      <p:sp>
+        <p:nvSpPr>
+          <p:cNvPr id="2" name="Segnaposto immagine diapositiva 1">
+            <a:extLst>
+              <a:ext uri="{FF2B5EF4-FFF2-40B4-BE49-F238E27FC236}">
+                <a16:creationId xmlns:a16="http://schemas.microsoft.com/office/drawing/2014/main" id="{03D54B11-DFD7-B50B-94A2-4FEFB67B0AB6}"/>
+              </a:ext>
+            </a:extLst>
+          </p:cNvPr>
+          <p:cNvSpPr>
+            <a:spLocks noGrp="1" noRot="1" noChangeAspect="1"/>
+          </p:cNvSpPr>
+          <p:nvPr>
+            <p:ph type="sldImg"/>
+          </p:nvPr>
+        </p:nvSpPr>
+        <p:spPr/>
+      </p:sp>
+      <p:sp>
+        <p:nvSpPr>
+          <p:cNvPr id="3" name="Segnaposto note 2">
+            <a:extLst>
+              <a:ext uri="{FF2B5EF4-FFF2-40B4-BE49-F238E27FC236}">
+                <a16:creationId xmlns:a16="http://schemas.microsoft.com/office/drawing/2014/main" id="{37A72900-194F-1DAC-FAF3-49A65B1951EB}"/>
+              </a:ext>
+            </a:extLst>
+          </p:cNvPr>
+          <p:cNvSpPr>
+            <a:spLocks noGrp="1"/>
+          </p:cNvSpPr>
+          <p:nvPr>
+            <p:ph type="body" idx="1"/>
+          </p:nvPr>
+        </p:nvSpPr>
+        <p:spPr/>
+        <p:txBody>
+          <a:bodyPr/>
+          <a:lstStyle/>
+          <a:p>
+            <a:endParaRPr lang="en-US" dirty="0"/>
+          </a:p>
+        </p:txBody>
+      </p:sp>
+      <p:sp>
+        <p:nvSpPr>
+          <p:cNvPr id="4" name="Segnaposto numero diapositiva 3">
+            <a:extLst>
+              <a:ext uri="{FF2B5EF4-FFF2-40B4-BE49-F238E27FC236}">
+                <a16:creationId xmlns:a16="http://schemas.microsoft.com/office/drawing/2014/main" id="{72D3EBF5-5A0E-35EF-113C-5E6038E51FAD}"/>
+              </a:ext>
+            </a:extLst>
+          </p:cNvPr>
+          <p:cNvSpPr>
+            <a:spLocks noGrp="1"/>
+          </p:cNvSpPr>
+          <p:nvPr>
+            <p:ph type="sldNum" sz="quarter" idx="5"/>
+          </p:nvPr>
+        </p:nvSpPr>
+        <p:spPr/>
+        <p:txBody>
+          <a:bodyPr/>
+          <a:lstStyle/>
+          <a:p>
+            <a:fld id="{CDF59EFB-1334-4D27-AB1B-4993812541CF}" type="slidenum">
+              <a:rPr lang="it-IT" smtClean="0"/>
+              <a:t>14</a:t>
+            </a:fld>
+            <a:endParaRPr lang="it-IT"/>
+          </a:p>
+        </p:txBody>
+      </p:sp>
+    </p:spTree>
+    <p:extLst>
+      <p:ext uri="{BB962C8B-B14F-4D97-AF65-F5344CB8AC3E}">
+        <p14:creationId xmlns:p14="http://schemas.microsoft.com/office/powerpoint/2010/main" val="35575913"/>
+      </p:ext>
+    </p:extLst>
+  </p:cSld>
+  <p:clrMapOvr>
+    <a:masterClrMapping/>
+  </p:clrMapOvr>
+</p:notes>
 </file>
 
 <file path=ppt/slideLayouts/slideLayout1.xml><?xml version="1.0" encoding="utf-8"?>
@@ -1411,7 +1825,7 @@
           <a:p>
             <a:fld id="{4501F631-491C-4FA4-B535-1CFB1A297EE0}" type="datetimeFigureOut">
               <a:rPr lang="it-IT" smtClean="0"/>
-              <a:t>17/07/2025</a:t>
+              <a:t>18/07/25</a:t>
             </a:fld>
             <a:endParaRPr lang="it-IT"/>
           </a:p>
@@ -1662,7 +2076,7 @@
           <a:p>
             <a:fld id="{4501F631-491C-4FA4-B535-1CFB1A297EE0}" type="datetimeFigureOut">
               <a:rPr lang="it-IT" smtClean="0"/>
-              <a:t>17/07/2025</a:t>
+              <a:t>18/07/25</a:t>
             </a:fld>
             <a:endParaRPr lang="it-IT"/>
           </a:p>
@@ -1976,7 +2390,7 @@
           <a:p>
             <a:fld id="{4501F631-491C-4FA4-B535-1CFB1A297EE0}" type="datetimeFigureOut">
               <a:rPr lang="it-IT" smtClean="0"/>
-              <a:t>17/07/2025</a:t>
+              <a:t>18/07/25</a:t>
             </a:fld>
             <a:endParaRPr lang="it-IT"/>
           </a:p>
@@ -2309,7 +2723,7 @@
           <a:p>
             <a:fld id="{4501F631-491C-4FA4-B535-1CFB1A297EE0}" type="datetimeFigureOut">
               <a:rPr lang="it-IT" smtClean="0"/>
-              <a:t>17/07/2025</a:t>
+              <a:t>18/07/25</a:t>
             </a:fld>
             <a:endParaRPr lang="it-IT"/>
           </a:p>
@@ -2623,7 +3037,7 @@
           <a:p>
             <a:fld id="{4501F631-491C-4FA4-B535-1CFB1A297EE0}" type="datetimeFigureOut">
               <a:rPr lang="it-IT" smtClean="0"/>
-              <a:t>17/07/2025</a:t>
+              <a:t>18/07/25</a:t>
             </a:fld>
             <a:endParaRPr lang="it-IT"/>
           </a:p>
@@ -3016,7 +3430,7 @@
           <a:p>
             <a:fld id="{4501F631-491C-4FA4-B535-1CFB1A297EE0}" type="datetimeFigureOut">
               <a:rPr lang="it-IT" smtClean="0"/>
-              <a:t>17/07/2025</a:t>
+              <a:t>18/07/25</a:t>
             </a:fld>
             <a:endParaRPr lang="it-IT"/>
           </a:p>
@@ -3186,7 +3600,7 @@
           <a:p>
             <a:fld id="{4501F631-491C-4FA4-B535-1CFB1A297EE0}" type="datetimeFigureOut">
               <a:rPr lang="it-IT" smtClean="0"/>
-              <a:t>17/07/2025</a:t>
+              <a:t>18/07/25</a:t>
             </a:fld>
             <a:endParaRPr lang="it-IT"/>
           </a:p>
@@ -3366,7 +3780,7 @@
           <a:p>
             <a:fld id="{4501F631-491C-4FA4-B535-1CFB1A297EE0}" type="datetimeFigureOut">
               <a:rPr lang="it-IT" smtClean="0"/>
-              <a:t>17/07/2025</a:t>
+              <a:t>18/07/25</a:t>
             </a:fld>
             <a:endParaRPr lang="it-IT"/>
           </a:p>
@@ -3536,7 +3950,7 @@
           <a:p>
             <a:fld id="{4501F631-491C-4FA4-B535-1CFB1A297EE0}" type="datetimeFigureOut">
               <a:rPr lang="it-IT" smtClean="0"/>
-              <a:t>17/07/2025</a:t>
+              <a:t>18/07/25</a:t>
             </a:fld>
             <a:endParaRPr lang="it-IT"/>
           </a:p>
@@ -3783,7 +4197,7 @@
           <a:p>
             <a:fld id="{4501F631-491C-4FA4-B535-1CFB1A297EE0}" type="datetimeFigureOut">
               <a:rPr lang="it-IT" smtClean="0"/>
-              <a:t>17/07/2025</a:t>
+              <a:t>18/07/25</a:t>
             </a:fld>
             <a:endParaRPr lang="it-IT"/>
           </a:p>
@@ -4015,7 +4429,7 @@
           <a:p>
             <a:fld id="{4501F631-491C-4FA4-B535-1CFB1A297EE0}" type="datetimeFigureOut">
               <a:rPr lang="it-IT" smtClean="0"/>
-              <a:t>17/07/2025</a:t>
+              <a:t>18/07/25</a:t>
             </a:fld>
             <a:endParaRPr lang="it-IT"/>
           </a:p>
@@ -4389,7 +4803,7 @@
           <a:p>
             <a:fld id="{4501F631-491C-4FA4-B535-1CFB1A297EE0}" type="datetimeFigureOut">
               <a:rPr lang="it-IT" smtClean="0"/>
-              <a:t>17/07/2025</a:t>
+              <a:t>18/07/25</a:t>
             </a:fld>
             <a:endParaRPr lang="it-IT"/>
           </a:p>
@@ -4512,7 +4926,7 @@
           <a:p>
             <a:fld id="{4501F631-491C-4FA4-B535-1CFB1A297EE0}" type="datetimeFigureOut">
               <a:rPr lang="it-IT" smtClean="0"/>
-              <a:t>17/07/2025</a:t>
+              <a:t>18/07/25</a:t>
             </a:fld>
             <a:endParaRPr lang="it-IT"/>
           </a:p>
@@ -4607,7 +5021,7 @@
           <a:p>
             <a:fld id="{4501F631-491C-4FA4-B535-1CFB1A297EE0}" type="datetimeFigureOut">
               <a:rPr lang="it-IT" smtClean="0"/>
-              <a:t>17/07/2025</a:t>
+              <a:t>18/07/25</a:t>
             </a:fld>
             <a:endParaRPr lang="it-IT"/>
           </a:p>
@@ -4862,7 +5276,7 @@
           <a:p>
             <a:fld id="{4501F631-491C-4FA4-B535-1CFB1A297EE0}" type="datetimeFigureOut">
               <a:rPr lang="it-IT" smtClean="0"/>
-              <a:t>17/07/2025</a:t>
+              <a:t>18/07/25</a:t>
             </a:fld>
             <a:endParaRPr lang="it-IT"/>
           </a:p>
@@ -5167,7 +5581,7 @@
           <a:p>
             <a:fld id="{4501F631-491C-4FA4-B535-1CFB1A297EE0}" type="datetimeFigureOut">
               <a:rPr lang="it-IT" smtClean="0"/>
-              <a:t>17/07/2025</a:t>
+              <a:t>18/07/25</a:t>
             </a:fld>
             <a:endParaRPr lang="it-IT"/>
           </a:p>
@@ -5869,7 +6283,7 @@
           <a:p>
             <a:fld id="{4501F631-491C-4FA4-B535-1CFB1A297EE0}" type="datetimeFigureOut">
               <a:rPr lang="it-IT" smtClean="0"/>
-              <a:t>17/07/2025</a:t>
+              <a:t>18/07/25</a:t>
             </a:fld>
             <a:endParaRPr lang="it-IT"/>
           </a:p>
@@ -6516,24 +6930,8 @@
               </a:lnSpc>
             </a:pPr>
             <a:r>
-              <a:rPr lang="it-IT" sz="3400" dirty="0"/>
-              <a:t>Car Plate </a:t>
-            </a:r>
-            <a:r>
-              <a:rPr lang="it-IT" sz="3400" dirty="0" err="1"/>
-              <a:t>Recognition</a:t>
-            </a:r>
-            <a:r>
-              <a:rPr lang="it-IT" sz="3400" dirty="0"/>
-              <a:t> and </a:t>
-            </a:r>
-            <a:r>
-              <a:rPr lang="it-IT" sz="3400" dirty="0" err="1"/>
-              <a:t>Reconstruction</a:t>
-            </a:r>
-            <a:r>
-              <a:rPr lang="it-IT" sz="3400" dirty="0"/>
-              <a:t> with Deep Learning</a:t>
+              <a:rPr lang="en-US" sz="3400" noProof="0" dirty="0"/>
+              <a:t>Car Plate Recognition and Reconstruction with Deep Learning</a:t>
             </a:r>
           </a:p>
         </p:txBody>
@@ -6572,36 +6970,28 @@
               </a:lnSpc>
             </a:pPr>
             <a:br>
-              <a:rPr lang="it-IT" sz="1400" dirty="0"/>
+              <a:rPr lang="en-US" sz="1400" noProof="0" dirty="0"/>
             </a:br>
             <a:r>
-              <a:rPr lang="it-IT" sz="1400" dirty="0"/>
-              <a:t>Project for the Computer Vision </a:t>
-            </a:r>
-            <a:r>
-              <a:rPr lang="it-IT" sz="1400" dirty="0" err="1"/>
-              <a:t>course</a:t>
+              <a:rPr lang="en-US" sz="1400" noProof="0" dirty="0"/>
+              <a:t>Project for the Computer Vision course</a:t>
             </a:r>
             <a:br>
-              <a:rPr lang="it-IT" sz="1400" dirty="0"/>
+              <a:rPr lang="en-US" sz="1400" noProof="0" dirty="0"/>
             </a:br>
             <a:r>
-              <a:rPr lang="it-IT" sz="1400" dirty="0"/>
+              <a:rPr lang="en-US" sz="1400" noProof="0" dirty="0"/>
               <a:t>La Sapienza, A.Y. 2024/2025</a:t>
             </a:r>
             <a:br>
-              <a:rPr lang="it-IT" sz="1400" dirty="0"/>
+              <a:rPr lang="en-US" sz="1400" noProof="0" dirty="0"/>
             </a:br>
             <a:br>
-              <a:rPr lang="it-IT" sz="1400" dirty="0"/>
+              <a:rPr lang="en-US" sz="1400" noProof="0" dirty="0"/>
             </a:br>
             <a:r>
-              <a:rPr lang="it-IT" sz="1400" dirty="0" err="1"/>
-              <a:t>Authors</a:t>
-            </a:r>
-            <a:r>
-              <a:rPr lang="it-IT" sz="1400" dirty="0"/>
-              <a:t>: Onorio Iacobelli, Alessandro Rocchi</a:t>
+              <a:rPr lang="en-US" sz="1400" noProof="0" dirty="0"/>
+              <a:t>Authors: Onorio Iacobelli, Alessandro Rocchi</a:t>
             </a:r>
           </a:p>
         </p:txBody>
@@ -6624,7 +7014,13 @@
   <p:cSld>
     <p:spTree>
       <p:nvGrpSpPr>
-        <p:cNvPr id="1" name=""/>
+        <p:cNvPr id="1" name="">
+          <a:extLst>
+            <a:ext uri="{FF2B5EF4-FFF2-40B4-BE49-F238E27FC236}">
+              <a16:creationId xmlns:a16="http://schemas.microsoft.com/office/drawing/2014/main" id="{8AB0376A-C8A1-E34B-0DD4-5E2C78375B0F}"/>
+            </a:ext>
+          </a:extLst>
+        </p:cNvPr>
         <p:cNvGrpSpPr/>
         <p:nvPr/>
       </p:nvGrpSpPr>
@@ -6641,7 +7037,7 @@
           <p:cNvPr id="2" name="Titolo 1">
             <a:extLst>
               <a:ext uri="{FF2B5EF4-FFF2-40B4-BE49-F238E27FC236}">
-                <a16:creationId xmlns:a16="http://schemas.microsoft.com/office/drawing/2014/main" id="{1E2AAD67-B365-86A2-6024-1EB78F335272}"/>
+                <a16:creationId xmlns:a16="http://schemas.microsoft.com/office/drawing/2014/main" id="{6E1ADF95-6ACA-CA0B-5EF5-A85ED20F9A0B}"/>
               </a:ext>
             </a:extLst>
           </p:cNvPr>
@@ -6658,42 +7054,467 @@
           <a:lstStyle/>
           <a:p>
             <a:r>
-              <a:rPr lang="it-IT" dirty="0" err="1"/>
-              <a:t>Conclusions</a:t>
-            </a:r>
-            <a:endParaRPr lang="it-IT" dirty="0"/>
-          </a:p>
-        </p:txBody>
-      </p:sp>
-      <p:sp>
-        <p:nvSpPr>
-          <p:cNvPr id="3" name="Segnaposto contenuto 2">
+              <a:rPr lang="en-US" noProof="0" dirty="0"/>
+              <a:t>Recognition Evaluation</a:t>
+            </a:r>
+          </a:p>
+        </p:txBody>
+      </p:sp>
+      <p:graphicFrame>
+        <p:nvGraphicFramePr>
+          <p:cNvPr id="4" name="Tabella 3">
             <a:extLst>
               <a:ext uri="{FF2B5EF4-FFF2-40B4-BE49-F238E27FC236}">
-                <a16:creationId xmlns:a16="http://schemas.microsoft.com/office/drawing/2014/main" id="{BEF74486-D897-28BC-CB58-3DAB37F08065}"/>
+                <a16:creationId xmlns:a16="http://schemas.microsoft.com/office/drawing/2014/main" id="{965D0018-6E66-0DD4-8D7C-A394ED9DF350}"/>
               </a:ext>
             </a:extLst>
           </p:cNvPr>
-          <p:cNvSpPr>
-            <a:spLocks noGrp="1"/>
-          </p:cNvSpPr>
-          <p:nvPr>
-            <p:ph idx="1"/>
-          </p:nvPr>
-        </p:nvSpPr>
-        <p:spPr/>
-        <p:txBody>
-          <a:bodyPr/>
+          <p:cNvGraphicFramePr>
+            <a:graphicFrameLocks noGrp="1"/>
+          </p:cNvGraphicFramePr>
+          <p:nvPr>
+            <p:extLst>
+              <p:ext uri="{D42A27DB-BD31-4B8C-83A1-F6EECF244321}">
+                <p14:modId xmlns:p14="http://schemas.microsoft.com/office/powerpoint/2010/main" val="2032363008"/>
+              </p:ext>
+            </p:extLst>
+          </p:nvPr>
+        </p:nvGraphicFramePr>
+        <p:xfrm>
+          <a:off x="741334" y="1573574"/>
+          <a:ext cx="8532668" cy="3649960"/>
+        </p:xfrm>
+        <a:graphic>
+          <a:graphicData uri="http://schemas.openxmlformats.org/drawingml/2006/table">
+            <a:tbl>
+              <a:tblPr firstRow="1" bandRow="1">
+                <a:tableStyleId>{5C22544A-7EE6-4342-B048-85BDC9FD1C3A}</a:tableStyleId>
+              </a:tblPr>
+              <a:tblGrid>
+                <a:gridCol w="2133167">
+                  <a:extLst>
+                    <a:ext uri="{9D8B030D-6E8A-4147-A177-3AD203B41FA5}">
+                      <a16:colId xmlns:a16="http://schemas.microsoft.com/office/drawing/2014/main" val="3913258633"/>
+                    </a:ext>
+                  </a:extLst>
+                </a:gridCol>
+                <a:gridCol w="2133167">
+                  <a:extLst>
+                    <a:ext uri="{9D8B030D-6E8A-4147-A177-3AD203B41FA5}">
+                      <a16:colId xmlns:a16="http://schemas.microsoft.com/office/drawing/2014/main" val="1837831440"/>
+                    </a:ext>
+                  </a:extLst>
+                </a:gridCol>
+                <a:gridCol w="2133167">
+                  <a:extLst>
+                    <a:ext uri="{9D8B030D-6E8A-4147-A177-3AD203B41FA5}">
+                      <a16:colId xmlns:a16="http://schemas.microsoft.com/office/drawing/2014/main" val="3298357006"/>
+                    </a:ext>
+                  </a:extLst>
+                </a:gridCol>
+                <a:gridCol w="2133167">
+                  <a:extLst>
+                    <a:ext uri="{9D8B030D-6E8A-4147-A177-3AD203B41FA5}">
+                      <a16:colId xmlns:a16="http://schemas.microsoft.com/office/drawing/2014/main" val="3896524378"/>
+                    </a:ext>
+                  </a:extLst>
+                </a:gridCol>
+              </a:tblGrid>
+              <a:tr h="912490">
+                <a:tc>
+                  <a:txBody>
+                    <a:bodyPr/>
+                    <a:lstStyle/>
+                    <a:p>
+                      <a:pPr algn="ctr"/>
+                      <a:r>
+                        <a:rPr lang="en-US" noProof="0" dirty="0"/>
+                        <a:t>Model</a:t>
+                      </a:r>
+                    </a:p>
+                  </a:txBody>
+                  <a:tcPr anchor="ctr"/>
+                </a:tc>
+                <a:tc>
+                  <a:txBody>
+                    <a:bodyPr/>
+                    <a:lstStyle/>
+                    <a:p>
+                      <a:pPr algn="ctr"/>
+                      <a:r>
+                        <a:rPr lang="en-US" noProof="0" dirty="0"/>
+                        <a:t>Samples</a:t>
+                      </a:r>
+                    </a:p>
+                  </a:txBody>
+                  <a:tcPr anchor="ctr"/>
+                </a:tc>
+                <a:tc>
+                  <a:txBody>
+                    <a:bodyPr/>
+                    <a:lstStyle/>
+                    <a:p>
+                      <a:pPr algn="ctr"/>
+                      <a:r>
+                        <a:rPr lang="en-US" noProof="0" dirty="0"/>
+                        <a:t>Epochs</a:t>
+                      </a:r>
+                    </a:p>
+                  </a:txBody>
+                  <a:tcPr anchor="ctr"/>
+                </a:tc>
+                <a:tc>
+                  <a:txBody>
+                    <a:bodyPr/>
+                    <a:lstStyle/>
+                    <a:p>
+                      <a:pPr algn="ctr"/>
+                      <a:r>
+                        <a:rPr lang="en-US" noProof="0" dirty="0"/>
+                        <a:t>Full Plate Accuracy</a:t>
+                      </a:r>
+                    </a:p>
+                  </a:txBody>
+                  <a:tcPr anchor="ctr"/>
+                </a:tc>
+                <a:extLst>
+                  <a:ext uri="{0D108BD9-81ED-4DB2-BD59-A6C34878D82A}">
+                    <a16:rowId xmlns:a16="http://schemas.microsoft.com/office/drawing/2014/main" val="1497200087"/>
+                  </a:ext>
+                </a:extLst>
+              </a:tr>
+              <a:tr h="912490">
+                <a:tc>
+                  <a:txBody>
+                    <a:bodyPr/>
+                    <a:lstStyle/>
+                    <a:p>
+                      <a:pPr algn="ctr"/>
+                      <a:r>
+                        <a:rPr lang="en-US" noProof="0" dirty="0"/>
+                        <a:t>Baseline CNN</a:t>
+                      </a:r>
+                    </a:p>
+                  </a:txBody>
+                  <a:tcPr anchor="ctr"/>
+                </a:tc>
+                <a:tc>
+                  <a:txBody>
+                    <a:bodyPr/>
+                    <a:lstStyle/>
+                    <a:p>
+                      <a:pPr algn="ctr"/>
+                      <a:r>
+                        <a:rPr lang="en-US" noProof="0" dirty="0"/>
+                        <a:t>10’000</a:t>
+                      </a:r>
+                    </a:p>
+                  </a:txBody>
+                  <a:tcPr anchor="ctr"/>
+                </a:tc>
+                <a:tc>
+                  <a:txBody>
+                    <a:bodyPr/>
+                    <a:lstStyle/>
+                    <a:p>
+                      <a:pPr algn="ctr"/>
+                      <a:r>
+                        <a:rPr lang="en-US" noProof="0" dirty="0"/>
+                        <a:t>30</a:t>
+                      </a:r>
+                    </a:p>
+                  </a:txBody>
+                  <a:tcPr anchor="ctr"/>
+                </a:tc>
+                <a:tc>
+                  <a:txBody>
+                    <a:bodyPr/>
+                    <a:lstStyle/>
+                    <a:p>
+                      <a:pPr algn="ctr"/>
+                      <a:r>
+                        <a:rPr lang="en-US" noProof="0" dirty="0"/>
+                        <a:t>64.6%</a:t>
+                      </a:r>
+                    </a:p>
+                  </a:txBody>
+                  <a:tcPr anchor="ctr"/>
+                </a:tc>
+                <a:extLst>
+                  <a:ext uri="{0D108BD9-81ED-4DB2-BD59-A6C34878D82A}">
+                    <a16:rowId xmlns:a16="http://schemas.microsoft.com/office/drawing/2014/main" val="359970833"/>
+                  </a:ext>
+                </a:extLst>
+              </a:tr>
+              <a:tr h="912490">
+                <a:tc>
+                  <a:txBody>
+                    <a:bodyPr/>
+                    <a:lstStyle/>
+                    <a:p>
+                      <a:pPr algn="ctr"/>
+                      <a:r>
+                        <a:rPr lang="en-US" noProof="0" dirty="0"/>
+                        <a:t>Baseline CNN</a:t>
+                      </a:r>
+                    </a:p>
+                  </a:txBody>
+                  <a:tcPr anchor="ctr"/>
+                </a:tc>
+                <a:tc>
+                  <a:txBody>
+                    <a:bodyPr/>
+                    <a:lstStyle/>
+                    <a:p>
+                      <a:pPr marL="0" marR="0" lvl="0" indent="0" algn="ctr" defTabSz="457200" rtl="0" eaLnBrk="1" fontAlgn="auto" latinLnBrk="0" hangingPunct="1">
+                        <a:lnSpc>
+                          <a:spcPct val="100000"/>
+                        </a:lnSpc>
+                        <a:spcBef>
+                          <a:spcPts val="0"/>
+                        </a:spcBef>
+                        <a:spcAft>
+                          <a:spcPts val="0"/>
+                        </a:spcAft>
+                        <a:buClrTx/>
+                        <a:buSzTx/>
+                        <a:buFontTx/>
+                        <a:buNone/>
+                        <a:tabLst/>
+                        <a:defRPr/>
+                      </a:pPr>
+                      <a:r>
+                        <a:rPr lang="en-US" noProof="0" dirty="0"/>
+                        <a:t>20’000</a:t>
+                      </a:r>
+                    </a:p>
+                  </a:txBody>
+                  <a:tcPr anchor="ctr"/>
+                </a:tc>
+                <a:tc>
+                  <a:txBody>
+                    <a:bodyPr/>
+                    <a:lstStyle/>
+                    <a:p>
+                      <a:pPr marL="0" marR="0" lvl="0" indent="0" algn="ctr" defTabSz="457200" rtl="0" eaLnBrk="1" fontAlgn="auto" latinLnBrk="0" hangingPunct="1">
+                        <a:lnSpc>
+                          <a:spcPct val="100000"/>
+                        </a:lnSpc>
+                        <a:spcBef>
+                          <a:spcPts val="0"/>
+                        </a:spcBef>
+                        <a:spcAft>
+                          <a:spcPts val="0"/>
+                        </a:spcAft>
+                        <a:buClrTx/>
+                        <a:buSzTx/>
+                        <a:buFontTx/>
+                        <a:buNone/>
+                        <a:tabLst/>
+                        <a:defRPr/>
+                      </a:pPr>
+                      <a:r>
+                        <a:rPr lang="en-US" noProof="0" dirty="0"/>
+                        <a:t>10</a:t>
+                      </a:r>
+                    </a:p>
+                  </a:txBody>
+                  <a:tcPr anchor="ctr"/>
+                </a:tc>
+                <a:tc>
+                  <a:txBody>
+                    <a:bodyPr/>
+                    <a:lstStyle/>
+                    <a:p>
+                      <a:pPr marL="0" marR="0" lvl="0" indent="0" algn="ctr" defTabSz="457200" rtl="0" eaLnBrk="1" fontAlgn="auto" latinLnBrk="0" hangingPunct="1">
+                        <a:lnSpc>
+                          <a:spcPct val="100000"/>
+                        </a:lnSpc>
+                        <a:spcBef>
+                          <a:spcPts val="0"/>
+                        </a:spcBef>
+                        <a:spcAft>
+                          <a:spcPts val="0"/>
+                        </a:spcAft>
+                        <a:buClrTx/>
+                        <a:buSzTx/>
+                        <a:buFontTx/>
+                        <a:buNone/>
+                        <a:tabLst/>
+                        <a:defRPr/>
+                      </a:pPr>
+                      <a:r>
+                        <a:rPr lang="en-US" noProof="0" dirty="0"/>
+                        <a:t>75.9%</a:t>
+                      </a:r>
+                    </a:p>
+                  </a:txBody>
+                  <a:tcPr anchor="ctr"/>
+                </a:tc>
+                <a:extLst>
+                  <a:ext uri="{0D108BD9-81ED-4DB2-BD59-A6C34878D82A}">
+                    <a16:rowId xmlns:a16="http://schemas.microsoft.com/office/drawing/2014/main" val="1639038623"/>
+                  </a:ext>
+                </a:extLst>
+              </a:tr>
+              <a:tr h="912490">
+                <a:tc>
+                  <a:txBody>
+                    <a:bodyPr/>
+                    <a:lstStyle/>
+                    <a:p>
+                      <a:pPr algn="ctr"/>
+                      <a:r>
+                        <a:rPr lang="en-US" noProof="0" dirty="0"/>
+                        <a:t>Baseline CNN</a:t>
+                      </a:r>
+                    </a:p>
+                  </a:txBody>
+                  <a:tcPr anchor="ctr"/>
+                </a:tc>
+                <a:tc>
+                  <a:txBody>
+                    <a:bodyPr/>
+                    <a:lstStyle/>
+                    <a:p>
+                      <a:pPr marL="0" marR="0" lvl="0" indent="0" algn="ctr" defTabSz="457200" rtl="0" eaLnBrk="1" fontAlgn="auto" latinLnBrk="0" hangingPunct="1">
+                        <a:lnSpc>
+                          <a:spcPct val="100000"/>
+                        </a:lnSpc>
+                        <a:spcBef>
+                          <a:spcPts val="0"/>
+                        </a:spcBef>
+                        <a:spcAft>
+                          <a:spcPts val="0"/>
+                        </a:spcAft>
+                        <a:buClrTx/>
+                        <a:buSzTx/>
+                        <a:buFontTx/>
+                        <a:buNone/>
+                        <a:tabLst/>
+                        <a:defRPr/>
+                      </a:pPr>
+                      <a:r>
+                        <a:rPr lang="en-US" noProof="0" dirty="0"/>
+                        <a:t>20’000</a:t>
+                      </a:r>
+                    </a:p>
+                  </a:txBody>
+                  <a:tcPr anchor="ctr"/>
+                </a:tc>
+                <a:tc>
+                  <a:txBody>
+                    <a:bodyPr/>
+                    <a:lstStyle/>
+                    <a:p>
+                      <a:pPr marL="0" marR="0" lvl="0" indent="0" algn="ctr" defTabSz="457200" rtl="0" eaLnBrk="1" fontAlgn="auto" latinLnBrk="0" hangingPunct="1">
+                        <a:lnSpc>
+                          <a:spcPct val="100000"/>
+                        </a:lnSpc>
+                        <a:spcBef>
+                          <a:spcPts val="0"/>
+                        </a:spcBef>
+                        <a:spcAft>
+                          <a:spcPts val="0"/>
+                        </a:spcAft>
+                        <a:buClrTx/>
+                        <a:buSzTx/>
+                        <a:buFontTx/>
+                        <a:buNone/>
+                        <a:tabLst/>
+                        <a:defRPr/>
+                      </a:pPr>
+                      <a:r>
+                        <a:rPr lang="en-US" noProof="0" dirty="0"/>
+                        <a:t>30</a:t>
+                      </a:r>
+                    </a:p>
+                  </a:txBody>
+                  <a:tcPr anchor="ctr"/>
+                </a:tc>
+                <a:tc>
+                  <a:txBody>
+                    <a:bodyPr/>
+                    <a:lstStyle/>
+                    <a:p>
+                      <a:pPr marL="0" marR="0" lvl="0" indent="0" algn="ctr" defTabSz="457200" rtl="0" eaLnBrk="1" fontAlgn="auto" latinLnBrk="0" hangingPunct="1">
+                        <a:lnSpc>
+                          <a:spcPct val="100000"/>
+                        </a:lnSpc>
+                        <a:spcBef>
+                          <a:spcPts val="0"/>
+                        </a:spcBef>
+                        <a:spcAft>
+                          <a:spcPts val="0"/>
+                        </a:spcAft>
+                        <a:buClrTx/>
+                        <a:buSzTx/>
+                        <a:buFontTx/>
+                        <a:buNone/>
+                        <a:tabLst/>
+                        <a:defRPr/>
+                      </a:pPr>
+                      <a:r>
+                        <a:rPr lang="en-US" noProof="0" dirty="0"/>
+                        <a:t>80.2%</a:t>
+                      </a:r>
+                    </a:p>
+                  </a:txBody>
+                  <a:tcPr anchor="ctr"/>
+                </a:tc>
+                <a:extLst>
+                  <a:ext uri="{0D108BD9-81ED-4DB2-BD59-A6C34878D82A}">
+                    <a16:rowId xmlns:a16="http://schemas.microsoft.com/office/drawing/2014/main" val="2503884907"/>
+                  </a:ext>
+                </a:extLst>
+              </a:tr>
+            </a:tbl>
+          </a:graphicData>
+        </a:graphic>
+      </p:graphicFrame>
+      <p:sp>
+        <p:nvSpPr>
+          <p:cNvPr id="5" name="CasellaDiTesto 4">
+            <a:extLst>
+              <a:ext uri="{FF2B5EF4-FFF2-40B4-BE49-F238E27FC236}">
+                <a16:creationId xmlns:a16="http://schemas.microsoft.com/office/drawing/2014/main" id="{8C95D144-0794-92E4-CA27-C05FD88422AE}"/>
+              </a:ext>
+            </a:extLst>
+          </p:cNvPr>
+          <p:cNvSpPr txBox="1"/>
+          <p:nvPr/>
+        </p:nvSpPr>
+        <p:spPr>
+          <a:xfrm>
+            <a:off x="677334" y="5630530"/>
+            <a:ext cx="7098803" cy="369332"/>
+          </a:xfrm>
+          <a:prstGeom prst="rect">
+            <a:avLst/>
+          </a:prstGeom>
+          <a:noFill/>
+        </p:spPr>
+        <p:txBody>
+          <a:bodyPr wrap="none" rtlCol="0">
+            <a:spAutoFit/>
+          </a:bodyPr>
           <a:lstStyle/>
           <a:p>
-            <a:endParaRPr lang="it-IT"/>
+            <a:pPr marL="285750" indent="-285750">
+              <a:buFont typeface="Arial" panose="020B0604020202020204" pitchFamily="34" charset="0"/>
+              <a:buChar char="•"/>
+            </a:pPr>
+            <a:r>
+              <a:rPr lang="en-US" noProof="0" dirty="0"/>
+              <a:t>Performance scales directly with more data and longer training </a:t>
+            </a:r>
           </a:p>
         </p:txBody>
       </p:sp>
     </p:spTree>
     <p:extLst>
       <p:ext uri="{BB962C8B-B14F-4D97-AF65-F5344CB8AC3E}">
-        <p14:creationId xmlns:p14="http://schemas.microsoft.com/office/powerpoint/2010/main" val="3884209195"/>
+        <p14:creationId xmlns:p14="http://schemas.microsoft.com/office/powerpoint/2010/main" val="2628355392"/>
       </p:ext>
     </p:extLst>
   </p:cSld>
@@ -6704,6 +7525,3144 @@
 </file>
 
 <file path=ppt/slides/slide11.xml><?xml version="1.0" encoding="utf-8"?>
+<p:sld xmlns:a="http://schemas.openxmlformats.org/drawingml/2006/main" xmlns:r="http://schemas.openxmlformats.org/officeDocument/2006/relationships" xmlns:p="http://schemas.openxmlformats.org/presentationml/2006/main">
+  <p:cSld>
+    <p:spTree>
+      <p:nvGrpSpPr>
+        <p:cNvPr id="1" name="">
+          <a:extLst>
+            <a:ext uri="{FF2B5EF4-FFF2-40B4-BE49-F238E27FC236}">
+              <a16:creationId xmlns:a16="http://schemas.microsoft.com/office/drawing/2014/main" id="{58FB1D15-452B-FEE3-6FF9-F241491471C3}"/>
+            </a:ext>
+          </a:extLst>
+        </p:cNvPr>
+        <p:cNvGrpSpPr/>
+        <p:nvPr/>
+      </p:nvGrpSpPr>
+      <p:grpSpPr>
+        <a:xfrm>
+          <a:off x="0" y="0"/>
+          <a:ext cx="0" cy="0"/>
+          <a:chOff x="0" y="0"/>
+          <a:chExt cx="0" cy="0"/>
+        </a:xfrm>
+      </p:grpSpPr>
+      <p:sp>
+        <p:nvSpPr>
+          <p:cNvPr id="2" name="Titolo 1">
+            <a:extLst>
+              <a:ext uri="{FF2B5EF4-FFF2-40B4-BE49-F238E27FC236}">
+                <a16:creationId xmlns:a16="http://schemas.microsoft.com/office/drawing/2014/main" id="{B2EEBD71-0789-768A-3D10-42210D12D9EB}"/>
+              </a:ext>
+            </a:extLst>
+          </p:cNvPr>
+          <p:cNvSpPr>
+            <a:spLocks noGrp="1"/>
+          </p:cNvSpPr>
+          <p:nvPr>
+            <p:ph type="title"/>
+          </p:nvPr>
+        </p:nvSpPr>
+        <p:spPr/>
+        <p:txBody>
+          <a:bodyPr/>
+          <a:lstStyle/>
+          <a:p>
+            <a:r>
+              <a:rPr lang="en-US" noProof="0" dirty="0"/>
+              <a:t>Pipeline Evaluation</a:t>
+            </a:r>
+          </a:p>
+        </p:txBody>
+      </p:sp>
+      <p:graphicFrame>
+        <p:nvGraphicFramePr>
+          <p:cNvPr id="4" name="Tabella 3">
+            <a:extLst>
+              <a:ext uri="{FF2B5EF4-FFF2-40B4-BE49-F238E27FC236}">
+                <a16:creationId xmlns:a16="http://schemas.microsoft.com/office/drawing/2014/main" id="{7E50D1B3-907C-97A2-B9E9-2427E6CE9CEB}"/>
+              </a:ext>
+            </a:extLst>
+          </p:cNvPr>
+          <p:cNvGraphicFramePr>
+            <a:graphicFrameLocks noGrp="1"/>
+          </p:cNvGraphicFramePr>
+          <p:nvPr>
+            <p:extLst>
+              <p:ext uri="{D42A27DB-BD31-4B8C-83A1-F6EECF244321}">
+                <p14:modId xmlns:p14="http://schemas.microsoft.com/office/powerpoint/2010/main" val="2662045112"/>
+              </p:ext>
+            </p:extLst>
+          </p:nvPr>
+        </p:nvGraphicFramePr>
+        <p:xfrm>
+          <a:off x="741336" y="1573575"/>
+          <a:ext cx="8532666" cy="4178638"/>
+        </p:xfrm>
+        <a:graphic>
+          <a:graphicData uri="http://schemas.openxmlformats.org/drawingml/2006/table">
+            <a:tbl>
+              <a:tblPr firstRow="1" bandRow="1">
+                <a:tableStyleId>{5C22544A-7EE6-4342-B048-85BDC9FD1C3A}</a:tableStyleId>
+              </a:tblPr>
+              <a:tblGrid>
+                <a:gridCol w="1422111">
+                  <a:extLst>
+                    <a:ext uri="{9D8B030D-6E8A-4147-A177-3AD203B41FA5}">
+                      <a16:colId xmlns:a16="http://schemas.microsoft.com/office/drawing/2014/main" val="3913258633"/>
+                    </a:ext>
+                  </a:extLst>
+                </a:gridCol>
+                <a:gridCol w="1422111">
+                  <a:extLst>
+                    <a:ext uri="{9D8B030D-6E8A-4147-A177-3AD203B41FA5}">
+                      <a16:colId xmlns:a16="http://schemas.microsoft.com/office/drawing/2014/main" val="3298357006"/>
+                    </a:ext>
+                  </a:extLst>
+                </a:gridCol>
+                <a:gridCol w="1422111">
+                  <a:extLst>
+                    <a:ext uri="{9D8B030D-6E8A-4147-A177-3AD203B41FA5}">
+                      <a16:colId xmlns:a16="http://schemas.microsoft.com/office/drawing/2014/main" val="3896524378"/>
+                    </a:ext>
+                  </a:extLst>
+                </a:gridCol>
+                <a:gridCol w="1422111">
+                  <a:extLst>
+                    <a:ext uri="{9D8B030D-6E8A-4147-A177-3AD203B41FA5}">
+                      <a16:colId xmlns:a16="http://schemas.microsoft.com/office/drawing/2014/main" val="1251171418"/>
+                    </a:ext>
+                  </a:extLst>
+                </a:gridCol>
+                <a:gridCol w="1422111">
+                  <a:extLst>
+                    <a:ext uri="{9D8B030D-6E8A-4147-A177-3AD203B41FA5}">
+                      <a16:colId xmlns:a16="http://schemas.microsoft.com/office/drawing/2014/main" val="4027576351"/>
+                    </a:ext>
+                  </a:extLst>
+                </a:gridCol>
+                <a:gridCol w="1422111">
+                  <a:extLst>
+                    <a:ext uri="{9D8B030D-6E8A-4147-A177-3AD203B41FA5}">
+                      <a16:colId xmlns:a16="http://schemas.microsoft.com/office/drawing/2014/main" val="1331166037"/>
+                    </a:ext>
+                  </a:extLst>
+                </a:gridCol>
+              </a:tblGrid>
+              <a:tr h="772607">
+                <a:tc rowSpan="2">
+                  <a:txBody>
+                    <a:bodyPr/>
+                    <a:lstStyle/>
+                    <a:p>
+                      <a:pPr algn="ctr"/>
+                      <a:r>
+                        <a:rPr lang="en-US" noProof="0" dirty="0"/>
+                        <a:t>Models</a:t>
+                      </a:r>
+                    </a:p>
+                  </a:txBody>
+                  <a:tcPr anchor="ctr"/>
+                </a:tc>
+                <a:tc gridSpan="3">
+                  <a:txBody>
+                    <a:bodyPr/>
+                    <a:lstStyle/>
+                    <a:p>
+                      <a:pPr algn="ctr"/>
+                      <a:r>
+                        <a:rPr lang="en-US" noProof="0" dirty="0"/>
+                        <a:t>Detection</a:t>
+                      </a:r>
+                    </a:p>
+                  </a:txBody>
+                  <a:tcPr anchor="ctr"/>
+                </a:tc>
+                <a:tc hMerge="1">
+                  <a:txBody>
+                    <a:bodyPr/>
+                    <a:lstStyle/>
+                    <a:p>
+                      <a:pPr algn="ctr"/>
+                      <a:endParaRPr lang="en-US" dirty="0"/>
+                    </a:p>
+                  </a:txBody>
+                  <a:tcPr anchor="ctr"/>
+                </a:tc>
+                <a:tc hMerge="1">
+                  <a:txBody>
+                    <a:bodyPr/>
+                    <a:lstStyle/>
+                    <a:p>
+                      <a:pPr algn="ctr"/>
+                      <a:endParaRPr lang="en-US" dirty="0"/>
+                    </a:p>
+                  </a:txBody>
+                  <a:tcPr anchor="ctr"/>
+                </a:tc>
+                <a:tc gridSpan="2">
+                  <a:txBody>
+                    <a:bodyPr/>
+                    <a:lstStyle/>
+                    <a:p>
+                      <a:pPr algn="ctr"/>
+                      <a:r>
+                        <a:rPr lang="en-US" noProof="0" dirty="0"/>
+                        <a:t>Recognition</a:t>
+                      </a:r>
+                    </a:p>
+                  </a:txBody>
+                  <a:tcPr anchor="ctr"/>
+                </a:tc>
+                <a:tc hMerge="1">
+                  <a:txBody>
+                    <a:bodyPr/>
+                    <a:lstStyle/>
+                    <a:p>
+                      <a:pPr algn="ctr"/>
+                      <a:endParaRPr lang="en-US" dirty="0"/>
+                    </a:p>
+                  </a:txBody>
+                  <a:tcPr anchor="ctr"/>
+                </a:tc>
+                <a:extLst>
+                  <a:ext uri="{0D108BD9-81ED-4DB2-BD59-A6C34878D82A}">
+                    <a16:rowId xmlns:a16="http://schemas.microsoft.com/office/drawing/2014/main" val="1497200087"/>
+                  </a:ext>
+                </a:extLst>
+              </a:tr>
+              <a:tr h="772607">
+                <a:tc vMerge="1">
+                  <a:txBody>
+                    <a:bodyPr/>
+                    <a:lstStyle/>
+                    <a:p>
+                      <a:pPr algn="ctr"/>
+                      <a:endParaRPr lang="en-US" dirty="0"/>
+                    </a:p>
+                  </a:txBody>
+                  <a:tcPr anchor="ctr"/>
+                </a:tc>
+                <a:tc>
+                  <a:txBody>
+                    <a:bodyPr/>
+                    <a:lstStyle/>
+                    <a:p>
+                      <a:pPr algn="ctr"/>
+                      <a:r>
+                        <a:rPr lang="en-US" noProof="0" dirty="0"/>
+                        <a:t>Precision</a:t>
+                      </a:r>
+                    </a:p>
+                  </a:txBody>
+                  <a:tcPr anchor="ctr"/>
+                </a:tc>
+                <a:tc>
+                  <a:txBody>
+                    <a:bodyPr/>
+                    <a:lstStyle/>
+                    <a:p>
+                      <a:pPr algn="ctr"/>
+                      <a:r>
+                        <a:rPr lang="en-US" noProof="0" dirty="0"/>
+                        <a:t>Recall</a:t>
+                      </a:r>
+                    </a:p>
+                  </a:txBody>
+                  <a:tcPr anchor="ctr"/>
+                </a:tc>
+                <a:tc>
+                  <a:txBody>
+                    <a:bodyPr/>
+                    <a:lstStyle/>
+                    <a:p>
+                      <a:pPr algn="ctr"/>
+                      <a:r>
+                        <a:rPr lang="en-US" noProof="0" dirty="0"/>
+                        <a:t>F1</a:t>
+                      </a:r>
+                    </a:p>
+                  </a:txBody>
+                  <a:tcPr anchor="ctr"/>
+                </a:tc>
+                <a:tc>
+                  <a:txBody>
+                    <a:bodyPr/>
+                    <a:lstStyle/>
+                    <a:p>
+                      <a:pPr algn="ctr"/>
+                      <a:r>
+                        <a:rPr lang="en-US" noProof="0" dirty="0"/>
+                        <a:t>Plate Accuracy</a:t>
+                      </a:r>
+                    </a:p>
+                  </a:txBody>
+                  <a:tcPr anchor="ctr"/>
+                </a:tc>
+                <a:tc>
+                  <a:txBody>
+                    <a:bodyPr/>
+                    <a:lstStyle/>
+                    <a:p>
+                      <a:pPr algn="ctr"/>
+                      <a:r>
+                        <a:rPr lang="en-US" noProof="0" dirty="0"/>
+                        <a:t>F1</a:t>
+                      </a:r>
+                    </a:p>
+                  </a:txBody>
+                  <a:tcPr anchor="ctr"/>
+                </a:tc>
+                <a:extLst>
+                  <a:ext uri="{0D108BD9-81ED-4DB2-BD59-A6C34878D82A}">
+                    <a16:rowId xmlns:a16="http://schemas.microsoft.com/office/drawing/2014/main" val="359970833"/>
+                  </a:ext>
+                </a:extLst>
+              </a:tr>
+              <a:tr h="828497">
+                <a:tc>
+                  <a:txBody>
+                    <a:bodyPr/>
+                    <a:lstStyle/>
+                    <a:p>
+                      <a:pPr algn="ctr"/>
+                      <a:r>
+                        <a:rPr lang="en-US" noProof="0" dirty="0"/>
+                        <a:t>YOLOv5m + Baseline</a:t>
+                      </a:r>
+                    </a:p>
+                  </a:txBody>
+                  <a:tcPr anchor="ctr"/>
+                </a:tc>
+                <a:tc>
+                  <a:txBody>
+                    <a:bodyPr/>
+                    <a:lstStyle/>
+                    <a:p>
+                      <a:pPr algn="ctr"/>
+                      <a:r>
+                        <a:rPr lang="en-US" noProof="0" dirty="0"/>
+                        <a:t>99.4%</a:t>
+                      </a:r>
+                    </a:p>
+                  </a:txBody>
+                  <a:tcPr anchor="ctr"/>
+                </a:tc>
+                <a:tc>
+                  <a:txBody>
+                    <a:bodyPr/>
+                    <a:lstStyle/>
+                    <a:p>
+                      <a:pPr marL="0" marR="0" lvl="0" indent="0" algn="ctr" defTabSz="457200" rtl="0" eaLnBrk="1" fontAlgn="auto" latinLnBrk="0" hangingPunct="1">
+                        <a:lnSpc>
+                          <a:spcPct val="100000"/>
+                        </a:lnSpc>
+                        <a:spcBef>
+                          <a:spcPts val="0"/>
+                        </a:spcBef>
+                        <a:spcAft>
+                          <a:spcPts val="0"/>
+                        </a:spcAft>
+                        <a:buClrTx/>
+                        <a:buSzTx/>
+                        <a:buFontTx/>
+                        <a:buNone/>
+                        <a:tabLst/>
+                        <a:defRPr/>
+                      </a:pPr>
+                      <a:r>
+                        <a:rPr lang="en-US" noProof="0" dirty="0"/>
+                        <a:t>53.4%</a:t>
+                      </a:r>
+                    </a:p>
+                  </a:txBody>
+                  <a:tcPr anchor="ctr"/>
+                </a:tc>
+                <a:tc>
+                  <a:txBody>
+                    <a:bodyPr/>
+                    <a:lstStyle/>
+                    <a:p>
+                      <a:pPr marL="0" marR="0" lvl="0" indent="0" algn="ctr" defTabSz="457200" rtl="0" eaLnBrk="1" fontAlgn="auto" latinLnBrk="0" hangingPunct="1">
+                        <a:lnSpc>
+                          <a:spcPct val="100000"/>
+                        </a:lnSpc>
+                        <a:spcBef>
+                          <a:spcPts val="0"/>
+                        </a:spcBef>
+                        <a:spcAft>
+                          <a:spcPts val="0"/>
+                        </a:spcAft>
+                        <a:buClrTx/>
+                        <a:buSzTx/>
+                        <a:buFontTx/>
+                        <a:buNone/>
+                        <a:tabLst/>
+                        <a:defRPr/>
+                      </a:pPr>
+                      <a:r>
+                        <a:rPr lang="en-US" noProof="0" dirty="0"/>
+                        <a:t>69.5%</a:t>
+                      </a:r>
+                    </a:p>
+                  </a:txBody>
+                  <a:tcPr anchor="ctr"/>
+                </a:tc>
+                <a:tc>
+                  <a:txBody>
+                    <a:bodyPr/>
+                    <a:lstStyle/>
+                    <a:p>
+                      <a:pPr algn="ctr"/>
+                      <a:r>
+                        <a:rPr lang="en-US" noProof="0" dirty="0"/>
+                        <a:t>74.2 %</a:t>
+                      </a:r>
+                    </a:p>
+                  </a:txBody>
+                  <a:tcPr anchor="ctr"/>
+                </a:tc>
+                <a:tc>
+                  <a:txBody>
+                    <a:bodyPr/>
+                    <a:lstStyle/>
+                    <a:p>
+                      <a:pPr algn="ctr"/>
+                      <a:r>
+                        <a:rPr lang="en-US" noProof="0" dirty="0"/>
+                        <a:t>93.9%</a:t>
+                      </a:r>
+                    </a:p>
+                  </a:txBody>
+                  <a:tcPr anchor="ctr"/>
+                </a:tc>
+                <a:extLst>
+                  <a:ext uri="{0D108BD9-81ED-4DB2-BD59-A6C34878D82A}">
+                    <a16:rowId xmlns:a16="http://schemas.microsoft.com/office/drawing/2014/main" val="1639038623"/>
+                  </a:ext>
+                </a:extLst>
+              </a:tr>
+              <a:tr h="976430">
+                <a:tc>
+                  <a:txBody>
+                    <a:bodyPr/>
+                    <a:lstStyle/>
+                    <a:p>
+                      <a:pPr algn="ctr"/>
+                      <a:r>
+                        <a:rPr lang="en-US" noProof="0" dirty="0"/>
+                        <a:t>YOLO + Baseline OCR</a:t>
+                      </a:r>
+                    </a:p>
+                  </a:txBody>
+                  <a:tcPr anchor="ctr"/>
+                </a:tc>
+                <a:tc>
+                  <a:txBody>
+                    <a:bodyPr/>
+                    <a:lstStyle/>
+                    <a:p>
+                      <a:pPr marL="0" marR="0" lvl="0" indent="0" algn="ctr" defTabSz="457200" rtl="0" eaLnBrk="1" fontAlgn="auto" latinLnBrk="0" hangingPunct="1">
+                        <a:lnSpc>
+                          <a:spcPct val="100000"/>
+                        </a:lnSpc>
+                        <a:spcBef>
+                          <a:spcPts val="0"/>
+                        </a:spcBef>
+                        <a:spcAft>
+                          <a:spcPts val="0"/>
+                        </a:spcAft>
+                        <a:buClrTx/>
+                        <a:buSzTx/>
+                        <a:buFontTx/>
+                        <a:buNone/>
+                        <a:tabLst/>
+                        <a:defRPr/>
+                      </a:pPr>
+                      <a:r>
+                        <a:rPr lang="en-US" noProof="0" dirty="0"/>
+                        <a:t>92.4%</a:t>
+                      </a:r>
+                    </a:p>
+                  </a:txBody>
+                  <a:tcPr anchor="ctr"/>
+                </a:tc>
+                <a:tc>
+                  <a:txBody>
+                    <a:bodyPr/>
+                    <a:lstStyle/>
+                    <a:p>
+                      <a:pPr marL="0" marR="0" lvl="0" indent="0" algn="ctr" defTabSz="457200" rtl="0" eaLnBrk="1" fontAlgn="auto" latinLnBrk="0" hangingPunct="1">
+                        <a:lnSpc>
+                          <a:spcPct val="100000"/>
+                        </a:lnSpc>
+                        <a:spcBef>
+                          <a:spcPts val="0"/>
+                        </a:spcBef>
+                        <a:spcAft>
+                          <a:spcPts val="0"/>
+                        </a:spcAft>
+                        <a:buClrTx/>
+                        <a:buSzTx/>
+                        <a:buFontTx/>
+                        <a:buNone/>
+                        <a:tabLst/>
+                        <a:defRPr/>
+                      </a:pPr>
+                      <a:r>
+                        <a:rPr lang="en-US" noProof="0" dirty="0"/>
+                        <a:t>96.7%</a:t>
+                      </a:r>
+                    </a:p>
+                  </a:txBody>
+                  <a:tcPr anchor="ctr"/>
+                </a:tc>
+                <a:tc>
+                  <a:txBody>
+                    <a:bodyPr/>
+                    <a:lstStyle/>
+                    <a:p>
+                      <a:pPr marL="0" marR="0" lvl="0" indent="0" algn="ctr" defTabSz="457200" rtl="0" eaLnBrk="1" fontAlgn="auto" latinLnBrk="0" hangingPunct="1">
+                        <a:lnSpc>
+                          <a:spcPct val="100000"/>
+                        </a:lnSpc>
+                        <a:spcBef>
+                          <a:spcPts val="0"/>
+                        </a:spcBef>
+                        <a:spcAft>
+                          <a:spcPts val="0"/>
+                        </a:spcAft>
+                        <a:buClrTx/>
+                        <a:buSzTx/>
+                        <a:buFontTx/>
+                        <a:buNone/>
+                        <a:tabLst/>
+                        <a:defRPr/>
+                      </a:pPr>
+                      <a:r>
+                        <a:rPr lang="en-US" noProof="0" dirty="0"/>
+                        <a:t>94.5%</a:t>
+                      </a:r>
+                    </a:p>
+                  </a:txBody>
+                  <a:tcPr anchor="ctr"/>
+                </a:tc>
+                <a:tc>
+                  <a:txBody>
+                    <a:bodyPr/>
+                    <a:lstStyle/>
+                    <a:p>
+                      <a:pPr algn="ctr"/>
+                      <a:r>
+                        <a:rPr lang="en-US" noProof="0" dirty="0"/>
+                        <a:t>81.8%</a:t>
+                      </a:r>
+                    </a:p>
+                  </a:txBody>
+                  <a:tcPr anchor="ctr"/>
+                </a:tc>
+                <a:tc>
+                  <a:txBody>
+                    <a:bodyPr/>
+                    <a:lstStyle/>
+                    <a:p>
+                      <a:pPr algn="ctr"/>
+                      <a:r>
+                        <a:rPr lang="en-US" noProof="0" dirty="0"/>
+                        <a:t>96.5%</a:t>
+                      </a:r>
+                    </a:p>
+                  </a:txBody>
+                  <a:tcPr anchor="ctr"/>
+                </a:tc>
+                <a:extLst>
+                  <a:ext uri="{0D108BD9-81ED-4DB2-BD59-A6C34878D82A}">
+                    <a16:rowId xmlns:a16="http://schemas.microsoft.com/office/drawing/2014/main" val="2503884907"/>
+                  </a:ext>
+                </a:extLst>
+              </a:tr>
+              <a:tr h="828497">
+                <a:tc>
+                  <a:txBody>
+                    <a:bodyPr/>
+                    <a:lstStyle/>
+                    <a:p>
+                      <a:pPr algn="ctr"/>
+                      <a:r>
+                        <a:rPr lang="en-US" noProof="0" dirty="0"/>
+                        <a:t>YOLO + PDLPR</a:t>
+                      </a:r>
+                    </a:p>
+                  </a:txBody>
+                  <a:tcPr anchor="ctr"/>
+                </a:tc>
+                <a:tc>
+                  <a:txBody>
+                    <a:bodyPr/>
+                    <a:lstStyle/>
+                    <a:p>
+                      <a:pPr marL="0" marR="0" lvl="0" indent="0" algn="ctr" defTabSz="457200" rtl="0" eaLnBrk="1" fontAlgn="auto" latinLnBrk="0" hangingPunct="1">
+                        <a:lnSpc>
+                          <a:spcPct val="100000"/>
+                        </a:lnSpc>
+                        <a:spcBef>
+                          <a:spcPts val="0"/>
+                        </a:spcBef>
+                        <a:spcAft>
+                          <a:spcPts val="0"/>
+                        </a:spcAft>
+                        <a:buClrTx/>
+                        <a:buSzTx/>
+                        <a:buFontTx/>
+                        <a:buNone/>
+                        <a:tabLst/>
+                        <a:defRPr/>
+                      </a:pPr>
+                      <a:r>
+                        <a:rPr lang="en-US" noProof="0" dirty="0"/>
+                        <a:t>98.3%</a:t>
+                      </a:r>
+                    </a:p>
+                  </a:txBody>
+                  <a:tcPr anchor="ctr"/>
+                </a:tc>
+                <a:tc>
+                  <a:txBody>
+                    <a:bodyPr/>
+                    <a:lstStyle/>
+                    <a:p>
+                      <a:pPr marL="0" marR="0" lvl="0" indent="0" algn="ctr" defTabSz="457200" rtl="0" eaLnBrk="1" fontAlgn="auto" latinLnBrk="0" hangingPunct="1">
+                        <a:lnSpc>
+                          <a:spcPct val="100000"/>
+                        </a:lnSpc>
+                        <a:spcBef>
+                          <a:spcPts val="0"/>
+                        </a:spcBef>
+                        <a:spcAft>
+                          <a:spcPts val="0"/>
+                        </a:spcAft>
+                        <a:buClrTx/>
+                        <a:buSzTx/>
+                        <a:buFontTx/>
+                        <a:buNone/>
+                        <a:tabLst/>
+                        <a:defRPr/>
+                      </a:pPr>
+                      <a:r>
+                        <a:rPr lang="en-US" noProof="0" dirty="0"/>
+                        <a:t>95.6%</a:t>
+                      </a:r>
+                    </a:p>
+                  </a:txBody>
+                  <a:tcPr anchor="ctr"/>
+                </a:tc>
+                <a:tc>
+                  <a:txBody>
+                    <a:bodyPr/>
+                    <a:lstStyle/>
+                    <a:p>
+                      <a:pPr marL="0" marR="0" lvl="0" indent="0" algn="ctr" defTabSz="457200" rtl="0" eaLnBrk="1" fontAlgn="auto" latinLnBrk="0" hangingPunct="1">
+                        <a:lnSpc>
+                          <a:spcPct val="100000"/>
+                        </a:lnSpc>
+                        <a:spcBef>
+                          <a:spcPts val="0"/>
+                        </a:spcBef>
+                        <a:spcAft>
+                          <a:spcPts val="0"/>
+                        </a:spcAft>
+                        <a:buClrTx/>
+                        <a:buSzTx/>
+                        <a:buFontTx/>
+                        <a:buNone/>
+                        <a:tabLst/>
+                        <a:defRPr/>
+                      </a:pPr>
+                      <a:r>
+                        <a:rPr lang="en-US" noProof="0" dirty="0"/>
+                        <a:t>85.1%</a:t>
+                      </a:r>
+                    </a:p>
+                  </a:txBody>
+                  <a:tcPr anchor="ctr"/>
+                </a:tc>
+                <a:tc>
+                  <a:txBody>
+                    <a:bodyPr/>
+                    <a:lstStyle/>
+                    <a:p>
+                      <a:pPr algn="ctr"/>
+                      <a:r>
+                        <a:rPr lang="en-US" noProof="0" dirty="0"/>
+                        <a:t>85.1%</a:t>
+                      </a:r>
+                    </a:p>
+                  </a:txBody>
+                  <a:tcPr anchor="ctr"/>
+                </a:tc>
+                <a:tc>
+                  <a:txBody>
+                    <a:bodyPr/>
+                    <a:lstStyle/>
+                    <a:p>
+                      <a:pPr algn="ctr"/>
+                      <a:r>
+                        <a:rPr lang="en-US" noProof="0" dirty="0"/>
+                        <a:t>95.6%</a:t>
+                      </a:r>
+                    </a:p>
+                  </a:txBody>
+                  <a:tcPr anchor="ctr"/>
+                </a:tc>
+                <a:extLst>
+                  <a:ext uri="{0D108BD9-81ED-4DB2-BD59-A6C34878D82A}">
+                    <a16:rowId xmlns:a16="http://schemas.microsoft.com/office/drawing/2014/main" val="279347831"/>
+                  </a:ext>
+                </a:extLst>
+              </a:tr>
+            </a:tbl>
+          </a:graphicData>
+        </a:graphic>
+      </p:graphicFrame>
+      <p:sp>
+        <p:nvSpPr>
+          <p:cNvPr id="6" name="CasellaDiTesto 5">
+            <a:extLst>
+              <a:ext uri="{FF2B5EF4-FFF2-40B4-BE49-F238E27FC236}">
+                <a16:creationId xmlns:a16="http://schemas.microsoft.com/office/drawing/2014/main" id="{3502FA9A-809C-2466-104E-370D475974E7}"/>
+              </a:ext>
+            </a:extLst>
+          </p:cNvPr>
+          <p:cNvSpPr txBox="1"/>
+          <p:nvPr/>
+        </p:nvSpPr>
+        <p:spPr>
+          <a:xfrm>
+            <a:off x="911250" y="5879068"/>
+            <a:ext cx="5280613" cy="369332"/>
+          </a:xfrm>
+          <a:prstGeom prst="rect">
+            <a:avLst/>
+          </a:prstGeom>
+          <a:noFill/>
+        </p:spPr>
+        <p:txBody>
+          <a:bodyPr wrap="none" rtlCol="0">
+            <a:spAutoFit/>
+          </a:bodyPr>
+          <a:lstStyle/>
+          <a:p>
+            <a:pPr marL="285750" indent="-285750">
+              <a:buFont typeface="Arial" panose="020B0604020202020204" pitchFamily="34" charset="0"/>
+              <a:buChar char="•"/>
+            </a:pPr>
+            <a:r>
+              <a:rPr lang="en-US" noProof="0" dirty="0"/>
+              <a:t>All pipeline evaluations run on 20’000 samples</a:t>
+            </a:r>
+          </a:p>
+        </p:txBody>
+      </p:sp>
+    </p:spTree>
+    <p:extLst>
+      <p:ext uri="{BB962C8B-B14F-4D97-AF65-F5344CB8AC3E}">
+        <p14:creationId xmlns:p14="http://schemas.microsoft.com/office/powerpoint/2010/main" val="1720249418"/>
+      </p:ext>
+    </p:extLst>
+  </p:cSld>
+  <p:clrMapOvr>
+    <a:masterClrMapping/>
+  </p:clrMapOvr>
+  <mc:AlternateContent xmlns:mc="http://schemas.openxmlformats.org/markup-compatibility/2006">
+    <mc:Choice xmlns:p159="http://schemas.microsoft.com/office/powerpoint/2015/09/main" Requires="p159">
+      <p:transition xmlns:p14="http://schemas.microsoft.com/office/powerpoint/2010/main" spd="slow" p14:dur="2000">
+        <p159:morph option="byObject"/>
+      </p:transition>
+    </mc:Choice>
+    <mc:Fallback>
+      <p:transition spd="slow">
+        <p:fade/>
+      </p:transition>
+    </mc:Fallback>
+  </mc:AlternateContent>
+</p:sld>
+</file>
+
+<file path=ppt/slides/slide12.xml><?xml version="1.0" encoding="utf-8"?>
+<p:sld xmlns:a="http://schemas.openxmlformats.org/drawingml/2006/main" xmlns:r="http://schemas.openxmlformats.org/officeDocument/2006/relationships" xmlns:p="http://schemas.openxmlformats.org/presentationml/2006/main">
+  <p:cSld>
+    <p:spTree>
+      <p:nvGrpSpPr>
+        <p:cNvPr id="1" name="">
+          <a:extLst>
+            <a:ext uri="{FF2B5EF4-FFF2-40B4-BE49-F238E27FC236}">
+              <a16:creationId xmlns:a16="http://schemas.microsoft.com/office/drawing/2014/main" id="{28FC84D8-EB1D-8A09-2C39-8B03687C4934}"/>
+            </a:ext>
+          </a:extLst>
+        </p:cNvPr>
+        <p:cNvGrpSpPr/>
+        <p:nvPr/>
+      </p:nvGrpSpPr>
+      <p:grpSpPr>
+        <a:xfrm>
+          <a:off x="0" y="0"/>
+          <a:ext cx="0" cy="0"/>
+          <a:chOff x="0" y="0"/>
+          <a:chExt cx="0" cy="0"/>
+        </a:xfrm>
+      </p:grpSpPr>
+      <p:sp>
+        <p:nvSpPr>
+          <p:cNvPr id="2" name="Titolo 1">
+            <a:extLst>
+              <a:ext uri="{FF2B5EF4-FFF2-40B4-BE49-F238E27FC236}">
+                <a16:creationId xmlns:a16="http://schemas.microsoft.com/office/drawing/2014/main" id="{FBEB453B-51B4-9050-30B6-54E23494F3BF}"/>
+              </a:ext>
+            </a:extLst>
+          </p:cNvPr>
+          <p:cNvSpPr>
+            <a:spLocks noGrp="1"/>
+          </p:cNvSpPr>
+          <p:nvPr>
+            <p:ph type="title"/>
+          </p:nvPr>
+        </p:nvSpPr>
+        <p:spPr/>
+        <p:txBody>
+          <a:bodyPr/>
+          <a:lstStyle/>
+          <a:p>
+            <a:r>
+              <a:rPr lang="en-US" noProof="0" dirty="0"/>
+              <a:t>Pipeline Evaluation</a:t>
+            </a:r>
+          </a:p>
+        </p:txBody>
+      </p:sp>
+      <p:graphicFrame>
+        <p:nvGraphicFramePr>
+          <p:cNvPr id="4" name="Tabella 3">
+            <a:extLst>
+              <a:ext uri="{FF2B5EF4-FFF2-40B4-BE49-F238E27FC236}">
+                <a16:creationId xmlns:a16="http://schemas.microsoft.com/office/drawing/2014/main" id="{FC3F4705-B709-CB12-11FB-F7F283987E5F}"/>
+              </a:ext>
+            </a:extLst>
+          </p:cNvPr>
+          <p:cNvGraphicFramePr>
+            <a:graphicFrameLocks noGrp="1"/>
+          </p:cNvGraphicFramePr>
+          <p:nvPr>
+            <p:extLst>
+              <p:ext uri="{D42A27DB-BD31-4B8C-83A1-F6EECF244321}">
+                <p14:modId xmlns:p14="http://schemas.microsoft.com/office/powerpoint/2010/main" val="967125985"/>
+              </p:ext>
+            </p:extLst>
+          </p:nvPr>
+        </p:nvGraphicFramePr>
+        <p:xfrm>
+          <a:off x="741336" y="1573575"/>
+          <a:ext cx="8532666" cy="4178638"/>
+        </p:xfrm>
+        <a:graphic>
+          <a:graphicData uri="http://schemas.openxmlformats.org/drawingml/2006/table">
+            <a:tbl>
+              <a:tblPr firstRow="1" bandRow="1">
+                <a:tableStyleId>{5C22544A-7EE6-4342-B048-85BDC9FD1C3A}</a:tableStyleId>
+              </a:tblPr>
+              <a:tblGrid>
+                <a:gridCol w="1422111">
+                  <a:extLst>
+                    <a:ext uri="{9D8B030D-6E8A-4147-A177-3AD203B41FA5}">
+                      <a16:colId xmlns:a16="http://schemas.microsoft.com/office/drawing/2014/main" val="3913258633"/>
+                    </a:ext>
+                  </a:extLst>
+                </a:gridCol>
+                <a:gridCol w="1422111">
+                  <a:extLst>
+                    <a:ext uri="{9D8B030D-6E8A-4147-A177-3AD203B41FA5}">
+                      <a16:colId xmlns:a16="http://schemas.microsoft.com/office/drawing/2014/main" val="3298357006"/>
+                    </a:ext>
+                  </a:extLst>
+                </a:gridCol>
+                <a:gridCol w="1422111">
+                  <a:extLst>
+                    <a:ext uri="{9D8B030D-6E8A-4147-A177-3AD203B41FA5}">
+                      <a16:colId xmlns:a16="http://schemas.microsoft.com/office/drawing/2014/main" val="3896524378"/>
+                    </a:ext>
+                  </a:extLst>
+                </a:gridCol>
+                <a:gridCol w="1422111">
+                  <a:extLst>
+                    <a:ext uri="{9D8B030D-6E8A-4147-A177-3AD203B41FA5}">
+                      <a16:colId xmlns:a16="http://schemas.microsoft.com/office/drawing/2014/main" val="1251171418"/>
+                    </a:ext>
+                  </a:extLst>
+                </a:gridCol>
+                <a:gridCol w="1422111">
+                  <a:extLst>
+                    <a:ext uri="{9D8B030D-6E8A-4147-A177-3AD203B41FA5}">
+                      <a16:colId xmlns:a16="http://schemas.microsoft.com/office/drawing/2014/main" val="4027576351"/>
+                    </a:ext>
+                  </a:extLst>
+                </a:gridCol>
+                <a:gridCol w="1422111">
+                  <a:extLst>
+                    <a:ext uri="{9D8B030D-6E8A-4147-A177-3AD203B41FA5}">
+                      <a16:colId xmlns:a16="http://schemas.microsoft.com/office/drawing/2014/main" val="1331166037"/>
+                    </a:ext>
+                  </a:extLst>
+                </a:gridCol>
+              </a:tblGrid>
+              <a:tr h="772607">
+                <a:tc rowSpan="2">
+                  <a:txBody>
+                    <a:bodyPr/>
+                    <a:lstStyle/>
+                    <a:p>
+                      <a:pPr algn="ctr"/>
+                      <a:r>
+                        <a:rPr lang="en-US" noProof="0" dirty="0"/>
+                        <a:t>Models</a:t>
+                      </a:r>
+                    </a:p>
+                  </a:txBody>
+                  <a:tcPr anchor="ctr"/>
+                </a:tc>
+                <a:tc gridSpan="3">
+                  <a:txBody>
+                    <a:bodyPr/>
+                    <a:lstStyle/>
+                    <a:p>
+                      <a:pPr algn="ctr"/>
+                      <a:r>
+                        <a:rPr lang="en-US" noProof="0" dirty="0"/>
+                        <a:t>Detection</a:t>
+                      </a:r>
+                    </a:p>
+                  </a:txBody>
+                  <a:tcPr anchor="ctr"/>
+                </a:tc>
+                <a:tc hMerge="1">
+                  <a:txBody>
+                    <a:bodyPr/>
+                    <a:lstStyle/>
+                    <a:p>
+                      <a:pPr algn="ctr"/>
+                      <a:endParaRPr lang="en-US" dirty="0"/>
+                    </a:p>
+                  </a:txBody>
+                  <a:tcPr anchor="ctr"/>
+                </a:tc>
+                <a:tc hMerge="1">
+                  <a:txBody>
+                    <a:bodyPr/>
+                    <a:lstStyle/>
+                    <a:p>
+                      <a:pPr algn="ctr"/>
+                      <a:endParaRPr lang="en-US" dirty="0"/>
+                    </a:p>
+                  </a:txBody>
+                  <a:tcPr anchor="ctr"/>
+                </a:tc>
+                <a:tc gridSpan="2">
+                  <a:txBody>
+                    <a:bodyPr/>
+                    <a:lstStyle/>
+                    <a:p>
+                      <a:pPr algn="ctr"/>
+                      <a:r>
+                        <a:rPr lang="en-US" noProof="0" dirty="0"/>
+                        <a:t>Recognition</a:t>
+                      </a:r>
+                    </a:p>
+                  </a:txBody>
+                  <a:tcPr anchor="ctr"/>
+                </a:tc>
+                <a:tc hMerge="1">
+                  <a:txBody>
+                    <a:bodyPr/>
+                    <a:lstStyle/>
+                    <a:p>
+                      <a:pPr algn="ctr"/>
+                      <a:endParaRPr lang="en-US" dirty="0"/>
+                    </a:p>
+                  </a:txBody>
+                  <a:tcPr anchor="ctr"/>
+                </a:tc>
+                <a:extLst>
+                  <a:ext uri="{0D108BD9-81ED-4DB2-BD59-A6C34878D82A}">
+                    <a16:rowId xmlns:a16="http://schemas.microsoft.com/office/drawing/2014/main" val="1497200087"/>
+                  </a:ext>
+                </a:extLst>
+              </a:tr>
+              <a:tr h="772607">
+                <a:tc vMerge="1">
+                  <a:txBody>
+                    <a:bodyPr/>
+                    <a:lstStyle/>
+                    <a:p>
+                      <a:pPr algn="ctr"/>
+                      <a:endParaRPr lang="en-US" dirty="0"/>
+                    </a:p>
+                  </a:txBody>
+                  <a:tcPr anchor="ctr"/>
+                </a:tc>
+                <a:tc>
+                  <a:txBody>
+                    <a:bodyPr/>
+                    <a:lstStyle/>
+                    <a:p>
+                      <a:pPr algn="ctr"/>
+                      <a:r>
+                        <a:rPr lang="en-US" noProof="0" dirty="0"/>
+                        <a:t>Precision</a:t>
+                      </a:r>
+                    </a:p>
+                  </a:txBody>
+                  <a:tcPr anchor="ctr"/>
+                </a:tc>
+                <a:tc>
+                  <a:txBody>
+                    <a:bodyPr/>
+                    <a:lstStyle/>
+                    <a:p>
+                      <a:pPr algn="ctr"/>
+                      <a:r>
+                        <a:rPr lang="en-US" noProof="0" dirty="0"/>
+                        <a:t>Recall</a:t>
+                      </a:r>
+                    </a:p>
+                  </a:txBody>
+                  <a:tcPr anchor="ctr">
+                    <a:solidFill>
+                      <a:srgbClr val="FFE27C"/>
+                    </a:solidFill>
+                  </a:tcPr>
+                </a:tc>
+                <a:tc>
+                  <a:txBody>
+                    <a:bodyPr/>
+                    <a:lstStyle/>
+                    <a:p>
+                      <a:pPr algn="ctr"/>
+                      <a:r>
+                        <a:rPr lang="en-US" noProof="0" dirty="0"/>
+                        <a:t>F1</a:t>
+                      </a:r>
+                    </a:p>
+                  </a:txBody>
+                  <a:tcPr anchor="ctr"/>
+                </a:tc>
+                <a:tc>
+                  <a:txBody>
+                    <a:bodyPr/>
+                    <a:lstStyle/>
+                    <a:p>
+                      <a:pPr algn="ctr"/>
+                      <a:r>
+                        <a:rPr lang="en-US" noProof="0" dirty="0"/>
+                        <a:t>Plate Accuracy</a:t>
+                      </a:r>
+                    </a:p>
+                  </a:txBody>
+                  <a:tcPr anchor="ctr"/>
+                </a:tc>
+                <a:tc>
+                  <a:txBody>
+                    <a:bodyPr/>
+                    <a:lstStyle/>
+                    <a:p>
+                      <a:pPr algn="ctr"/>
+                      <a:r>
+                        <a:rPr lang="en-US" noProof="0" dirty="0"/>
+                        <a:t>F1</a:t>
+                      </a:r>
+                    </a:p>
+                  </a:txBody>
+                  <a:tcPr anchor="ctr"/>
+                </a:tc>
+                <a:extLst>
+                  <a:ext uri="{0D108BD9-81ED-4DB2-BD59-A6C34878D82A}">
+                    <a16:rowId xmlns:a16="http://schemas.microsoft.com/office/drawing/2014/main" val="359970833"/>
+                  </a:ext>
+                </a:extLst>
+              </a:tr>
+              <a:tr h="828497">
+                <a:tc>
+                  <a:txBody>
+                    <a:bodyPr/>
+                    <a:lstStyle/>
+                    <a:p>
+                      <a:pPr algn="ctr"/>
+                      <a:r>
+                        <a:rPr lang="en-US" noProof="0" dirty="0"/>
+                        <a:t>YOLOv5m + Baseline</a:t>
+                      </a:r>
+                    </a:p>
+                  </a:txBody>
+                  <a:tcPr anchor="ctr"/>
+                </a:tc>
+                <a:tc>
+                  <a:txBody>
+                    <a:bodyPr/>
+                    <a:lstStyle/>
+                    <a:p>
+                      <a:pPr algn="ctr"/>
+                      <a:r>
+                        <a:rPr lang="en-US" noProof="0" dirty="0"/>
+                        <a:t>99.4%</a:t>
+                      </a:r>
+                    </a:p>
+                  </a:txBody>
+                  <a:tcPr anchor="ctr"/>
+                </a:tc>
+                <a:tc>
+                  <a:txBody>
+                    <a:bodyPr/>
+                    <a:lstStyle/>
+                    <a:p>
+                      <a:pPr marL="0" marR="0" lvl="0" indent="0" algn="ctr" defTabSz="457200" rtl="0" eaLnBrk="1" fontAlgn="auto" latinLnBrk="0" hangingPunct="1">
+                        <a:lnSpc>
+                          <a:spcPct val="100000"/>
+                        </a:lnSpc>
+                        <a:spcBef>
+                          <a:spcPts val="0"/>
+                        </a:spcBef>
+                        <a:spcAft>
+                          <a:spcPts val="0"/>
+                        </a:spcAft>
+                        <a:buClrTx/>
+                        <a:buSzTx/>
+                        <a:buFontTx/>
+                        <a:buNone/>
+                        <a:tabLst/>
+                        <a:defRPr/>
+                      </a:pPr>
+                      <a:r>
+                        <a:rPr lang="en-US" noProof="0" dirty="0"/>
+                        <a:t>53.4%</a:t>
+                      </a:r>
+                    </a:p>
+                  </a:txBody>
+                  <a:tcPr anchor="ctr">
+                    <a:solidFill>
+                      <a:srgbClr val="FFE27C"/>
+                    </a:solidFill>
+                  </a:tcPr>
+                </a:tc>
+                <a:tc>
+                  <a:txBody>
+                    <a:bodyPr/>
+                    <a:lstStyle/>
+                    <a:p>
+                      <a:pPr marL="0" marR="0" lvl="0" indent="0" algn="ctr" defTabSz="457200" rtl="0" eaLnBrk="1" fontAlgn="auto" latinLnBrk="0" hangingPunct="1">
+                        <a:lnSpc>
+                          <a:spcPct val="100000"/>
+                        </a:lnSpc>
+                        <a:spcBef>
+                          <a:spcPts val="0"/>
+                        </a:spcBef>
+                        <a:spcAft>
+                          <a:spcPts val="0"/>
+                        </a:spcAft>
+                        <a:buClrTx/>
+                        <a:buSzTx/>
+                        <a:buFontTx/>
+                        <a:buNone/>
+                        <a:tabLst/>
+                        <a:defRPr/>
+                      </a:pPr>
+                      <a:r>
+                        <a:rPr lang="en-US" noProof="0" dirty="0"/>
+                        <a:t>69.5%</a:t>
+                      </a:r>
+                    </a:p>
+                  </a:txBody>
+                  <a:tcPr anchor="ctr"/>
+                </a:tc>
+                <a:tc>
+                  <a:txBody>
+                    <a:bodyPr/>
+                    <a:lstStyle/>
+                    <a:p>
+                      <a:pPr algn="ctr"/>
+                      <a:r>
+                        <a:rPr lang="en-US" noProof="0" dirty="0"/>
+                        <a:t>74.2 %</a:t>
+                      </a:r>
+                    </a:p>
+                  </a:txBody>
+                  <a:tcPr anchor="ctr"/>
+                </a:tc>
+                <a:tc>
+                  <a:txBody>
+                    <a:bodyPr/>
+                    <a:lstStyle/>
+                    <a:p>
+                      <a:pPr algn="ctr"/>
+                      <a:r>
+                        <a:rPr lang="en-US" noProof="0" dirty="0"/>
+                        <a:t>93.9%</a:t>
+                      </a:r>
+                    </a:p>
+                  </a:txBody>
+                  <a:tcPr anchor="ctr"/>
+                </a:tc>
+                <a:extLst>
+                  <a:ext uri="{0D108BD9-81ED-4DB2-BD59-A6C34878D82A}">
+                    <a16:rowId xmlns:a16="http://schemas.microsoft.com/office/drawing/2014/main" val="1639038623"/>
+                  </a:ext>
+                </a:extLst>
+              </a:tr>
+              <a:tr h="976430">
+                <a:tc>
+                  <a:txBody>
+                    <a:bodyPr/>
+                    <a:lstStyle/>
+                    <a:p>
+                      <a:pPr algn="ctr"/>
+                      <a:r>
+                        <a:rPr lang="en-US" noProof="0" dirty="0"/>
+                        <a:t>YOLO + Baseline OCR</a:t>
+                      </a:r>
+                    </a:p>
+                  </a:txBody>
+                  <a:tcPr anchor="ctr"/>
+                </a:tc>
+                <a:tc>
+                  <a:txBody>
+                    <a:bodyPr/>
+                    <a:lstStyle/>
+                    <a:p>
+                      <a:pPr marL="0" marR="0" lvl="0" indent="0" algn="ctr" defTabSz="457200" rtl="0" eaLnBrk="1" fontAlgn="auto" latinLnBrk="0" hangingPunct="1">
+                        <a:lnSpc>
+                          <a:spcPct val="100000"/>
+                        </a:lnSpc>
+                        <a:spcBef>
+                          <a:spcPts val="0"/>
+                        </a:spcBef>
+                        <a:spcAft>
+                          <a:spcPts val="0"/>
+                        </a:spcAft>
+                        <a:buClrTx/>
+                        <a:buSzTx/>
+                        <a:buFontTx/>
+                        <a:buNone/>
+                        <a:tabLst/>
+                        <a:defRPr/>
+                      </a:pPr>
+                      <a:r>
+                        <a:rPr lang="en-US" noProof="0" dirty="0"/>
+                        <a:t>92.4%</a:t>
+                      </a:r>
+                    </a:p>
+                  </a:txBody>
+                  <a:tcPr anchor="ctr"/>
+                </a:tc>
+                <a:tc>
+                  <a:txBody>
+                    <a:bodyPr/>
+                    <a:lstStyle/>
+                    <a:p>
+                      <a:pPr marL="0" marR="0" lvl="0" indent="0" algn="ctr" defTabSz="457200" rtl="0" eaLnBrk="1" fontAlgn="auto" latinLnBrk="0" hangingPunct="1">
+                        <a:lnSpc>
+                          <a:spcPct val="100000"/>
+                        </a:lnSpc>
+                        <a:spcBef>
+                          <a:spcPts val="0"/>
+                        </a:spcBef>
+                        <a:spcAft>
+                          <a:spcPts val="0"/>
+                        </a:spcAft>
+                        <a:buClrTx/>
+                        <a:buSzTx/>
+                        <a:buFontTx/>
+                        <a:buNone/>
+                        <a:tabLst/>
+                        <a:defRPr/>
+                      </a:pPr>
+                      <a:r>
+                        <a:rPr lang="en-US" noProof="0" dirty="0"/>
+                        <a:t>96.7%</a:t>
+                      </a:r>
+                    </a:p>
+                  </a:txBody>
+                  <a:tcPr anchor="ctr"/>
+                </a:tc>
+                <a:tc>
+                  <a:txBody>
+                    <a:bodyPr/>
+                    <a:lstStyle/>
+                    <a:p>
+                      <a:pPr marL="0" marR="0" lvl="0" indent="0" algn="ctr" defTabSz="457200" rtl="0" eaLnBrk="1" fontAlgn="auto" latinLnBrk="0" hangingPunct="1">
+                        <a:lnSpc>
+                          <a:spcPct val="100000"/>
+                        </a:lnSpc>
+                        <a:spcBef>
+                          <a:spcPts val="0"/>
+                        </a:spcBef>
+                        <a:spcAft>
+                          <a:spcPts val="0"/>
+                        </a:spcAft>
+                        <a:buClrTx/>
+                        <a:buSzTx/>
+                        <a:buFontTx/>
+                        <a:buNone/>
+                        <a:tabLst/>
+                        <a:defRPr/>
+                      </a:pPr>
+                      <a:r>
+                        <a:rPr lang="en-US" noProof="0" dirty="0"/>
+                        <a:t>94.5%</a:t>
+                      </a:r>
+                    </a:p>
+                  </a:txBody>
+                  <a:tcPr anchor="ctr"/>
+                </a:tc>
+                <a:tc>
+                  <a:txBody>
+                    <a:bodyPr/>
+                    <a:lstStyle/>
+                    <a:p>
+                      <a:pPr algn="ctr"/>
+                      <a:r>
+                        <a:rPr lang="en-US" noProof="0" dirty="0"/>
+                        <a:t>81.8%</a:t>
+                      </a:r>
+                    </a:p>
+                  </a:txBody>
+                  <a:tcPr anchor="ctr"/>
+                </a:tc>
+                <a:tc>
+                  <a:txBody>
+                    <a:bodyPr/>
+                    <a:lstStyle/>
+                    <a:p>
+                      <a:pPr algn="ctr"/>
+                      <a:r>
+                        <a:rPr lang="en-US" noProof="0" dirty="0"/>
+                        <a:t>96.5%</a:t>
+                      </a:r>
+                    </a:p>
+                  </a:txBody>
+                  <a:tcPr anchor="ctr"/>
+                </a:tc>
+                <a:extLst>
+                  <a:ext uri="{0D108BD9-81ED-4DB2-BD59-A6C34878D82A}">
+                    <a16:rowId xmlns:a16="http://schemas.microsoft.com/office/drawing/2014/main" val="2503884907"/>
+                  </a:ext>
+                </a:extLst>
+              </a:tr>
+              <a:tr h="828497">
+                <a:tc>
+                  <a:txBody>
+                    <a:bodyPr/>
+                    <a:lstStyle/>
+                    <a:p>
+                      <a:pPr algn="ctr"/>
+                      <a:r>
+                        <a:rPr lang="en-US" noProof="0" dirty="0"/>
+                        <a:t>YOLO + PDLPR</a:t>
+                      </a:r>
+                    </a:p>
+                  </a:txBody>
+                  <a:tcPr anchor="ctr"/>
+                </a:tc>
+                <a:tc>
+                  <a:txBody>
+                    <a:bodyPr/>
+                    <a:lstStyle/>
+                    <a:p>
+                      <a:pPr marL="0" marR="0" lvl="0" indent="0" algn="ctr" defTabSz="457200" rtl="0" eaLnBrk="1" fontAlgn="auto" latinLnBrk="0" hangingPunct="1">
+                        <a:lnSpc>
+                          <a:spcPct val="100000"/>
+                        </a:lnSpc>
+                        <a:spcBef>
+                          <a:spcPts val="0"/>
+                        </a:spcBef>
+                        <a:spcAft>
+                          <a:spcPts val="0"/>
+                        </a:spcAft>
+                        <a:buClrTx/>
+                        <a:buSzTx/>
+                        <a:buFontTx/>
+                        <a:buNone/>
+                        <a:tabLst/>
+                        <a:defRPr/>
+                      </a:pPr>
+                      <a:r>
+                        <a:rPr lang="en-US" noProof="0" dirty="0"/>
+                        <a:t>98.3%</a:t>
+                      </a:r>
+                    </a:p>
+                  </a:txBody>
+                  <a:tcPr anchor="ctr"/>
+                </a:tc>
+                <a:tc>
+                  <a:txBody>
+                    <a:bodyPr/>
+                    <a:lstStyle/>
+                    <a:p>
+                      <a:pPr marL="0" marR="0" lvl="0" indent="0" algn="ctr" defTabSz="457200" rtl="0" eaLnBrk="1" fontAlgn="auto" latinLnBrk="0" hangingPunct="1">
+                        <a:lnSpc>
+                          <a:spcPct val="100000"/>
+                        </a:lnSpc>
+                        <a:spcBef>
+                          <a:spcPts val="0"/>
+                        </a:spcBef>
+                        <a:spcAft>
+                          <a:spcPts val="0"/>
+                        </a:spcAft>
+                        <a:buClrTx/>
+                        <a:buSzTx/>
+                        <a:buFontTx/>
+                        <a:buNone/>
+                        <a:tabLst/>
+                        <a:defRPr/>
+                      </a:pPr>
+                      <a:r>
+                        <a:rPr lang="en-US" noProof="0" dirty="0"/>
+                        <a:t>95.6%</a:t>
+                      </a:r>
+                    </a:p>
+                  </a:txBody>
+                  <a:tcPr anchor="ctr"/>
+                </a:tc>
+                <a:tc>
+                  <a:txBody>
+                    <a:bodyPr/>
+                    <a:lstStyle/>
+                    <a:p>
+                      <a:pPr marL="0" marR="0" lvl="0" indent="0" algn="ctr" defTabSz="457200" rtl="0" eaLnBrk="1" fontAlgn="auto" latinLnBrk="0" hangingPunct="1">
+                        <a:lnSpc>
+                          <a:spcPct val="100000"/>
+                        </a:lnSpc>
+                        <a:spcBef>
+                          <a:spcPts val="0"/>
+                        </a:spcBef>
+                        <a:spcAft>
+                          <a:spcPts val="0"/>
+                        </a:spcAft>
+                        <a:buClrTx/>
+                        <a:buSzTx/>
+                        <a:buFontTx/>
+                        <a:buNone/>
+                        <a:tabLst/>
+                        <a:defRPr/>
+                      </a:pPr>
+                      <a:r>
+                        <a:rPr lang="en-US" noProof="0" dirty="0"/>
+                        <a:t>85.1%</a:t>
+                      </a:r>
+                    </a:p>
+                  </a:txBody>
+                  <a:tcPr anchor="ctr"/>
+                </a:tc>
+                <a:tc>
+                  <a:txBody>
+                    <a:bodyPr/>
+                    <a:lstStyle/>
+                    <a:p>
+                      <a:pPr algn="ctr"/>
+                      <a:r>
+                        <a:rPr lang="en-US" noProof="0" dirty="0"/>
+                        <a:t>85.1%</a:t>
+                      </a:r>
+                    </a:p>
+                  </a:txBody>
+                  <a:tcPr anchor="ctr"/>
+                </a:tc>
+                <a:tc>
+                  <a:txBody>
+                    <a:bodyPr/>
+                    <a:lstStyle/>
+                    <a:p>
+                      <a:pPr algn="ctr"/>
+                      <a:r>
+                        <a:rPr lang="en-US" noProof="0" dirty="0"/>
+                        <a:t>95.6%</a:t>
+                      </a:r>
+                    </a:p>
+                  </a:txBody>
+                  <a:tcPr anchor="ctr"/>
+                </a:tc>
+                <a:extLst>
+                  <a:ext uri="{0D108BD9-81ED-4DB2-BD59-A6C34878D82A}">
+                    <a16:rowId xmlns:a16="http://schemas.microsoft.com/office/drawing/2014/main" val="279347831"/>
+                  </a:ext>
+                </a:extLst>
+              </a:tr>
+            </a:tbl>
+          </a:graphicData>
+        </a:graphic>
+      </p:graphicFrame>
+      <p:sp>
+        <p:nvSpPr>
+          <p:cNvPr id="6" name="CasellaDiTesto 5">
+            <a:extLst>
+              <a:ext uri="{FF2B5EF4-FFF2-40B4-BE49-F238E27FC236}">
+                <a16:creationId xmlns:a16="http://schemas.microsoft.com/office/drawing/2014/main" id="{58A00DA0-78C3-0050-0FDA-ECF255DC26DF}"/>
+              </a:ext>
+            </a:extLst>
+          </p:cNvPr>
+          <p:cNvSpPr txBox="1"/>
+          <p:nvPr/>
+        </p:nvSpPr>
+        <p:spPr>
+          <a:xfrm>
+            <a:off x="677334" y="5925234"/>
+            <a:ext cx="7797327" cy="646331"/>
+          </a:xfrm>
+          <a:prstGeom prst="rect">
+            <a:avLst/>
+          </a:prstGeom>
+          <a:noFill/>
+        </p:spPr>
+        <p:txBody>
+          <a:bodyPr wrap="none" rtlCol="0">
+            <a:spAutoFit/>
+          </a:bodyPr>
+          <a:lstStyle/>
+          <a:p>
+            <a:pPr marL="285750" indent="-285750">
+              <a:buFont typeface="Arial" panose="020B0604020202020204" pitchFamily="34" charset="0"/>
+              <a:buChar char="•"/>
+            </a:pPr>
+            <a:r>
+              <a:rPr lang="en-US" noProof="0" dirty="0"/>
+              <a:t>Our baseline detector's poor recall (53.4%) was the primary bottleneck</a:t>
+            </a:r>
+          </a:p>
+          <a:p>
+            <a:r>
+              <a:rPr lang="en-US" noProof="0" dirty="0"/>
+              <a:t>in our custom pipeline</a:t>
+            </a:r>
+          </a:p>
+        </p:txBody>
+      </p:sp>
+    </p:spTree>
+    <p:extLst>
+      <p:ext uri="{BB962C8B-B14F-4D97-AF65-F5344CB8AC3E}">
+        <p14:creationId xmlns:p14="http://schemas.microsoft.com/office/powerpoint/2010/main" val="936398560"/>
+      </p:ext>
+    </p:extLst>
+  </p:cSld>
+  <p:clrMapOvr>
+    <a:masterClrMapping/>
+  </p:clrMapOvr>
+  <mc:AlternateContent xmlns:mc="http://schemas.openxmlformats.org/markup-compatibility/2006">
+    <mc:Choice xmlns:p159="http://schemas.microsoft.com/office/powerpoint/2015/09/main" Requires="p159">
+      <p:transition xmlns:p14="http://schemas.microsoft.com/office/powerpoint/2010/main" spd="slow" p14:dur="2000">
+        <p159:morph option="byObject"/>
+      </p:transition>
+    </mc:Choice>
+    <mc:Fallback>
+      <p:transition spd="slow">
+        <p:fade/>
+      </p:transition>
+    </mc:Fallback>
+  </mc:AlternateContent>
+</p:sld>
+</file>
+
+<file path=ppt/slides/slide13.xml><?xml version="1.0" encoding="utf-8"?>
+<p:sld xmlns:a="http://schemas.openxmlformats.org/drawingml/2006/main" xmlns:r="http://schemas.openxmlformats.org/officeDocument/2006/relationships" xmlns:p="http://schemas.openxmlformats.org/presentationml/2006/main">
+  <p:cSld>
+    <p:spTree>
+      <p:nvGrpSpPr>
+        <p:cNvPr id="1" name="">
+          <a:extLst>
+            <a:ext uri="{FF2B5EF4-FFF2-40B4-BE49-F238E27FC236}">
+              <a16:creationId xmlns:a16="http://schemas.microsoft.com/office/drawing/2014/main" id="{ABEBB5D3-B429-2B3B-A4D3-6EFF8F51BBD1}"/>
+            </a:ext>
+          </a:extLst>
+        </p:cNvPr>
+        <p:cNvGrpSpPr/>
+        <p:nvPr/>
+      </p:nvGrpSpPr>
+      <p:grpSpPr>
+        <a:xfrm>
+          <a:off x="0" y="0"/>
+          <a:ext cx="0" cy="0"/>
+          <a:chOff x="0" y="0"/>
+          <a:chExt cx="0" cy="0"/>
+        </a:xfrm>
+      </p:grpSpPr>
+      <p:sp>
+        <p:nvSpPr>
+          <p:cNvPr id="2" name="Titolo 1">
+            <a:extLst>
+              <a:ext uri="{FF2B5EF4-FFF2-40B4-BE49-F238E27FC236}">
+                <a16:creationId xmlns:a16="http://schemas.microsoft.com/office/drawing/2014/main" id="{6AD4ABFF-F5F4-ACFD-B45B-A35E30CF74AE}"/>
+              </a:ext>
+            </a:extLst>
+          </p:cNvPr>
+          <p:cNvSpPr>
+            <a:spLocks noGrp="1"/>
+          </p:cNvSpPr>
+          <p:nvPr>
+            <p:ph type="title"/>
+          </p:nvPr>
+        </p:nvSpPr>
+        <p:spPr/>
+        <p:txBody>
+          <a:bodyPr/>
+          <a:lstStyle/>
+          <a:p>
+            <a:r>
+              <a:rPr lang="en-US" noProof="0" dirty="0"/>
+              <a:t>Pipeline Evaluation</a:t>
+            </a:r>
+          </a:p>
+        </p:txBody>
+      </p:sp>
+      <p:graphicFrame>
+        <p:nvGraphicFramePr>
+          <p:cNvPr id="4" name="Tabella 3">
+            <a:extLst>
+              <a:ext uri="{FF2B5EF4-FFF2-40B4-BE49-F238E27FC236}">
+                <a16:creationId xmlns:a16="http://schemas.microsoft.com/office/drawing/2014/main" id="{1DFCD1F4-5031-364D-24CE-F3CB29F47DF7}"/>
+              </a:ext>
+            </a:extLst>
+          </p:cNvPr>
+          <p:cNvGraphicFramePr>
+            <a:graphicFrameLocks noGrp="1"/>
+          </p:cNvGraphicFramePr>
+          <p:nvPr>
+            <p:extLst>
+              <p:ext uri="{D42A27DB-BD31-4B8C-83A1-F6EECF244321}">
+                <p14:modId xmlns:p14="http://schemas.microsoft.com/office/powerpoint/2010/main" val="4087277856"/>
+              </p:ext>
+            </p:extLst>
+          </p:nvPr>
+        </p:nvGraphicFramePr>
+        <p:xfrm>
+          <a:off x="741336" y="1573575"/>
+          <a:ext cx="8532666" cy="4178638"/>
+        </p:xfrm>
+        <a:graphic>
+          <a:graphicData uri="http://schemas.openxmlformats.org/drawingml/2006/table">
+            <a:tbl>
+              <a:tblPr firstRow="1" bandRow="1">
+                <a:tableStyleId>{5C22544A-7EE6-4342-B048-85BDC9FD1C3A}</a:tableStyleId>
+              </a:tblPr>
+              <a:tblGrid>
+                <a:gridCol w="1422111">
+                  <a:extLst>
+                    <a:ext uri="{9D8B030D-6E8A-4147-A177-3AD203B41FA5}">
+                      <a16:colId xmlns:a16="http://schemas.microsoft.com/office/drawing/2014/main" val="3913258633"/>
+                    </a:ext>
+                  </a:extLst>
+                </a:gridCol>
+                <a:gridCol w="1422111">
+                  <a:extLst>
+                    <a:ext uri="{9D8B030D-6E8A-4147-A177-3AD203B41FA5}">
+                      <a16:colId xmlns:a16="http://schemas.microsoft.com/office/drawing/2014/main" val="3298357006"/>
+                    </a:ext>
+                  </a:extLst>
+                </a:gridCol>
+                <a:gridCol w="1422111">
+                  <a:extLst>
+                    <a:ext uri="{9D8B030D-6E8A-4147-A177-3AD203B41FA5}">
+                      <a16:colId xmlns:a16="http://schemas.microsoft.com/office/drawing/2014/main" val="3896524378"/>
+                    </a:ext>
+                  </a:extLst>
+                </a:gridCol>
+                <a:gridCol w="1422111">
+                  <a:extLst>
+                    <a:ext uri="{9D8B030D-6E8A-4147-A177-3AD203B41FA5}">
+                      <a16:colId xmlns:a16="http://schemas.microsoft.com/office/drawing/2014/main" val="1251171418"/>
+                    </a:ext>
+                  </a:extLst>
+                </a:gridCol>
+                <a:gridCol w="1422111">
+                  <a:extLst>
+                    <a:ext uri="{9D8B030D-6E8A-4147-A177-3AD203B41FA5}">
+                      <a16:colId xmlns:a16="http://schemas.microsoft.com/office/drawing/2014/main" val="4027576351"/>
+                    </a:ext>
+                  </a:extLst>
+                </a:gridCol>
+                <a:gridCol w="1422111">
+                  <a:extLst>
+                    <a:ext uri="{9D8B030D-6E8A-4147-A177-3AD203B41FA5}">
+                      <a16:colId xmlns:a16="http://schemas.microsoft.com/office/drawing/2014/main" val="1331166037"/>
+                    </a:ext>
+                  </a:extLst>
+                </a:gridCol>
+              </a:tblGrid>
+              <a:tr h="772607">
+                <a:tc rowSpan="2">
+                  <a:txBody>
+                    <a:bodyPr/>
+                    <a:lstStyle/>
+                    <a:p>
+                      <a:pPr algn="ctr"/>
+                      <a:r>
+                        <a:rPr lang="en-US" noProof="0" dirty="0"/>
+                        <a:t>Models</a:t>
+                      </a:r>
+                    </a:p>
+                  </a:txBody>
+                  <a:tcPr anchor="ctr"/>
+                </a:tc>
+                <a:tc gridSpan="3">
+                  <a:txBody>
+                    <a:bodyPr/>
+                    <a:lstStyle/>
+                    <a:p>
+                      <a:pPr algn="ctr"/>
+                      <a:r>
+                        <a:rPr lang="en-US" noProof="0" dirty="0"/>
+                        <a:t>Detection</a:t>
+                      </a:r>
+                    </a:p>
+                  </a:txBody>
+                  <a:tcPr anchor="ctr"/>
+                </a:tc>
+                <a:tc hMerge="1">
+                  <a:txBody>
+                    <a:bodyPr/>
+                    <a:lstStyle/>
+                    <a:p>
+                      <a:pPr algn="ctr"/>
+                      <a:endParaRPr lang="en-US" dirty="0"/>
+                    </a:p>
+                  </a:txBody>
+                  <a:tcPr anchor="ctr"/>
+                </a:tc>
+                <a:tc hMerge="1">
+                  <a:txBody>
+                    <a:bodyPr/>
+                    <a:lstStyle/>
+                    <a:p>
+                      <a:pPr algn="ctr"/>
+                      <a:endParaRPr lang="en-US" dirty="0"/>
+                    </a:p>
+                  </a:txBody>
+                  <a:tcPr anchor="ctr"/>
+                </a:tc>
+                <a:tc gridSpan="2">
+                  <a:txBody>
+                    <a:bodyPr/>
+                    <a:lstStyle/>
+                    <a:p>
+                      <a:pPr algn="ctr"/>
+                      <a:r>
+                        <a:rPr lang="en-US" noProof="0" dirty="0"/>
+                        <a:t>Recognition</a:t>
+                      </a:r>
+                    </a:p>
+                  </a:txBody>
+                  <a:tcPr anchor="ctr"/>
+                </a:tc>
+                <a:tc hMerge="1">
+                  <a:txBody>
+                    <a:bodyPr/>
+                    <a:lstStyle/>
+                    <a:p>
+                      <a:pPr algn="ctr"/>
+                      <a:endParaRPr lang="en-US" dirty="0"/>
+                    </a:p>
+                  </a:txBody>
+                  <a:tcPr anchor="ctr"/>
+                </a:tc>
+                <a:extLst>
+                  <a:ext uri="{0D108BD9-81ED-4DB2-BD59-A6C34878D82A}">
+                    <a16:rowId xmlns:a16="http://schemas.microsoft.com/office/drawing/2014/main" val="1497200087"/>
+                  </a:ext>
+                </a:extLst>
+              </a:tr>
+              <a:tr h="772607">
+                <a:tc vMerge="1">
+                  <a:txBody>
+                    <a:bodyPr/>
+                    <a:lstStyle/>
+                    <a:p>
+                      <a:pPr algn="ctr"/>
+                      <a:endParaRPr lang="en-US" dirty="0"/>
+                    </a:p>
+                  </a:txBody>
+                  <a:tcPr anchor="ctr"/>
+                </a:tc>
+                <a:tc>
+                  <a:txBody>
+                    <a:bodyPr/>
+                    <a:lstStyle/>
+                    <a:p>
+                      <a:pPr algn="ctr"/>
+                      <a:r>
+                        <a:rPr lang="en-US" noProof="0" dirty="0"/>
+                        <a:t>Precision</a:t>
+                      </a:r>
+                    </a:p>
+                  </a:txBody>
+                  <a:tcPr anchor="ctr"/>
+                </a:tc>
+                <a:tc>
+                  <a:txBody>
+                    <a:bodyPr/>
+                    <a:lstStyle/>
+                    <a:p>
+                      <a:pPr algn="ctr"/>
+                      <a:r>
+                        <a:rPr lang="en-US" noProof="0" dirty="0"/>
+                        <a:t>Recall</a:t>
+                      </a:r>
+                    </a:p>
+                  </a:txBody>
+                  <a:tcPr anchor="ctr"/>
+                </a:tc>
+                <a:tc>
+                  <a:txBody>
+                    <a:bodyPr/>
+                    <a:lstStyle/>
+                    <a:p>
+                      <a:pPr algn="ctr"/>
+                      <a:r>
+                        <a:rPr lang="en-US" noProof="0" dirty="0"/>
+                        <a:t>F1</a:t>
+                      </a:r>
+                    </a:p>
+                  </a:txBody>
+                  <a:tcPr anchor="ctr"/>
+                </a:tc>
+                <a:tc>
+                  <a:txBody>
+                    <a:bodyPr/>
+                    <a:lstStyle/>
+                    <a:p>
+                      <a:pPr algn="ctr"/>
+                      <a:r>
+                        <a:rPr lang="en-US" noProof="0" dirty="0"/>
+                        <a:t>Plate Accuracy</a:t>
+                      </a:r>
+                    </a:p>
+                  </a:txBody>
+                  <a:tcPr anchor="ctr"/>
+                </a:tc>
+                <a:tc>
+                  <a:txBody>
+                    <a:bodyPr/>
+                    <a:lstStyle/>
+                    <a:p>
+                      <a:pPr algn="ctr"/>
+                      <a:r>
+                        <a:rPr lang="en-US" noProof="0" dirty="0"/>
+                        <a:t>F1</a:t>
+                      </a:r>
+                    </a:p>
+                  </a:txBody>
+                  <a:tcPr anchor="ctr"/>
+                </a:tc>
+                <a:extLst>
+                  <a:ext uri="{0D108BD9-81ED-4DB2-BD59-A6C34878D82A}">
+                    <a16:rowId xmlns:a16="http://schemas.microsoft.com/office/drawing/2014/main" val="359970833"/>
+                  </a:ext>
+                </a:extLst>
+              </a:tr>
+              <a:tr h="828497">
+                <a:tc>
+                  <a:txBody>
+                    <a:bodyPr/>
+                    <a:lstStyle/>
+                    <a:p>
+                      <a:pPr algn="ctr"/>
+                      <a:r>
+                        <a:rPr lang="en-US" noProof="0" dirty="0"/>
+                        <a:t>YOLOv5m + Baseline</a:t>
+                      </a:r>
+                    </a:p>
+                  </a:txBody>
+                  <a:tcPr anchor="ctr"/>
+                </a:tc>
+                <a:tc>
+                  <a:txBody>
+                    <a:bodyPr/>
+                    <a:lstStyle/>
+                    <a:p>
+                      <a:pPr algn="ctr"/>
+                      <a:r>
+                        <a:rPr lang="en-US" noProof="0" dirty="0"/>
+                        <a:t>99.4%</a:t>
+                      </a:r>
+                    </a:p>
+                  </a:txBody>
+                  <a:tcPr anchor="ctr"/>
+                </a:tc>
+                <a:tc>
+                  <a:txBody>
+                    <a:bodyPr/>
+                    <a:lstStyle/>
+                    <a:p>
+                      <a:pPr marL="0" marR="0" lvl="0" indent="0" algn="ctr" defTabSz="457200" rtl="0" eaLnBrk="1" fontAlgn="auto" latinLnBrk="0" hangingPunct="1">
+                        <a:lnSpc>
+                          <a:spcPct val="100000"/>
+                        </a:lnSpc>
+                        <a:spcBef>
+                          <a:spcPts val="0"/>
+                        </a:spcBef>
+                        <a:spcAft>
+                          <a:spcPts val="0"/>
+                        </a:spcAft>
+                        <a:buClrTx/>
+                        <a:buSzTx/>
+                        <a:buFontTx/>
+                        <a:buNone/>
+                        <a:tabLst/>
+                        <a:defRPr/>
+                      </a:pPr>
+                      <a:r>
+                        <a:rPr lang="en-US" noProof="0" dirty="0"/>
+                        <a:t>53.4%</a:t>
+                      </a:r>
+                    </a:p>
+                  </a:txBody>
+                  <a:tcPr anchor="ctr"/>
+                </a:tc>
+                <a:tc>
+                  <a:txBody>
+                    <a:bodyPr/>
+                    <a:lstStyle/>
+                    <a:p>
+                      <a:pPr marL="0" marR="0" lvl="0" indent="0" algn="ctr" defTabSz="457200" rtl="0" eaLnBrk="1" fontAlgn="auto" latinLnBrk="0" hangingPunct="1">
+                        <a:lnSpc>
+                          <a:spcPct val="100000"/>
+                        </a:lnSpc>
+                        <a:spcBef>
+                          <a:spcPts val="0"/>
+                        </a:spcBef>
+                        <a:spcAft>
+                          <a:spcPts val="0"/>
+                        </a:spcAft>
+                        <a:buClrTx/>
+                        <a:buSzTx/>
+                        <a:buFontTx/>
+                        <a:buNone/>
+                        <a:tabLst/>
+                        <a:defRPr/>
+                      </a:pPr>
+                      <a:r>
+                        <a:rPr lang="en-US" noProof="0" dirty="0"/>
+                        <a:t>69.5%</a:t>
+                      </a:r>
+                    </a:p>
+                  </a:txBody>
+                  <a:tcPr anchor="ctr"/>
+                </a:tc>
+                <a:tc>
+                  <a:txBody>
+                    <a:bodyPr/>
+                    <a:lstStyle/>
+                    <a:p>
+                      <a:pPr algn="ctr"/>
+                      <a:r>
+                        <a:rPr lang="en-US" noProof="0" dirty="0"/>
+                        <a:t>74.2 %</a:t>
+                      </a:r>
+                    </a:p>
+                  </a:txBody>
+                  <a:tcPr anchor="ctr"/>
+                </a:tc>
+                <a:tc>
+                  <a:txBody>
+                    <a:bodyPr/>
+                    <a:lstStyle/>
+                    <a:p>
+                      <a:pPr algn="ctr"/>
+                      <a:r>
+                        <a:rPr lang="en-US" noProof="0" dirty="0"/>
+                        <a:t>93.9%</a:t>
+                      </a:r>
+                    </a:p>
+                  </a:txBody>
+                  <a:tcPr anchor="ctr"/>
+                </a:tc>
+                <a:extLst>
+                  <a:ext uri="{0D108BD9-81ED-4DB2-BD59-A6C34878D82A}">
+                    <a16:rowId xmlns:a16="http://schemas.microsoft.com/office/drawing/2014/main" val="1639038623"/>
+                  </a:ext>
+                </a:extLst>
+              </a:tr>
+              <a:tr h="976430">
+                <a:tc>
+                  <a:txBody>
+                    <a:bodyPr/>
+                    <a:lstStyle/>
+                    <a:p>
+                      <a:pPr algn="ctr"/>
+                      <a:r>
+                        <a:rPr lang="en-US" noProof="0" dirty="0"/>
+                        <a:t>YOLO + Baseline OCR</a:t>
+                      </a:r>
+                    </a:p>
+                  </a:txBody>
+                  <a:tcPr anchor="ctr">
+                    <a:solidFill>
+                      <a:srgbClr val="FFE27C"/>
+                    </a:solidFill>
+                  </a:tcPr>
+                </a:tc>
+                <a:tc>
+                  <a:txBody>
+                    <a:bodyPr/>
+                    <a:lstStyle/>
+                    <a:p>
+                      <a:pPr marL="0" marR="0" lvl="0" indent="0" algn="ctr" defTabSz="457200" rtl="0" eaLnBrk="1" fontAlgn="auto" latinLnBrk="0" hangingPunct="1">
+                        <a:lnSpc>
+                          <a:spcPct val="100000"/>
+                        </a:lnSpc>
+                        <a:spcBef>
+                          <a:spcPts val="0"/>
+                        </a:spcBef>
+                        <a:spcAft>
+                          <a:spcPts val="0"/>
+                        </a:spcAft>
+                        <a:buClrTx/>
+                        <a:buSzTx/>
+                        <a:buFontTx/>
+                        <a:buNone/>
+                        <a:tabLst/>
+                        <a:defRPr/>
+                      </a:pPr>
+                      <a:r>
+                        <a:rPr lang="en-US" noProof="0" dirty="0"/>
+                        <a:t>92.4%</a:t>
+                      </a:r>
+                    </a:p>
+                  </a:txBody>
+                  <a:tcPr anchor="ctr">
+                    <a:solidFill>
+                      <a:srgbClr val="FFE27C"/>
+                    </a:solidFill>
+                  </a:tcPr>
+                </a:tc>
+                <a:tc>
+                  <a:txBody>
+                    <a:bodyPr/>
+                    <a:lstStyle/>
+                    <a:p>
+                      <a:pPr marL="0" marR="0" lvl="0" indent="0" algn="ctr" defTabSz="457200" rtl="0" eaLnBrk="1" fontAlgn="auto" latinLnBrk="0" hangingPunct="1">
+                        <a:lnSpc>
+                          <a:spcPct val="100000"/>
+                        </a:lnSpc>
+                        <a:spcBef>
+                          <a:spcPts val="0"/>
+                        </a:spcBef>
+                        <a:spcAft>
+                          <a:spcPts val="0"/>
+                        </a:spcAft>
+                        <a:buClrTx/>
+                        <a:buSzTx/>
+                        <a:buFontTx/>
+                        <a:buNone/>
+                        <a:tabLst/>
+                        <a:defRPr/>
+                      </a:pPr>
+                      <a:r>
+                        <a:rPr lang="en-US" noProof="0" dirty="0"/>
+                        <a:t>96.7%</a:t>
+                      </a:r>
+                    </a:p>
+                  </a:txBody>
+                  <a:tcPr anchor="ctr">
+                    <a:solidFill>
+                      <a:srgbClr val="FFE27C"/>
+                    </a:solidFill>
+                  </a:tcPr>
+                </a:tc>
+                <a:tc>
+                  <a:txBody>
+                    <a:bodyPr/>
+                    <a:lstStyle/>
+                    <a:p>
+                      <a:pPr marL="0" marR="0" lvl="0" indent="0" algn="ctr" defTabSz="457200" rtl="0" eaLnBrk="1" fontAlgn="auto" latinLnBrk="0" hangingPunct="1">
+                        <a:lnSpc>
+                          <a:spcPct val="100000"/>
+                        </a:lnSpc>
+                        <a:spcBef>
+                          <a:spcPts val="0"/>
+                        </a:spcBef>
+                        <a:spcAft>
+                          <a:spcPts val="0"/>
+                        </a:spcAft>
+                        <a:buClrTx/>
+                        <a:buSzTx/>
+                        <a:buFontTx/>
+                        <a:buNone/>
+                        <a:tabLst/>
+                        <a:defRPr/>
+                      </a:pPr>
+                      <a:r>
+                        <a:rPr lang="en-US" noProof="0" dirty="0"/>
+                        <a:t>94.5%</a:t>
+                      </a:r>
+                    </a:p>
+                  </a:txBody>
+                  <a:tcPr anchor="ctr">
+                    <a:solidFill>
+                      <a:srgbClr val="FFE27C"/>
+                    </a:solidFill>
+                  </a:tcPr>
+                </a:tc>
+                <a:tc>
+                  <a:txBody>
+                    <a:bodyPr/>
+                    <a:lstStyle/>
+                    <a:p>
+                      <a:pPr algn="ctr"/>
+                      <a:r>
+                        <a:rPr lang="en-US" noProof="0" dirty="0"/>
+                        <a:t>81.8%</a:t>
+                      </a:r>
+                    </a:p>
+                  </a:txBody>
+                  <a:tcPr anchor="ctr">
+                    <a:solidFill>
+                      <a:srgbClr val="FFE27C"/>
+                    </a:solidFill>
+                  </a:tcPr>
+                </a:tc>
+                <a:tc>
+                  <a:txBody>
+                    <a:bodyPr/>
+                    <a:lstStyle/>
+                    <a:p>
+                      <a:pPr algn="ctr"/>
+                      <a:r>
+                        <a:rPr lang="en-US" noProof="0" dirty="0"/>
+                        <a:t>96.5%</a:t>
+                      </a:r>
+                    </a:p>
+                  </a:txBody>
+                  <a:tcPr anchor="ctr">
+                    <a:solidFill>
+                      <a:srgbClr val="FFE27C"/>
+                    </a:solidFill>
+                  </a:tcPr>
+                </a:tc>
+                <a:extLst>
+                  <a:ext uri="{0D108BD9-81ED-4DB2-BD59-A6C34878D82A}">
+                    <a16:rowId xmlns:a16="http://schemas.microsoft.com/office/drawing/2014/main" val="2503884907"/>
+                  </a:ext>
+                </a:extLst>
+              </a:tr>
+              <a:tr h="828497">
+                <a:tc>
+                  <a:txBody>
+                    <a:bodyPr/>
+                    <a:lstStyle/>
+                    <a:p>
+                      <a:pPr algn="ctr"/>
+                      <a:r>
+                        <a:rPr lang="en-US" noProof="0" dirty="0"/>
+                        <a:t>YOLO + PDLPR</a:t>
+                      </a:r>
+                    </a:p>
+                  </a:txBody>
+                  <a:tcPr anchor="ctr"/>
+                </a:tc>
+                <a:tc>
+                  <a:txBody>
+                    <a:bodyPr/>
+                    <a:lstStyle/>
+                    <a:p>
+                      <a:pPr marL="0" marR="0" lvl="0" indent="0" algn="ctr" defTabSz="457200" rtl="0" eaLnBrk="1" fontAlgn="auto" latinLnBrk="0" hangingPunct="1">
+                        <a:lnSpc>
+                          <a:spcPct val="100000"/>
+                        </a:lnSpc>
+                        <a:spcBef>
+                          <a:spcPts val="0"/>
+                        </a:spcBef>
+                        <a:spcAft>
+                          <a:spcPts val="0"/>
+                        </a:spcAft>
+                        <a:buClrTx/>
+                        <a:buSzTx/>
+                        <a:buFontTx/>
+                        <a:buNone/>
+                        <a:tabLst/>
+                        <a:defRPr/>
+                      </a:pPr>
+                      <a:r>
+                        <a:rPr lang="en-US" noProof="0" dirty="0"/>
+                        <a:t>98.3%</a:t>
+                      </a:r>
+                    </a:p>
+                  </a:txBody>
+                  <a:tcPr anchor="ctr"/>
+                </a:tc>
+                <a:tc>
+                  <a:txBody>
+                    <a:bodyPr/>
+                    <a:lstStyle/>
+                    <a:p>
+                      <a:pPr marL="0" marR="0" lvl="0" indent="0" algn="ctr" defTabSz="457200" rtl="0" eaLnBrk="1" fontAlgn="auto" latinLnBrk="0" hangingPunct="1">
+                        <a:lnSpc>
+                          <a:spcPct val="100000"/>
+                        </a:lnSpc>
+                        <a:spcBef>
+                          <a:spcPts val="0"/>
+                        </a:spcBef>
+                        <a:spcAft>
+                          <a:spcPts val="0"/>
+                        </a:spcAft>
+                        <a:buClrTx/>
+                        <a:buSzTx/>
+                        <a:buFontTx/>
+                        <a:buNone/>
+                        <a:tabLst/>
+                        <a:defRPr/>
+                      </a:pPr>
+                      <a:r>
+                        <a:rPr lang="en-US" noProof="0" dirty="0"/>
+                        <a:t>95.6%</a:t>
+                      </a:r>
+                    </a:p>
+                  </a:txBody>
+                  <a:tcPr anchor="ctr"/>
+                </a:tc>
+                <a:tc>
+                  <a:txBody>
+                    <a:bodyPr/>
+                    <a:lstStyle/>
+                    <a:p>
+                      <a:pPr marL="0" marR="0" lvl="0" indent="0" algn="ctr" defTabSz="457200" rtl="0" eaLnBrk="1" fontAlgn="auto" latinLnBrk="0" hangingPunct="1">
+                        <a:lnSpc>
+                          <a:spcPct val="100000"/>
+                        </a:lnSpc>
+                        <a:spcBef>
+                          <a:spcPts val="0"/>
+                        </a:spcBef>
+                        <a:spcAft>
+                          <a:spcPts val="0"/>
+                        </a:spcAft>
+                        <a:buClrTx/>
+                        <a:buSzTx/>
+                        <a:buFontTx/>
+                        <a:buNone/>
+                        <a:tabLst/>
+                        <a:defRPr/>
+                      </a:pPr>
+                      <a:r>
+                        <a:rPr lang="en-US" noProof="0" dirty="0"/>
+                        <a:t>85.1%</a:t>
+                      </a:r>
+                    </a:p>
+                  </a:txBody>
+                  <a:tcPr anchor="ctr"/>
+                </a:tc>
+                <a:tc>
+                  <a:txBody>
+                    <a:bodyPr/>
+                    <a:lstStyle/>
+                    <a:p>
+                      <a:pPr algn="ctr"/>
+                      <a:r>
+                        <a:rPr lang="en-US" noProof="0" dirty="0"/>
+                        <a:t>85.1%</a:t>
+                      </a:r>
+                    </a:p>
+                  </a:txBody>
+                  <a:tcPr anchor="ctr"/>
+                </a:tc>
+                <a:tc>
+                  <a:txBody>
+                    <a:bodyPr/>
+                    <a:lstStyle/>
+                    <a:p>
+                      <a:pPr algn="ctr"/>
+                      <a:r>
+                        <a:rPr lang="en-US" noProof="0" dirty="0"/>
+                        <a:t>95.6%</a:t>
+                      </a:r>
+                    </a:p>
+                  </a:txBody>
+                  <a:tcPr anchor="ctr"/>
+                </a:tc>
+                <a:extLst>
+                  <a:ext uri="{0D108BD9-81ED-4DB2-BD59-A6C34878D82A}">
+                    <a16:rowId xmlns:a16="http://schemas.microsoft.com/office/drawing/2014/main" val="279347831"/>
+                  </a:ext>
+                </a:extLst>
+              </a:tr>
+            </a:tbl>
+          </a:graphicData>
+        </a:graphic>
+      </p:graphicFrame>
+      <p:sp>
+        <p:nvSpPr>
+          <p:cNvPr id="6" name="CasellaDiTesto 5">
+            <a:extLst>
+              <a:ext uri="{FF2B5EF4-FFF2-40B4-BE49-F238E27FC236}">
+                <a16:creationId xmlns:a16="http://schemas.microsoft.com/office/drawing/2014/main" id="{4C80EE1C-2DBE-EC33-A3A3-AEC9C6F4875B}"/>
+              </a:ext>
+            </a:extLst>
+          </p:cNvPr>
+          <p:cNvSpPr txBox="1"/>
+          <p:nvPr/>
+        </p:nvSpPr>
+        <p:spPr>
+          <a:xfrm>
+            <a:off x="677334" y="5925234"/>
+            <a:ext cx="8456161" cy="646331"/>
+          </a:xfrm>
+          <a:prstGeom prst="rect">
+            <a:avLst/>
+          </a:prstGeom>
+          <a:noFill/>
+        </p:spPr>
+        <p:txBody>
+          <a:bodyPr wrap="none" rtlCol="0">
+            <a:spAutoFit/>
+          </a:bodyPr>
+          <a:lstStyle/>
+          <a:p>
+            <a:pPr marL="285750" indent="-285750">
+              <a:buFont typeface="Arial" panose="020B0604020202020204" pitchFamily="34" charset="0"/>
+              <a:buChar char="•"/>
+            </a:pPr>
+            <a:r>
+              <a:rPr lang="en-US" noProof="0" dirty="0"/>
+              <a:t>Ablation Insight: Swapping to a pre-trained detector boosted recall to 96.7%,</a:t>
+            </a:r>
+          </a:p>
+          <a:p>
+            <a:r>
+              <a:rPr lang="en-US" noProof="0" dirty="0"/>
+              <a:t>proving our recognition model was effective when given good inputs</a:t>
+            </a:r>
+          </a:p>
+        </p:txBody>
+      </p:sp>
+    </p:spTree>
+    <p:extLst>
+      <p:ext uri="{BB962C8B-B14F-4D97-AF65-F5344CB8AC3E}">
+        <p14:creationId xmlns:p14="http://schemas.microsoft.com/office/powerpoint/2010/main" val="3561135228"/>
+      </p:ext>
+    </p:extLst>
+  </p:cSld>
+  <p:clrMapOvr>
+    <a:masterClrMapping/>
+  </p:clrMapOvr>
+  <mc:AlternateContent xmlns:mc="http://schemas.openxmlformats.org/markup-compatibility/2006">
+    <mc:Choice xmlns:p159="http://schemas.microsoft.com/office/powerpoint/2015/09/main" Requires="p159">
+      <p:transition xmlns:p14="http://schemas.microsoft.com/office/powerpoint/2010/main" spd="slow" p14:dur="2000">
+        <p159:morph option="byObject"/>
+      </p:transition>
+    </mc:Choice>
+    <mc:Fallback>
+      <p:transition spd="slow">
+        <p:fade/>
+      </p:transition>
+    </mc:Fallback>
+  </mc:AlternateContent>
+</p:sld>
+</file>
+
+<file path=ppt/slides/slide14.xml><?xml version="1.0" encoding="utf-8"?>
+<p:sld xmlns:a="http://schemas.openxmlformats.org/drawingml/2006/main" xmlns:r="http://schemas.openxmlformats.org/officeDocument/2006/relationships" xmlns:p="http://schemas.openxmlformats.org/presentationml/2006/main">
+  <p:cSld>
+    <p:spTree>
+      <p:nvGrpSpPr>
+        <p:cNvPr id="1" name="">
+          <a:extLst>
+            <a:ext uri="{FF2B5EF4-FFF2-40B4-BE49-F238E27FC236}">
+              <a16:creationId xmlns:a16="http://schemas.microsoft.com/office/drawing/2014/main" id="{F925E474-8504-9E54-C26E-5B7872BEC4A0}"/>
+            </a:ext>
+          </a:extLst>
+        </p:cNvPr>
+        <p:cNvGrpSpPr/>
+        <p:nvPr/>
+      </p:nvGrpSpPr>
+      <p:grpSpPr>
+        <a:xfrm>
+          <a:off x="0" y="0"/>
+          <a:ext cx="0" cy="0"/>
+          <a:chOff x="0" y="0"/>
+          <a:chExt cx="0" cy="0"/>
+        </a:xfrm>
+      </p:grpSpPr>
+      <p:sp>
+        <p:nvSpPr>
+          <p:cNvPr id="2" name="Titolo 1">
+            <a:extLst>
+              <a:ext uri="{FF2B5EF4-FFF2-40B4-BE49-F238E27FC236}">
+                <a16:creationId xmlns:a16="http://schemas.microsoft.com/office/drawing/2014/main" id="{732B02C3-1945-1598-9BB5-C0AB5A9A9BA3}"/>
+              </a:ext>
+            </a:extLst>
+          </p:cNvPr>
+          <p:cNvSpPr>
+            <a:spLocks noGrp="1"/>
+          </p:cNvSpPr>
+          <p:nvPr>
+            <p:ph type="title"/>
+          </p:nvPr>
+        </p:nvSpPr>
+        <p:spPr/>
+        <p:txBody>
+          <a:bodyPr/>
+          <a:lstStyle/>
+          <a:p>
+            <a:r>
+              <a:rPr lang="en-US" noProof="0" dirty="0"/>
+              <a:t>Pipeline Evaluation</a:t>
+            </a:r>
+          </a:p>
+        </p:txBody>
+      </p:sp>
+      <p:graphicFrame>
+        <p:nvGraphicFramePr>
+          <p:cNvPr id="4" name="Tabella 3">
+            <a:extLst>
+              <a:ext uri="{FF2B5EF4-FFF2-40B4-BE49-F238E27FC236}">
+                <a16:creationId xmlns:a16="http://schemas.microsoft.com/office/drawing/2014/main" id="{6516EF56-DE72-9937-F0F9-7BBD96161674}"/>
+              </a:ext>
+            </a:extLst>
+          </p:cNvPr>
+          <p:cNvGraphicFramePr>
+            <a:graphicFrameLocks noGrp="1"/>
+          </p:cNvGraphicFramePr>
+          <p:nvPr>
+            <p:extLst>
+              <p:ext uri="{D42A27DB-BD31-4B8C-83A1-F6EECF244321}">
+                <p14:modId xmlns:p14="http://schemas.microsoft.com/office/powerpoint/2010/main" val="2665123160"/>
+              </p:ext>
+            </p:extLst>
+          </p:nvPr>
+        </p:nvGraphicFramePr>
+        <p:xfrm>
+          <a:off x="741336" y="1573575"/>
+          <a:ext cx="8532666" cy="4178638"/>
+        </p:xfrm>
+        <a:graphic>
+          <a:graphicData uri="http://schemas.openxmlformats.org/drawingml/2006/table">
+            <a:tbl>
+              <a:tblPr firstRow="1" bandRow="1">
+                <a:tableStyleId>{5C22544A-7EE6-4342-B048-85BDC9FD1C3A}</a:tableStyleId>
+              </a:tblPr>
+              <a:tblGrid>
+                <a:gridCol w="1422111">
+                  <a:extLst>
+                    <a:ext uri="{9D8B030D-6E8A-4147-A177-3AD203B41FA5}">
+                      <a16:colId xmlns:a16="http://schemas.microsoft.com/office/drawing/2014/main" val="3913258633"/>
+                    </a:ext>
+                  </a:extLst>
+                </a:gridCol>
+                <a:gridCol w="1422111">
+                  <a:extLst>
+                    <a:ext uri="{9D8B030D-6E8A-4147-A177-3AD203B41FA5}">
+                      <a16:colId xmlns:a16="http://schemas.microsoft.com/office/drawing/2014/main" val="3298357006"/>
+                    </a:ext>
+                  </a:extLst>
+                </a:gridCol>
+                <a:gridCol w="1422111">
+                  <a:extLst>
+                    <a:ext uri="{9D8B030D-6E8A-4147-A177-3AD203B41FA5}">
+                      <a16:colId xmlns:a16="http://schemas.microsoft.com/office/drawing/2014/main" val="3896524378"/>
+                    </a:ext>
+                  </a:extLst>
+                </a:gridCol>
+                <a:gridCol w="1422111">
+                  <a:extLst>
+                    <a:ext uri="{9D8B030D-6E8A-4147-A177-3AD203B41FA5}">
+                      <a16:colId xmlns:a16="http://schemas.microsoft.com/office/drawing/2014/main" val="1251171418"/>
+                    </a:ext>
+                  </a:extLst>
+                </a:gridCol>
+                <a:gridCol w="1422111">
+                  <a:extLst>
+                    <a:ext uri="{9D8B030D-6E8A-4147-A177-3AD203B41FA5}">
+                      <a16:colId xmlns:a16="http://schemas.microsoft.com/office/drawing/2014/main" val="4027576351"/>
+                    </a:ext>
+                  </a:extLst>
+                </a:gridCol>
+                <a:gridCol w="1422111">
+                  <a:extLst>
+                    <a:ext uri="{9D8B030D-6E8A-4147-A177-3AD203B41FA5}">
+                      <a16:colId xmlns:a16="http://schemas.microsoft.com/office/drawing/2014/main" val="1331166037"/>
+                    </a:ext>
+                  </a:extLst>
+                </a:gridCol>
+              </a:tblGrid>
+              <a:tr h="772607">
+                <a:tc rowSpan="2">
+                  <a:txBody>
+                    <a:bodyPr/>
+                    <a:lstStyle/>
+                    <a:p>
+                      <a:pPr algn="ctr"/>
+                      <a:r>
+                        <a:rPr lang="en-US" noProof="0" dirty="0"/>
+                        <a:t>Models</a:t>
+                      </a:r>
+                    </a:p>
+                  </a:txBody>
+                  <a:tcPr anchor="ctr"/>
+                </a:tc>
+                <a:tc gridSpan="3">
+                  <a:txBody>
+                    <a:bodyPr/>
+                    <a:lstStyle/>
+                    <a:p>
+                      <a:pPr algn="ctr"/>
+                      <a:r>
+                        <a:rPr lang="en-US" noProof="0" dirty="0"/>
+                        <a:t>Detection</a:t>
+                      </a:r>
+                    </a:p>
+                  </a:txBody>
+                  <a:tcPr anchor="ctr"/>
+                </a:tc>
+                <a:tc hMerge="1">
+                  <a:txBody>
+                    <a:bodyPr/>
+                    <a:lstStyle/>
+                    <a:p>
+                      <a:pPr algn="ctr"/>
+                      <a:endParaRPr lang="en-US" dirty="0"/>
+                    </a:p>
+                  </a:txBody>
+                  <a:tcPr anchor="ctr"/>
+                </a:tc>
+                <a:tc hMerge="1">
+                  <a:txBody>
+                    <a:bodyPr/>
+                    <a:lstStyle/>
+                    <a:p>
+                      <a:pPr algn="ctr"/>
+                      <a:endParaRPr lang="en-US" dirty="0"/>
+                    </a:p>
+                  </a:txBody>
+                  <a:tcPr anchor="ctr"/>
+                </a:tc>
+                <a:tc gridSpan="2">
+                  <a:txBody>
+                    <a:bodyPr/>
+                    <a:lstStyle/>
+                    <a:p>
+                      <a:pPr algn="ctr"/>
+                      <a:r>
+                        <a:rPr lang="en-US" noProof="0" dirty="0"/>
+                        <a:t>Recognition</a:t>
+                      </a:r>
+                    </a:p>
+                  </a:txBody>
+                  <a:tcPr anchor="ctr"/>
+                </a:tc>
+                <a:tc hMerge="1">
+                  <a:txBody>
+                    <a:bodyPr/>
+                    <a:lstStyle/>
+                    <a:p>
+                      <a:pPr algn="ctr"/>
+                      <a:endParaRPr lang="en-US" dirty="0"/>
+                    </a:p>
+                  </a:txBody>
+                  <a:tcPr anchor="ctr"/>
+                </a:tc>
+                <a:extLst>
+                  <a:ext uri="{0D108BD9-81ED-4DB2-BD59-A6C34878D82A}">
+                    <a16:rowId xmlns:a16="http://schemas.microsoft.com/office/drawing/2014/main" val="1497200087"/>
+                  </a:ext>
+                </a:extLst>
+              </a:tr>
+              <a:tr h="772607">
+                <a:tc vMerge="1">
+                  <a:txBody>
+                    <a:bodyPr/>
+                    <a:lstStyle/>
+                    <a:p>
+                      <a:pPr algn="ctr"/>
+                      <a:endParaRPr lang="en-US" dirty="0"/>
+                    </a:p>
+                  </a:txBody>
+                  <a:tcPr anchor="ctr"/>
+                </a:tc>
+                <a:tc>
+                  <a:txBody>
+                    <a:bodyPr/>
+                    <a:lstStyle/>
+                    <a:p>
+                      <a:pPr algn="ctr"/>
+                      <a:r>
+                        <a:rPr lang="en-US" noProof="0" dirty="0"/>
+                        <a:t>Precision</a:t>
+                      </a:r>
+                    </a:p>
+                  </a:txBody>
+                  <a:tcPr anchor="ctr"/>
+                </a:tc>
+                <a:tc>
+                  <a:txBody>
+                    <a:bodyPr/>
+                    <a:lstStyle/>
+                    <a:p>
+                      <a:pPr algn="ctr"/>
+                      <a:r>
+                        <a:rPr lang="en-US" noProof="0" dirty="0"/>
+                        <a:t>Recall</a:t>
+                      </a:r>
+                    </a:p>
+                  </a:txBody>
+                  <a:tcPr anchor="ctr"/>
+                </a:tc>
+                <a:tc>
+                  <a:txBody>
+                    <a:bodyPr/>
+                    <a:lstStyle/>
+                    <a:p>
+                      <a:pPr algn="ctr"/>
+                      <a:r>
+                        <a:rPr lang="en-US" noProof="0" dirty="0"/>
+                        <a:t>F1</a:t>
+                      </a:r>
+                    </a:p>
+                  </a:txBody>
+                  <a:tcPr anchor="ctr"/>
+                </a:tc>
+                <a:tc>
+                  <a:txBody>
+                    <a:bodyPr/>
+                    <a:lstStyle/>
+                    <a:p>
+                      <a:pPr algn="ctr"/>
+                      <a:r>
+                        <a:rPr lang="en-US" noProof="0" dirty="0"/>
+                        <a:t>Plate Accuracy</a:t>
+                      </a:r>
+                    </a:p>
+                  </a:txBody>
+                  <a:tcPr anchor="ctr"/>
+                </a:tc>
+                <a:tc>
+                  <a:txBody>
+                    <a:bodyPr/>
+                    <a:lstStyle/>
+                    <a:p>
+                      <a:pPr algn="ctr"/>
+                      <a:r>
+                        <a:rPr lang="en-US" noProof="0" dirty="0"/>
+                        <a:t>F1</a:t>
+                      </a:r>
+                    </a:p>
+                  </a:txBody>
+                  <a:tcPr anchor="ctr"/>
+                </a:tc>
+                <a:extLst>
+                  <a:ext uri="{0D108BD9-81ED-4DB2-BD59-A6C34878D82A}">
+                    <a16:rowId xmlns:a16="http://schemas.microsoft.com/office/drawing/2014/main" val="359970833"/>
+                  </a:ext>
+                </a:extLst>
+              </a:tr>
+              <a:tr h="828497">
+                <a:tc>
+                  <a:txBody>
+                    <a:bodyPr/>
+                    <a:lstStyle/>
+                    <a:p>
+                      <a:pPr algn="ctr"/>
+                      <a:r>
+                        <a:rPr lang="en-US" noProof="0" dirty="0"/>
+                        <a:t>YOLOv5m + Baseline</a:t>
+                      </a:r>
+                    </a:p>
+                  </a:txBody>
+                  <a:tcPr anchor="ctr"/>
+                </a:tc>
+                <a:tc>
+                  <a:txBody>
+                    <a:bodyPr/>
+                    <a:lstStyle/>
+                    <a:p>
+                      <a:pPr algn="ctr"/>
+                      <a:r>
+                        <a:rPr lang="en-US" noProof="0" dirty="0"/>
+                        <a:t>99.4%</a:t>
+                      </a:r>
+                    </a:p>
+                  </a:txBody>
+                  <a:tcPr anchor="ctr"/>
+                </a:tc>
+                <a:tc>
+                  <a:txBody>
+                    <a:bodyPr/>
+                    <a:lstStyle/>
+                    <a:p>
+                      <a:pPr marL="0" marR="0" lvl="0" indent="0" algn="ctr" defTabSz="457200" rtl="0" eaLnBrk="1" fontAlgn="auto" latinLnBrk="0" hangingPunct="1">
+                        <a:lnSpc>
+                          <a:spcPct val="100000"/>
+                        </a:lnSpc>
+                        <a:spcBef>
+                          <a:spcPts val="0"/>
+                        </a:spcBef>
+                        <a:spcAft>
+                          <a:spcPts val="0"/>
+                        </a:spcAft>
+                        <a:buClrTx/>
+                        <a:buSzTx/>
+                        <a:buFontTx/>
+                        <a:buNone/>
+                        <a:tabLst/>
+                        <a:defRPr/>
+                      </a:pPr>
+                      <a:r>
+                        <a:rPr lang="en-US" noProof="0" dirty="0"/>
+                        <a:t>53.4%</a:t>
+                      </a:r>
+                    </a:p>
+                  </a:txBody>
+                  <a:tcPr anchor="ctr"/>
+                </a:tc>
+                <a:tc>
+                  <a:txBody>
+                    <a:bodyPr/>
+                    <a:lstStyle/>
+                    <a:p>
+                      <a:pPr marL="0" marR="0" lvl="0" indent="0" algn="ctr" defTabSz="457200" rtl="0" eaLnBrk="1" fontAlgn="auto" latinLnBrk="0" hangingPunct="1">
+                        <a:lnSpc>
+                          <a:spcPct val="100000"/>
+                        </a:lnSpc>
+                        <a:spcBef>
+                          <a:spcPts val="0"/>
+                        </a:spcBef>
+                        <a:spcAft>
+                          <a:spcPts val="0"/>
+                        </a:spcAft>
+                        <a:buClrTx/>
+                        <a:buSzTx/>
+                        <a:buFontTx/>
+                        <a:buNone/>
+                        <a:tabLst/>
+                        <a:defRPr/>
+                      </a:pPr>
+                      <a:r>
+                        <a:rPr lang="en-US" noProof="0" dirty="0"/>
+                        <a:t>69.5%</a:t>
+                      </a:r>
+                    </a:p>
+                  </a:txBody>
+                  <a:tcPr anchor="ctr"/>
+                </a:tc>
+                <a:tc>
+                  <a:txBody>
+                    <a:bodyPr/>
+                    <a:lstStyle/>
+                    <a:p>
+                      <a:pPr algn="ctr"/>
+                      <a:r>
+                        <a:rPr lang="en-US" noProof="0" dirty="0"/>
+                        <a:t>74.2 %</a:t>
+                      </a:r>
+                    </a:p>
+                  </a:txBody>
+                  <a:tcPr anchor="ctr"/>
+                </a:tc>
+                <a:tc>
+                  <a:txBody>
+                    <a:bodyPr/>
+                    <a:lstStyle/>
+                    <a:p>
+                      <a:pPr algn="ctr"/>
+                      <a:r>
+                        <a:rPr lang="en-US" noProof="0" dirty="0"/>
+                        <a:t>93.9%</a:t>
+                      </a:r>
+                    </a:p>
+                  </a:txBody>
+                  <a:tcPr anchor="ctr"/>
+                </a:tc>
+                <a:extLst>
+                  <a:ext uri="{0D108BD9-81ED-4DB2-BD59-A6C34878D82A}">
+                    <a16:rowId xmlns:a16="http://schemas.microsoft.com/office/drawing/2014/main" val="1639038623"/>
+                  </a:ext>
+                </a:extLst>
+              </a:tr>
+              <a:tr h="976430">
+                <a:tc>
+                  <a:txBody>
+                    <a:bodyPr/>
+                    <a:lstStyle/>
+                    <a:p>
+                      <a:pPr algn="ctr"/>
+                      <a:r>
+                        <a:rPr lang="en-US" noProof="0" dirty="0"/>
+                        <a:t>YOLO + Baseline OCR</a:t>
+                      </a:r>
+                    </a:p>
+                  </a:txBody>
+                  <a:tcPr anchor="ctr"/>
+                </a:tc>
+                <a:tc>
+                  <a:txBody>
+                    <a:bodyPr/>
+                    <a:lstStyle/>
+                    <a:p>
+                      <a:pPr marL="0" marR="0" lvl="0" indent="0" algn="ctr" defTabSz="457200" rtl="0" eaLnBrk="1" fontAlgn="auto" latinLnBrk="0" hangingPunct="1">
+                        <a:lnSpc>
+                          <a:spcPct val="100000"/>
+                        </a:lnSpc>
+                        <a:spcBef>
+                          <a:spcPts val="0"/>
+                        </a:spcBef>
+                        <a:spcAft>
+                          <a:spcPts val="0"/>
+                        </a:spcAft>
+                        <a:buClrTx/>
+                        <a:buSzTx/>
+                        <a:buFontTx/>
+                        <a:buNone/>
+                        <a:tabLst/>
+                        <a:defRPr/>
+                      </a:pPr>
+                      <a:r>
+                        <a:rPr lang="en-US" noProof="0" dirty="0"/>
+                        <a:t>92.4%</a:t>
+                      </a:r>
+                    </a:p>
+                  </a:txBody>
+                  <a:tcPr anchor="ctr"/>
+                </a:tc>
+                <a:tc>
+                  <a:txBody>
+                    <a:bodyPr/>
+                    <a:lstStyle/>
+                    <a:p>
+                      <a:pPr marL="0" marR="0" lvl="0" indent="0" algn="ctr" defTabSz="457200" rtl="0" eaLnBrk="1" fontAlgn="auto" latinLnBrk="0" hangingPunct="1">
+                        <a:lnSpc>
+                          <a:spcPct val="100000"/>
+                        </a:lnSpc>
+                        <a:spcBef>
+                          <a:spcPts val="0"/>
+                        </a:spcBef>
+                        <a:spcAft>
+                          <a:spcPts val="0"/>
+                        </a:spcAft>
+                        <a:buClrTx/>
+                        <a:buSzTx/>
+                        <a:buFontTx/>
+                        <a:buNone/>
+                        <a:tabLst/>
+                        <a:defRPr/>
+                      </a:pPr>
+                      <a:r>
+                        <a:rPr lang="en-US" noProof="0" dirty="0"/>
+                        <a:t>96.7%</a:t>
+                      </a:r>
+                    </a:p>
+                  </a:txBody>
+                  <a:tcPr anchor="ctr"/>
+                </a:tc>
+                <a:tc>
+                  <a:txBody>
+                    <a:bodyPr/>
+                    <a:lstStyle/>
+                    <a:p>
+                      <a:pPr marL="0" marR="0" lvl="0" indent="0" algn="ctr" defTabSz="457200" rtl="0" eaLnBrk="1" fontAlgn="auto" latinLnBrk="0" hangingPunct="1">
+                        <a:lnSpc>
+                          <a:spcPct val="100000"/>
+                        </a:lnSpc>
+                        <a:spcBef>
+                          <a:spcPts val="0"/>
+                        </a:spcBef>
+                        <a:spcAft>
+                          <a:spcPts val="0"/>
+                        </a:spcAft>
+                        <a:buClrTx/>
+                        <a:buSzTx/>
+                        <a:buFontTx/>
+                        <a:buNone/>
+                        <a:tabLst/>
+                        <a:defRPr/>
+                      </a:pPr>
+                      <a:r>
+                        <a:rPr lang="en-US" noProof="0" dirty="0"/>
+                        <a:t>94.5%</a:t>
+                      </a:r>
+                    </a:p>
+                  </a:txBody>
+                  <a:tcPr anchor="ctr"/>
+                </a:tc>
+                <a:tc>
+                  <a:txBody>
+                    <a:bodyPr/>
+                    <a:lstStyle/>
+                    <a:p>
+                      <a:pPr algn="ctr"/>
+                      <a:r>
+                        <a:rPr lang="en-US" noProof="0" dirty="0"/>
+                        <a:t>81.8%</a:t>
+                      </a:r>
+                    </a:p>
+                  </a:txBody>
+                  <a:tcPr anchor="ctr"/>
+                </a:tc>
+                <a:tc>
+                  <a:txBody>
+                    <a:bodyPr/>
+                    <a:lstStyle/>
+                    <a:p>
+                      <a:pPr algn="ctr"/>
+                      <a:r>
+                        <a:rPr lang="en-US" noProof="0" dirty="0"/>
+                        <a:t>96.5%</a:t>
+                      </a:r>
+                    </a:p>
+                  </a:txBody>
+                  <a:tcPr anchor="ctr"/>
+                </a:tc>
+                <a:extLst>
+                  <a:ext uri="{0D108BD9-81ED-4DB2-BD59-A6C34878D82A}">
+                    <a16:rowId xmlns:a16="http://schemas.microsoft.com/office/drawing/2014/main" val="2503884907"/>
+                  </a:ext>
+                </a:extLst>
+              </a:tr>
+              <a:tr h="828497">
+                <a:tc>
+                  <a:txBody>
+                    <a:bodyPr/>
+                    <a:lstStyle/>
+                    <a:p>
+                      <a:pPr algn="ctr"/>
+                      <a:r>
+                        <a:rPr lang="en-US" noProof="0" dirty="0"/>
+                        <a:t>YOLO + PDLPR</a:t>
+                      </a:r>
+                    </a:p>
+                  </a:txBody>
+                  <a:tcPr anchor="ctr">
+                    <a:solidFill>
+                      <a:srgbClr val="FFE27C"/>
+                    </a:solidFill>
+                  </a:tcPr>
+                </a:tc>
+                <a:tc>
+                  <a:txBody>
+                    <a:bodyPr/>
+                    <a:lstStyle/>
+                    <a:p>
+                      <a:pPr marL="0" marR="0" lvl="0" indent="0" algn="ctr" defTabSz="457200" rtl="0" eaLnBrk="1" fontAlgn="auto" latinLnBrk="0" hangingPunct="1">
+                        <a:lnSpc>
+                          <a:spcPct val="100000"/>
+                        </a:lnSpc>
+                        <a:spcBef>
+                          <a:spcPts val="0"/>
+                        </a:spcBef>
+                        <a:spcAft>
+                          <a:spcPts val="0"/>
+                        </a:spcAft>
+                        <a:buClrTx/>
+                        <a:buSzTx/>
+                        <a:buFontTx/>
+                        <a:buNone/>
+                        <a:tabLst/>
+                        <a:defRPr/>
+                      </a:pPr>
+                      <a:r>
+                        <a:rPr lang="en-US" noProof="0" dirty="0"/>
+                        <a:t>93.0%</a:t>
+                      </a:r>
+                    </a:p>
+                  </a:txBody>
+                  <a:tcPr anchor="ctr">
+                    <a:solidFill>
+                      <a:srgbClr val="FFE27C"/>
+                    </a:solidFill>
+                  </a:tcPr>
+                </a:tc>
+                <a:tc>
+                  <a:txBody>
+                    <a:bodyPr/>
+                    <a:lstStyle/>
+                    <a:p>
+                      <a:pPr marL="0" marR="0" lvl="0" indent="0" algn="ctr" defTabSz="457200" rtl="0" eaLnBrk="1" fontAlgn="auto" latinLnBrk="0" hangingPunct="1">
+                        <a:lnSpc>
+                          <a:spcPct val="100000"/>
+                        </a:lnSpc>
+                        <a:spcBef>
+                          <a:spcPts val="0"/>
+                        </a:spcBef>
+                        <a:spcAft>
+                          <a:spcPts val="0"/>
+                        </a:spcAft>
+                        <a:buClrTx/>
+                        <a:buSzTx/>
+                        <a:buFontTx/>
+                        <a:buNone/>
+                        <a:tabLst/>
+                        <a:defRPr/>
+                      </a:pPr>
+                      <a:r>
+                        <a:rPr lang="en-US" noProof="0" dirty="0"/>
+                        <a:t>98.3%</a:t>
+                      </a:r>
+                    </a:p>
+                  </a:txBody>
+                  <a:tcPr anchor="ctr">
+                    <a:solidFill>
+                      <a:srgbClr val="FFE27C"/>
+                    </a:solidFill>
+                  </a:tcPr>
+                </a:tc>
+                <a:tc>
+                  <a:txBody>
+                    <a:bodyPr/>
+                    <a:lstStyle/>
+                    <a:p>
+                      <a:pPr marL="0" marR="0" lvl="0" indent="0" algn="ctr" defTabSz="457200" rtl="0" eaLnBrk="1" fontAlgn="auto" latinLnBrk="0" hangingPunct="1">
+                        <a:lnSpc>
+                          <a:spcPct val="100000"/>
+                        </a:lnSpc>
+                        <a:spcBef>
+                          <a:spcPts val="0"/>
+                        </a:spcBef>
+                        <a:spcAft>
+                          <a:spcPts val="0"/>
+                        </a:spcAft>
+                        <a:buClrTx/>
+                        <a:buSzTx/>
+                        <a:buFontTx/>
+                        <a:buNone/>
+                        <a:tabLst/>
+                        <a:defRPr/>
+                      </a:pPr>
+                      <a:r>
+                        <a:rPr lang="en-US" noProof="0" dirty="0"/>
+                        <a:t>95.6%</a:t>
+                      </a:r>
+                    </a:p>
+                  </a:txBody>
+                  <a:tcPr anchor="ctr">
+                    <a:solidFill>
+                      <a:srgbClr val="FFE27C"/>
+                    </a:solidFill>
+                  </a:tcPr>
+                </a:tc>
+                <a:tc>
+                  <a:txBody>
+                    <a:bodyPr/>
+                    <a:lstStyle/>
+                    <a:p>
+                      <a:pPr algn="ctr"/>
+                      <a:r>
+                        <a:rPr lang="en-US" noProof="0" dirty="0"/>
+                        <a:t>85.1%</a:t>
+                      </a:r>
+                    </a:p>
+                  </a:txBody>
+                  <a:tcPr anchor="ctr">
+                    <a:solidFill>
+                      <a:srgbClr val="FFE27C"/>
+                    </a:solidFill>
+                  </a:tcPr>
+                </a:tc>
+                <a:tc>
+                  <a:txBody>
+                    <a:bodyPr/>
+                    <a:lstStyle/>
+                    <a:p>
+                      <a:pPr algn="ctr"/>
+                      <a:r>
+                        <a:rPr lang="en-US" noProof="0" dirty="0"/>
+                        <a:t>TEST%</a:t>
+                      </a:r>
+                    </a:p>
+                  </a:txBody>
+                  <a:tcPr anchor="ctr">
+                    <a:solidFill>
+                      <a:srgbClr val="FFE27C"/>
+                    </a:solidFill>
+                  </a:tcPr>
+                </a:tc>
+                <a:extLst>
+                  <a:ext uri="{0D108BD9-81ED-4DB2-BD59-A6C34878D82A}">
+                    <a16:rowId xmlns:a16="http://schemas.microsoft.com/office/drawing/2014/main" val="279347831"/>
+                  </a:ext>
+                </a:extLst>
+              </a:tr>
+            </a:tbl>
+          </a:graphicData>
+        </a:graphic>
+      </p:graphicFrame>
+      <p:sp>
+        <p:nvSpPr>
+          <p:cNvPr id="6" name="CasellaDiTesto 5">
+            <a:extLst>
+              <a:ext uri="{FF2B5EF4-FFF2-40B4-BE49-F238E27FC236}">
+                <a16:creationId xmlns:a16="http://schemas.microsoft.com/office/drawing/2014/main" id="{DF5AA5A5-0B3F-C65D-D103-3968CFCD3CAA}"/>
+              </a:ext>
+            </a:extLst>
+          </p:cNvPr>
+          <p:cNvSpPr txBox="1"/>
+          <p:nvPr/>
+        </p:nvSpPr>
+        <p:spPr>
+          <a:xfrm>
+            <a:off x="677334" y="5925234"/>
+            <a:ext cx="8489825" cy="646331"/>
+          </a:xfrm>
+          <a:prstGeom prst="rect">
+            <a:avLst/>
+          </a:prstGeom>
+          <a:noFill/>
+        </p:spPr>
+        <p:txBody>
+          <a:bodyPr wrap="none" rtlCol="0">
+            <a:spAutoFit/>
+          </a:bodyPr>
+          <a:lstStyle/>
+          <a:p>
+            <a:pPr marL="285750" indent="-285750">
+              <a:buFont typeface="Arial" panose="020B0604020202020204" pitchFamily="34" charset="0"/>
+              <a:buChar char="•"/>
+            </a:pPr>
+            <a:r>
+              <a:rPr lang="en-US" noProof="0" dirty="0"/>
+              <a:t>The PDLPR model provides a final </a:t>
+            </a:r>
+            <a:r>
+              <a:rPr lang="en-US" b="1" noProof="0" dirty="0"/>
+              <a:t>~3%</a:t>
+            </a:r>
+            <a:r>
+              <a:rPr lang="en-US" noProof="0" dirty="0"/>
+              <a:t> accuracy improvement,</a:t>
+            </a:r>
+          </a:p>
+          <a:p>
+            <a:r>
+              <a:rPr lang="en-US" noProof="0" dirty="0"/>
+              <a:t>highlighting the superior robustness of its advanced recognition architecture.</a:t>
+            </a:r>
+          </a:p>
+        </p:txBody>
+      </p:sp>
+    </p:spTree>
+    <p:extLst>
+      <p:ext uri="{BB962C8B-B14F-4D97-AF65-F5344CB8AC3E}">
+        <p14:creationId xmlns:p14="http://schemas.microsoft.com/office/powerpoint/2010/main" val="3041625569"/>
+      </p:ext>
+    </p:extLst>
+  </p:cSld>
+  <p:clrMapOvr>
+    <a:masterClrMapping/>
+  </p:clrMapOvr>
+  <mc:AlternateContent xmlns:mc="http://schemas.openxmlformats.org/markup-compatibility/2006">
+    <mc:Choice xmlns:p159="http://schemas.microsoft.com/office/powerpoint/2015/09/main" Requires="p159">
+      <p:transition xmlns:p14="http://schemas.microsoft.com/office/powerpoint/2010/main" spd="slow" p14:dur="2000">
+        <p159:morph option="byObject"/>
+      </p:transition>
+    </mc:Choice>
+    <mc:Fallback>
+      <p:transition spd="slow">
+        <p:fade/>
+      </p:transition>
+    </mc:Fallback>
+  </mc:AlternateContent>
+</p:sld>
+</file>
+
+<file path=ppt/slides/slide15.xml><?xml version="1.0" encoding="utf-8"?>
 <p:sld xmlns:a="http://schemas.openxmlformats.org/drawingml/2006/main" xmlns:r="http://schemas.openxmlformats.org/officeDocument/2006/relationships" xmlns:p="http://schemas.openxmlformats.org/presentationml/2006/main">
   <p:cSld>
     <p:spTree>
@@ -6725,6 +10684,248 @@
           <p:cNvPr id="2" name="Titolo 1">
             <a:extLst>
               <a:ext uri="{FF2B5EF4-FFF2-40B4-BE49-F238E27FC236}">
+                <a16:creationId xmlns:a16="http://schemas.microsoft.com/office/drawing/2014/main" id="{1E2AAD67-B365-86A2-6024-1EB78F335272}"/>
+              </a:ext>
+            </a:extLst>
+          </p:cNvPr>
+          <p:cNvSpPr>
+            <a:spLocks noGrp="1"/>
+          </p:cNvSpPr>
+          <p:nvPr>
+            <p:ph type="title"/>
+          </p:nvPr>
+        </p:nvSpPr>
+        <p:spPr/>
+        <p:txBody>
+          <a:bodyPr/>
+          <a:lstStyle/>
+          <a:p>
+            <a:r>
+              <a:rPr lang="en-US" noProof="0" dirty="0"/>
+              <a:t>Conclusions</a:t>
+            </a:r>
+          </a:p>
+        </p:txBody>
+      </p:sp>
+      <p:sp>
+        <p:nvSpPr>
+          <p:cNvPr id="3" name="Segnaposto contenuto 2">
+            <a:extLst>
+              <a:ext uri="{FF2B5EF4-FFF2-40B4-BE49-F238E27FC236}">
+                <a16:creationId xmlns:a16="http://schemas.microsoft.com/office/drawing/2014/main" id="{BEF74486-D897-28BC-CB58-3DAB37F08065}"/>
+              </a:ext>
+            </a:extLst>
+          </p:cNvPr>
+          <p:cNvSpPr>
+            <a:spLocks noGrp="1"/>
+          </p:cNvSpPr>
+          <p:nvPr>
+            <p:ph idx="1"/>
+          </p:nvPr>
+        </p:nvSpPr>
+        <p:spPr/>
+        <p:txBody>
+          <a:bodyPr/>
+          <a:lstStyle/>
+          <a:p>
+            <a:r>
+              <a:rPr lang="en-US" noProof="0" dirty="0"/>
+              <a:t>A good plate detector is the key for the pipeline performance</a:t>
+            </a:r>
+          </a:p>
+          <a:p>
+            <a:pPr marL="0" indent="0">
+              <a:buNone/>
+            </a:pPr>
+            <a:endParaRPr lang="en-US" noProof="0" dirty="0"/>
+          </a:p>
+          <a:p>
+            <a:r>
+              <a:rPr lang="en-US" dirty="0"/>
+              <a:t>Simple baseline can perform well on the right input from detection output</a:t>
+            </a:r>
+          </a:p>
+          <a:p>
+            <a:pPr marL="0" indent="0">
+              <a:buNone/>
+            </a:pPr>
+            <a:endParaRPr lang="en-US" noProof="0" dirty="0"/>
+          </a:p>
+          <a:p>
+            <a:r>
+              <a:rPr lang="en-US" noProof="0" dirty="0"/>
+              <a:t>Baseline OCR results are not far from PDLPR results, although PDLRP shows more consistency in difficult scenarios </a:t>
+            </a:r>
+          </a:p>
+        </p:txBody>
+      </p:sp>
+    </p:spTree>
+    <p:extLst>
+      <p:ext uri="{BB962C8B-B14F-4D97-AF65-F5344CB8AC3E}">
+        <p14:creationId xmlns:p14="http://schemas.microsoft.com/office/powerpoint/2010/main" val="3884209195"/>
+      </p:ext>
+    </p:extLst>
+  </p:cSld>
+  <p:clrMapOvr>
+    <a:masterClrMapping/>
+  </p:clrMapOvr>
+</p:sld>
+</file>
+
+<file path=ppt/slides/slide16.xml><?xml version="1.0" encoding="utf-8"?>
+<p:sld xmlns:a="http://schemas.openxmlformats.org/drawingml/2006/main" xmlns:r="http://schemas.openxmlformats.org/officeDocument/2006/relationships" xmlns:p="http://schemas.openxmlformats.org/presentationml/2006/main">
+  <p:cSld>
+    <p:spTree>
+      <p:nvGrpSpPr>
+        <p:cNvPr id="1" name="">
+          <a:extLst>
+            <a:ext uri="{FF2B5EF4-FFF2-40B4-BE49-F238E27FC236}">
+              <a16:creationId xmlns:a16="http://schemas.microsoft.com/office/drawing/2014/main" id="{3EC8D409-E5CB-605D-7B57-CD4FEFE000FE}"/>
+            </a:ext>
+          </a:extLst>
+        </p:cNvPr>
+        <p:cNvGrpSpPr/>
+        <p:nvPr/>
+      </p:nvGrpSpPr>
+      <p:grpSpPr>
+        <a:xfrm>
+          <a:off x="0" y="0"/>
+          <a:ext cx="0" cy="0"/>
+          <a:chOff x="0" y="0"/>
+          <a:chExt cx="0" cy="0"/>
+        </a:xfrm>
+      </p:grpSpPr>
+      <p:sp>
+        <p:nvSpPr>
+          <p:cNvPr id="2" name="Titolo 1">
+            <a:extLst>
+              <a:ext uri="{FF2B5EF4-FFF2-40B4-BE49-F238E27FC236}">
+                <a16:creationId xmlns:a16="http://schemas.microsoft.com/office/drawing/2014/main" id="{1ECB8F4D-8F59-AC9D-C3C4-3C58A8585B09}"/>
+              </a:ext>
+            </a:extLst>
+          </p:cNvPr>
+          <p:cNvSpPr>
+            <a:spLocks noGrp="1"/>
+          </p:cNvSpPr>
+          <p:nvPr>
+            <p:ph type="title"/>
+          </p:nvPr>
+        </p:nvSpPr>
+        <p:spPr/>
+        <p:txBody>
+          <a:bodyPr/>
+          <a:lstStyle/>
+          <a:p>
+            <a:r>
+              <a:rPr lang="en-US" noProof="0" dirty="0"/>
+              <a:t>Future Works</a:t>
+            </a:r>
+          </a:p>
+        </p:txBody>
+      </p:sp>
+      <p:sp>
+        <p:nvSpPr>
+          <p:cNvPr id="10" name="Segnaposto contenuto 2">
+            <a:extLst>
+              <a:ext uri="{FF2B5EF4-FFF2-40B4-BE49-F238E27FC236}">
+                <a16:creationId xmlns:a16="http://schemas.microsoft.com/office/drawing/2014/main" id="{E26A2154-6A77-912C-C8BD-DA9542F62542}"/>
+              </a:ext>
+            </a:extLst>
+          </p:cNvPr>
+          <p:cNvSpPr>
+            <a:spLocks noGrp="1"/>
+          </p:cNvSpPr>
+          <p:nvPr>
+            <p:ph idx="1"/>
+          </p:nvPr>
+        </p:nvSpPr>
+        <p:spPr>
+          <a:xfrm>
+            <a:off x="677334" y="2160589"/>
+            <a:ext cx="8596668" cy="3880773"/>
+          </a:xfrm>
+        </p:spPr>
+        <p:txBody>
+          <a:bodyPr/>
+          <a:lstStyle/>
+          <a:p>
+            <a:r>
+              <a:rPr lang="en-US" noProof="0" dirty="0"/>
+              <a:t>Take advantage of all the available samples for training phase</a:t>
+            </a:r>
+          </a:p>
+          <a:p>
+            <a:pPr marL="0" indent="0">
+              <a:buNone/>
+            </a:pPr>
+            <a:endParaRPr lang="en-US" noProof="0" dirty="0"/>
+          </a:p>
+          <a:p>
+            <a:r>
+              <a:rPr lang="en-US" noProof="0" dirty="0"/>
+              <a:t>Increase complexity to achieve better results for the baseline recognition model</a:t>
+            </a:r>
+          </a:p>
+          <a:p>
+            <a:pPr marL="0" indent="0">
+              <a:buNone/>
+            </a:pPr>
+            <a:endParaRPr lang="en-US" noProof="0" dirty="0"/>
+          </a:p>
+          <a:p>
+            <a:r>
+              <a:rPr lang="en-US" noProof="0" dirty="0"/>
+              <a:t>Extend the dataset to other license plates from other countries to </a:t>
+            </a:r>
+            <a:r>
+              <a:rPr lang="en-US" dirty="0"/>
+              <a:t>generalize more</a:t>
+            </a:r>
+            <a:endParaRPr lang="en-US" noProof="0" dirty="0"/>
+          </a:p>
+          <a:p>
+            <a:pPr marL="0" indent="0">
+              <a:buNone/>
+            </a:pPr>
+            <a:endParaRPr lang="en-US" noProof="0" dirty="0"/>
+          </a:p>
+        </p:txBody>
+      </p:sp>
+    </p:spTree>
+    <p:extLst>
+      <p:ext uri="{BB962C8B-B14F-4D97-AF65-F5344CB8AC3E}">
+        <p14:creationId xmlns:p14="http://schemas.microsoft.com/office/powerpoint/2010/main" val="1794683746"/>
+      </p:ext>
+    </p:extLst>
+  </p:cSld>
+  <p:clrMapOvr>
+    <a:masterClrMapping/>
+  </p:clrMapOvr>
+</p:sld>
+</file>
+
+<file path=ppt/slides/slide17.xml><?xml version="1.0" encoding="utf-8"?>
+<p:sld xmlns:a="http://schemas.openxmlformats.org/drawingml/2006/main" xmlns:r="http://schemas.openxmlformats.org/officeDocument/2006/relationships" xmlns:p="http://schemas.openxmlformats.org/presentationml/2006/main">
+  <p:cSld>
+    <p:spTree>
+      <p:nvGrpSpPr>
+        <p:cNvPr id="1" name=""/>
+        <p:cNvGrpSpPr/>
+        <p:nvPr/>
+      </p:nvGrpSpPr>
+      <p:grpSpPr>
+        <a:xfrm>
+          <a:off x="0" y="0"/>
+          <a:ext cx="0" cy="0"/>
+          <a:chOff x="0" y="0"/>
+          <a:chExt cx="0" cy="0"/>
+        </a:xfrm>
+      </p:grpSpPr>
+      <p:sp>
+        <p:nvSpPr>
+          <p:cNvPr id="2" name="Titolo 1">
+            <a:extLst>
+              <a:ext uri="{FF2B5EF4-FFF2-40B4-BE49-F238E27FC236}">
                 <a16:creationId xmlns:a16="http://schemas.microsoft.com/office/drawing/2014/main" id="{A11E917B-5DC4-833A-68C6-DFE9D2425EB8}"/>
               </a:ext>
             </a:extLst>
@@ -6742,10 +10943,9 @@
           <a:lstStyle/>
           <a:p>
             <a:r>
-              <a:rPr lang="it-IT" dirty="0" err="1"/>
+              <a:rPr lang="en-US" noProof="0" dirty="0"/>
               <a:t>References</a:t>
             </a:r>
-            <a:endParaRPr lang="it-IT" dirty="0"/>
           </a:p>
         </p:txBody>
       </p:sp>
@@ -6775,32 +10975,32 @@
               <a:buAutoNum type="arabicPeriod"/>
             </a:pPr>
             <a:r>
-              <a:rPr lang="en-US" dirty="0"/>
+              <a:rPr lang="en-US" noProof="0" dirty="0"/>
               <a:t>Tao, L.; Hong, S.; Lin, Y.; Chen, Y.; He, P.; Tie, Z. A Real-Time License Plate Detection and Recognition Model in Unconstrained Scenarios. </a:t>
             </a:r>
             <a:r>
-              <a:rPr lang="en-US" i="1" dirty="0"/>
+              <a:rPr lang="en-US" i="1" noProof="0" dirty="0"/>
               <a:t>Sensors</a:t>
             </a:r>
             <a:r>
-              <a:rPr lang="en-US" dirty="0"/>
+              <a:rPr lang="en-US" noProof="0" dirty="0"/>
               <a:t> 2024, </a:t>
             </a:r>
             <a:r>
-              <a:rPr lang="en-US" i="1" dirty="0"/>
+              <a:rPr lang="en-US" i="1" noProof="0" dirty="0"/>
               <a:t>24</a:t>
             </a:r>
             <a:r>
-              <a:rPr lang="en-US" dirty="0"/>
+              <a:rPr lang="en-US" noProof="0" dirty="0"/>
               <a:t>, 2791. </a:t>
             </a:r>
             <a:r>
-              <a:rPr lang="en-US" dirty="0">
+              <a:rPr lang="en-US" noProof="0" dirty="0">
                 <a:hlinkClick r:id="rId2"/>
               </a:rPr>
               <a:t>https://doi.org/10.3390/s24092791</a:t>
             </a:r>
-            <a:endParaRPr lang="en-US" dirty="0"/>
+            <a:endParaRPr lang="en-US" noProof="0" dirty="0"/>
           </a:p>
           <a:p>
             <a:pPr>
@@ -6808,12 +11008,12 @@
               <a:buAutoNum type="arabicPeriod"/>
             </a:pPr>
             <a:r>
-              <a:rPr lang="it-IT" dirty="0">
+              <a:rPr lang="en-US" noProof="0" dirty="0">
                 <a:hlinkClick r:id="rId3"/>
               </a:rPr>
               <a:t>https://github.com/ultralytics/yolov5</a:t>
             </a:r>
-            <a:endParaRPr lang="it-IT" dirty="0"/>
+            <a:endParaRPr lang="en-US" noProof="0" dirty="0"/>
           </a:p>
           <a:p>
             <a:pPr>
@@ -6821,80 +11021,40 @@
               <a:buAutoNum type="arabicPeriod"/>
             </a:pPr>
             <a:r>
-              <a:rPr lang="it-IT" i="1" dirty="0" err="1"/>
+              <a:rPr lang="en-US" i="1" noProof="0" dirty="0" err="1"/>
               <a:t>Zhenbo</a:t>
             </a:r>
             <a:r>
-              <a:rPr lang="it-IT" i="1" dirty="0"/>
-              <a:t> </a:t>
-            </a:r>
-            <a:r>
-              <a:rPr lang="it-IT" i="1" dirty="0" err="1"/>
-              <a:t>Xu</a:t>
-            </a:r>
-            <a:r>
-              <a:rPr lang="it-IT" i="1" dirty="0"/>
-              <a:t>, Wei Yang, </a:t>
-            </a:r>
-            <a:r>
-              <a:rPr lang="it-IT" i="1" dirty="0" err="1"/>
+              <a:rPr lang="en-US" i="1" noProof="0" dirty="0"/>
+              <a:t> Xu, Wei Yang, </a:t>
+            </a:r>
+            <a:r>
+              <a:rPr lang="en-US" i="1" noProof="0" dirty="0" err="1"/>
               <a:t>Ajin</a:t>
             </a:r>
             <a:r>
-              <a:rPr lang="it-IT" i="1" dirty="0"/>
-              <a:t> </a:t>
-            </a:r>
-            <a:r>
-              <a:rPr lang="it-IT" i="1" dirty="0" err="1"/>
-              <a:t>Meng</a:t>
-            </a:r>
-            <a:r>
-              <a:rPr lang="it-IT" i="1" dirty="0"/>
-              <a:t>, </a:t>
-            </a:r>
-            <a:r>
-              <a:rPr lang="it-IT" i="1" dirty="0" err="1"/>
+              <a:rPr lang="en-US" i="1" noProof="0" dirty="0"/>
+              <a:t> Meng, </a:t>
+            </a:r>
+            <a:r>
+              <a:rPr lang="en-US" i="1" noProof="0" dirty="0" err="1"/>
               <a:t>Nanxue</a:t>
             </a:r>
             <a:r>
-              <a:rPr lang="it-IT" i="1" dirty="0"/>
-              <a:t> Lu, </a:t>
-            </a:r>
-            <a:r>
-              <a:rPr lang="it-IT" i="1" dirty="0" err="1"/>
-              <a:t>Huan</a:t>
-            </a:r>
-            <a:r>
-              <a:rPr lang="it-IT" i="1" dirty="0"/>
-              <a:t> Huang, Changchun Ying, </a:t>
-            </a:r>
-            <a:r>
-              <a:rPr lang="it-IT" i="1" dirty="0" err="1"/>
+              <a:rPr lang="en-US" i="1" noProof="0" dirty="0"/>
+              <a:t> Lu, Huan Huang, Changchun Ying, </a:t>
+            </a:r>
+            <a:r>
+              <a:rPr lang="en-US" i="1" noProof="0" dirty="0" err="1"/>
               <a:t>Liusheng</a:t>
             </a:r>
             <a:r>
-              <a:rPr lang="it-IT" i="1" dirty="0"/>
+              <a:rPr lang="en-US" i="1" noProof="0" dirty="0"/>
               <a:t> Huang</a:t>
             </a:r>
             <a:r>
-              <a:rPr lang="it-IT" dirty="0"/>
-              <a:t>; </a:t>
-            </a:r>
-            <a:r>
-              <a:rPr lang="it-IT" dirty="0" err="1"/>
-              <a:t>Proceedings</a:t>
-            </a:r>
-            <a:r>
-              <a:rPr lang="it-IT" dirty="0"/>
-              <a:t> of the </a:t>
-            </a:r>
-            <a:r>
-              <a:rPr lang="it-IT" dirty="0" err="1"/>
-              <a:t>European</a:t>
-            </a:r>
-            <a:r>
-              <a:rPr lang="it-IT" dirty="0"/>
-              <a:t> Conference on Computer Vision (ECCV), 2018, pp. 255-271</a:t>
+              <a:rPr lang="en-US" noProof="0" dirty="0"/>
+              <a:t>; Proceedings of the European Conference on Computer Vision (ECCV), 2018, pp. 255-271</a:t>
             </a:r>
           </a:p>
           <a:p>
@@ -6903,12 +11063,12 @@
               <a:buAutoNum type="arabicPeriod"/>
             </a:pPr>
             <a:r>
-              <a:rPr lang="it-IT" dirty="0">
+              <a:rPr lang="en-US" noProof="0" dirty="0">
                 <a:hlinkClick r:id="rId4"/>
               </a:rPr>
               <a:t>https://huggingface.co/keremberke/yolov5m-license-plate</a:t>
             </a:r>
-            <a:endParaRPr lang="it-IT" dirty="0"/>
+            <a:endParaRPr lang="en-US" noProof="0" dirty="0"/>
           </a:p>
           <a:p>
             <a:pPr>
@@ -6916,12 +11076,12 @@
               <a:buAutoNum type="arabicPeriod"/>
             </a:pPr>
             <a:r>
-              <a:rPr lang="it-IT" dirty="0">
+              <a:rPr lang="en-US" noProof="0" dirty="0">
                 <a:hlinkClick r:id="rId5"/>
               </a:rPr>
               <a:t>https://github.com/PaddlePaddle/PaddleOCR</a:t>
             </a:r>
-            <a:endParaRPr lang="it-IT" dirty="0"/>
+            <a:endParaRPr lang="en-US" noProof="0" dirty="0"/>
           </a:p>
         </p:txBody>
       </p:sp>
@@ -6992,10 +11152,9 @@
           <a:lstStyle/>
           <a:p>
             <a:r>
-              <a:rPr lang="it-IT" dirty="0" err="1"/>
+              <a:rPr lang="en-US" noProof="0" dirty="0"/>
               <a:t>Outline</a:t>
             </a:r>
-            <a:endParaRPr lang="it-IT" dirty="0"/>
           </a:p>
         </p:txBody>
       </p:sp>
@@ -7017,7 +11176,7 @@
         </p:nvSpPr>
         <p:spPr>
           <a:xfrm>
-            <a:off x="1333502" y="2160589"/>
+            <a:off x="1184646" y="1930400"/>
             <a:ext cx="8596668" cy="3830307"/>
           </a:xfrm>
         </p:spPr>
@@ -7028,103 +11187,57 @@
           <a:lstStyle/>
           <a:p>
             <a:r>
-              <a:rPr lang="it-IT" dirty="0" err="1"/>
-              <a:t>Problem</a:t>
-            </a:r>
-            <a:r>
-              <a:rPr lang="it-IT" dirty="0"/>
-              <a:t> Statement</a:t>
-            </a:r>
-          </a:p>
-          <a:p>
-            <a:r>
-              <a:rPr lang="it-IT" dirty="0"/>
+              <a:rPr lang="en-US" noProof="0" dirty="0"/>
+              <a:t>Problem Statement</a:t>
+            </a:r>
+          </a:p>
+          <a:p>
+            <a:r>
+              <a:rPr lang="en-US" noProof="0" dirty="0"/>
               <a:t>State of the Art</a:t>
             </a:r>
           </a:p>
           <a:p>
             <a:r>
-              <a:rPr lang="it-IT" dirty="0" err="1"/>
-              <a:t>Proposed</a:t>
-            </a:r>
-            <a:r>
-              <a:rPr lang="it-IT" dirty="0"/>
-              <a:t> Method</a:t>
-            </a:r>
-          </a:p>
-          <a:p>
-            <a:r>
-              <a:rPr lang="it-IT" dirty="0"/>
+              <a:rPr lang="en-US" noProof="0" dirty="0"/>
+              <a:t>Proposed Method</a:t>
+            </a:r>
+          </a:p>
+          <a:p>
+            <a:r>
+              <a:rPr lang="en-US" noProof="0" dirty="0"/>
               <a:t>Dataset</a:t>
             </a:r>
           </a:p>
           <a:p>
             <a:r>
-              <a:rPr lang="it-IT" dirty="0" err="1"/>
-              <a:t>Experimental</a:t>
-            </a:r>
-            <a:r>
-              <a:rPr lang="it-IT" dirty="0"/>
-              <a:t> Setup</a:t>
-            </a:r>
-          </a:p>
-          <a:p>
-            <a:r>
-              <a:rPr lang="it-IT" dirty="0"/>
+              <a:rPr lang="en-US" noProof="0" dirty="0"/>
+              <a:t>Experimental Setup</a:t>
+            </a:r>
+          </a:p>
+          <a:p>
+            <a:r>
+              <a:rPr lang="en-US" noProof="0" dirty="0"/>
               <a:t>Model Evaluation</a:t>
             </a:r>
           </a:p>
           <a:p>
             <a:r>
-              <a:rPr lang="it-IT" dirty="0" err="1"/>
-              <a:t>Conlusions</a:t>
-            </a:r>
-            <a:endParaRPr lang="it-IT" dirty="0"/>
-          </a:p>
-          <a:p>
-            <a:r>
-              <a:rPr lang="it-IT" dirty="0" err="1"/>
+              <a:rPr lang="en-US" noProof="0" dirty="0"/>
+              <a:t>Conclusions</a:t>
+            </a:r>
+          </a:p>
+          <a:p>
+            <a:r>
+              <a:rPr lang="en-US" dirty="0"/>
+              <a:t>Future Works</a:t>
+            </a:r>
+            <a:endParaRPr lang="en-US" noProof="0" dirty="0"/>
+          </a:p>
+          <a:p>
+            <a:r>
+              <a:rPr lang="en-US" noProof="0" dirty="0"/>
               <a:t>References</a:t>
-            </a:r>
-            <a:endParaRPr lang="it-IT" dirty="0"/>
-          </a:p>
-        </p:txBody>
-      </p:sp>
-      <p:sp>
-        <p:nvSpPr>
-          <p:cNvPr id="3" name="CasellaDiTesto 2">
-            <a:extLst>
-              <a:ext uri="{FF2B5EF4-FFF2-40B4-BE49-F238E27FC236}">
-                <a16:creationId xmlns:a16="http://schemas.microsoft.com/office/drawing/2014/main" id="{FBBD6CDB-EAC0-6DB8-AFF5-4BAC274A6F90}"/>
-              </a:ext>
-            </a:extLst>
-          </p:cNvPr>
-          <p:cNvSpPr txBox="1"/>
-          <p:nvPr/>
-        </p:nvSpPr>
-        <p:spPr>
-          <a:xfrm>
-            <a:off x="3661801" y="1491497"/>
-            <a:ext cx="6167470" cy="369332"/>
-          </a:xfrm>
-          <a:prstGeom prst="rect">
-            <a:avLst/>
-          </a:prstGeom>
-          <a:noFill/>
-        </p:spPr>
-        <p:txBody>
-          <a:bodyPr wrap="square" rtlCol="0">
-            <a:spAutoFit/>
-          </a:bodyPr>
-          <a:lstStyle/>
-          <a:p>
-            <a:r>
-              <a:rPr lang="it-IT" dirty="0">
-                <a:solidFill>
-                  <a:srgbClr val="FF0000"/>
-                </a:solidFill>
-              </a:rPr>
-              <a:t>AGGIUNGERE NUMERO DI DIAPOSITIVE!!!!</a:t>
             </a:r>
           </a:p>
         </p:txBody>
@@ -7181,12 +11294,8 @@
           <a:lstStyle/>
           <a:p>
             <a:r>
-              <a:rPr lang="it-IT" dirty="0" err="1"/>
-              <a:t>Problem</a:t>
-            </a:r>
-            <a:r>
-              <a:rPr lang="it-IT" dirty="0"/>
-              <a:t> Statement</a:t>
+              <a:rPr lang="en-US" noProof="0" dirty="0"/>
+              <a:t>Problem Statement</a:t>
             </a:r>
           </a:p>
         </p:txBody>
@@ -7216,78 +11325,34 @@
               <a:buNone/>
             </a:pPr>
             <a:r>
-              <a:rPr lang="it-IT" dirty="0" err="1"/>
-              <a:t>Detecting</a:t>
-            </a:r>
-            <a:r>
-              <a:rPr lang="it-IT" dirty="0"/>
-              <a:t> and </a:t>
-            </a:r>
-            <a:r>
-              <a:rPr lang="it-IT" dirty="0" err="1"/>
-              <a:t>recognizing</a:t>
-            </a:r>
-            <a:r>
-              <a:rPr lang="it-IT" dirty="0"/>
-              <a:t> </a:t>
-            </a:r>
-            <a:r>
-              <a:rPr lang="it-IT" dirty="0" err="1"/>
-              <a:t>license</a:t>
-            </a:r>
-            <a:r>
-              <a:rPr lang="it-IT" dirty="0"/>
-              <a:t> </a:t>
-            </a:r>
-            <a:r>
-              <a:rPr lang="it-IT" dirty="0" err="1"/>
-              <a:t>plates</a:t>
-            </a:r>
-            <a:r>
-              <a:rPr lang="it-IT" dirty="0"/>
-              <a:t> </a:t>
-            </a:r>
-            <a:r>
-              <a:rPr lang="it-IT" dirty="0" err="1"/>
-              <a:t>is</a:t>
-            </a:r>
-            <a:r>
-              <a:rPr lang="it-IT" dirty="0"/>
-              <a:t> a </a:t>
-            </a:r>
-            <a:r>
-              <a:rPr lang="it-IT" dirty="0" err="1"/>
-              <a:t>crucial</a:t>
-            </a:r>
-            <a:r>
-              <a:rPr lang="it-IT" dirty="0"/>
-              <a:t> task in computer vision.</a:t>
+              <a:rPr lang="en-US" noProof="0" dirty="0"/>
+              <a:t>Detecting and recognizing license plates is a crucial task in computer vision.</a:t>
             </a:r>
           </a:p>
           <a:p>
             <a:pPr marL="0" indent="0">
               <a:buNone/>
             </a:pPr>
-            <a:endParaRPr lang="it-IT" dirty="0"/>
+            <a:endParaRPr lang="en-US" noProof="0" dirty="0"/>
           </a:p>
           <a:p>
             <a:pPr marL="0" indent="0">
               <a:buNone/>
             </a:pPr>
             <a:r>
-              <a:rPr lang="en-US" dirty="0"/>
+              <a:rPr lang="en-US" noProof="0" dirty="0"/>
               <a:t>It involves two key computer vision steps:</a:t>
             </a:r>
           </a:p>
           <a:p>
             <a:r>
-              <a:rPr lang="en-US" dirty="0"/>
+              <a:rPr lang="en-US" noProof="0" dirty="0"/>
               <a:t>locating license plates within images (detection) and</a:t>
             </a:r>
           </a:p>
           <a:p>
             <a:r>
-              <a:rPr lang="en-US" dirty="0"/>
+              <a:rPr lang="en-US" noProof="0" dirty="0"/>
               <a:t>extracting the alphanumeric characters from them (recognition).</a:t>
             </a:r>
           </a:p>
@@ -7295,17 +11360,16 @@
             <a:pPr marL="0" indent="0">
               <a:buNone/>
             </a:pPr>
-            <a:endParaRPr lang="en-US" dirty="0"/>
+            <a:endParaRPr lang="en-US" noProof="0" dirty="0"/>
           </a:p>
           <a:p>
             <a:pPr marL="0" indent="0">
               <a:buNone/>
             </a:pPr>
             <a:r>
-              <a:rPr lang="en-US" dirty="0"/>
+              <a:rPr lang="en-US" noProof="0" dirty="0"/>
               <a:t>This task is widely used in intelligent transportation systems, such as automated toll collection, traffic law enforcement, and vehicle tracking.</a:t>
             </a:r>
-            <a:endParaRPr lang="it-IT" dirty="0"/>
           </a:p>
         </p:txBody>
       </p:sp>
@@ -7361,7 +11425,7 @@
           <a:lstStyle/>
           <a:p>
             <a:r>
-              <a:rPr lang="it-IT" dirty="0"/>
+              <a:rPr lang="en-US" noProof="0" dirty="0"/>
               <a:t>State of the Art</a:t>
             </a:r>
           </a:p>
@@ -7392,103 +11456,15 @@
               <a:buNone/>
             </a:pPr>
             <a:r>
-              <a:rPr lang="it-IT" dirty="0"/>
-              <a:t>The state of the art </a:t>
-            </a:r>
-            <a:r>
-              <a:rPr lang="it-IT" dirty="0" err="1"/>
-              <a:t>approach</a:t>
-            </a:r>
-            <a:r>
-              <a:rPr lang="it-IT" dirty="0"/>
-              <a:t> </a:t>
-            </a:r>
-            <a:r>
-              <a:rPr lang="it-IT" dirty="0" err="1"/>
-              <a:t>we’ve</a:t>
-            </a:r>
-            <a:r>
-              <a:rPr lang="it-IT" dirty="0"/>
-              <a:t> </a:t>
-            </a:r>
-            <a:r>
-              <a:rPr lang="it-IT" dirty="0" err="1"/>
-              <a:t>looked</a:t>
-            </a:r>
-            <a:r>
-              <a:rPr lang="it-IT" dirty="0"/>
-              <a:t> </a:t>
-            </a:r>
-            <a:r>
-              <a:rPr lang="it-IT" dirty="0" err="1"/>
-              <a:t>at</a:t>
-            </a:r>
-            <a:r>
-              <a:rPr lang="it-IT" dirty="0"/>
-              <a:t> </a:t>
-            </a:r>
-            <a:r>
-              <a:rPr lang="it-IT" dirty="0" err="1"/>
-              <a:t>consists</a:t>
-            </a:r>
-            <a:r>
-              <a:rPr lang="it-IT" dirty="0"/>
-              <a:t> in a YOLOv5-PDLPR model </a:t>
-            </a:r>
-            <a:r>
-              <a:rPr lang="it-IT" dirty="0" err="1"/>
-              <a:t>which</a:t>
-            </a:r>
-            <a:r>
-              <a:rPr lang="it-IT" dirty="0"/>
-              <a:t> </a:t>
-            </a:r>
-            <a:r>
-              <a:rPr lang="it-IT" dirty="0" err="1"/>
-              <a:t>employs</a:t>
-            </a:r>
-            <a:r>
-              <a:rPr lang="it-IT" dirty="0"/>
-              <a:t> the YOLOv5 </a:t>
-            </a:r>
-            <a:r>
-              <a:rPr lang="it-IT" dirty="0" err="1"/>
-              <a:t>detection</a:t>
-            </a:r>
-            <a:r>
-              <a:rPr lang="it-IT" dirty="0"/>
-              <a:t> </a:t>
-            </a:r>
-            <a:r>
-              <a:rPr lang="it-IT" dirty="0" err="1"/>
-              <a:t>algorithm</a:t>
-            </a:r>
-            <a:r>
-              <a:rPr lang="it-IT" dirty="0"/>
-              <a:t> and a PDLPR </a:t>
-            </a:r>
-            <a:r>
-              <a:rPr lang="it-IT" dirty="0" err="1"/>
-              <a:t>algorithm</a:t>
-            </a:r>
-            <a:r>
-              <a:rPr lang="it-IT" dirty="0"/>
-              <a:t> for the </a:t>
-            </a:r>
-            <a:r>
-              <a:rPr lang="it-IT" dirty="0" err="1"/>
-              <a:t>recognition</a:t>
-            </a:r>
-            <a:r>
-              <a:rPr lang="it-IT" dirty="0"/>
-              <a:t> part.</a:t>
+              <a:rPr lang="en-US" noProof="0" dirty="0"/>
+              <a:t>The state-of-the-art approach we’ve looked at consists in a YOLOv5-PDLPR model which employs the YOLOv5 detection algorithm and a PDLPR algorithm for the recognition part.</a:t>
             </a:r>
           </a:p>
           <a:p>
             <a:pPr marL="0" indent="0">
               <a:buNone/>
             </a:pPr>
-            <a:endParaRPr lang="it-IT" dirty="0"/>
+            <a:endParaRPr lang="en-US" noProof="0" dirty="0"/>
           </a:p>
         </p:txBody>
       </p:sp>
@@ -7781,104 +11757,8 @@
               <a:buNone/>
             </a:pPr>
             <a:r>
-              <a:rPr lang="it-IT" dirty="0"/>
-              <a:t>The PDLPR </a:t>
-            </a:r>
-            <a:r>
-              <a:rPr lang="it-IT" dirty="0" err="1"/>
-              <a:t>algorithm</a:t>
-            </a:r>
-            <a:r>
-              <a:rPr lang="it-IT" dirty="0"/>
-              <a:t> </a:t>
-            </a:r>
-            <a:r>
-              <a:rPr lang="it-IT" dirty="0" err="1"/>
-              <a:t>is</a:t>
-            </a:r>
-            <a:r>
-              <a:rPr lang="it-IT" dirty="0"/>
-              <a:t> </a:t>
-            </a:r>
-            <a:r>
-              <a:rPr lang="it-IT" dirty="0" err="1"/>
-              <a:t>described</a:t>
-            </a:r>
-            <a:r>
-              <a:rPr lang="it-IT" dirty="0"/>
-              <a:t> and </a:t>
-            </a:r>
-            <a:r>
-              <a:rPr lang="it-IT" dirty="0" err="1"/>
-              <a:t>proposed</a:t>
-            </a:r>
-            <a:r>
-              <a:rPr lang="it-IT" dirty="0"/>
-              <a:t> in the </a:t>
-            </a:r>
-            <a:r>
-              <a:rPr lang="it-IT" dirty="0" err="1"/>
-              <a:t>reference</a:t>
-            </a:r>
-            <a:r>
-              <a:rPr lang="it-IT" dirty="0"/>
-              <a:t> paper [1] for the project and </a:t>
-            </a:r>
-            <a:r>
-              <a:rPr lang="it-IT" dirty="0" err="1"/>
-              <a:t>is</a:t>
-            </a:r>
-            <a:r>
-              <a:rPr lang="it-IT" dirty="0"/>
-              <a:t> </a:t>
-            </a:r>
-            <a:r>
-              <a:rPr lang="it-IT" dirty="0" err="1"/>
-              <a:t>responsible</a:t>
-            </a:r>
-            <a:r>
-              <a:rPr lang="it-IT" dirty="0"/>
-              <a:t> for </a:t>
-            </a:r>
-            <a:r>
-              <a:rPr lang="it-IT" dirty="0" err="1"/>
-              <a:t>recognizing</a:t>
-            </a:r>
-            <a:r>
-              <a:rPr lang="it-IT" dirty="0"/>
-              <a:t> the </a:t>
-            </a:r>
-            <a:r>
-              <a:rPr lang="it-IT" dirty="0" err="1"/>
-              <a:t>characters</a:t>
-            </a:r>
-            <a:r>
-              <a:rPr lang="it-IT" dirty="0"/>
-              <a:t> in the </a:t>
-            </a:r>
-            <a:r>
-              <a:rPr lang="it-IT" dirty="0" err="1"/>
-              <a:t>cropped</a:t>
-            </a:r>
-            <a:r>
-              <a:rPr lang="it-IT" dirty="0"/>
-              <a:t> </a:t>
-            </a:r>
-            <a:r>
-              <a:rPr lang="it-IT" dirty="0" err="1"/>
-              <a:t>license</a:t>
-            </a:r>
-            <a:r>
-              <a:rPr lang="it-IT" dirty="0"/>
-              <a:t> </a:t>
-            </a:r>
-            <a:r>
-              <a:rPr lang="it-IT" dirty="0" err="1"/>
-              <a:t>plate</a:t>
-            </a:r>
-            <a:r>
-              <a:rPr lang="it-IT" dirty="0"/>
-              <a:t> images.</a:t>
+              <a:rPr lang="en-US" noProof="0" dirty="0"/>
+              <a:t>The PDLPR algorithm is described and proposed in the reference paper [1] for the project and is responsible for recognizing the characters in the cropped license plate images.</a:t>
             </a:r>
           </a:p>
           <a:p>
@@ -7886,7 +11766,7 @@
               <a:buFont typeface="Wingdings 3" charset="2"/>
               <a:buNone/>
             </a:pPr>
-            <a:endParaRPr lang="it-IT" dirty="0"/>
+            <a:endParaRPr lang="en-US" noProof="0" dirty="0"/>
           </a:p>
         </p:txBody>
       </p:sp>
@@ -7912,10 +11792,17 @@
           <a:lstStyle/>
           <a:p>
             <a:r>
-              <a:rPr lang="en-US" dirty="0"/>
-              <a:t>[1] Tao, L.; Hong, S.; Lin, Y.; Chen, Y.; He, P.; Tie, Z. A Real-Time License Plate Detection and Recognition Model in Unconstrained Scenarios. Sensors 2024, 24, 2791. https://doi.org/10.3390/s24092791</a:t>
-            </a:r>
-            <a:endParaRPr lang="it-IT" dirty="0"/>
+              <a:rPr lang="en-US" noProof="0" dirty="0"/>
+              <a:t>[1] Tao, L.; Hong, S.; Lin, Y.; Chen, Y.; He, P.; Tie, Z. A Real-Time License Plate Detection and Recognition Model in Unconstrained Scenarios. Sensors 2024, 24, 2791. https://</a:t>
+            </a:r>
+            <a:r>
+              <a:rPr lang="en-US" noProof="0" dirty="0" err="1"/>
+              <a:t>doi.org</a:t>
+            </a:r>
+            <a:r>
+              <a:rPr lang="en-US" noProof="0" dirty="0"/>
+              <a:t>/10.3390/s24092791</a:t>
+            </a:r>
           </a:p>
         </p:txBody>
       </p:sp>
@@ -7976,12 +11863,8 @@
           <a:lstStyle/>
           <a:p>
             <a:r>
-              <a:rPr lang="it-IT" dirty="0" err="1"/>
-              <a:t>Proposed</a:t>
-            </a:r>
-            <a:r>
-              <a:rPr lang="it-IT" dirty="0"/>
-              <a:t> Method</a:t>
+              <a:rPr lang="en-US" noProof="0" dirty="0"/>
+              <a:t>Proposed Method</a:t>
             </a:r>
           </a:p>
         </p:txBody>
@@ -8016,98 +11899,36 @@
               <a:buNone/>
             </a:pPr>
             <a:r>
-              <a:rPr lang="it-IT" dirty="0" err="1"/>
-              <a:t>We</a:t>
-            </a:r>
-            <a:r>
-              <a:rPr lang="it-IT" dirty="0"/>
-              <a:t> propose a baseline model </a:t>
-            </a:r>
-            <a:r>
-              <a:rPr lang="it-IT" dirty="0" err="1"/>
-              <a:t>composed</a:t>
-            </a:r>
-            <a:r>
-              <a:rPr lang="it-IT" dirty="0"/>
-              <a:t> of:</a:t>
-            </a:r>
-          </a:p>
-          <a:p>
-            <a:r>
-              <a:rPr lang="it-IT" dirty="0"/>
-              <a:t>the YOLOv5 model [2], </a:t>
-            </a:r>
-            <a:r>
-              <a:rPr lang="it-IT" dirty="0" err="1"/>
-              <a:t>trained</a:t>
-            </a:r>
-            <a:r>
-              <a:rPr lang="it-IT" dirty="0"/>
-              <a:t> by </a:t>
-            </a:r>
-            <a:r>
-              <a:rPr lang="it-IT" dirty="0" err="1"/>
-              <a:t>us</a:t>
-            </a:r>
-            <a:r>
-              <a:rPr lang="it-IT" dirty="0"/>
-              <a:t>, for </a:t>
-            </a:r>
-            <a:r>
-              <a:rPr lang="it-IT" dirty="0" err="1"/>
-              <a:t>detection</a:t>
-            </a:r>
-            <a:endParaRPr lang="it-IT" dirty="0"/>
-          </a:p>
-          <a:p>
-            <a:r>
-              <a:rPr lang="it-IT" dirty="0"/>
-              <a:t>a multi-head CNN, </a:t>
-            </a:r>
-            <a:r>
-              <a:rPr lang="it-IT" dirty="0" err="1"/>
-              <a:t>also</a:t>
-            </a:r>
-            <a:r>
-              <a:rPr lang="it-IT" dirty="0"/>
-              <a:t> </a:t>
-            </a:r>
-            <a:r>
-              <a:rPr lang="it-IT" dirty="0" err="1"/>
-              <a:t>trained</a:t>
-            </a:r>
-            <a:r>
-              <a:rPr lang="it-IT" dirty="0"/>
-              <a:t> by </a:t>
-            </a:r>
-            <a:r>
-              <a:rPr lang="it-IT" dirty="0" err="1"/>
-              <a:t>us</a:t>
-            </a:r>
-            <a:r>
-              <a:rPr lang="it-IT" dirty="0"/>
-              <a:t>, for </a:t>
-            </a:r>
-            <a:r>
-              <a:rPr lang="it-IT" dirty="0" err="1"/>
-              <a:t>recognition</a:t>
-            </a:r>
-            <a:endParaRPr lang="it-IT" dirty="0"/>
-          </a:p>
-          <a:p>
-            <a:endParaRPr lang="it-IT" dirty="0"/>
+              <a:rPr lang="en-US" noProof="0" dirty="0"/>
+              <a:t>We propose a baseline model composed of:</a:t>
+            </a:r>
+          </a:p>
+          <a:p>
+            <a:r>
+              <a:rPr lang="en-US" noProof="0" dirty="0"/>
+              <a:t>the YOLOv5 model [2], trained by us, for detection</a:t>
+            </a:r>
+          </a:p>
+          <a:p>
+            <a:r>
+              <a:rPr lang="en-US" noProof="0" dirty="0"/>
+              <a:t>a multi-head CNN, also trained by us, for recognition</a:t>
+            </a:r>
+          </a:p>
+          <a:p>
+            <a:endParaRPr lang="en-US" noProof="0" dirty="0"/>
           </a:p>
           <a:p>
             <a:pPr marL="0" indent="0">
               <a:buNone/>
             </a:pPr>
-            <a:endParaRPr lang="it-IT" dirty="0"/>
+            <a:endParaRPr lang="en-US" noProof="0" dirty="0"/>
           </a:p>
           <a:p>
             <a:pPr marL="0" indent="0">
               <a:buNone/>
             </a:pPr>
-            <a:endParaRPr lang="it-IT" dirty="0"/>
+            <a:endParaRPr lang="en-US" noProof="0" dirty="0"/>
           </a:p>
         </p:txBody>
       </p:sp>
@@ -8370,72 +12191,8 @@
               <a:buNone/>
             </a:pPr>
             <a:r>
-              <a:rPr lang="it-IT" dirty="0"/>
-              <a:t>The YOLOv5 model </a:t>
-            </a:r>
-            <a:r>
-              <a:rPr lang="it-IT" dirty="0" err="1"/>
-              <a:t>detects</a:t>
-            </a:r>
-            <a:r>
-              <a:rPr lang="it-IT" dirty="0"/>
-              <a:t> the </a:t>
-            </a:r>
-            <a:r>
-              <a:rPr lang="it-IT" dirty="0" err="1"/>
-              <a:t>bounding</a:t>
-            </a:r>
-            <a:r>
-              <a:rPr lang="it-IT" dirty="0"/>
-              <a:t> boxes for the </a:t>
-            </a:r>
-            <a:r>
-              <a:rPr lang="it-IT" dirty="0" err="1"/>
-              <a:t>license</a:t>
-            </a:r>
-            <a:r>
-              <a:rPr lang="it-IT" dirty="0"/>
-              <a:t> </a:t>
-            </a:r>
-            <a:r>
-              <a:rPr lang="it-IT" dirty="0" err="1"/>
-              <a:t>plates</a:t>
-            </a:r>
-            <a:r>
-              <a:rPr lang="it-IT" dirty="0"/>
-              <a:t> and </a:t>
-            </a:r>
-            <a:r>
-              <a:rPr lang="it-IT" dirty="0" err="1"/>
-              <a:t>classifies</a:t>
-            </a:r>
-            <a:r>
-              <a:rPr lang="it-IT" dirty="0"/>
-              <a:t> </a:t>
-            </a:r>
-            <a:r>
-              <a:rPr lang="it-IT" dirty="0" err="1"/>
-              <a:t>them</a:t>
-            </a:r>
-            <a:r>
-              <a:rPr lang="it-IT" dirty="0"/>
-              <a:t> </a:t>
-            </a:r>
-            <a:r>
-              <a:rPr lang="it-IT" dirty="0" err="1"/>
-              <a:t>as</a:t>
-            </a:r>
-            <a:r>
-              <a:rPr lang="it-IT" dirty="0"/>
-              <a:t> </a:t>
-            </a:r>
-            <a:r>
-              <a:rPr lang="it-IT" dirty="0" err="1"/>
-              <a:t>such</a:t>
-            </a:r>
-            <a:r>
-              <a:rPr lang="it-IT" dirty="0"/>
-              <a:t>.</a:t>
+              <a:rPr lang="en-US" noProof="0" dirty="0"/>
+              <a:t>The YOLOv5 model detects the bounding boxes for the license plates and classifies them as such.</a:t>
             </a:r>
           </a:p>
         </p:txBody>
@@ -8534,16 +12291,16 @@
           <a:lstStyle/>
           <a:p>
             <a:r>
-              <a:rPr lang="it-IT" dirty="0"/>
+              <a:rPr lang="en-US" noProof="0" dirty="0"/>
               <a:t>[2] </a:t>
             </a:r>
             <a:r>
-              <a:rPr lang="it-IT" dirty="0">
+              <a:rPr lang="en-US" noProof="0" dirty="0">
                 <a:hlinkClick r:id="rId3"/>
               </a:rPr>
               <a:t>https://github.com/ultralytics/yolov5</a:t>
             </a:r>
-            <a:endParaRPr lang="it-IT" dirty="0"/>
+            <a:endParaRPr lang="en-US" noProof="0" dirty="0"/>
           </a:p>
         </p:txBody>
       </p:sp>
@@ -8599,12 +12356,8 @@
           <a:lstStyle/>
           <a:p>
             <a:r>
-              <a:rPr lang="it-IT" dirty="0" err="1"/>
-              <a:t>Proposed</a:t>
-            </a:r>
-            <a:r>
-              <a:rPr lang="it-IT" dirty="0"/>
-              <a:t> Method</a:t>
+              <a:rPr lang="en-US" noProof="0" dirty="0"/>
+              <a:t>Proposed Method</a:t>
             </a:r>
           </a:p>
         </p:txBody>
@@ -8639,48 +12392,8 @@
               <a:buNone/>
             </a:pPr>
             <a:r>
-              <a:rPr lang="it-IT" dirty="0"/>
-              <a:t>The </a:t>
-            </a:r>
-            <a:r>
-              <a:rPr lang="it-IT" dirty="0" err="1"/>
-              <a:t>recognition</a:t>
-            </a:r>
-            <a:r>
-              <a:rPr lang="it-IT" dirty="0"/>
-              <a:t> model </a:t>
-            </a:r>
-            <a:r>
-              <a:rPr lang="it-IT" dirty="0" err="1"/>
-              <a:t>was</a:t>
-            </a:r>
-            <a:r>
-              <a:rPr lang="it-IT" dirty="0"/>
-              <a:t> </a:t>
-            </a:r>
-            <a:r>
-              <a:rPr lang="it-IT" dirty="0" err="1"/>
-              <a:t>created</a:t>
-            </a:r>
-            <a:r>
-              <a:rPr lang="it-IT" dirty="0"/>
-              <a:t> by </a:t>
-            </a:r>
-            <a:r>
-              <a:rPr lang="it-IT" dirty="0" err="1"/>
-              <a:t>us</a:t>
-            </a:r>
-            <a:r>
-              <a:rPr lang="it-IT" dirty="0"/>
-              <a:t> and works </a:t>
-            </a:r>
-            <a:r>
-              <a:rPr lang="it-IT" dirty="0" err="1"/>
-              <a:t>as</a:t>
-            </a:r>
-            <a:r>
-              <a:rPr lang="it-IT" dirty="0"/>
-              <a:t> follows.</a:t>
+              <a:rPr lang="en-US" noProof="0" dirty="0"/>
+              <a:t>The recognition model was created by us and works as follows.</a:t>
             </a:r>
           </a:p>
           <a:p>
@@ -8689,60 +12402,8 @@
               <a:buAutoNum type="arabicPeriod"/>
             </a:pPr>
             <a:r>
-              <a:rPr lang="it-IT" dirty="0" err="1"/>
-              <a:t>It</a:t>
-            </a:r>
-            <a:r>
-              <a:rPr lang="it-IT" dirty="0"/>
-              <a:t> takes an RGB image in input and </a:t>
-            </a:r>
-            <a:r>
-              <a:rPr lang="it-IT" dirty="0" err="1"/>
-              <a:t>crops</a:t>
-            </a:r>
-            <a:r>
-              <a:rPr lang="it-IT" dirty="0"/>
-              <a:t> </a:t>
-            </a:r>
-            <a:r>
-              <a:rPr lang="it-IT" dirty="0" err="1"/>
-              <a:t>it</a:t>
-            </a:r>
-            <a:r>
-              <a:rPr lang="it-IT" dirty="0"/>
-              <a:t> </a:t>
-            </a:r>
-            <a:r>
-              <a:rPr lang="it-IT" dirty="0" err="1"/>
-              <a:t>according</a:t>
-            </a:r>
-            <a:r>
-              <a:rPr lang="it-IT" dirty="0"/>
-              <a:t> to the </a:t>
-            </a:r>
-            <a:r>
-              <a:rPr lang="it-IT" dirty="0" err="1"/>
-              <a:t>bounding</a:t>
-            </a:r>
-            <a:r>
-              <a:rPr lang="it-IT" dirty="0"/>
-              <a:t> box </a:t>
-            </a:r>
-            <a:r>
-              <a:rPr lang="it-IT" dirty="0" err="1"/>
-              <a:t>obtained</a:t>
-            </a:r>
-            <a:r>
-              <a:rPr lang="it-IT" dirty="0"/>
-              <a:t> from </a:t>
-            </a:r>
-            <a:r>
-              <a:rPr lang="it-IT" dirty="0" err="1"/>
-              <a:t>detection</a:t>
-            </a:r>
-            <a:r>
-              <a:rPr lang="it-IT" dirty="0"/>
-              <a:t>.</a:t>
+              <a:rPr lang="en-US" noProof="0" dirty="0"/>
+              <a:t>It takes an RGB image in input and crops it according to the bounding box obtained from detection.</a:t>
             </a:r>
           </a:p>
           <a:p>
@@ -8751,72 +12412,8 @@
               <a:buAutoNum type="arabicPeriod"/>
             </a:pPr>
             <a:r>
-              <a:rPr lang="it-IT" dirty="0"/>
-              <a:t>Features are </a:t>
-            </a:r>
-            <a:r>
-              <a:rPr lang="it-IT" dirty="0" err="1"/>
-              <a:t>extracted</a:t>
-            </a:r>
-            <a:r>
-              <a:rPr lang="it-IT" dirty="0"/>
-              <a:t> from the image by </a:t>
-            </a:r>
-            <a:r>
-              <a:rPr lang="it-IT" dirty="0" err="1"/>
-              <a:t>using</a:t>
-            </a:r>
-            <a:r>
-              <a:rPr lang="it-IT" dirty="0"/>
-              <a:t> </a:t>
-            </a:r>
-            <a:r>
-              <a:rPr lang="it-IT" dirty="0" err="1"/>
-              <a:t>stacked</a:t>
-            </a:r>
-            <a:r>
-              <a:rPr lang="it-IT" dirty="0"/>
-              <a:t> </a:t>
-            </a:r>
-            <a:r>
-              <a:rPr lang="it-IT" dirty="0" err="1"/>
-              <a:t>convolutional</a:t>
-            </a:r>
-            <a:r>
-              <a:rPr lang="it-IT" dirty="0"/>
-              <a:t> </a:t>
-            </a:r>
-            <a:r>
-              <a:rPr lang="it-IT" dirty="0" err="1"/>
-              <a:t>layers</a:t>
-            </a:r>
-            <a:r>
-              <a:rPr lang="it-IT" dirty="0"/>
-              <a:t>, </a:t>
-            </a:r>
-            <a:r>
-              <a:rPr lang="it-IT" dirty="0" err="1"/>
-              <a:t>followed</a:t>
-            </a:r>
-            <a:r>
-              <a:rPr lang="it-IT" dirty="0"/>
-              <a:t> by </a:t>
-            </a:r>
-            <a:r>
-              <a:rPr lang="it-IT" dirty="0" err="1"/>
-              <a:t>ReLU</a:t>
-            </a:r>
-            <a:r>
-              <a:rPr lang="it-IT" dirty="0"/>
-              <a:t> and </a:t>
-            </a:r>
-            <a:r>
-              <a:rPr lang="it-IT" dirty="0" err="1"/>
-              <a:t>MaxPooling</a:t>
-            </a:r>
-            <a:r>
-              <a:rPr lang="it-IT" dirty="0"/>
-              <a:t>.</a:t>
+              <a:rPr lang="en-US" noProof="0" dirty="0"/>
+              <a:t>Features are extracted from the image by using stacked convolutional layers, followed by ReLU and MaxPooling.</a:t>
             </a:r>
           </a:p>
           <a:p>
@@ -8825,48 +12422,8 @@
               <a:buAutoNum type="arabicPeriod"/>
             </a:pPr>
             <a:r>
-              <a:rPr lang="it-IT" dirty="0"/>
-              <a:t>The feature </a:t>
-            </a:r>
-            <a:r>
-              <a:rPr lang="it-IT" dirty="0" err="1"/>
-              <a:t>map</a:t>
-            </a:r>
-            <a:r>
-              <a:rPr lang="it-IT" dirty="0"/>
-              <a:t> </a:t>
-            </a:r>
-            <a:r>
-              <a:rPr lang="it-IT" dirty="0" err="1"/>
-              <a:t>is</a:t>
-            </a:r>
-            <a:r>
-              <a:rPr lang="it-IT" dirty="0"/>
-              <a:t> </a:t>
-            </a:r>
-            <a:r>
-              <a:rPr lang="it-IT" dirty="0" err="1"/>
-              <a:t>flattened</a:t>
-            </a:r>
-            <a:r>
-              <a:rPr lang="it-IT" dirty="0"/>
-              <a:t> </a:t>
-            </a:r>
-            <a:r>
-              <a:rPr lang="it-IT" dirty="0" err="1"/>
-              <a:t>into</a:t>
-            </a:r>
-            <a:r>
-              <a:rPr lang="it-IT" dirty="0"/>
-              <a:t> a single </a:t>
-            </a:r>
-            <a:r>
-              <a:rPr lang="it-IT" dirty="0" err="1"/>
-              <a:t>vector</a:t>
-            </a:r>
-            <a:r>
-              <a:rPr lang="it-IT" dirty="0"/>
-              <a:t> per image.</a:t>
+              <a:rPr lang="en-US" noProof="0" dirty="0"/>
+              <a:t>The feature map is flattened into a single vector per image.</a:t>
             </a:r>
           </a:p>
           <a:p>
@@ -8875,52 +12432,12 @@
               <a:buAutoNum type="arabicPeriod"/>
             </a:pPr>
             <a:r>
-              <a:rPr lang="it-IT" dirty="0"/>
-              <a:t>7 output heads </a:t>
-            </a:r>
-            <a:r>
-              <a:rPr lang="it-IT" dirty="0" err="1"/>
-              <a:t>predict</a:t>
-            </a:r>
-            <a:r>
-              <a:rPr lang="it-IT" dirty="0"/>
-              <a:t> a part of the </a:t>
-            </a:r>
-            <a:r>
-              <a:rPr lang="it-IT" dirty="0" err="1"/>
-              <a:t>license</a:t>
-            </a:r>
-            <a:r>
-              <a:rPr lang="it-IT" dirty="0"/>
-              <a:t> </a:t>
-            </a:r>
-            <a:r>
-              <a:rPr lang="it-IT" dirty="0" err="1"/>
-              <a:t>plate</a:t>
-            </a:r>
-            <a:r>
-              <a:rPr lang="it-IT" dirty="0"/>
-              <a:t> (province, </a:t>
-            </a:r>
-            <a:r>
-              <a:rPr lang="it-IT" dirty="0" err="1"/>
-              <a:t>letters</a:t>
-            </a:r>
-            <a:r>
-              <a:rPr lang="it-IT" dirty="0"/>
-              <a:t>, </a:t>
-            </a:r>
-            <a:r>
-              <a:rPr lang="it-IT" dirty="0" err="1"/>
-              <a:t>numbers</a:t>
-            </a:r>
-            <a:r>
-              <a:rPr lang="it-IT" dirty="0"/>
-              <a:t>)</a:t>
-            </a:r>
-          </a:p>
-          <a:p>
-            <a:endParaRPr lang="it-IT" dirty="0"/>
+              <a:rPr lang="en-US" noProof="0" dirty="0"/>
+              <a:t>7 output heads predict a part of the license plate (province, letters, numbers)</a:t>
+            </a:r>
+          </a:p>
+          <a:p>
+            <a:endParaRPr lang="en-US" noProof="0" dirty="0"/>
           </a:p>
         </p:txBody>
       </p:sp>
@@ -8976,7 +12493,7 @@
           <a:lstStyle/>
           <a:p>
             <a:r>
-              <a:rPr lang="it-IT" dirty="0"/>
+              <a:rPr lang="en-US" noProof="0" dirty="0"/>
               <a:t>Dataset</a:t>
             </a:r>
           </a:p>
@@ -9012,95 +12529,15 @@
               <a:buNone/>
             </a:pPr>
             <a:r>
-              <a:rPr lang="it-IT" dirty="0"/>
-              <a:t>The dataset </a:t>
-            </a:r>
-            <a:r>
-              <a:rPr lang="it-IT" dirty="0" err="1"/>
-              <a:t>we</a:t>
-            </a:r>
-            <a:r>
-              <a:rPr lang="it-IT" dirty="0"/>
-              <a:t> </a:t>
-            </a:r>
-            <a:r>
-              <a:rPr lang="it-IT" dirty="0" err="1"/>
-              <a:t>used</a:t>
-            </a:r>
-            <a:r>
-              <a:rPr lang="it-IT" dirty="0"/>
-              <a:t> for training </a:t>
-            </a:r>
-            <a:r>
-              <a:rPr lang="it-IT" dirty="0" err="1"/>
-              <a:t>is</a:t>
-            </a:r>
-            <a:r>
-              <a:rPr lang="it-IT" dirty="0"/>
-              <a:t> the CCPD2019 dataset [3], </a:t>
-            </a:r>
-            <a:r>
-              <a:rPr lang="it-IT" dirty="0" err="1"/>
-              <a:t>containing</a:t>
-            </a:r>
-            <a:r>
-              <a:rPr lang="it-IT" dirty="0"/>
-              <a:t> a large </a:t>
-            </a:r>
-            <a:r>
-              <a:rPr lang="it-IT" dirty="0" err="1"/>
-              <a:t>quantity</a:t>
-            </a:r>
-            <a:r>
-              <a:rPr lang="it-IT" dirty="0"/>
-              <a:t> of images </a:t>
-            </a:r>
-            <a:r>
-              <a:rPr lang="it-IT" dirty="0" err="1"/>
-              <a:t>depicting</a:t>
-            </a:r>
-            <a:r>
-              <a:rPr lang="it-IT" dirty="0"/>
-              <a:t> </a:t>
-            </a:r>
-            <a:r>
-              <a:rPr lang="it-IT" dirty="0" err="1"/>
-              <a:t>chinese</a:t>
-            </a:r>
-            <a:r>
-              <a:rPr lang="it-IT" dirty="0"/>
-              <a:t> cars with </a:t>
-            </a:r>
-            <a:r>
-              <a:rPr lang="it-IT" dirty="0" err="1"/>
-              <a:t>their</a:t>
-            </a:r>
-            <a:r>
-              <a:rPr lang="it-IT" dirty="0"/>
-              <a:t> </a:t>
-            </a:r>
-            <a:r>
-              <a:rPr lang="it-IT" dirty="0" err="1"/>
-              <a:t>license</a:t>
-            </a:r>
-            <a:r>
-              <a:rPr lang="it-IT" dirty="0"/>
-              <a:t> </a:t>
-            </a:r>
-            <a:r>
-              <a:rPr lang="it-IT" dirty="0" err="1"/>
-              <a:t>plates</a:t>
-            </a:r>
-            <a:r>
-              <a:rPr lang="it-IT" dirty="0"/>
-              <a:t>.</a:t>
+              <a:rPr lang="en-US" noProof="0" dirty="0"/>
+              <a:t>The dataset we used for training is the CCPD2019 dataset [3], containing a large quantity of images depicting Chinese cars with their license plates.</a:t>
             </a:r>
           </a:p>
           <a:p>
             <a:pPr marL="0" indent="0">
               <a:buNone/>
             </a:pPr>
-            <a:endParaRPr lang="it-IT" dirty="0"/>
+            <a:endParaRPr lang="en-US" noProof="0" dirty="0"/>
           </a:p>
         </p:txBody>
       </p:sp>
@@ -9394,92 +12831,8 @@
               <a:buNone/>
             </a:pPr>
             <a:r>
-              <a:rPr lang="it-IT" dirty="0" err="1"/>
-              <a:t>Specifically</a:t>
-            </a:r>
-            <a:r>
-              <a:rPr lang="it-IT" dirty="0"/>
-              <a:t>, </a:t>
-            </a:r>
-            <a:r>
-              <a:rPr lang="it-IT" dirty="0" err="1"/>
-              <a:t>we</a:t>
-            </a:r>
-            <a:r>
-              <a:rPr lang="it-IT" dirty="0"/>
-              <a:t> </a:t>
-            </a:r>
-            <a:r>
-              <a:rPr lang="it-IT" dirty="0" err="1"/>
-              <a:t>used</a:t>
-            </a:r>
-            <a:r>
-              <a:rPr lang="it-IT" dirty="0"/>
-              <a:t> the «CCPD-Base» subset, </a:t>
-            </a:r>
-            <a:r>
-              <a:rPr lang="it-IT" dirty="0" err="1"/>
-              <a:t>containing</a:t>
-            </a:r>
-            <a:r>
-              <a:rPr lang="it-IT" dirty="0"/>
-              <a:t> 200000 images, from </a:t>
-            </a:r>
-            <a:r>
-              <a:rPr lang="it-IT" dirty="0" err="1"/>
-              <a:t>which</a:t>
-            </a:r>
-            <a:r>
-              <a:rPr lang="it-IT" dirty="0"/>
-              <a:t> </a:t>
-            </a:r>
-            <a:r>
-              <a:rPr lang="it-IT" dirty="0" err="1"/>
-              <a:t>we</a:t>
-            </a:r>
-            <a:r>
-              <a:rPr lang="it-IT" dirty="0"/>
-              <a:t> </a:t>
-            </a:r>
-            <a:r>
-              <a:rPr lang="it-IT" dirty="0" err="1"/>
-              <a:t>further</a:t>
-            </a:r>
-            <a:r>
-              <a:rPr lang="it-IT" dirty="0"/>
-              <a:t> </a:t>
-            </a:r>
-            <a:r>
-              <a:rPr lang="it-IT" dirty="0" err="1"/>
-              <a:t>took</a:t>
-            </a:r>
-            <a:r>
-              <a:rPr lang="it-IT" dirty="0"/>
-              <a:t> </a:t>
-            </a:r>
-            <a:r>
-              <a:rPr lang="it-IT" dirty="0" err="1"/>
-              <a:t>other</a:t>
-            </a:r>
-            <a:r>
-              <a:rPr lang="it-IT" dirty="0"/>
-              <a:t> </a:t>
-            </a:r>
-            <a:r>
-              <a:rPr lang="it-IT" dirty="0" err="1"/>
-              <a:t>samller</a:t>
-            </a:r>
-            <a:r>
-              <a:rPr lang="it-IT" dirty="0"/>
-              <a:t> </a:t>
-            </a:r>
-            <a:r>
-              <a:rPr lang="it-IT" dirty="0" err="1"/>
-              <a:t>subsamples</a:t>
-            </a:r>
-            <a:r>
-              <a:rPr lang="it-IT" dirty="0"/>
-              <a:t>.</a:t>
+              <a:rPr lang="en-US" noProof="0" dirty="0"/>
+              <a:t>Specifically, we used the «CCPD-Base» subset, containing 200000 images, from which we further took other smaller subsamples.</a:t>
             </a:r>
           </a:p>
         </p:txBody>
@@ -9506,80 +12859,40 @@
           <a:lstStyle/>
           <a:p>
             <a:r>
-              <a:rPr lang="it-IT" dirty="0"/>
+              <a:rPr lang="en-US" noProof="0" dirty="0"/>
               <a:t>[3] </a:t>
             </a:r>
             <a:r>
-              <a:rPr lang="it-IT" dirty="0" err="1"/>
+              <a:rPr lang="en-US" noProof="0" dirty="0" err="1"/>
               <a:t>Zhenbo</a:t>
             </a:r>
             <a:r>
-              <a:rPr lang="it-IT" dirty="0"/>
-              <a:t> </a:t>
-            </a:r>
-            <a:r>
-              <a:rPr lang="it-IT" dirty="0" err="1"/>
-              <a:t>Xu</a:t>
-            </a:r>
-            <a:r>
-              <a:rPr lang="it-IT" dirty="0"/>
-              <a:t>, Wei Yang, </a:t>
-            </a:r>
-            <a:r>
-              <a:rPr lang="it-IT" dirty="0" err="1"/>
+              <a:rPr lang="en-US" noProof="0" dirty="0"/>
+              <a:t> Xu, Wei Yang, </a:t>
+            </a:r>
+            <a:r>
+              <a:rPr lang="en-US" noProof="0" dirty="0" err="1"/>
               <a:t>Ajin</a:t>
             </a:r>
             <a:r>
-              <a:rPr lang="it-IT" dirty="0"/>
-              <a:t> </a:t>
-            </a:r>
-            <a:r>
-              <a:rPr lang="it-IT" dirty="0" err="1"/>
-              <a:t>Meng</a:t>
-            </a:r>
-            <a:r>
-              <a:rPr lang="it-IT" dirty="0"/>
-              <a:t>, </a:t>
-            </a:r>
-            <a:r>
-              <a:rPr lang="it-IT" dirty="0" err="1"/>
+              <a:rPr lang="en-US" noProof="0" dirty="0"/>
+              <a:t> Meng, </a:t>
+            </a:r>
+            <a:r>
+              <a:rPr lang="en-US" noProof="0" dirty="0" err="1"/>
               <a:t>Nanxue</a:t>
             </a:r>
             <a:r>
-              <a:rPr lang="it-IT" dirty="0"/>
-              <a:t> Lu, </a:t>
-            </a:r>
-            <a:r>
-              <a:rPr lang="it-IT" dirty="0" err="1"/>
-              <a:t>Huan</a:t>
-            </a:r>
-            <a:r>
-              <a:rPr lang="it-IT" dirty="0"/>
-              <a:t> Huang, Changchun Ying, </a:t>
-            </a:r>
-            <a:r>
-              <a:rPr lang="it-IT" dirty="0" err="1"/>
+              <a:rPr lang="en-US" noProof="0" dirty="0"/>
+              <a:t> Lu, Huan Huang, Changchun Ying, </a:t>
+            </a:r>
+            <a:r>
+              <a:rPr lang="en-US" noProof="0" dirty="0" err="1"/>
               <a:t>Liusheng</a:t>
             </a:r>
             <a:r>
-              <a:rPr lang="it-IT" dirty="0"/>
-              <a:t> Huang; </a:t>
-            </a:r>
-            <a:r>
-              <a:rPr lang="it-IT" dirty="0" err="1"/>
-              <a:t>Proceedings</a:t>
-            </a:r>
-            <a:r>
-              <a:rPr lang="it-IT" dirty="0"/>
-              <a:t> of the </a:t>
-            </a:r>
-            <a:r>
-              <a:rPr lang="it-IT" dirty="0" err="1"/>
-              <a:t>European</a:t>
-            </a:r>
-            <a:r>
-              <a:rPr lang="it-IT" dirty="0"/>
-              <a:t> Conference on Computer Vision (ECCV), 2018, pp. 255-271</a:t>
+              <a:rPr lang="en-US" noProof="0" dirty="0"/>
+              <a:t> Huang; Proceedings of the European Conference on Computer Vision (ECCV), 2018, pp. 255-271</a:t>
             </a:r>
           </a:p>
         </p:txBody>
@@ -9636,12 +12949,8 @@
           <a:lstStyle/>
           <a:p>
             <a:r>
-              <a:rPr lang="it-IT" dirty="0" err="1"/>
-              <a:t>Experimental</a:t>
-            </a:r>
-            <a:r>
-              <a:rPr lang="it-IT" dirty="0"/>
-              <a:t> Setup</a:t>
+              <a:rPr lang="en-US" noProof="0" dirty="0"/>
+              <a:t>Experimental Setup</a:t>
             </a:r>
           </a:p>
         </p:txBody>
@@ -9671,225 +12980,47 @@
               <a:buNone/>
             </a:pPr>
             <a:r>
-              <a:rPr lang="it-IT" dirty="0" err="1"/>
-              <a:t>We’ve</a:t>
-            </a:r>
-            <a:r>
-              <a:rPr lang="it-IT" dirty="0"/>
-              <a:t> </a:t>
-            </a:r>
-            <a:r>
-              <a:rPr lang="it-IT" dirty="0" err="1"/>
-              <a:t>developed</a:t>
-            </a:r>
-            <a:r>
-              <a:rPr lang="it-IT" dirty="0"/>
-              <a:t> </a:t>
-            </a:r>
-            <a:r>
-              <a:rPr lang="it-IT" dirty="0" err="1"/>
-              <a:t>our</a:t>
-            </a:r>
-            <a:r>
-              <a:rPr lang="it-IT" dirty="0"/>
-              <a:t> code in a </a:t>
-            </a:r>
-            <a:r>
-              <a:rPr lang="it-IT" dirty="0" err="1"/>
-              <a:t>Colab</a:t>
-            </a:r>
-            <a:r>
-              <a:rPr lang="it-IT" dirty="0"/>
-              <a:t> notebook </a:t>
-            </a:r>
-            <a:r>
-              <a:rPr lang="it-IT" dirty="0" err="1"/>
-              <a:t>containing</a:t>
-            </a:r>
-            <a:r>
-              <a:rPr lang="it-IT" dirty="0"/>
-              <a:t>:</a:t>
-            </a:r>
-          </a:p>
-          <a:p>
-            <a:r>
-              <a:rPr lang="it-IT" dirty="0"/>
-              <a:t>download and </a:t>
-            </a:r>
-            <a:r>
-              <a:rPr lang="it-IT" dirty="0" err="1"/>
-              <a:t>decompression</a:t>
-            </a:r>
-            <a:r>
-              <a:rPr lang="it-IT" dirty="0"/>
-              <a:t> of the dataset</a:t>
-            </a:r>
-          </a:p>
-          <a:p>
-            <a:r>
-              <a:rPr lang="it-IT" dirty="0" err="1"/>
-              <a:t>implementation</a:t>
-            </a:r>
-            <a:r>
-              <a:rPr lang="it-IT" dirty="0"/>
-              <a:t>, training and </a:t>
-            </a:r>
-            <a:r>
-              <a:rPr lang="it-IT" dirty="0" err="1"/>
-              <a:t>evaluation</a:t>
-            </a:r>
-            <a:r>
-              <a:rPr lang="it-IT" dirty="0"/>
-              <a:t> of the models for </a:t>
-            </a:r>
-            <a:r>
-              <a:rPr lang="it-IT" dirty="0" err="1"/>
-              <a:t>detection</a:t>
-            </a:r>
-            <a:r>
-              <a:rPr lang="it-IT" dirty="0"/>
-              <a:t> and </a:t>
-            </a:r>
-            <a:r>
-              <a:rPr lang="it-IT" dirty="0" err="1"/>
-              <a:t>recognition</a:t>
-            </a:r>
-            <a:endParaRPr lang="it-IT" dirty="0"/>
-          </a:p>
-          <a:p>
-            <a:r>
-              <a:rPr lang="it-IT" dirty="0" err="1"/>
-              <a:t>evaluation</a:t>
-            </a:r>
-            <a:r>
-              <a:rPr lang="it-IT" dirty="0"/>
-              <a:t> of the full pipeline</a:t>
-            </a:r>
-          </a:p>
-          <a:p>
-            <a:r>
-              <a:rPr lang="it-IT" dirty="0" err="1"/>
-              <a:t>implementation</a:t>
-            </a:r>
-            <a:r>
-              <a:rPr lang="it-IT" dirty="0"/>
-              <a:t> and </a:t>
-            </a:r>
-            <a:r>
-              <a:rPr lang="it-IT" dirty="0" err="1"/>
-              <a:t>evaluation</a:t>
-            </a:r>
-            <a:r>
-              <a:rPr lang="it-IT" dirty="0"/>
-              <a:t> of a </a:t>
-            </a:r>
-            <a:r>
-              <a:rPr lang="it-IT" dirty="0" err="1"/>
-              <a:t>pretrained</a:t>
-            </a:r>
-            <a:r>
-              <a:rPr lang="it-IT" dirty="0"/>
-              <a:t> model </a:t>
-            </a:r>
-            <a:r>
-              <a:rPr lang="it-IT" dirty="0" err="1"/>
-              <a:t>representing</a:t>
-            </a:r>
-            <a:r>
-              <a:rPr lang="it-IT" dirty="0"/>
-              <a:t> the state of the art </a:t>
-            </a:r>
-            <a:r>
-              <a:rPr lang="it-IT" dirty="0" err="1"/>
-              <a:t>approach</a:t>
-            </a:r>
-            <a:endParaRPr lang="it-IT" dirty="0"/>
+              <a:rPr lang="en-US" noProof="0" dirty="0"/>
+              <a:t>We’ve developed our code in a Colab notebook containing:</a:t>
+            </a:r>
+          </a:p>
+          <a:p>
+            <a:r>
+              <a:rPr lang="en-US" noProof="0" dirty="0"/>
+              <a:t>download and decompression of the dataset</a:t>
+            </a:r>
+          </a:p>
+          <a:p>
+            <a:r>
+              <a:rPr lang="en-US" noProof="0" dirty="0"/>
+              <a:t>implementation, training and evaluation of the models for detection and recognition</a:t>
+            </a:r>
+          </a:p>
+          <a:p>
+            <a:r>
+              <a:rPr lang="en-US" noProof="0" dirty="0"/>
+              <a:t>evaluation of the full pipeline</a:t>
+            </a:r>
+          </a:p>
+          <a:p>
+            <a:r>
+              <a:rPr lang="en-US" noProof="0" dirty="0"/>
+              <a:t>implementation and evaluation of a pretrained model representing the state-of-the-art approach</a:t>
+            </a:r>
           </a:p>
           <a:p>
             <a:pPr marL="0" indent="0">
               <a:buNone/>
             </a:pPr>
-            <a:endParaRPr lang="it-IT" dirty="0"/>
+            <a:endParaRPr lang="en-US" noProof="0" dirty="0"/>
           </a:p>
           <a:p>
             <a:pPr marL="0" indent="0">
               <a:buNone/>
             </a:pPr>
             <a:r>
-              <a:rPr lang="it-IT" dirty="0"/>
-              <a:t>For the state of the art </a:t>
-            </a:r>
-            <a:r>
-              <a:rPr lang="it-IT" dirty="0" err="1"/>
-              <a:t>implementation</a:t>
-            </a:r>
-            <a:r>
-              <a:rPr lang="it-IT" dirty="0"/>
-              <a:t> </a:t>
-            </a:r>
-            <a:r>
-              <a:rPr lang="it-IT" dirty="0" err="1"/>
-              <a:t>we</a:t>
-            </a:r>
-            <a:r>
-              <a:rPr lang="it-IT" dirty="0"/>
-              <a:t> </a:t>
-            </a:r>
-            <a:r>
-              <a:rPr lang="it-IT" dirty="0" err="1"/>
-              <a:t>used</a:t>
-            </a:r>
-            <a:r>
-              <a:rPr lang="it-IT" dirty="0"/>
-              <a:t> a YOLOv5 model [4] </a:t>
-            </a:r>
-            <a:r>
-              <a:rPr lang="it-IT" dirty="0" err="1"/>
-              <a:t>pretrained</a:t>
-            </a:r>
-            <a:r>
-              <a:rPr lang="it-IT" dirty="0"/>
-              <a:t> on </a:t>
-            </a:r>
-            <a:r>
-              <a:rPr lang="it-IT" dirty="0" err="1"/>
-              <a:t>license</a:t>
-            </a:r>
-            <a:r>
-              <a:rPr lang="it-IT" dirty="0"/>
-              <a:t> </a:t>
-            </a:r>
-            <a:r>
-              <a:rPr lang="it-IT" dirty="0" err="1"/>
-              <a:t>plates</a:t>
-            </a:r>
-            <a:r>
-              <a:rPr lang="it-IT" dirty="0"/>
-              <a:t> for </a:t>
-            </a:r>
-            <a:r>
-              <a:rPr lang="it-IT" dirty="0" err="1"/>
-              <a:t>detection</a:t>
-            </a:r>
-            <a:r>
-              <a:rPr lang="it-IT" dirty="0"/>
-              <a:t> and the </a:t>
-            </a:r>
-            <a:r>
-              <a:rPr lang="it-IT" dirty="0" err="1"/>
-              <a:t>PaddleOCR</a:t>
-            </a:r>
-            <a:r>
-              <a:rPr lang="it-IT" dirty="0"/>
-              <a:t> model [5] for </a:t>
-            </a:r>
-            <a:r>
-              <a:rPr lang="it-IT" dirty="0" err="1"/>
-              <a:t>recognition</a:t>
-            </a:r>
-            <a:r>
-              <a:rPr lang="it-IT" dirty="0"/>
-              <a:t>.</a:t>
+              <a:rPr lang="en-US" noProof="0" dirty="0"/>
+              <a:t>For the state-of-the-art implementation we used a YOLOv5 model [4] pretrained on license plates for detection and the PaddleOCR model [5] for recognition.</a:t>
             </a:r>
           </a:p>
         </p:txBody>
@@ -9916,29 +13047,29 @@
           <a:lstStyle/>
           <a:p>
             <a:r>
-              <a:rPr lang="it-IT" dirty="0"/>
+              <a:rPr lang="en-US" noProof="0" dirty="0"/>
               <a:t>[4] </a:t>
             </a:r>
             <a:r>
-              <a:rPr lang="it-IT" dirty="0">
+              <a:rPr lang="en-US" noProof="0" dirty="0">
                 <a:hlinkClick r:id="rId2"/>
               </a:rPr>
               <a:t>https://huggingface.co/keremberke/yolov5m-license-plate</a:t>
             </a:r>
-            <a:endParaRPr lang="it-IT" dirty="0"/>
-          </a:p>
-          <a:p>
-            <a:r>
-              <a:rPr lang="it-IT" dirty="0"/>
+            <a:endParaRPr lang="en-US" noProof="0" dirty="0"/>
+          </a:p>
+          <a:p>
+            <a:r>
+              <a:rPr lang="en-US" noProof="0" dirty="0"/>
               <a:t>[5] </a:t>
             </a:r>
             <a:r>
-              <a:rPr lang="it-IT" dirty="0">
+              <a:rPr lang="en-US" noProof="0" dirty="0">
                 <a:hlinkClick r:id="rId3"/>
               </a:rPr>
               <a:t>https://github.com/PaddlePaddle/PaddleOCR</a:t>
             </a:r>
-            <a:endParaRPr lang="it-IT" dirty="0"/>
+            <a:endParaRPr lang="en-US" noProof="0" dirty="0"/>
           </a:p>
         </p:txBody>
       </p:sp>
@@ -9994,34 +13125,528 @@
           <a:lstStyle/>
           <a:p>
             <a:r>
-              <a:rPr lang="it-IT" dirty="0"/>
-              <a:t>Model Evaluation</a:t>
-            </a:r>
-          </a:p>
-        </p:txBody>
-      </p:sp>
-      <p:sp>
-        <p:nvSpPr>
-          <p:cNvPr id="3" name="Segnaposto contenuto 2">
+              <a:rPr lang="en-US" noProof="0" dirty="0"/>
+              <a:t>Detection Evaluation</a:t>
+            </a:r>
+          </a:p>
+        </p:txBody>
+      </p:sp>
+      <p:graphicFrame>
+        <p:nvGraphicFramePr>
+          <p:cNvPr id="4" name="Tabella 3">
             <a:extLst>
               <a:ext uri="{FF2B5EF4-FFF2-40B4-BE49-F238E27FC236}">
-                <a16:creationId xmlns:a16="http://schemas.microsoft.com/office/drawing/2014/main" id="{24366465-4BC4-09D8-90A0-9ED9A4F7EEF0}"/>
+                <a16:creationId xmlns:a16="http://schemas.microsoft.com/office/drawing/2014/main" id="{CC0D998D-B6CA-6946-3B5A-A0861D355D8D}"/>
               </a:ext>
             </a:extLst>
           </p:cNvPr>
-          <p:cNvSpPr>
-            <a:spLocks noGrp="1"/>
-          </p:cNvSpPr>
-          <p:nvPr>
-            <p:ph idx="1"/>
-          </p:nvPr>
-        </p:nvSpPr>
-        <p:spPr/>
-        <p:txBody>
-          <a:bodyPr/>
+          <p:cNvGraphicFramePr>
+            <a:graphicFrameLocks noGrp="1"/>
+          </p:cNvGraphicFramePr>
+          <p:nvPr>
+            <p:extLst>
+              <p:ext uri="{D42A27DB-BD31-4B8C-83A1-F6EECF244321}">
+                <p14:modId xmlns:p14="http://schemas.microsoft.com/office/powerpoint/2010/main" val="3781592875"/>
+              </p:ext>
+            </p:extLst>
+          </p:nvPr>
+        </p:nvGraphicFramePr>
+        <p:xfrm>
+          <a:off x="741336" y="1573574"/>
+          <a:ext cx="8532665" cy="3649960"/>
+        </p:xfrm>
+        <a:graphic>
+          <a:graphicData uri="http://schemas.openxmlformats.org/drawingml/2006/table">
+            <a:tbl>
+              <a:tblPr firstRow="1" bandRow="1">
+                <a:tableStyleId>{5C22544A-7EE6-4342-B048-85BDC9FD1C3A}</a:tableStyleId>
+              </a:tblPr>
+              <a:tblGrid>
+                <a:gridCol w="1706533">
+                  <a:extLst>
+                    <a:ext uri="{9D8B030D-6E8A-4147-A177-3AD203B41FA5}">
+                      <a16:colId xmlns:a16="http://schemas.microsoft.com/office/drawing/2014/main" val="3913258633"/>
+                    </a:ext>
+                  </a:extLst>
+                </a:gridCol>
+                <a:gridCol w="1706533">
+                  <a:extLst>
+                    <a:ext uri="{9D8B030D-6E8A-4147-A177-3AD203B41FA5}">
+                      <a16:colId xmlns:a16="http://schemas.microsoft.com/office/drawing/2014/main" val="1837831440"/>
+                    </a:ext>
+                  </a:extLst>
+                </a:gridCol>
+                <a:gridCol w="1706533">
+                  <a:extLst>
+                    <a:ext uri="{9D8B030D-6E8A-4147-A177-3AD203B41FA5}">
+                      <a16:colId xmlns:a16="http://schemas.microsoft.com/office/drawing/2014/main" val="3298357006"/>
+                    </a:ext>
+                  </a:extLst>
+                </a:gridCol>
+                <a:gridCol w="1706533">
+                  <a:extLst>
+                    <a:ext uri="{9D8B030D-6E8A-4147-A177-3AD203B41FA5}">
+                      <a16:colId xmlns:a16="http://schemas.microsoft.com/office/drawing/2014/main" val="3896524378"/>
+                    </a:ext>
+                  </a:extLst>
+                </a:gridCol>
+                <a:gridCol w="1706533">
+                  <a:extLst>
+                    <a:ext uri="{9D8B030D-6E8A-4147-A177-3AD203B41FA5}">
+                      <a16:colId xmlns:a16="http://schemas.microsoft.com/office/drawing/2014/main" val="1251171418"/>
+                    </a:ext>
+                  </a:extLst>
+                </a:gridCol>
+              </a:tblGrid>
+              <a:tr h="912490">
+                <a:tc>
+                  <a:txBody>
+                    <a:bodyPr/>
+                    <a:lstStyle/>
+                    <a:p>
+                      <a:pPr algn="ctr"/>
+                      <a:r>
+                        <a:rPr lang="en-US" noProof="0" dirty="0"/>
+                        <a:t>Model</a:t>
+                      </a:r>
+                    </a:p>
+                  </a:txBody>
+                  <a:tcPr anchor="ctr"/>
+                </a:tc>
+                <a:tc>
+                  <a:txBody>
+                    <a:bodyPr/>
+                    <a:lstStyle/>
+                    <a:p>
+                      <a:pPr algn="ctr"/>
+                      <a:r>
+                        <a:rPr lang="en-US" noProof="0" dirty="0"/>
+                        <a:t>Samples</a:t>
+                      </a:r>
+                    </a:p>
+                  </a:txBody>
+                  <a:tcPr anchor="ctr"/>
+                </a:tc>
+                <a:tc>
+                  <a:txBody>
+                    <a:bodyPr/>
+                    <a:lstStyle/>
+                    <a:p>
+                      <a:pPr algn="ctr"/>
+                      <a:r>
+                        <a:rPr lang="en-US" noProof="0" dirty="0"/>
+                        <a:t>Precision</a:t>
+                      </a:r>
+                    </a:p>
+                  </a:txBody>
+                  <a:tcPr anchor="ctr"/>
+                </a:tc>
+                <a:tc>
+                  <a:txBody>
+                    <a:bodyPr/>
+                    <a:lstStyle/>
+                    <a:p>
+                      <a:pPr algn="ctr"/>
+                      <a:r>
+                        <a:rPr lang="en-US" noProof="0" dirty="0"/>
+                        <a:t>Recall</a:t>
+                      </a:r>
+                    </a:p>
+                  </a:txBody>
+                  <a:tcPr anchor="ctr"/>
+                </a:tc>
+                <a:tc>
+                  <a:txBody>
+                    <a:bodyPr/>
+                    <a:lstStyle/>
+                    <a:p>
+                      <a:pPr algn="ctr"/>
+                      <a:r>
+                        <a:rPr lang="en-US" noProof="0" dirty="0"/>
+                        <a:t>AVG </a:t>
+                      </a:r>
+                      <a:r>
+                        <a:rPr lang="en-US" noProof="0" dirty="0" err="1"/>
+                        <a:t>IoU</a:t>
+                      </a:r>
+                      <a:endParaRPr lang="en-US" noProof="0" dirty="0"/>
+                    </a:p>
+                  </a:txBody>
+                  <a:tcPr anchor="ctr"/>
+                </a:tc>
+                <a:extLst>
+                  <a:ext uri="{0D108BD9-81ED-4DB2-BD59-A6C34878D82A}">
+                    <a16:rowId xmlns:a16="http://schemas.microsoft.com/office/drawing/2014/main" val="1497200087"/>
+                  </a:ext>
+                </a:extLst>
+              </a:tr>
+              <a:tr h="912490">
+                <a:tc>
+                  <a:txBody>
+                    <a:bodyPr/>
+                    <a:lstStyle/>
+                    <a:p>
+                      <a:pPr algn="ctr"/>
+                      <a:r>
+                        <a:rPr lang="en-US" noProof="0" dirty="0"/>
+                        <a:t>YOLOv5s</a:t>
+                      </a:r>
+                    </a:p>
+                  </a:txBody>
+                  <a:tcPr anchor="ctr"/>
+                </a:tc>
+                <a:tc>
+                  <a:txBody>
+                    <a:bodyPr/>
+                    <a:lstStyle/>
+                    <a:p>
+                      <a:pPr algn="ctr"/>
+                      <a:r>
+                        <a:rPr lang="en-US" noProof="0" dirty="0"/>
+                        <a:t>20’000</a:t>
+                      </a:r>
+                    </a:p>
+                  </a:txBody>
+                  <a:tcPr anchor="ctr"/>
+                </a:tc>
+                <a:tc>
+                  <a:txBody>
+                    <a:bodyPr/>
+                    <a:lstStyle/>
+                    <a:p>
+                      <a:pPr algn="ctr"/>
+                      <a:r>
+                        <a:rPr lang="en-US" noProof="0" dirty="0"/>
+                        <a:t>99.3%</a:t>
+                      </a:r>
+                    </a:p>
+                  </a:txBody>
+                  <a:tcPr anchor="ctr"/>
+                </a:tc>
+                <a:tc>
+                  <a:txBody>
+                    <a:bodyPr/>
+                    <a:lstStyle/>
+                    <a:p>
+                      <a:pPr algn="ctr"/>
+                      <a:r>
+                        <a:rPr lang="en-US" noProof="0" dirty="0"/>
+                        <a:t>99.2%</a:t>
+                      </a:r>
+                    </a:p>
+                  </a:txBody>
+                  <a:tcPr anchor="ctr"/>
+                </a:tc>
+                <a:tc>
+                  <a:txBody>
+                    <a:bodyPr/>
+                    <a:lstStyle/>
+                    <a:p>
+                      <a:pPr algn="ctr"/>
+                      <a:r>
+                        <a:rPr lang="en-US" noProof="0" dirty="0"/>
+                        <a:t>0.643</a:t>
+                      </a:r>
+                    </a:p>
+                  </a:txBody>
+                  <a:tcPr anchor="ctr"/>
+                </a:tc>
+                <a:extLst>
+                  <a:ext uri="{0D108BD9-81ED-4DB2-BD59-A6C34878D82A}">
+                    <a16:rowId xmlns:a16="http://schemas.microsoft.com/office/drawing/2014/main" val="359970833"/>
+                  </a:ext>
+                </a:extLst>
+              </a:tr>
+              <a:tr h="912490">
+                <a:tc>
+                  <a:txBody>
+                    <a:bodyPr/>
+                    <a:lstStyle/>
+                    <a:p>
+                      <a:pPr algn="ctr"/>
+                      <a:r>
+                        <a:rPr lang="en-US" noProof="0" dirty="0"/>
+                        <a:t>YOLOv5m</a:t>
+                      </a:r>
+                    </a:p>
+                  </a:txBody>
+                  <a:tcPr anchor="ctr"/>
+                </a:tc>
+                <a:tc>
+                  <a:txBody>
+                    <a:bodyPr/>
+                    <a:lstStyle/>
+                    <a:p>
+                      <a:pPr algn="ctr"/>
+                      <a:r>
+                        <a:rPr lang="en-US" noProof="0" dirty="0"/>
+                        <a:t>10’000</a:t>
+                      </a:r>
+                    </a:p>
+                  </a:txBody>
+                  <a:tcPr anchor="ctr"/>
+                </a:tc>
+                <a:tc>
+                  <a:txBody>
+                    <a:bodyPr/>
+                    <a:lstStyle/>
+                    <a:p>
+                      <a:pPr algn="ctr"/>
+                      <a:r>
+                        <a:rPr lang="en-US" noProof="0" dirty="0"/>
+                        <a:t>99.8%</a:t>
+                      </a:r>
+                    </a:p>
+                  </a:txBody>
+                  <a:tcPr anchor="ctr"/>
+                </a:tc>
+                <a:tc>
+                  <a:txBody>
+                    <a:bodyPr/>
+                    <a:lstStyle/>
+                    <a:p>
+                      <a:pPr marL="0" marR="0" lvl="0" indent="0" algn="ctr" defTabSz="457200" rtl="0" eaLnBrk="1" fontAlgn="auto" latinLnBrk="0" hangingPunct="1">
+                        <a:lnSpc>
+                          <a:spcPct val="100000"/>
+                        </a:lnSpc>
+                        <a:spcBef>
+                          <a:spcPts val="0"/>
+                        </a:spcBef>
+                        <a:spcAft>
+                          <a:spcPts val="0"/>
+                        </a:spcAft>
+                        <a:buClrTx/>
+                        <a:buSzTx/>
+                        <a:buFontTx/>
+                        <a:buNone/>
+                        <a:tabLst/>
+                        <a:defRPr/>
+                      </a:pPr>
+                      <a:r>
+                        <a:rPr lang="en-US" noProof="0" dirty="0"/>
+                        <a:t>99.0%</a:t>
+                      </a:r>
+                    </a:p>
+                  </a:txBody>
+                  <a:tcPr anchor="ctr"/>
+                </a:tc>
+                <a:tc>
+                  <a:txBody>
+                    <a:bodyPr/>
+                    <a:lstStyle/>
+                    <a:p>
+                      <a:pPr marL="0" marR="0" lvl="0" indent="0" algn="ctr" defTabSz="457200" rtl="0" eaLnBrk="1" fontAlgn="auto" latinLnBrk="0" hangingPunct="1">
+                        <a:lnSpc>
+                          <a:spcPct val="100000"/>
+                        </a:lnSpc>
+                        <a:spcBef>
+                          <a:spcPts val="0"/>
+                        </a:spcBef>
+                        <a:spcAft>
+                          <a:spcPts val="0"/>
+                        </a:spcAft>
+                        <a:buClrTx/>
+                        <a:buSzTx/>
+                        <a:buFontTx/>
+                        <a:buNone/>
+                        <a:tabLst/>
+                        <a:defRPr/>
+                      </a:pPr>
+                      <a:r>
+                        <a:rPr lang="en-US" noProof="0" dirty="0"/>
+                        <a:t>0.645</a:t>
+                      </a:r>
+                    </a:p>
+                  </a:txBody>
+                  <a:tcPr anchor="ctr"/>
+                </a:tc>
+                <a:extLst>
+                  <a:ext uri="{0D108BD9-81ED-4DB2-BD59-A6C34878D82A}">
+                    <a16:rowId xmlns:a16="http://schemas.microsoft.com/office/drawing/2014/main" val="1639038623"/>
+                  </a:ext>
+                </a:extLst>
+              </a:tr>
+              <a:tr h="912490">
+                <a:tc>
+                  <a:txBody>
+                    <a:bodyPr/>
+                    <a:lstStyle/>
+                    <a:p>
+                      <a:pPr algn="ctr"/>
+                      <a:r>
+                        <a:rPr lang="en-US" noProof="0" dirty="0"/>
+                        <a:t>YOLOv5m</a:t>
+                      </a:r>
+                    </a:p>
+                  </a:txBody>
+                  <a:tcPr anchor="ctr"/>
+                </a:tc>
+                <a:tc>
+                  <a:txBody>
+                    <a:bodyPr/>
+                    <a:lstStyle/>
+                    <a:p>
+                      <a:pPr marL="0" marR="0" lvl="0" indent="0" algn="ctr" defTabSz="457200" rtl="0" eaLnBrk="1" fontAlgn="auto" latinLnBrk="0" hangingPunct="1">
+                        <a:lnSpc>
+                          <a:spcPct val="100000"/>
+                        </a:lnSpc>
+                        <a:spcBef>
+                          <a:spcPts val="0"/>
+                        </a:spcBef>
+                        <a:spcAft>
+                          <a:spcPts val="0"/>
+                        </a:spcAft>
+                        <a:buClrTx/>
+                        <a:buSzTx/>
+                        <a:buFontTx/>
+                        <a:buNone/>
+                        <a:tabLst/>
+                        <a:defRPr/>
+                      </a:pPr>
+                      <a:r>
+                        <a:rPr lang="en-US" noProof="0" dirty="0"/>
+                        <a:t>20’000</a:t>
+                      </a:r>
+                    </a:p>
+                  </a:txBody>
+                  <a:tcPr anchor="ctr"/>
+                </a:tc>
+                <a:tc>
+                  <a:txBody>
+                    <a:bodyPr/>
+                    <a:lstStyle/>
+                    <a:p>
+                      <a:pPr marL="0" marR="0" lvl="0" indent="0" algn="ctr" defTabSz="457200" rtl="0" eaLnBrk="1" fontAlgn="auto" latinLnBrk="0" hangingPunct="1">
+                        <a:lnSpc>
+                          <a:spcPct val="100000"/>
+                        </a:lnSpc>
+                        <a:spcBef>
+                          <a:spcPts val="0"/>
+                        </a:spcBef>
+                        <a:spcAft>
+                          <a:spcPts val="0"/>
+                        </a:spcAft>
+                        <a:buClrTx/>
+                        <a:buSzTx/>
+                        <a:buFontTx/>
+                        <a:buNone/>
+                        <a:tabLst/>
+                        <a:defRPr/>
+                      </a:pPr>
+                      <a:r>
+                        <a:rPr lang="en-US" noProof="0" dirty="0"/>
+                        <a:t>99.0%</a:t>
+                      </a:r>
+                    </a:p>
+                  </a:txBody>
+                  <a:tcPr anchor="ctr"/>
+                </a:tc>
+                <a:tc>
+                  <a:txBody>
+                    <a:bodyPr/>
+                    <a:lstStyle/>
+                    <a:p>
+                      <a:pPr marL="0" marR="0" lvl="0" indent="0" algn="ctr" defTabSz="457200" rtl="0" eaLnBrk="1" fontAlgn="auto" latinLnBrk="0" hangingPunct="1">
+                        <a:lnSpc>
+                          <a:spcPct val="100000"/>
+                        </a:lnSpc>
+                        <a:spcBef>
+                          <a:spcPts val="0"/>
+                        </a:spcBef>
+                        <a:spcAft>
+                          <a:spcPts val="0"/>
+                        </a:spcAft>
+                        <a:buClrTx/>
+                        <a:buSzTx/>
+                        <a:buFontTx/>
+                        <a:buNone/>
+                        <a:tabLst/>
+                        <a:defRPr/>
+                      </a:pPr>
+                      <a:r>
+                        <a:rPr lang="en-US" noProof="0" dirty="0"/>
+                        <a:t>99.0%</a:t>
+                      </a:r>
+                    </a:p>
+                  </a:txBody>
+                  <a:tcPr anchor="ctr"/>
+                </a:tc>
+                <a:tc>
+                  <a:txBody>
+                    <a:bodyPr/>
+                    <a:lstStyle/>
+                    <a:p>
+                      <a:pPr marL="0" marR="0" lvl="0" indent="0" algn="ctr" defTabSz="457200" rtl="0" eaLnBrk="1" fontAlgn="auto" latinLnBrk="0" hangingPunct="1">
+                        <a:lnSpc>
+                          <a:spcPct val="100000"/>
+                        </a:lnSpc>
+                        <a:spcBef>
+                          <a:spcPts val="0"/>
+                        </a:spcBef>
+                        <a:spcAft>
+                          <a:spcPts val="0"/>
+                        </a:spcAft>
+                        <a:buClrTx/>
+                        <a:buSzTx/>
+                        <a:buFontTx/>
+                        <a:buNone/>
+                        <a:tabLst/>
+                        <a:defRPr/>
+                      </a:pPr>
+                      <a:r>
+                        <a:rPr lang="en-US" noProof="0" dirty="0"/>
+                        <a:t>0.649</a:t>
+                      </a:r>
+                    </a:p>
+                  </a:txBody>
+                  <a:tcPr anchor="ctr"/>
+                </a:tc>
+                <a:extLst>
+                  <a:ext uri="{0D108BD9-81ED-4DB2-BD59-A6C34878D82A}">
+                    <a16:rowId xmlns:a16="http://schemas.microsoft.com/office/drawing/2014/main" val="2503884907"/>
+                  </a:ext>
+                </a:extLst>
+              </a:tr>
+            </a:tbl>
+          </a:graphicData>
+        </a:graphic>
+      </p:graphicFrame>
+      <p:sp>
+        <p:nvSpPr>
+          <p:cNvPr id="5" name="CasellaDiTesto 4">
+            <a:extLst>
+              <a:ext uri="{FF2B5EF4-FFF2-40B4-BE49-F238E27FC236}">
+                <a16:creationId xmlns:a16="http://schemas.microsoft.com/office/drawing/2014/main" id="{AEA50E7B-B6F3-0DCB-A8E9-720BD14733CB}"/>
+              </a:ext>
+            </a:extLst>
+          </p:cNvPr>
+          <p:cNvSpPr txBox="1"/>
+          <p:nvPr/>
+        </p:nvSpPr>
+        <p:spPr>
+          <a:xfrm>
+            <a:off x="677334" y="5630530"/>
+            <a:ext cx="4063933" cy="369332"/>
+          </a:xfrm>
+          <a:prstGeom prst="rect">
+            <a:avLst/>
+          </a:prstGeom>
+          <a:noFill/>
+        </p:spPr>
+        <p:txBody>
+          <a:bodyPr wrap="none" rtlCol="0">
+            <a:spAutoFit/>
+          </a:bodyPr>
           <a:lstStyle/>
           <a:p>
-            <a:endParaRPr lang="it-IT" dirty="0"/>
+            <a:pPr marL="285750" indent="-285750">
+              <a:buFont typeface="Arial" panose="020B0604020202020204" pitchFamily="34" charset="0"/>
+              <a:buChar char="•"/>
+            </a:pPr>
+            <a:r>
+              <a:rPr lang="en-US" noProof="0" dirty="0"/>
+              <a:t>YOLO models trained on 20 epochs</a:t>
+            </a:r>
           </a:p>
         </p:txBody>
       </p:sp>

--- a/LicensePlatePresentation.pptx
+++ b/LicensePlatePresentation.pptx
@@ -716,6 +716,180 @@
           <a:bodyPr/>
           <a:lstStyle/>
           <a:p>
+            <a:r>
+              <a:rPr lang="en-US" dirty="0"/>
+              <a:t>6</a:t>
+            </a:r>
+          </a:p>
+        </p:txBody>
+      </p:sp>
+      <p:sp>
+        <p:nvSpPr>
+          <p:cNvPr id="4" name="Segnaposto numero diapositiva 3"/>
+          <p:cNvSpPr>
+            <a:spLocks noGrp="1"/>
+          </p:cNvSpPr>
+          <p:nvPr>
+            <p:ph type="sldNum" sz="quarter" idx="5"/>
+          </p:nvPr>
+        </p:nvSpPr>
+        <p:spPr/>
+        <p:txBody>
+          <a:bodyPr/>
+          <a:lstStyle/>
+          <a:p>
+            <a:fld id="{CDF59EFB-1334-4D27-AB1B-4993812541CF}" type="slidenum">
+              <a:rPr lang="it-IT" smtClean="0"/>
+              <a:t>6</a:t>
+            </a:fld>
+            <a:endParaRPr lang="it-IT"/>
+          </a:p>
+        </p:txBody>
+      </p:sp>
+    </p:spTree>
+    <p:extLst>
+      <p:ext uri="{BB962C8B-B14F-4D97-AF65-F5344CB8AC3E}">
+        <p14:creationId xmlns:p14="http://schemas.microsoft.com/office/powerpoint/2010/main" val="3649542117"/>
+      </p:ext>
+    </p:extLst>
+  </p:cSld>
+  <p:clrMapOvr>
+    <a:masterClrMapping/>
+  </p:clrMapOvr>
+</p:notes>
+</file>
+
+<file path=ppt/notesSlides/notesSlide2.xml><?xml version="1.0" encoding="utf-8"?>
+<p:notes xmlns:a="http://schemas.openxmlformats.org/drawingml/2006/main" xmlns:r="http://schemas.openxmlformats.org/officeDocument/2006/relationships" xmlns:p="http://schemas.openxmlformats.org/presentationml/2006/main">
+  <p:cSld>
+    <p:spTree>
+      <p:nvGrpSpPr>
+        <p:cNvPr id="1" name=""/>
+        <p:cNvGrpSpPr/>
+        <p:nvPr/>
+      </p:nvGrpSpPr>
+      <p:grpSpPr>
+        <a:xfrm>
+          <a:off x="0" y="0"/>
+          <a:ext cx="0" cy="0"/>
+          <a:chOff x="0" y="0"/>
+          <a:chExt cx="0" cy="0"/>
+        </a:xfrm>
+      </p:grpSpPr>
+      <p:sp>
+        <p:nvSpPr>
+          <p:cNvPr id="2" name="Segnaposto immagine diapositiva 1"/>
+          <p:cNvSpPr>
+            <a:spLocks noGrp="1" noRot="1" noChangeAspect="1"/>
+          </p:cNvSpPr>
+          <p:nvPr>
+            <p:ph type="sldImg"/>
+          </p:nvPr>
+        </p:nvSpPr>
+        <p:spPr/>
+      </p:sp>
+      <p:sp>
+        <p:nvSpPr>
+          <p:cNvPr id="3" name="Segnaposto note 2"/>
+          <p:cNvSpPr>
+            <a:spLocks noGrp="1"/>
+          </p:cNvSpPr>
+          <p:nvPr>
+            <p:ph type="body" idx="1"/>
+          </p:nvPr>
+        </p:nvSpPr>
+        <p:spPr/>
+        <p:txBody>
+          <a:bodyPr/>
+          <a:lstStyle/>
+          <a:p>
+            <a:r>
+              <a:rPr lang="en-US" dirty="0"/>
+              <a:t>77</a:t>
+            </a:r>
+          </a:p>
+        </p:txBody>
+      </p:sp>
+      <p:sp>
+        <p:nvSpPr>
+          <p:cNvPr id="4" name="Segnaposto numero diapositiva 3"/>
+          <p:cNvSpPr>
+            <a:spLocks noGrp="1"/>
+          </p:cNvSpPr>
+          <p:nvPr>
+            <p:ph type="sldNum" sz="quarter" idx="5"/>
+          </p:nvPr>
+        </p:nvSpPr>
+        <p:spPr/>
+        <p:txBody>
+          <a:bodyPr/>
+          <a:lstStyle/>
+          <a:p>
+            <a:fld id="{CDF59EFB-1334-4D27-AB1B-4993812541CF}" type="slidenum">
+              <a:rPr lang="it-IT" smtClean="0"/>
+              <a:t>7</a:t>
+            </a:fld>
+            <a:endParaRPr lang="it-IT"/>
+          </a:p>
+        </p:txBody>
+      </p:sp>
+    </p:spTree>
+    <p:extLst>
+      <p:ext uri="{BB962C8B-B14F-4D97-AF65-F5344CB8AC3E}">
+        <p14:creationId xmlns:p14="http://schemas.microsoft.com/office/powerpoint/2010/main" val="4174573470"/>
+      </p:ext>
+    </p:extLst>
+  </p:cSld>
+  <p:clrMapOvr>
+    <a:masterClrMapping/>
+  </p:clrMapOvr>
+</p:notes>
+</file>
+
+<file path=ppt/notesSlides/notesSlide3.xml><?xml version="1.0" encoding="utf-8"?>
+<p:notes xmlns:a="http://schemas.openxmlformats.org/drawingml/2006/main" xmlns:r="http://schemas.openxmlformats.org/officeDocument/2006/relationships" xmlns:p="http://schemas.openxmlformats.org/presentationml/2006/main">
+  <p:cSld>
+    <p:spTree>
+      <p:nvGrpSpPr>
+        <p:cNvPr id="1" name=""/>
+        <p:cNvGrpSpPr/>
+        <p:nvPr/>
+      </p:nvGrpSpPr>
+      <p:grpSpPr>
+        <a:xfrm>
+          <a:off x="0" y="0"/>
+          <a:ext cx="0" cy="0"/>
+          <a:chOff x="0" y="0"/>
+          <a:chExt cx="0" cy="0"/>
+        </a:xfrm>
+      </p:grpSpPr>
+      <p:sp>
+        <p:nvSpPr>
+          <p:cNvPr id="2" name="Segnaposto immagine diapositiva 1"/>
+          <p:cNvSpPr>
+            <a:spLocks noGrp="1" noRot="1" noChangeAspect="1"/>
+          </p:cNvSpPr>
+          <p:nvPr>
+            <p:ph type="sldImg"/>
+          </p:nvPr>
+        </p:nvSpPr>
+        <p:spPr/>
+      </p:sp>
+      <p:sp>
+        <p:nvSpPr>
+          <p:cNvPr id="3" name="Segnaposto note 2"/>
+          <p:cNvSpPr>
+            <a:spLocks noGrp="1"/>
+          </p:cNvSpPr>
+          <p:nvPr>
+            <p:ph type="body" idx="1"/>
+          </p:nvPr>
+        </p:nvSpPr>
+        <p:spPr/>
+        <p:txBody>
+          <a:bodyPr/>
+          <a:lstStyle/>
+          <a:p>
             <a:endParaRPr lang="en-US" dirty="0"/>
           </a:p>
         </p:txBody>
@@ -756,7 +930,7 @@
 </p:notes>
 </file>
 
-<file path=ppt/notesSlides/notesSlide2.xml><?xml version="1.0" encoding="utf-8"?>
+<file path=ppt/notesSlides/notesSlide4.xml><?xml version="1.0" encoding="utf-8"?>
 <p:notes xmlns:a="http://schemas.openxmlformats.org/drawingml/2006/main" xmlns:r="http://schemas.openxmlformats.org/officeDocument/2006/relationships" xmlns:p="http://schemas.openxmlformats.org/presentationml/2006/main">
   <p:cSld>
     <p:spTree>
@@ -864,7 +1038,7 @@
 </p:notes>
 </file>
 
-<file path=ppt/notesSlides/notesSlide3.xml><?xml version="1.0" encoding="utf-8"?>
+<file path=ppt/notesSlides/notesSlide5.xml><?xml version="1.0" encoding="utf-8"?>
 <p:notes xmlns:a="http://schemas.openxmlformats.org/drawingml/2006/main" xmlns:r="http://schemas.openxmlformats.org/officeDocument/2006/relationships" xmlns:p="http://schemas.openxmlformats.org/presentationml/2006/main">
   <p:cSld>
     <p:spTree>
@@ -926,7 +1100,10 @@
           <a:bodyPr/>
           <a:lstStyle/>
           <a:p>
-            <a:endParaRPr lang="en-US" dirty="0"/>
+            <a:r>
+              <a:rPr lang="en-US" dirty="0"/>
+              <a:t>3</a:t>
+            </a:r>
           </a:p>
         </p:txBody>
       </p:sp>
@@ -972,7 +1149,7 @@
 </p:notes>
 </file>
 
-<file path=ppt/notesSlides/notesSlide4.xml><?xml version="1.0" encoding="utf-8"?>
+<file path=ppt/notesSlides/notesSlide6.xml><?xml version="1.0" encoding="utf-8"?>
 <p:notes xmlns:a="http://schemas.openxmlformats.org/drawingml/2006/main" xmlns:r="http://schemas.openxmlformats.org/officeDocument/2006/relationships" xmlns:p="http://schemas.openxmlformats.org/presentationml/2006/main">
   <p:cSld>
     <p:spTree>
@@ -1034,7 +1211,10 @@
           <a:bodyPr/>
           <a:lstStyle/>
           <a:p>
-            <a:endParaRPr lang="en-US" dirty="0"/>
+            <a:r>
+              <a:rPr lang="en-US" dirty="0"/>
+              <a:t>4</a:t>
+            </a:r>
           </a:p>
         </p:txBody>
       </p:sp>
@@ -1071,6 +1251,177 @@
     <p:extLst>
       <p:ext uri="{BB962C8B-B14F-4D97-AF65-F5344CB8AC3E}">
         <p14:creationId xmlns:p14="http://schemas.microsoft.com/office/powerpoint/2010/main" val="35575913"/>
+      </p:ext>
+    </p:extLst>
+  </p:cSld>
+  <p:clrMapOvr>
+    <a:masterClrMapping/>
+  </p:clrMapOvr>
+</p:notes>
+</file>
+
+<file path=ppt/notesSlides/notesSlide7.xml><?xml version="1.0" encoding="utf-8"?>
+<p:notes xmlns:a="http://schemas.openxmlformats.org/drawingml/2006/main" xmlns:r="http://schemas.openxmlformats.org/officeDocument/2006/relationships" xmlns:p="http://schemas.openxmlformats.org/presentationml/2006/main">
+  <p:cSld>
+    <p:spTree>
+      <p:nvGrpSpPr>
+        <p:cNvPr id="1" name=""/>
+        <p:cNvGrpSpPr/>
+        <p:nvPr/>
+      </p:nvGrpSpPr>
+      <p:grpSpPr>
+        <a:xfrm>
+          <a:off x="0" y="0"/>
+          <a:ext cx="0" cy="0"/>
+          <a:chOff x="0" y="0"/>
+          <a:chExt cx="0" cy="0"/>
+        </a:xfrm>
+      </p:grpSpPr>
+      <p:sp>
+        <p:nvSpPr>
+          <p:cNvPr id="2" name="Segnaposto immagine diapositiva 1"/>
+          <p:cNvSpPr>
+            <a:spLocks noGrp="1" noRot="1" noChangeAspect="1"/>
+          </p:cNvSpPr>
+          <p:nvPr>
+            <p:ph type="sldImg"/>
+          </p:nvPr>
+        </p:nvSpPr>
+        <p:spPr/>
+      </p:sp>
+      <p:sp>
+        <p:nvSpPr>
+          <p:cNvPr id="3" name="Segnaposto note 2"/>
+          <p:cNvSpPr>
+            <a:spLocks noGrp="1"/>
+          </p:cNvSpPr>
+          <p:nvPr>
+            <p:ph type="body" idx="1"/>
+          </p:nvPr>
+        </p:nvSpPr>
+        <p:spPr/>
+        <p:txBody>
+          <a:bodyPr/>
+          <a:lstStyle/>
+          <a:p>
+            <a:r>
+              <a:rPr lang="en-US" dirty="0"/>
+              <a:t>5</a:t>
+            </a:r>
+          </a:p>
+        </p:txBody>
+      </p:sp>
+      <p:sp>
+        <p:nvSpPr>
+          <p:cNvPr id="4" name="Segnaposto numero diapositiva 3"/>
+          <p:cNvSpPr>
+            <a:spLocks noGrp="1"/>
+          </p:cNvSpPr>
+          <p:nvPr>
+            <p:ph type="sldNum" sz="quarter" idx="5"/>
+          </p:nvPr>
+        </p:nvSpPr>
+        <p:spPr/>
+        <p:txBody>
+          <a:bodyPr/>
+          <a:lstStyle/>
+          <a:p>
+            <a:fld id="{CDF59EFB-1334-4D27-AB1B-4993812541CF}" type="slidenum">
+              <a:rPr lang="it-IT" smtClean="0"/>
+              <a:t>15</a:t>
+            </a:fld>
+            <a:endParaRPr lang="it-IT"/>
+          </a:p>
+        </p:txBody>
+      </p:sp>
+    </p:spTree>
+    <p:extLst>
+      <p:ext uri="{BB962C8B-B14F-4D97-AF65-F5344CB8AC3E}">
+        <p14:creationId xmlns:p14="http://schemas.microsoft.com/office/powerpoint/2010/main" val="1539015409"/>
+      </p:ext>
+    </p:extLst>
+  </p:cSld>
+  <p:clrMapOvr>
+    <a:masterClrMapping/>
+  </p:clrMapOvr>
+</p:notes>
+</file>
+
+<file path=ppt/notesSlides/notesSlide8.xml><?xml version="1.0" encoding="utf-8"?>
+<p:notes xmlns:a="http://schemas.openxmlformats.org/drawingml/2006/main" xmlns:r="http://schemas.openxmlformats.org/officeDocument/2006/relationships" xmlns:p="http://schemas.openxmlformats.org/presentationml/2006/main">
+  <p:cSld>
+    <p:spTree>
+      <p:nvGrpSpPr>
+        <p:cNvPr id="1" name=""/>
+        <p:cNvGrpSpPr/>
+        <p:nvPr/>
+      </p:nvGrpSpPr>
+      <p:grpSpPr>
+        <a:xfrm>
+          <a:off x="0" y="0"/>
+          <a:ext cx="0" cy="0"/>
+          <a:chOff x="0" y="0"/>
+          <a:chExt cx="0" cy="0"/>
+        </a:xfrm>
+      </p:grpSpPr>
+      <p:sp>
+        <p:nvSpPr>
+          <p:cNvPr id="2" name="Segnaposto immagine diapositiva 1"/>
+          <p:cNvSpPr>
+            <a:spLocks noGrp="1" noRot="1" noChangeAspect="1"/>
+          </p:cNvSpPr>
+          <p:nvPr>
+            <p:ph type="sldImg"/>
+          </p:nvPr>
+        </p:nvSpPr>
+        <p:spPr/>
+      </p:sp>
+      <p:sp>
+        <p:nvSpPr>
+          <p:cNvPr id="3" name="Segnaposto note 2"/>
+          <p:cNvSpPr>
+            <a:spLocks noGrp="1"/>
+          </p:cNvSpPr>
+          <p:nvPr>
+            <p:ph type="body" idx="1"/>
+          </p:nvPr>
+        </p:nvSpPr>
+        <p:spPr/>
+        <p:txBody>
+          <a:bodyPr/>
+          <a:lstStyle/>
+          <a:p>
+            <a:endParaRPr lang="en-US" dirty="0"/>
+          </a:p>
+        </p:txBody>
+      </p:sp>
+      <p:sp>
+        <p:nvSpPr>
+          <p:cNvPr id="4" name="Segnaposto numero diapositiva 3"/>
+          <p:cNvSpPr>
+            <a:spLocks noGrp="1"/>
+          </p:cNvSpPr>
+          <p:nvPr>
+            <p:ph type="sldNum" sz="quarter" idx="5"/>
+          </p:nvPr>
+        </p:nvSpPr>
+        <p:spPr/>
+        <p:txBody>
+          <a:bodyPr/>
+          <a:lstStyle/>
+          <a:p>
+            <a:fld id="{CDF59EFB-1334-4D27-AB1B-4993812541CF}" type="slidenum">
+              <a:rPr lang="it-IT" smtClean="0"/>
+              <a:t>17</a:t>
+            </a:fld>
+            <a:endParaRPr lang="it-IT"/>
+          </a:p>
+        </p:txBody>
+      </p:sp>
+    </p:spTree>
+    <p:extLst>
+      <p:ext uri="{BB962C8B-B14F-4D97-AF65-F5344CB8AC3E}">
+        <p14:creationId xmlns:p14="http://schemas.microsoft.com/office/powerpoint/2010/main" val="51612109"/>
       </p:ext>
     </p:extLst>
   </p:cSld>
@@ -6996,6 +7347,45 @@
           </a:p>
         </p:txBody>
       </p:sp>
+      <p:sp>
+        <p:nvSpPr>
+          <p:cNvPr id="5" name="CasellaDiTesto 4">
+            <a:extLst>
+              <a:ext uri="{FF2B5EF4-FFF2-40B4-BE49-F238E27FC236}">
+                <a16:creationId xmlns:a16="http://schemas.microsoft.com/office/drawing/2014/main" id="{27A4D4AF-A9E4-5C70-EE81-FDA42C40BDDE}"/>
+              </a:ext>
+            </a:extLst>
+          </p:cNvPr>
+          <p:cNvSpPr txBox="1"/>
+          <p:nvPr/>
+        </p:nvSpPr>
+        <p:spPr>
+          <a:xfrm>
+            <a:off x="11249247" y="6294475"/>
+            <a:ext cx="671979" cy="369332"/>
+          </a:xfrm>
+          <a:prstGeom prst="rect">
+            <a:avLst/>
+          </a:prstGeom>
+          <a:noFill/>
+        </p:spPr>
+        <p:txBody>
+          <a:bodyPr wrap="none" rtlCol="0">
+            <a:spAutoFit/>
+          </a:bodyPr>
+          <a:lstStyle/>
+          <a:p>
+            <a:r>
+              <a:rPr lang="en-US" dirty="0">
+                <a:solidFill>
+                  <a:schemeClr val="bg1"/>
+                </a:solidFill>
+              </a:rPr>
+              <a:t>1/17</a:t>
+            </a:r>
+          </a:p>
+        </p:txBody>
+      </p:sp>
     </p:spTree>
     <p:extLst>
       <p:ext uri="{BB962C8B-B14F-4D97-AF65-F5344CB8AC3E}">
@@ -7507,6 +7897,45 @@
             <a:r>
               <a:rPr lang="en-US" noProof="0" dirty="0"/>
               <a:t>Performance scales directly with more data and longer training </a:t>
+            </a:r>
+          </a:p>
+        </p:txBody>
+      </p:sp>
+      <p:sp>
+        <p:nvSpPr>
+          <p:cNvPr id="6" name="CasellaDiTesto 5">
+            <a:extLst>
+              <a:ext uri="{FF2B5EF4-FFF2-40B4-BE49-F238E27FC236}">
+                <a16:creationId xmlns:a16="http://schemas.microsoft.com/office/drawing/2014/main" id="{7DA7553C-3EE1-2C4B-65EB-E9D83928CC1B}"/>
+              </a:ext>
+            </a:extLst>
+          </p:cNvPr>
+          <p:cNvSpPr txBox="1"/>
+          <p:nvPr/>
+        </p:nvSpPr>
+        <p:spPr>
+          <a:xfrm>
+            <a:off x="11249247" y="6294475"/>
+            <a:ext cx="793807" cy="369332"/>
+          </a:xfrm>
+          <a:prstGeom prst="rect">
+            <a:avLst/>
+          </a:prstGeom>
+          <a:noFill/>
+        </p:spPr>
+        <p:txBody>
+          <a:bodyPr wrap="none" rtlCol="0">
+            <a:spAutoFit/>
+          </a:bodyPr>
+          <a:lstStyle/>
+          <a:p>
+            <a:r>
+              <a:rPr lang="en-US" dirty="0">
+                <a:solidFill>
+                  <a:schemeClr val="bg1"/>
+                </a:solidFill>
+              </a:rPr>
+              <a:t>10/17</a:t>
             </a:r>
           </a:p>
         </p:txBody>
@@ -8259,6 +8688,45 @@
             <a:r>
               <a:rPr lang="en-US" noProof="0" dirty="0"/>
               <a:t>All pipeline evaluations run on 20’000 samples</a:t>
+            </a:r>
+          </a:p>
+        </p:txBody>
+      </p:sp>
+      <p:sp>
+        <p:nvSpPr>
+          <p:cNvPr id="8" name="CasellaDiTesto 7">
+            <a:extLst>
+              <a:ext uri="{FF2B5EF4-FFF2-40B4-BE49-F238E27FC236}">
+                <a16:creationId xmlns:a16="http://schemas.microsoft.com/office/drawing/2014/main" id="{4A74ABA8-E75B-57D4-DE0B-1AF862E66A5F}"/>
+              </a:ext>
+            </a:extLst>
+          </p:cNvPr>
+          <p:cNvSpPr txBox="1"/>
+          <p:nvPr/>
+        </p:nvSpPr>
+        <p:spPr>
+          <a:xfrm>
+            <a:off x="11249247" y="6294475"/>
+            <a:ext cx="793807" cy="369332"/>
+          </a:xfrm>
+          <a:prstGeom prst="rect">
+            <a:avLst/>
+          </a:prstGeom>
+          <a:noFill/>
+        </p:spPr>
+        <p:txBody>
+          <a:bodyPr wrap="none" rtlCol="0">
+            <a:spAutoFit/>
+          </a:bodyPr>
+          <a:lstStyle/>
+          <a:p>
+            <a:r>
+              <a:rPr lang="en-US" dirty="0">
+                <a:solidFill>
+                  <a:schemeClr val="bg1"/>
+                </a:solidFill>
+              </a:rPr>
+              <a:t>11/17</a:t>
             </a:r>
           </a:p>
         </p:txBody>
@@ -9037,6 +9505,45 @@
             <a:r>
               <a:rPr lang="en-US" noProof="0" dirty="0"/>
               <a:t>in our custom pipeline</a:t>
+            </a:r>
+          </a:p>
+        </p:txBody>
+      </p:sp>
+      <p:sp>
+        <p:nvSpPr>
+          <p:cNvPr id="5" name="CasellaDiTesto 4">
+            <a:extLst>
+              <a:ext uri="{FF2B5EF4-FFF2-40B4-BE49-F238E27FC236}">
+                <a16:creationId xmlns:a16="http://schemas.microsoft.com/office/drawing/2014/main" id="{05959B99-0516-3DE4-AB6A-A28ED79F6432}"/>
+              </a:ext>
+            </a:extLst>
+          </p:cNvPr>
+          <p:cNvSpPr txBox="1"/>
+          <p:nvPr/>
+        </p:nvSpPr>
+        <p:spPr>
+          <a:xfrm>
+            <a:off x="11249247" y="6294475"/>
+            <a:ext cx="793807" cy="369332"/>
+          </a:xfrm>
+          <a:prstGeom prst="rect">
+            <a:avLst/>
+          </a:prstGeom>
+          <a:noFill/>
+        </p:spPr>
+        <p:txBody>
+          <a:bodyPr wrap="none" rtlCol="0">
+            <a:spAutoFit/>
+          </a:bodyPr>
+          <a:lstStyle/>
+          <a:p>
+            <a:r>
+              <a:rPr lang="en-US" dirty="0">
+                <a:solidFill>
+                  <a:schemeClr val="bg1"/>
+                </a:solidFill>
+              </a:rPr>
+              <a:t>12/17</a:t>
             </a:r>
           </a:p>
         </p:txBody>
@@ -9835,6 +10342,45 @@
           </a:p>
         </p:txBody>
       </p:sp>
+      <p:sp>
+        <p:nvSpPr>
+          <p:cNvPr id="7" name="CasellaDiTesto 6">
+            <a:extLst>
+              <a:ext uri="{FF2B5EF4-FFF2-40B4-BE49-F238E27FC236}">
+                <a16:creationId xmlns:a16="http://schemas.microsoft.com/office/drawing/2014/main" id="{DF34595D-3915-C574-6234-CE05E2821D01}"/>
+              </a:ext>
+            </a:extLst>
+          </p:cNvPr>
+          <p:cNvSpPr txBox="1"/>
+          <p:nvPr/>
+        </p:nvSpPr>
+        <p:spPr>
+          <a:xfrm>
+            <a:off x="11249247" y="6294475"/>
+            <a:ext cx="793807" cy="369332"/>
+          </a:xfrm>
+          <a:prstGeom prst="rect">
+            <a:avLst/>
+          </a:prstGeom>
+          <a:noFill/>
+        </p:spPr>
+        <p:txBody>
+          <a:bodyPr wrap="none" rtlCol="0">
+            <a:spAutoFit/>
+          </a:bodyPr>
+          <a:lstStyle/>
+          <a:p>
+            <a:r>
+              <a:rPr lang="en-US" dirty="0">
+                <a:solidFill>
+                  <a:schemeClr val="bg1"/>
+                </a:solidFill>
+              </a:rPr>
+              <a:t>13/17</a:t>
+            </a:r>
+          </a:p>
+        </p:txBody>
+      </p:sp>
     </p:spTree>
     <p:extLst>
       <p:ext uri="{BB962C8B-B14F-4D97-AF65-F5344CB8AC3E}">
@@ -9926,7 +10472,7 @@
           <p:nvPr>
             <p:extLst>
               <p:ext uri="{D42A27DB-BD31-4B8C-83A1-F6EECF244321}">
-                <p14:modId xmlns:p14="http://schemas.microsoft.com/office/powerpoint/2010/main" val="2665123160"/>
+                <p14:modId xmlns:p14="http://schemas.microsoft.com/office/powerpoint/2010/main" val="1230243429"/>
               </p:ext>
             </p:extLst>
           </p:nvPr>
@@ -10564,7 +11110,7 @@
                       <a:pPr algn="ctr"/>
                       <a:r>
                         <a:rPr lang="en-US" noProof="0" dirty="0"/>
-                        <a:t>TEST%</a:t>
+                        <a:t>86.9%</a:t>
                       </a:r>
                     </a:p>
                   </a:txBody>
@@ -10633,6 +11179,45 @@
             <a:r>
               <a:rPr lang="en-US" noProof="0" dirty="0"/>
               <a:t>highlighting the superior robustness of its advanced recognition architecture.</a:t>
+            </a:r>
+          </a:p>
+        </p:txBody>
+      </p:sp>
+      <p:sp>
+        <p:nvSpPr>
+          <p:cNvPr id="5" name="CasellaDiTesto 4">
+            <a:extLst>
+              <a:ext uri="{FF2B5EF4-FFF2-40B4-BE49-F238E27FC236}">
+                <a16:creationId xmlns:a16="http://schemas.microsoft.com/office/drawing/2014/main" id="{C1FCC323-AD71-7FCF-9887-EE5F80283A97}"/>
+              </a:ext>
+            </a:extLst>
+          </p:cNvPr>
+          <p:cNvSpPr txBox="1"/>
+          <p:nvPr/>
+        </p:nvSpPr>
+        <p:spPr>
+          <a:xfrm>
+            <a:off x="11249247" y="6294475"/>
+            <a:ext cx="793807" cy="369332"/>
+          </a:xfrm>
+          <a:prstGeom prst="rect">
+            <a:avLst/>
+          </a:prstGeom>
+          <a:noFill/>
+        </p:spPr>
+        <p:txBody>
+          <a:bodyPr wrap="none" rtlCol="0">
+            <a:spAutoFit/>
+          </a:bodyPr>
+          <a:lstStyle/>
+          <a:p>
+            <a:r>
+              <a:rPr lang="en-US" dirty="0">
+                <a:solidFill>
+                  <a:schemeClr val="bg1"/>
+                </a:solidFill>
+              </a:rPr>
+              <a:t>14/17</a:t>
             </a:r>
           </a:p>
         </p:txBody>
@@ -10759,6 +11344,45 @@
           </a:p>
         </p:txBody>
       </p:sp>
+      <p:sp>
+        <p:nvSpPr>
+          <p:cNvPr id="5" name="CasellaDiTesto 4">
+            <a:extLst>
+              <a:ext uri="{FF2B5EF4-FFF2-40B4-BE49-F238E27FC236}">
+                <a16:creationId xmlns:a16="http://schemas.microsoft.com/office/drawing/2014/main" id="{859D2F94-3D95-F2BB-5D7E-3AFDD3B3F13C}"/>
+              </a:ext>
+            </a:extLst>
+          </p:cNvPr>
+          <p:cNvSpPr txBox="1"/>
+          <p:nvPr/>
+        </p:nvSpPr>
+        <p:spPr>
+          <a:xfrm>
+            <a:off x="11249247" y="6294475"/>
+            <a:ext cx="793807" cy="369332"/>
+          </a:xfrm>
+          <a:prstGeom prst="rect">
+            <a:avLst/>
+          </a:prstGeom>
+          <a:noFill/>
+        </p:spPr>
+        <p:txBody>
+          <a:bodyPr wrap="none" rtlCol="0">
+            <a:spAutoFit/>
+          </a:bodyPr>
+          <a:lstStyle/>
+          <a:p>
+            <a:r>
+              <a:rPr lang="en-US" dirty="0">
+                <a:solidFill>
+                  <a:schemeClr val="bg1"/>
+                </a:solidFill>
+              </a:rPr>
+              <a:t>15/17</a:t>
+            </a:r>
+          </a:p>
+        </p:txBody>
+      </p:sp>
     </p:spTree>
     <p:extLst>
       <p:ext uri="{BB962C8B-B14F-4D97-AF65-F5344CB8AC3E}">
@@ -10891,6 +11515,45 @@
           </a:p>
         </p:txBody>
       </p:sp>
+      <p:sp>
+        <p:nvSpPr>
+          <p:cNvPr id="12" name="CasellaDiTesto 11">
+            <a:extLst>
+              <a:ext uri="{FF2B5EF4-FFF2-40B4-BE49-F238E27FC236}">
+                <a16:creationId xmlns:a16="http://schemas.microsoft.com/office/drawing/2014/main" id="{2FD8C83B-D4F1-F68A-C7B7-744E6E017389}"/>
+              </a:ext>
+            </a:extLst>
+          </p:cNvPr>
+          <p:cNvSpPr txBox="1"/>
+          <p:nvPr/>
+        </p:nvSpPr>
+        <p:spPr>
+          <a:xfrm>
+            <a:off x="11249247" y="6294475"/>
+            <a:ext cx="793807" cy="369332"/>
+          </a:xfrm>
+          <a:prstGeom prst="rect">
+            <a:avLst/>
+          </a:prstGeom>
+          <a:noFill/>
+        </p:spPr>
+        <p:txBody>
+          <a:bodyPr wrap="none" rtlCol="0">
+            <a:spAutoFit/>
+          </a:bodyPr>
+          <a:lstStyle/>
+          <a:p>
+            <a:r>
+              <a:rPr lang="en-US" dirty="0">
+                <a:solidFill>
+                  <a:schemeClr val="bg1"/>
+                </a:solidFill>
+              </a:rPr>
+              <a:t>16/17</a:t>
+            </a:r>
+          </a:p>
+        </p:txBody>
+      </p:sp>
     </p:spTree>
     <p:extLst>
       <p:ext uri="{BB962C8B-B14F-4D97-AF65-F5344CB8AC3E}">
@@ -10996,7 +11659,7 @@
             </a:r>
             <a:r>
               <a:rPr lang="en-US" noProof="0" dirty="0">
-                <a:hlinkClick r:id="rId2"/>
+                <a:hlinkClick r:id="rId3"/>
               </a:rPr>
               <a:t>https://doi.org/10.3390/s24092791</a:t>
             </a:r>
@@ -11009,7 +11672,7 @@
             </a:pPr>
             <a:r>
               <a:rPr lang="en-US" noProof="0" dirty="0">
-                <a:hlinkClick r:id="rId3"/>
+                <a:hlinkClick r:id="rId4"/>
               </a:rPr>
               <a:t>https://github.com/ultralytics/yolov5</a:t>
             </a:r>
@@ -11064,7 +11727,7 @@
             </a:pPr>
             <a:r>
               <a:rPr lang="en-US" noProof="0" dirty="0">
-                <a:hlinkClick r:id="rId4"/>
+                <a:hlinkClick r:id="rId5"/>
               </a:rPr>
               <a:t>https://huggingface.co/keremberke/yolov5m-license-plate</a:t>
             </a:r>
@@ -11077,11 +11740,50 @@
             </a:pPr>
             <a:r>
               <a:rPr lang="en-US" noProof="0" dirty="0">
-                <a:hlinkClick r:id="rId5"/>
+                <a:hlinkClick r:id="rId6"/>
               </a:rPr>
               <a:t>https://github.com/PaddlePaddle/PaddleOCR</a:t>
             </a:r>
             <a:endParaRPr lang="en-US" noProof="0" dirty="0"/>
+          </a:p>
+        </p:txBody>
+      </p:sp>
+      <p:sp>
+        <p:nvSpPr>
+          <p:cNvPr id="5" name="CasellaDiTesto 4">
+            <a:extLst>
+              <a:ext uri="{FF2B5EF4-FFF2-40B4-BE49-F238E27FC236}">
+                <a16:creationId xmlns:a16="http://schemas.microsoft.com/office/drawing/2014/main" id="{0FE25E3C-6FBB-1F6D-5700-A20341B3A114}"/>
+              </a:ext>
+            </a:extLst>
+          </p:cNvPr>
+          <p:cNvSpPr txBox="1"/>
+          <p:nvPr/>
+        </p:nvSpPr>
+        <p:spPr>
+          <a:xfrm>
+            <a:off x="11249247" y="6294475"/>
+            <a:ext cx="793807" cy="369332"/>
+          </a:xfrm>
+          <a:prstGeom prst="rect">
+            <a:avLst/>
+          </a:prstGeom>
+          <a:noFill/>
+        </p:spPr>
+        <p:txBody>
+          <a:bodyPr wrap="none" rtlCol="0">
+            <a:spAutoFit/>
+          </a:bodyPr>
+          <a:lstStyle/>
+          <a:p>
+            <a:r>
+              <a:rPr lang="en-US" dirty="0">
+                <a:solidFill>
+                  <a:schemeClr val="bg1"/>
+                </a:solidFill>
+              </a:rPr>
+              <a:t>17/17</a:t>
+            </a:r>
           </a:p>
         </p:txBody>
       </p:sp>
@@ -11242,6 +11944,45 @@
           </a:p>
         </p:txBody>
       </p:sp>
+      <p:sp>
+        <p:nvSpPr>
+          <p:cNvPr id="5" name="CasellaDiTesto 4">
+            <a:extLst>
+              <a:ext uri="{FF2B5EF4-FFF2-40B4-BE49-F238E27FC236}">
+                <a16:creationId xmlns:a16="http://schemas.microsoft.com/office/drawing/2014/main" id="{1AEC6E41-3D0C-2A93-85C7-B3E0C961D26B}"/>
+              </a:ext>
+            </a:extLst>
+          </p:cNvPr>
+          <p:cNvSpPr txBox="1"/>
+          <p:nvPr/>
+        </p:nvSpPr>
+        <p:spPr>
+          <a:xfrm>
+            <a:off x="11249247" y="6294475"/>
+            <a:ext cx="671979" cy="369332"/>
+          </a:xfrm>
+          <a:prstGeom prst="rect">
+            <a:avLst/>
+          </a:prstGeom>
+          <a:noFill/>
+        </p:spPr>
+        <p:txBody>
+          <a:bodyPr wrap="none" rtlCol="0">
+            <a:spAutoFit/>
+          </a:bodyPr>
+          <a:lstStyle/>
+          <a:p>
+            <a:r>
+              <a:rPr lang="en-US" dirty="0">
+                <a:solidFill>
+                  <a:schemeClr val="bg1"/>
+                </a:solidFill>
+              </a:rPr>
+              <a:t>2/17</a:t>
+            </a:r>
+          </a:p>
+        </p:txBody>
+      </p:sp>
     </p:spTree>
     <p:extLst>
       <p:ext uri="{BB962C8B-B14F-4D97-AF65-F5344CB8AC3E}">
@@ -11369,6 +12110,45 @@
             <a:r>
               <a:rPr lang="en-US" noProof="0" dirty="0"/>
               <a:t>This task is widely used in intelligent transportation systems, such as automated toll collection, traffic law enforcement, and vehicle tracking.</a:t>
+            </a:r>
+          </a:p>
+        </p:txBody>
+      </p:sp>
+      <p:sp>
+        <p:nvSpPr>
+          <p:cNvPr id="5" name="CasellaDiTesto 4">
+            <a:extLst>
+              <a:ext uri="{FF2B5EF4-FFF2-40B4-BE49-F238E27FC236}">
+                <a16:creationId xmlns:a16="http://schemas.microsoft.com/office/drawing/2014/main" id="{DDCF1B97-1FC0-D26F-8C8E-64E231FD84A1}"/>
+              </a:ext>
+            </a:extLst>
+          </p:cNvPr>
+          <p:cNvSpPr txBox="1"/>
+          <p:nvPr/>
+        </p:nvSpPr>
+        <p:spPr>
+          <a:xfrm>
+            <a:off x="11249247" y="6294475"/>
+            <a:ext cx="671979" cy="369332"/>
+          </a:xfrm>
+          <a:prstGeom prst="rect">
+            <a:avLst/>
+          </a:prstGeom>
+          <a:noFill/>
+        </p:spPr>
+        <p:txBody>
+          <a:bodyPr wrap="none" rtlCol="0">
+            <a:spAutoFit/>
+          </a:bodyPr>
+          <a:lstStyle/>
+          <a:p>
+            <a:r>
+              <a:rPr lang="en-US" dirty="0">
+                <a:solidFill>
+                  <a:schemeClr val="bg1"/>
+                </a:solidFill>
+              </a:rPr>
+              <a:t>3/17</a:t>
             </a:r>
           </a:p>
         </p:txBody>
@@ -11806,6 +12586,45 @@
           </a:p>
         </p:txBody>
       </p:sp>
+      <p:sp>
+        <p:nvSpPr>
+          <p:cNvPr id="6" name="CasellaDiTesto 5">
+            <a:extLst>
+              <a:ext uri="{FF2B5EF4-FFF2-40B4-BE49-F238E27FC236}">
+                <a16:creationId xmlns:a16="http://schemas.microsoft.com/office/drawing/2014/main" id="{56D49093-628A-6351-3A50-E169EB99A712}"/>
+              </a:ext>
+            </a:extLst>
+          </p:cNvPr>
+          <p:cNvSpPr txBox="1"/>
+          <p:nvPr/>
+        </p:nvSpPr>
+        <p:spPr>
+          <a:xfrm>
+            <a:off x="11249247" y="6294475"/>
+            <a:ext cx="671979" cy="369332"/>
+          </a:xfrm>
+          <a:prstGeom prst="rect">
+            <a:avLst/>
+          </a:prstGeom>
+          <a:noFill/>
+        </p:spPr>
+        <p:txBody>
+          <a:bodyPr wrap="none" rtlCol="0">
+            <a:spAutoFit/>
+          </a:bodyPr>
+          <a:lstStyle/>
+          <a:p>
+            <a:r>
+              <a:rPr lang="en-US" dirty="0">
+                <a:solidFill>
+                  <a:schemeClr val="bg1"/>
+                </a:solidFill>
+              </a:rPr>
+              <a:t>4/17</a:t>
+            </a:r>
+          </a:p>
+        </p:txBody>
+      </p:sp>
     </p:spTree>
     <p:extLst>
       <p:ext uri="{BB962C8B-B14F-4D97-AF65-F5344CB8AC3E}">
@@ -12304,6 +13123,45 @@
           </a:p>
         </p:txBody>
       </p:sp>
+      <p:sp>
+        <p:nvSpPr>
+          <p:cNvPr id="6" name="CasellaDiTesto 5">
+            <a:extLst>
+              <a:ext uri="{FF2B5EF4-FFF2-40B4-BE49-F238E27FC236}">
+                <a16:creationId xmlns:a16="http://schemas.microsoft.com/office/drawing/2014/main" id="{4AF2F4B2-5590-72E0-7955-AF8B7C8D5520}"/>
+              </a:ext>
+            </a:extLst>
+          </p:cNvPr>
+          <p:cNvSpPr txBox="1"/>
+          <p:nvPr/>
+        </p:nvSpPr>
+        <p:spPr>
+          <a:xfrm>
+            <a:off x="11249247" y="6294475"/>
+            <a:ext cx="671979" cy="369332"/>
+          </a:xfrm>
+          <a:prstGeom prst="rect">
+            <a:avLst/>
+          </a:prstGeom>
+          <a:noFill/>
+        </p:spPr>
+        <p:txBody>
+          <a:bodyPr wrap="none" rtlCol="0">
+            <a:spAutoFit/>
+          </a:bodyPr>
+          <a:lstStyle/>
+          <a:p>
+            <a:r>
+              <a:rPr lang="en-US" dirty="0">
+                <a:solidFill>
+                  <a:schemeClr val="bg1"/>
+                </a:solidFill>
+              </a:rPr>
+              <a:t>5/17</a:t>
+            </a:r>
+          </a:p>
+        </p:txBody>
+      </p:sp>
     </p:spTree>
     <p:extLst>
       <p:ext uri="{BB962C8B-B14F-4D97-AF65-F5344CB8AC3E}">
@@ -12441,6 +13299,45 @@
           </a:p>
         </p:txBody>
       </p:sp>
+      <p:sp>
+        <p:nvSpPr>
+          <p:cNvPr id="5" name="CasellaDiTesto 4">
+            <a:extLst>
+              <a:ext uri="{FF2B5EF4-FFF2-40B4-BE49-F238E27FC236}">
+                <a16:creationId xmlns:a16="http://schemas.microsoft.com/office/drawing/2014/main" id="{9ECAA432-2F49-FB93-A14E-9EDFB589C4DD}"/>
+              </a:ext>
+            </a:extLst>
+          </p:cNvPr>
+          <p:cNvSpPr txBox="1"/>
+          <p:nvPr/>
+        </p:nvSpPr>
+        <p:spPr>
+          <a:xfrm>
+            <a:off x="11249247" y="6294475"/>
+            <a:ext cx="671979" cy="369332"/>
+          </a:xfrm>
+          <a:prstGeom prst="rect">
+            <a:avLst/>
+          </a:prstGeom>
+          <a:noFill/>
+        </p:spPr>
+        <p:txBody>
+          <a:bodyPr wrap="none" rtlCol="0">
+            <a:spAutoFit/>
+          </a:bodyPr>
+          <a:lstStyle/>
+          <a:p>
+            <a:r>
+              <a:rPr lang="en-US" dirty="0">
+                <a:solidFill>
+                  <a:schemeClr val="bg1"/>
+                </a:solidFill>
+              </a:rPr>
+              <a:t>6/17</a:t>
+            </a:r>
+          </a:p>
+        </p:txBody>
+      </p:sp>
     </p:spTree>
     <p:extLst>
       <p:ext uri="{BB962C8B-B14F-4D97-AF65-F5344CB8AC3E}">
@@ -12556,7 +13453,7 @@
           <p:nvPr/>
         </p:nvPicPr>
         <p:blipFill>
-          <a:blip r:embed="rId2"/>
+          <a:blip r:embed="rId3"/>
           <a:stretch>
             <a:fillRect/>
           </a:stretch>
@@ -12897,6 +13794,45 @@
           </a:p>
         </p:txBody>
       </p:sp>
+      <p:sp>
+        <p:nvSpPr>
+          <p:cNvPr id="8" name="CasellaDiTesto 7">
+            <a:extLst>
+              <a:ext uri="{FF2B5EF4-FFF2-40B4-BE49-F238E27FC236}">
+                <a16:creationId xmlns:a16="http://schemas.microsoft.com/office/drawing/2014/main" id="{568B32AF-354F-5EE9-040D-B02D4AFE8C3A}"/>
+              </a:ext>
+            </a:extLst>
+          </p:cNvPr>
+          <p:cNvSpPr txBox="1"/>
+          <p:nvPr/>
+        </p:nvSpPr>
+        <p:spPr>
+          <a:xfrm>
+            <a:off x="11249247" y="6294475"/>
+            <a:ext cx="671979" cy="369332"/>
+          </a:xfrm>
+          <a:prstGeom prst="rect">
+            <a:avLst/>
+          </a:prstGeom>
+          <a:noFill/>
+        </p:spPr>
+        <p:txBody>
+          <a:bodyPr wrap="none" rtlCol="0">
+            <a:spAutoFit/>
+          </a:bodyPr>
+          <a:lstStyle/>
+          <a:p>
+            <a:r>
+              <a:rPr lang="en-US" dirty="0">
+                <a:solidFill>
+                  <a:schemeClr val="bg1"/>
+                </a:solidFill>
+              </a:rPr>
+              <a:t>7/17</a:t>
+            </a:r>
+          </a:p>
+        </p:txBody>
+      </p:sp>
     </p:spTree>
     <p:extLst>
       <p:ext uri="{BB962C8B-B14F-4D97-AF65-F5344CB8AC3E}">
@@ -13070,6 +14006,45 @@
               <a:t>https://github.com/PaddlePaddle/PaddleOCR</a:t>
             </a:r>
             <a:endParaRPr lang="en-US" noProof="0" dirty="0"/>
+          </a:p>
+        </p:txBody>
+      </p:sp>
+      <p:sp>
+        <p:nvSpPr>
+          <p:cNvPr id="6" name="CasellaDiTesto 5">
+            <a:extLst>
+              <a:ext uri="{FF2B5EF4-FFF2-40B4-BE49-F238E27FC236}">
+                <a16:creationId xmlns:a16="http://schemas.microsoft.com/office/drawing/2014/main" id="{A88151CA-A3AA-92E5-A25A-F19780672DA3}"/>
+              </a:ext>
+            </a:extLst>
+          </p:cNvPr>
+          <p:cNvSpPr txBox="1"/>
+          <p:nvPr/>
+        </p:nvSpPr>
+        <p:spPr>
+          <a:xfrm>
+            <a:off x="11249247" y="6294475"/>
+            <a:ext cx="671979" cy="369332"/>
+          </a:xfrm>
+          <a:prstGeom prst="rect">
+            <a:avLst/>
+          </a:prstGeom>
+          <a:noFill/>
+        </p:spPr>
+        <p:txBody>
+          <a:bodyPr wrap="none" rtlCol="0">
+            <a:spAutoFit/>
+          </a:bodyPr>
+          <a:lstStyle/>
+          <a:p>
+            <a:r>
+              <a:rPr lang="en-US" dirty="0">
+                <a:solidFill>
+                  <a:schemeClr val="bg1"/>
+                </a:solidFill>
+              </a:rPr>
+              <a:t>8/17</a:t>
+            </a:r>
           </a:p>
         </p:txBody>
       </p:sp>
@@ -13646,6 +14621,45 @@
             <a:r>
               <a:rPr lang="en-US" noProof="0" dirty="0"/>
               <a:t>YOLO models trained on 20 epochs</a:t>
+            </a:r>
+          </a:p>
+        </p:txBody>
+      </p:sp>
+      <p:sp>
+        <p:nvSpPr>
+          <p:cNvPr id="7" name="CasellaDiTesto 6">
+            <a:extLst>
+              <a:ext uri="{FF2B5EF4-FFF2-40B4-BE49-F238E27FC236}">
+                <a16:creationId xmlns:a16="http://schemas.microsoft.com/office/drawing/2014/main" id="{0EF78FA9-8511-92EC-A4B4-63DB9374909D}"/>
+              </a:ext>
+            </a:extLst>
+          </p:cNvPr>
+          <p:cNvSpPr txBox="1"/>
+          <p:nvPr/>
+        </p:nvSpPr>
+        <p:spPr>
+          <a:xfrm>
+            <a:off x="11249247" y="6294475"/>
+            <a:ext cx="671979" cy="369332"/>
+          </a:xfrm>
+          <a:prstGeom prst="rect">
+            <a:avLst/>
+          </a:prstGeom>
+          <a:noFill/>
+        </p:spPr>
+        <p:txBody>
+          <a:bodyPr wrap="none" rtlCol="0">
+            <a:spAutoFit/>
+          </a:bodyPr>
+          <a:lstStyle/>
+          <a:p>
+            <a:r>
+              <a:rPr lang="en-US" dirty="0">
+                <a:solidFill>
+                  <a:schemeClr val="bg1"/>
+                </a:solidFill>
+              </a:rPr>
+              <a:t>9/17</a:t>
             </a:r>
           </a:p>
         </p:txBody>

--- a/LicensePlatePresentation.pptx
+++ b/LicensePlatePresentation.pptx
@@ -8019,7 +8019,7 @@
           <p:nvPr>
             <p:extLst>
               <p:ext uri="{D42A27DB-BD31-4B8C-83A1-F6EECF244321}">
-                <p14:modId xmlns:p14="http://schemas.microsoft.com/office/powerpoint/2010/main" val="2662045112"/>
+                <p14:modId xmlns:p14="http://schemas.microsoft.com/office/powerpoint/2010/main" val="1963771647"/>
               </p:ext>
             </p:extLst>
           </p:nvPr>
@@ -8549,6 +8549,36 @@
                       </a:pPr>
                       <a:r>
                         <a:rPr lang="en-US" noProof="0" dirty="0"/>
+                        <a:t>93.0%</a:t>
+                      </a:r>
+                    </a:p>
+                  </a:txBody>
+                  <a:tcPr anchor="ctr"/>
+                </a:tc>
+                <a:tc>
+                  <a:txBody>
+                    <a:bodyPr/>
+                    <a:lstStyle/>
+                    <a:p>
+                      <a:pPr marL="0" marR="0" lvl="0" indent="0" algn="ctr" defTabSz="457200" rtl="0" eaLnBrk="1" fontAlgn="auto" latinLnBrk="0" hangingPunct="1">
+                        <a:lnSpc>
+                          <a:spcPct val="100000"/>
+                        </a:lnSpc>
+                        <a:spcBef>
+                          <a:spcPts val="0"/>
+                        </a:spcBef>
+                        <a:spcAft>
+                          <a:spcPts val="0"/>
+                        </a:spcAft>
+                        <a:buClrTx/>
+                        <a:buSzTx/>
+                        <a:buFontTx/>
+                        <a:buNone/>
+                        <a:tabLst/>
+                        <a:defRPr/>
+                      </a:pPr>
+                      <a:r>
+                        <a:rPr lang="en-US" noProof="0" dirty="0"/>
                         <a:t>98.3%</a:t>
                       </a:r>
                     </a:p>
@@ -8590,36 +8620,6 @@
                     <a:bodyPr/>
                     <a:lstStyle/>
                     <a:p>
-                      <a:pPr marL="0" marR="0" lvl="0" indent="0" algn="ctr" defTabSz="457200" rtl="0" eaLnBrk="1" fontAlgn="auto" latinLnBrk="0" hangingPunct="1">
-                        <a:lnSpc>
-                          <a:spcPct val="100000"/>
-                        </a:lnSpc>
-                        <a:spcBef>
-                          <a:spcPts val="0"/>
-                        </a:spcBef>
-                        <a:spcAft>
-                          <a:spcPts val="0"/>
-                        </a:spcAft>
-                        <a:buClrTx/>
-                        <a:buSzTx/>
-                        <a:buFontTx/>
-                        <a:buNone/>
-                        <a:tabLst/>
-                        <a:defRPr/>
-                      </a:pPr>
-                      <a:r>
-                        <a:rPr lang="en-US" noProof="0" dirty="0"/>
-                        <a:t>85.1%</a:t>
-                      </a:r>
-                    </a:p>
-                  </a:txBody>
-                  <a:tcPr anchor="ctr"/>
-                </a:tc>
-                <a:tc>
-                  <a:txBody>
-                    <a:bodyPr/>
-                    <a:lstStyle/>
-                    <a:p>
                       <a:pPr algn="ctr"/>
                       <a:r>
                         <a:rPr lang="en-US" noProof="0" dirty="0"/>
@@ -8637,7 +8637,7 @@
                       <a:pPr algn="ctr"/>
                       <a:r>
                         <a:rPr lang="en-US" noProof="0" dirty="0"/>
-                        <a:t>95.6%</a:t>
+                        <a:t>86.9%</a:t>
                       </a:r>
                     </a:p>
                   </a:txBody>
@@ -8822,7 +8822,7 @@
           <p:nvPr>
             <p:extLst>
               <p:ext uri="{D42A27DB-BD31-4B8C-83A1-F6EECF244321}">
-                <p14:modId xmlns:p14="http://schemas.microsoft.com/office/powerpoint/2010/main" val="967125985"/>
+                <p14:modId xmlns:p14="http://schemas.microsoft.com/office/powerpoint/2010/main" val="3899535351"/>
               </p:ext>
             </p:extLst>
           </p:nvPr>
@@ -9360,6 +9360,36 @@
                       </a:pPr>
                       <a:r>
                         <a:rPr lang="en-US" noProof="0" dirty="0"/>
+                        <a:t>93.0%</a:t>
+                      </a:r>
+                    </a:p>
+                  </a:txBody>
+                  <a:tcPr anchor="ctr"/>
+                </a:tc>
+                <a:tc>
+                  <a:txBody>
+                    <a:bodyPr/>
+                    <a:lstStyle/>
+                    <a:p>
+                      <a:pPr marL="0" marR="0" lvl="0" indent="0" algn="ctr" defTabSz="457200" rtl="0" eaLnBrk="1" fontAlgn="auto" latinLnBrk="0" hangingPunct="1">
+                        <a:lnSpc>
+                          <a:spcPct val="100000"/>
+                        </a:lnSpc>
+                        <a:spcBef>
+                          <a:spcPts val="0"/>
+                        </a:spcBef>
+                        <a:spcAft>
+                          <a:spcPts val="0"/>
+                        </a:spcAft>
+                        <a:buClrTx/>
+                        <a:buSzTx/>
+                        <a:buFontTx/>
+                        <a:buNone/>
+                        <a:tabLst/>
+                        <a:defRPr/>
+                      </a:pPr>
+                      <a:r>
+                        <a:rPr lang="en-US" noProof="0" dirty="0"/>
                         <a:t>98.3%</a:t>
                       </a:r>
                     </a:p>
@@ -9401,36 +9431,6 @@
                     <a:bodyPr/>
                     <a:lstStyle/>
                     <a:p>
-                      <a:pPr marL="0" marR="0" lvl="0" indent="0" algn="ctr" defTabSz="457200" rtl="0" eaLnBrk="1" fontAlgn="auto" latinLnBrk="0" hangingPunct="1">
-                        <a:lnSpc>
-                          <a:spcPct val="100000"/>
-                        </a:lnSpc>
-                        <a:spcBef>
-                          <a:spcPts val="0"/>
-                        </a:spcBef>
-                        <a:spcAft>
-                          <a:spcPts val="0"/>
-                        </a:spcAft>
-                        <a:buClrTx/>
-                        <a:buSzTx/>
-                        <a:buFontTx/>
-                        <a:buNone/>
-                        <a:tabLst/>
-                        <a:defRPr/>
-                      </a:pPr>
-                      <a:r>
-                        <a:rPr lang="en-US" noProof="0" dirty="0"/>
-                        <a:t>85.1%</a:t>
-                      </a:r>
-                    </a:p>
-                  </a:txBody>
-                  <a:tcPr anchor="ctr"/>
-                </a:tc>
-                <a:tc>
-                  <a:txBody>
-                    <a:bodyPr/>
-                    <a:lstStyle/>
-                    <a:p>
                       <a:pPr algn="ctr"/>
                       <a:r>
                         <a:rPr lang="en-US" noProof="0" dirty="0"/>
@@ -9448,7 +9448,7 @@
                       <a:pPr algn="ctr"/>
                       <a:r>
                         <a:rPr lang="en-US" noProof="0" dirty="0"/>
-                        <a:t>95.6%</a:t>
+                        <a:t>86.9%</a:t>
                       </a:r>
                     </a:p>
                   </a:txBody>
@@ -9639,7 +9639,7 @@
           <p:nvPr>
             <p:extLst>
               <p:ext uri="{D42A27DB-BD31-4B8C-83A1-F6EECF244321}">
-                <p14:modId xmlns:p14="http://schemas.microsoft.com/office/powerpoint/2010/main" val="4087277856"/>
+                <p14:modId xmlns:p14="http://schemas.microsoft.com/office/powerpoint/2010/main" val="1144972060"/>
               </p:ext>
             </p:extLst>
           </p:nvPr>
@@ -10193,6 +10193,36 @@
                       </a:pPr>
                       <a:r>
                         <a:rPr lang="en-US" noProof="0" dirty="0"/>
+                        <a:t>93.0%</a:t>
+                      </a:r>
+                    </a:p>
+                  </a:txBody>
+                  <a:tcPr anchor="ctr"/>
+                </a:tc>
+                <a:tc>
+                  <a:txBody>
+                    <a:bodyPr/>
+                    <a:lstStyle/>
+                    <a:p>
+                      <a:pPr marL="0" marR="0" lvl="0" indent="0" algn="ctr" defTabSz="457200" rtl="0" eaLnBrk="1" fontAlgn="auto" latinLnBrk="0" hangingPunct="1">
+                        <a:lnSpc>
+                          <a:spcPct val="100000"/>
+                        </a:lnSpc>
+                        <a:spcBef>
+                          <a:spcPts val="0"/>
+                        </a:spcBef>
+                        <a:spcAft>
+                          <a:spcPts val="0"/>
+                        </a:spcAft>
+                        <a:buClrTx/>
+                        <a:buSzTx/>
+                        <a:buFontTx/>
+                        <a:buNone/>
+                        <a:tabLst/>
+                        <a:defRPr/>
+                      </a:pPr>
+                      <a:r>
+                        <a:rPr lang="en-US" noProof="0" dirty="0"/>
                         <a:t>98.3%</a:t>
                       </a:r>
                     </a:p>
@@ -10234,36 +10264,6 @@
                     <a:bodyPr/>
                     <a:lstStyle/>
                     <a:p>
-                      <a:pPr marL="0" marR="0" lvl="0" indent="0" algn="ctr" defTabSz="457200" rtl="0" eaLnBrk="1" fontAlgn="auto" latinLnBrk="0" hangingPunct="1">
-                        <a:lnSpc>
-                          <a:spcPct val="100000"/>
-                        </a:lnSpc>
-                        <a:spcBef>
-                          <a:spcPts val="0"/>
-                        </a:spcBef>
-                        <a:spcAft>
-                          <a:spcPts val="0"/>
-                        </a:spcAft>
-                        <a:buClrTx/>
-                        <a:buSzTx/>
-                        <a:buFontTx/>
-                        <a:buNone/>
-                        <a:tabLst/>
-                        <a:defRPr/>
-                      </a:pPr>
-                      <a:r>
-                        <a:rPr lang="en-US" noProof="0" dirty="0"/>
-                        <a:t>85.1%</a:t>
-                      </a:r>
-                    </a:p>
-                  </a:txBody>
-                  <a:tcPr anchor="ctr"/>
-                </a:tc>
-                <a:tc>
-                  <a:txBody>
-                    <a:bodyPr/>
-                    <a:lstStyle/>
-                    <a:p>
                       <a:pPr algn="ctr"/>
                       <a:r>
                         <a:rPr lang="en-US" noProof="0" dirty="0"/>
@@ -10281,7 +10281,7 @@
                       <a:pPr algn="ctr"/>
                       <a:r>
                         <a:rPr lang="en-US" noProof="0" dirty="0"/>
-                        <a:t>95.6%</a:t>
+                        <a:t>86.9%</a:t>
                       </a:r>
                     </a:p>
                   </a:txBody>
